--- a/Personal Practical Cybersecurity/Personal Practical Cybersecurity.pptx
+++ b/Personal Practical Cybersecurity/Personal Practical Cybersecurity.pptx
@@ -7,13 +7,13 @@
   <p:sldIdLst>
     <p:sldId id="256" r:id="rId2"/>
     <p:sldId id="260" r:id="rId3"/>
-    <p:sldId id="281" r:id="rId4"/>
-    <p:sldId id="280" r:id="rId5"/>
-    <p:sldId id="282" r:id="rId6"/>
-    <p:sldId id="261" r:id="rId7"/>
-    <p:sldId id="287" r:id="rId8"/>
-    <p:sldId id="268" r:id="rId9"/>
-    <p:sldId id="264" r:id="rId10"/>
+    <p:sldId id="280" r:id="rId4"/>
+    <p:sldId id="282" r:id="rId5"/>
+    <p:sldId id="261" r:id="rId6"/>
+    <p:sldId id="287" r:id="rId7"/>
+    <p:sldId id="268" r:id="rId8"/>
+    <p:sldId id="264" r:id="rId9"/>
+    <p:sldId id="289" r:id="rId10"/>
     <p:sldId id="265" r:id="rId11"/>
     <p:sldId id="259" r:id="rId12"/>
     <p:sldId id="278" r:id="rId13"/>
@@ -131,13 +131,18 @@
       </a:defRPr>
     </a:lvl9pPr>
   </p:defaultTextStyle>
+  <p:extLst>
+    <p:ext uri="{EFAFB233-063F-42B5-8137-9DF3F51BA10A}">
+      <p15:sldGuideLst xmlns:p15="http://schemas.microsoft.com/office/powerpoint/2012/main"/>
+    </p:ext>
+  </p:extLst>
 </p:presentation>
 </file>
 
 <file path=ppt/revisionInfo.xml><?xml version="1.0" encoding="utf-8"?>
 <p1510:revInfo xmlns:a="http://schemas.openxmlformats.org/drawingml/2006/main" xmlns:r="http://schemas.openxmlformats.org/officeDocument/2006/relationships" xmlns:p1510="http://schemas.microsoft.com/office/powerpoint/2015/10/main">
   <p1510:revLst>
-    <p1510:client id="{661F648E-E2FA-44A4-A62C-A104C39D23A7}" v="5" dt="2019-06-27T23:40:54.373"/>
+    <p1510:client id="{21780EC7-48F1-479C-B262-47D82C4FC68B}" v="23" dt="2019-07-01T23:21:25.782"/>
   </p1510:revLst>
 </p1510:revInfo>
 </file>
@@ -342,6 +347,370 @@
       </pc:sldChg>
     </pc:docChg>
   </pc:docChgLst>
+  <pc:docChgLst>
+    <pc:chgData name="william a" userId="c66c7249b60d4ab2" providerId="LiveId" clId="{21780EC7-48F1-479C-B262-47D82C4FC68B}"/>
+    <pc:docChg chg="undo redo custSel addSld delSld modSld">
+      <pc:chgData name="william a" userId="c66c7249b60d4ab2" providerId="LiveId" clId="{21780EC7-48F1-479C-B262-47D82C4FC68B}" dt="2019-07-02T00:09:09.380" v="1061" actId="113"/>
+      <pc:docMkLst>
+        <pc:docMk/>
+      </pc:docMkLst>
+      <pc:sldChg chg="modSp">
+        <pc:chgData name="william a" userId="c66c7249b60d4ab2" providerId="LiveId" clId="{21780EC7-48F1-479C-B262-47D82C4FC68B}" dt="2019-07-01T23:56:55.475" v="1060" actId="113"/>
+        <pc:sldMkLst>
+          <pc:docMk/>
+          <pc:sldMk cId="1854012467" sldId="259"/>
+        </pc:sldMkLst>
+        <pc:spChg chg="mod">
+          <ac:chgData name="william a" userId="c66c7249b60d4ab2" providerId="LiveId" clId="{21780EC7-48F1-479C-B262-47D82C4FC68B}" dt="2019-07-01T23:56:55.475" v="1060" actId="113"/>
+          <ac:spMkLst>
+            <pc:docMk/>
+            <pc:sldMk cId="1854012467" sldId="259"/>
+            <ac:spMk id="3" creationId="{65B32B1F-E0DF-456C-B7E0-F6CB2CBEA651}"/>
+          </ac:spMkLst>
+        </pc:spChg>
+      </pc:sldChg>
+      <pc:sldChg chg="modSp">
+        <pc:chgData name="william a" userId="c66c7249b60d4ab2" providerId="LiveId" clId="{21780EC7-48F1-479C-B262-47D82C4FC68B}" dt="2019-07-01T22:34:55.157" v="49" actId="20577"/>
+        <pc:sldMkLst>
+          <pc:docMk/>
+          <pc:sldMk cId="3987729892" sldId="261"/>
+        </pc:sldMkLst>
+        <pc:spChg chg="mod">
+          <ac:chgData name="william a" userId="c66c7249b60d4ab2" providerId="LiveId" clId="{21780EC7-48F1-479C-B262-47D82C4FC68B}" dt="2019-07-01T22:34:55.157" v="49" actId="20577"/>
+          <ac:spMkLst>
+            <pc:docMk/>
+            <pc:sldMk cId="3987729892" sldId="261"/>
+            <ac:spMk id="3" creationId="{65B32B1F-E0DF-456C-B7E0-F6CB2CBEA651}"/>
+          </ac:spMkLst>
+        </pc:spChg>
+      </pc:sldChg>
+      <pc:sldChg chg="modSp">
+        <pc:chgData name="william a" userId="c66c7249b60d4ab2" providerId="LiveId" clId="{21780EC7-48F1-479C-B262-47D82C4FC68B}" dt="2019-07-01T23:03:53.373" v="368" actId="27636"/>
+        <pc:sldMkLst>
+          <pc:docMk/>
+          <pc:sldMk cId="2363797164" sldId="264"/>
+        </pc:sldMkLst>
+        <pc:spChg chg="mod">
+          <ac:chgData name="william a" userId="c66c7249b60d4ab2" providerId="LiveId" clId="{21780EC7-48F1-479C-B262-47D82C4FC68B}" dt="2019-07-01T23:03:53.373" v="368" actId="27636"/>
+          <ac:spMkLst>
+            <pc:docMk/>
+            <pc:sldMk cId="2363797164" sldId="264"/>
+            <ac:spMk id="3" creationId="{65B32B1F-E0DF-456C-B7E0-F6CB2CBEA651}"/>
+          </ac:spMkLst>
+        </pc:spChg>
+      </pc:sldChg>
+      <pc:sldChg chg="modSp">
+        <pc:chgData name="william a" userId="c66c7249b60d4ab2" providerId="LiveId" clId="{21780EC7-48F1-479C-B262-47D82C4FC68B}" dt="2019-07-01T23:06:29.431" v="617" actId="20577"/>
+        <pc:sldMkLst>
+          <pc:docMk/>
+          <pc:sldMk cId="3846503020" sldId="265"/>
+        </pc:sldMkLst>
+        <pc:spChg chg="mod">
+          <ac:chgData name="william a" userId="c66c7249b60d4ab2" providerId="LiveId" clId="{21780EC7-48F1-479C-B262-47D82C4FC68B}" dt="2019-07-01T23:06:29.431" v="617" actId="20577"/>
+          <ac:spMkLst>
+            <pc:docMk/>
+            <pc:sldMk cId="3846503020" sldId="265"/>
+            <ac:spMk id="3" creationId="{65B32B1F-E0DF-456C-B7E0-F6CB2CBEA651}"/>
+          </ac:spMkLst>
+        </pc:spChg>
+      </pc:sldChg>
+      <pc:sldChg chg="addSp delSp modSp">
+        <pc:chgData name="william a" userId="c66c7249b60d4ab2" providerId="LiveId" clId="{21780EC7-48F1-479C-B262-47D82C4FC68B}" dt="2019-07-01T23:08:48.131" v="855" actId="1076"/>
+        <pc:sldMkLst>
+          <pc:docMk/>
+          <pc:sldMk cId="2920234693" sldId="266"/>
+        </pc:sldMkLst>
+        <pc:picChg chg="add del mod">
+          <ac:chgData name="william a" userId="c66c7249b60d4ab2" providerId="LiveId" clId="{21780EC7-48F1-479C-B262-47D82C4FC68B}" dt="2019-07-01T22:36:10.257" v="62" actId="478"/>
+          <ac:picMkLst>
+            <pc:docMk/>
+            <pc:sldMk cId="2920234693" sldId="266"/>
+            <ac:picMk id="4" creationId="{C8B538B1-3147-4D95-AADF-0D0E7E2B6519}"/>
+          </ac:picMkLst>
+        </pc:picChg>
+        <pc:picChg chg="add mod">
+          <ac:chgData name="william a" userId="c66c7249b60d4ab2" providerId="LiveId" clId="{21780EC7-48F1-479C-B262-47D82C4FC68B}" dt="2019-07-01T23:08:48.131" v="855" actId="1076"/>
+          <ac:picMkLst>
+            <pc:docMk/>
+            <pc:sldMk cId="2920234693" sldId="266"/>
+            <ac:picMk id="5" creationId="{BBA9C656-6F70-4925-8B8A-69B65FA112C7}"/>
+          </ac:picMkLst>
+        </pc:picChg>
+        <pc:picChg chg="mod">
+          <ac:chgData name="william a" userId="c66c7249b60d4ab2" providerId="LiveId" clId="{21780EC7-48F1-479C-B262-47D82C4FC68B}" dt="2019-07-01T23:08:46.707" v="854" actId="1076"/>
+          <ac:picMkLst>
+            <pc:docMk/>
+            <pc:sldMk cId="2920234693" sldId="266"/>
+            <ac:picMk id="6" creationId="{A1E34164-E89A-417F-9FA3-9AC0F86AFD3C}"/>
+          </ac:picMkLst>
+        </pc:picChg>
+      </pc:sldChg>
+      <pc:sldChg chg="addSp modSp">
+        <pc:chgData name="william a" userId="c66c7249b60d4ab2" providerId="LiveId" clId="{21780EC7-48F1-479C-B262-47D82C4FC68B}" dt="2019-07-01T22:36:39.993" v="88" actId="207"/>
+        <pc:sldMkLst>
+          <pc:docMk/>
+          <pc:sldMk cId="556003552" sldId="267"/>
+        </pc:sldMkLst>
+        <pc:spChg chg="add mod">
+          <ac:chgData name="william a" userId="c66c7249b60d4ab2" providerId="LiveId" clId="{21780EC7-48F1-479C-B262-47D82C4FC68B}" dt="2019-07-01T22:36:39.993" v="88" actId="207"/>
+          <ac:spMkLst>
+            <pc:docMk/>
+            <pc:sldMk cId="556003552" sldId="267"/>
+            <ac:spMk id="5" creationId="{FA2E4623-825E-45DB-AF79-765BC674D041}"/>
+          </ac:spMkLst>
+        </pc:spChg>
+      </pc:sldChg>
+      <pc:sldChg chg="modSp">
+        <pc:chgData name="william a" userId="c66c7249b60d4ab2" providerId="LiveId" clId="{21780EC7-48F1-479C-B262-47D82C4FC68B}" dt="2019-07-01T23:09:20.159" v="857" actId="27636"/>
+        <pc:sldMkLst>
+          <pc:docMk/>
+          <pc:sldMk cId="3852182217" sldId="269"/>
+        </pc:sldMkLst>
+        <pc:spChg chg="mod">
+          <ac:chgData name="william a" userId="c66c7249b60d4ab2" providerId="LiveId" clId="{21780EC7-48F1-479C-B262-47D82C4FC68B}" dt="2019-07-01T23:09:20.159" v="857" actId="27636"/>
+          <ac:spMkLst>
+            <pc:docMk/>
+            <pc:sldMk cId="3852182217" sldId="269"/>
+            <ac:spMk id="3" creationId="{65B32B1F-E0DF-456C-B7E0-F6CB2CBEA651}"/>
+          </ac:spMkLst>
+        </pc:spChg>
+      </pc:sldChg>
+      <pc:sldChg chg="modSp">
+        <pc:chgData name="william a" userId="c66c7249b60d4ab2" providerId="LiveId" clId="{21780EC7-48F1-479C-B262-47D82C4FC68B}" dt="2019-07-01T23:10:05.241" v="935" actId="27636"/>
+        <pc:sldMkLst>
+          <pc:docMk/>
+          <pc:sldMk cId="3332906769" sldId="270"/>
+        </pc:sldMkLst>
+        <pc:spChg chg="mod">
+          <ac:chgData name="william a" userId="c66c7249b60d4ab2" providerId="LiveId" clId="{21780EC7-48F1-479C-B262-47D82C4FC68B}" dt="2019-07-01T23:10:05.241" v="935" actId="27636"/>
+          <ac:spMkLst>
+            <pc:docMk/>
+            <pc:sldMk cId="3332906769" sldId="270"/>
+            <ac:spMk id="3" creationId="{65B32B1F-E0DF-456C-B7E0-F6CB2CBEA651}"/>
+          </ac:spMkLst>
+        </pc:spChg>
+      </pc:sldChg>
+      <pc:sldChg chg="modSp">
+        <pc:chgData name="william a" userId="c66c7249b60d4ab2" providerId="LiveId" clId="{21780EC7-48F1-479C-B262-47D82C4FC68B}" dt="2019-07-02T00:09:09.380" v="1061" actId="113"/>
+        <pc:sldMkLst>
+          <pc:docMk/>
+          <pc:sldMk cId="1502653849" sldId="271"/>
+        </pc:sldMkLst>
+        <pc:spChg chg="mod">
+          <ac:chgData name="william a" userId="c66c7249b60d4ab2" providerId="LiveId" clId="{21780EC7-48F1-479C-B262-47D82C4FC68B}" dt="2019-07-02T00:09:09.380" v="1061" actId="113"/>
+          <ac:spMkLst>
+            <pc:docMk/>
+            <pc:sldMk cId="1502653849" sldId="271"/>
+            <ac:spMk id="3" creationId="{65B32B1F-E0DF-456C-B7E0-F6CB2CBEA651}"/>
+          </ac:spMkLst>
+        </pc:spChg>
+      </pc:sldChg>
+      <pc:sldChg chg="modSp">
+        <pc:chgData name="william a" userId="c66c7249b60d4ab2" providerId="LiveId" clId="{21780EC7-48F1-479C-B262-47D82C4FC68B}" dt="2019-07-01T23:21:51.544" v="1055" actId="27636"/>
+        <pc:sldMkLst>
+          <pc:docMk/>
+          <pc:sldMk cId="2070803440" sldId="273"/>
+        </pc:sldMkLst>
+        <pc:spChg chg="mod">
+          <ac:chgData name="william a" userId="c66c7249b60d4ab2" providerId="LiveId" clId="{21780EC7-48F1-479C-B262-47D82C4FC68B}" dt="2019-07-01T23:21:35.445" v="1046" actId="27636"/>
+          <ac:spMkLst>
+            <pc:docMk/>
+            <pc:sldMk cId="2070803440" sldId="273"/>
+            <ac:spMk id="2" creationId="{D0CBD092-444D-485B-B077-AE37DB7967F1}"/>
+          </ac:spMkLst>
+        </pc:spChg>
+        <pc:spChg chg="mod">
+          <ac:chgData name="william a" userId="c66c7249b60d4ab2" providerId="LiveId" clId="{21780EC7-48F1-479C-B262-47D82C4FC68B}" dt="2019-07-01T23:21:51.544" v="1055" actId="27636"/>
+          <ac:spMkLst>
+            <pc:docMk/>
+            <pc:sldMk cId="2070803440" sldId="273"/>
+            <ac:spMk id="3" creationId="{65B32B1F-E0DF-456C-B7E0-F6CB2CBEA651}"/>
+          </ac:spMkLst>
+        </pc:spChg>
+      </pc:sldChg>
+      <pc:sldChg chg="delSp modSp">
+        <pc:chgData name="william a" userId="c66c7249b60d4ab2" providerId="LiveId" clId="{21780EC7-48F1-479C-B262-47D82C4FC68B}" dt="2019-07-01T23:11:18.504" v="992" actId="6549"/>
+        <pc:sldMkLst>
+          <pc:docMk/>
+          <pc:sldMk cId="1563484399" sldId="275"/>
+        </pc:sldMkLst>
+        <pc:spChg chg="mod">
+          <ac:chgData name="william a" userId="c66c7249b60d4ab2" providerId="LiveId" clId="{21780EC7-48F1-479C-B262-47D82C4FC68B}" dt="2019-07-01T23:11:18.504" v="992" actId="6549"/>
+          <ac:spMkLst>
+            <pc:docMk/>
+            <pc:sldMk cId="1563484399" sldId="275"/>
+            <ac:spMk id="3" creationId="{65B32B1F-E0DF-456C-B7E0-F6CB2CBEA651}"/>
+          </ac:spMkLst>
+        </pc:spChg>
+        <pc:picChg chg="del">
+          <ac:chgData name="william a" userId="c66c7249b60d4ab2" providerId="LiveId" clId="{21780EC7-48F1-479C-B262-47D82C4FC68B}" dt="2019-07-01T23:10:42.869" v="939" actId="478"/>
+          <ac:picMkLst>
+            <pc:docMk/>
+            <pc:sldMk cId="1563484399" sldId="275"/>
+            <ac:picMk id="4" creationId="{527CAA44-A937-40D3-B043-FCEC4D0BAC55}"/>
+          </ac:picMkLst>
+        </pc:picChg>
+        <pc:picChg chg="mod">
+          <ac:chgData name="william a" userId="c66c7249b60d4ab2" providerId="LiveId" clId="{21780EC7-48F1-479C-B262-47D82C4FC68B}" dt="2019-07-01T23:10:46.581" v="941" actId="1076"/>
+          <ac:picMkLst>
+            <pc:docMk/>
+            <pc:sldMk cId="1563484399" sldId="275"/>
+            <ac:picMk id="2052" creationId="{38A17F82-4959-4FFC-9445-B78283285E49}"/>
+          </ac:picMkLst>
+        </pc:picChg>
+      </pc:sldChg>
+      <pc:sldChg chg="modSp">
+        <pc:chgData name="william a" userId="c66c7249b60d4ab2" providerId="LiveId" clId="{21780EC7-48F1-479C-B262-47D82C4FC68B}" dt="2019-07-01T23:11:47.911" v="1003" actId="404"/>
+        <pc:sldMkLst>
+          <pc:docMk/>
+          <pc:sldMk cId="2415589479" sldId="276"/>
+        </pc:sldMkLst>
+        <pc:spChg chg="mod">
+          <ac:chgData name="william a" userId="c66c7249b60d4ab2" providerId="LiveId" clId="{21780EC7-48F1-479C-B262-47D82C4FC68B}" dt="2019-07-01T23:11:47.911" v="1003" actId="404"/>
+          <ac:spMkLst>
+            <pc:docMk/>
+            <pc:sldMk cId="2415589479" sldId="276"/>
+            <ac:spMk id="3" creationId="{65B32B1F-E0DF-456C-B7E0-F6CB2CBEA651}"/>
+          </ac:spMkLst>
+        </pc:spChg>
+      </pc:sldChg>
+      <pc:sldChg chg="modSp">
+        <pc:chgData name="william a" userId="c66c7249b60d4ab2" providerId="LiveId" clId="{21780EC7-48F1-479C-B262-47D82C4FC68B}" dt="2019-07-01T23:11:01.272" v="953" actId="20577"/>
+        <pc:sldMkLst>
+          <pc:docMk/>
+          <pc:sldMk cId="3698211945" sldId="277"/>
+        </pc:sldMkLst>
+        <pc:spChg chg="mod">
+          <ac:chgData name="william a" userId="c66c7249b60d4ab2" providerId="LiveId" clId="{21780EC7-48F1-479C-B262-47D82C4FC68B}" dt="2019-07-01T23:11:01.272" v="953" actId="20577"/>
+          <ac:spMkLst>
+            <pc:docMk/>
+            <pc:sldMk cId="3698211945" sldId="277"/>
+            <ac:spMk id="3" creationId="{65B32B1F-E0DF-456C-B7E0-F6CB2CBEA651}"/>
+          </ac:spMkLst>
+        </pc:spChg>
+      </pc:sldChg>
+      <pc:sldChg chg="modSp">
+        <pc:chgData name="william a" userId="c66c7249b60d4ab2" providerId="LiveId" clId="{21780EC7-48F1-479C-B262-47D82C4FC68B}" dt="2019-07-01T23:56:39.429" v="1058" actId="113"/>
+        <pc:sldMkLst>
+          <pc:docMk/>
+          <pc:sldMk cId="2949025550" sldId="278"/>
+        </pc:sldMkLst>
+        <pc:spChg chg="mod">
+          <ac:chgData name="william a" userId="c66c7249b60d4ab2" providerId="LiveId" clId="{21780EC7-48F1-479C-B262-47D82C4FC68B}" dt="2019-07-01T23:56:39.429" v="1058" actId="113"/>
+          <ac:spMkLst>
+            <pc:docMk/>
+            <pc:sldMk cId="2949025550" sldId="278"/>
+            <ac:spMk id="3" creationId="{65B32B1F-E0DF-456C-B7E0-F6CB2CBEA651}"/>
+          </ac:spMkLst>
+        </pc:spChg>
+      </pc:sldChg>
+      <pc:sldChg chg="modSp">
+        <pc:chgData name="william a" userId="c66c7249b60d4ab2" providerId="LiveId" clId="{21780EC7-48F1-479C-B262-47D82C4FC68B}" dt="2019-07-01T23:08:34.439" v="853" actId="403"/>
+        <pc:sldMkLst>
+          <pc:docMk/>
+          <pc:sldMk cId="24948884" sldId="279"/>
+        </pc:sldMkLst>
+        <pc:spChg chg="mod">
+          <ac:chgData name="william a" userId="c66c7249b60d4ab2" providerId="LiveId" clId="{21780EC7-48F1-479C-B262-47D82C4FC68B}" dt="2019-07-01T23:08:34.439" v="853" actId="403"/>
+          <ac:spMkLst>
+            <pc:docMk/>
+            <pc:sldMk cId="24948884" sldId="279"/>
+            <ac:spMk id="3" creationId="{65B32B1F-E0DF-456C-B7E0-F6CB2CBEA651}"/>
+          </ac:spMkLst>
+        </pc:spChg>
+      </pc:sldChg>
+      <pc:sldChg chg="del">
+        <pc:chgData name="william a" userId="c66c7249b60d4ab2" providerId="LiveId" clId="{21780EC7-48F1-479C-B262-47D82C4FC68B}" dt="2019-07-01T22:34:28.684" v="0" actId="2696"/>
+        <pc:sldMkLst>
+          <pc:docMk/>
+          <pc:sldMk cId="3167071335" sldId="281"/>
+        </pc:sldMkLst>
+      </pc:sldChg>
+      <pc:sldChg chg="addSp modSp">
+        <pc:chgData name="william a" userId="c66c7249b60d4ab2" providerId="LiveId" clId="{21780EC7-48F1-479C-B262-47D82C4FC68B}" dt="2019-07-01T23:11:27.078" v="1000" actId="20577"/>
+        <pc:sldMkLst>
+          <pc:docMk/>
+          <pc:sldMk cId="2552255179" sldId="284"/>
+        </pc:sldMkLst>
+        <pc:spChg chg="mod">
+          <ac:chgData name="william a" userId="c66c7249b60d4ab2" providerId="LiveId" clId="{21780EC7-48F1-479C-B262-47D82C4FC68B}" dt="2019-07-01T23:11:27.078" v="1000" actId="20577"/>
+          <ac:spMkLst>
+            <pc:docMk/>
+            <pc:sldMk cId="2552255179" sldId="284"/>
+            <ac:spMk id="3" creationId="{65B32B1F-E0DF-456C-B7E0-F6CB2CBEA651}"/>
+          </ac:spMkLst>
+        </pc:spChg>
+        <pc:picChg chg="add mod">
+          <ac:chgData name="william a" userId="c66c7249b60d4ab2" providerId="LiveId" clId="{21780EC7-48F1-479C-B262-47D82C4FC68B}" dt="2019-07-01T23:02:22.635" v="151" actId="1076"/>
+          <ac:picMkLst>
+            <pc:docMk/>
+            <pc:sldMk cId="2552255179" sldId="284"/>
+            <ac:picMk id="4" creationId="{BFB227FF-08F1-47EB-81AF-177D762D5024}"/>
+          </ac:picMkLst>
+        </pc:picChg>
+      </pc:sldChg>
+      <pc:sldChg chg="modSp">
+        <pc:chgData name="william a" userId="c66c7249b60d4ab2" providerId="LiveId" clId="{21780EC7-48F1-479C-B262-47D82C4FC68B}" dt="2019-07-01T23:12:10.803" v="1008" actId="27636"/>
+        <pc:sldMkLst>
+          <pc:docMk/>
+          <pc:sldMk cId="3580237662" sldId="285"/>
+        </pc:sldMkLst>
+        <pc:spChg chg="mod">
+          <ac:chgData name="william a" userId="c66c7249b60d4ab2" providerId="LiveId" clId="{21780EC7-48F1-479C-B262-47D82C4FC68B}" dt="2019-07-01T23:12:10.803" v="1008" actId="27636"/>
+          <ac:spMkLst>
+            <pc:docMk/>
+            <pc:sldMk cId="3580237662" sldId="285"/>
+            <ac:spMk id="3" creationId="{65B32B1F-E0DF-456C-B7E0-F6CB2CBEA651}"/>
+          </ac:spMkLst>
+        </pc:spChg>
+      </pc:sldChg>
+      <pc:sldChg chg="modSp">
+        <pc:chgData name="william a" userId="c66c7249b60d4ab2" providerId="LiveId" clId="{21780EC7-48F1-479C-B262-47D82C4FC68B}" dt="2019-07-01T22:47:04.120" v="89" actId="113"/>
+        <pc:sldMkLst>
+          <pc:docMk/>
+          <pc:sldMk cId="2815070541" sldId="286"/>
+        </pc:sldMkLst>
+        <pc:spChg chg="mod">
+          <ac:chgData name="william a" userId="c66c7249b60d4ab2" providerId="LiveId" clId="{21780EC7-48F1-479C-B262-47D82C4FC68B}" dt="2019-07-01T22:47:04.120" v="89" actId="113"/>
+          <ac:spMkLst>
+            <pc:docMk/>
+            <pc:sldMk cId="2815070541" sldId="286"/>
+            <ac:spMk id="3" creationId="{65B32B1F-E0DF-456C-B7E0-F6CB2CBEA651}"/>
+          </ac:spMkLst>
+        </pc:spChg>
+      </pc:sldChg>
+      <pc:sldChg chg="modSp">
+        <pc:chgData name="william a" userId="c66c7249b60d4ab2" providerId="LiveId" clId="{21780EC7-48F1-479C-B262-47D82C4FC68B}" dt="2019-07-01T22:35:06.871" v="51" actId="20577"/>
+        <pc:sldMkLst>
+          <pc:docMk/>
+          <pc:sldMk cId="3735776281" sldId="287"/>
+        </pc:sldMkLst>
+        <pc:spChg chg="mod">
+          <ac:chgData name="william a" userId="c66c7249b60d4ab2" providerId="LiveId" clId="{21780EC7-48F1-479C-B262-47D82C4FC68B}" dt="2019-07-01T22:35:06.871" v="51" actId="20577"/>
+          <ac:spMkLst>
+            <pc:docMk/>
+            <pc:sldMk cId="3735776281" sldId="287"/>
+            <ac:spMk id="3" creationId="{65B32B1F-E0DF-456C-B7E0-F6CB2CBEA651}"/>
+          </ac:spMkLst>
+        </pc:spChg>
+      </pc:sldChg>
+      <pc:sldChg chg="modSp add">
+        <pc:chgData name="william a" userId="c66c7249b60d4ab2" providerId="LiveId" clId="{21780EC7-48F1-479C-B262-47D82C4FC68B}" dt="2019-07-01T23:06:17.543" v="599" actId="115"/>
+        <pc:sldMkLst>
+          <pc:docMk/>
+          <pc:sldMk cId="2001328530" sldId="289"/>
+        </pc:sldMkLst>
+        <pc:spChg chg="mod">
+          <ac:chgData name="william a" userId="c66c7249b60d4ab2" providerId="LiveId" clId="{21780EC7-48F1-479C-B262-47D82C4FC68B}" dt="2019-07-01T23:06:17.543" v="599" actId="115"/>
+          <ac:spMkLst>
+            <pc:docMk/>
+            <pc:sldMk cId="2001328530" sldId="289"/>
+            <ac:spMk id="3" creationId="{65B32B1F-E0DF-456C-B7E0-F6CB2CBEA651}"/>
+          </ac:spMkLst>
+        </pc:spChg>
+      </pc:sldChg>
+    </pc:docChg>
+  </pc:docChgLst>
 </pc:chgInfo>
 </file>
 
@@ -492,7 +861,7 @@
           <a:p>
             <a:fld id="{30D566E9-7533-4009-AB0E-92B8486EDC97}" type="datetimeFigureOut">
               <a:rPr lang="en-US" smtClean="0"/>
-              <a:t>6/27/2019</a:t>
+              <a:t>7/1/2019</a:t>
             </a:fld>
             <a:endParaRPr lang="en-US"/>
           </a:p>
@@ -690,7 +1059,7 @@
           <a:p>
             <a:fld id="{30D566E9-7533-4009-AB0E-92B8486EDC97}" type="datetimeFigureOut">
               <a:rPr lang="en-US" smtClean="0"/>
-              <a:t>6/27/2019</a:t>
+              <a:t>7/1/2019</a:t>
             </a:fld>
             <a:endParaRPr lang="en-US"/>
           </a:p>
@@ -898,7 +1267,7 @@
           <a:p>
             <a:fld id="{30D566E9-7533-4009-AB0E-92B8486EDC97}" type="datetimeFigureOut">
               <a:rPr lang="en-US" smtClean="0"/>
-              <a:t>6/27/2019</a:t>
+              <a:t>7/1/2019</a:t>
             </a:fld>
             <a:endParaRPr lang="en-US"/>
           </a:p>
@@ -1096,7 +1465,7 @@
           <a:p>
             <a:fld id="{30D566E9-7533-4009-AB0E-92B8486EDC97}" type="datetimeFigureOut">
               <a:rPr lang="en-US" smtClean="0"/>
-              <a:t>6/27/2019</a:t>
+              <a:t>7/1/2019</a:t>
             </a:fld>
             <a:endParaRPr lang="en-US"/>
           </a:p>
@@ -1371,7 +1740,7 @@
           <a:p>
             <a:fld id="{30D566E9-7533-4009-AB0E-92B8486EDC97}" type="datetimeFigureOut">
               <a:rPr lang="en-US" smtClean="0"/>
-              <a:t>6/27/2019</a:t>
+              <a:t>7/1/2019</a:t>
             </a:fld>
             <a:endParaRPr lang="en-US"/>
           </a:p>
@@ -1636,7 +2005,7 @@
           <a:p>
             <a:fld id="{30D566E9-7533-4009-AB0E-92B8486EDC97}" type="datetimeFigureOut">
               <a:rPr lang="en-US" smtClean="0"/>
-              <a:t>6/27/2019</a:t>
+              <a:t>7/1/2019</a:t>
             </a:fld>
             <a:endParaRPr lang="en-US"/>
           </a:p>
@@ -2048,7 +2417,7 @@
           <a:p>
             <a:fld id="{30D566E9-7533-4009-AB0E-92B8486EDC97}" type="datetimeFigureOut">
               <a:rPr lang="en-US" smtClean="0"/>
-              <a:t>6/27/2019</a:t>
+              <a:t>7/1/2019</a:t>
             </a:fld>
             <a:endParaRPr lang="en-US"/>
           </a:p>
@@ -2189,7 +2558,7 @@
           <a:p>
             <a:fld id="{30D566E9-7533-4009-AB0E-92B8486EDC97}" type="datetimeFigureOut">
               <a:rPr lang="en-US" smtClean="0"/>
-              <a:t>6/27/2019</a:t>
+              <a:t>7/1/2019</a:t>
             </a:fld>
             <a:endParaRPr lang="en-US"/>
           </a:p>
@@ -2302,7 +2671,7 @@
           <a:p>
             <a:fld id="{30D566E9-7533-4009-AB0E-92B8486EDC97}" type="datetimeFigureOut">
               <a:rPr lang="en-US" smtClean="0"/>
-              <a:t>6/27/2019</a:t>
+              <a:t>7/1/2019</a:t>
             </a:fld>
             <a:endParaRPr lang="en-US"/>
           </a:p>
@@ -2613,7 +2982,7 @@
           <a:p>
             <a:fld id="{30D566E9-7533-4009-AB0E-92B8486EDC97}" type="datetimeFigureOut">
               <a:rPr lang="en-US" smtClean="0"/>
-              <a:t>6/27/2019</a:t>
+              <a:t>7/1/2019</a:t>
             </a:fld>
             <a:endParaRPr lang="en-US"/>
           </a:p>
@@ -2901,7 +3270,7 @@
           <a:p>
             <a:fld id="{30D566E9-7533-4009-AB0E-92B8486EDC97}" type="datetimeFigureOut">
               <a:rPr lang="en-US" smtClean="0"/>
-              <a:t>6/27/2019</a:t>
+              <a:t>7/1/2019</a:t>
             </a:fld>
             <a:endParaRPr lang="en-US"/>
           </a:p>
@@ -3142,7 +3511,7 @@
           <a:p>
             <a:fld id="{30D566E9-7533-4009-AB0E-92B8486EDC97}" type="datetimeFigureOut">
               <a:rPr lang="en-US" smtClean="0"/>
-              <a:t>6/27/2019</a:t>
+              <a:t>7/1/2019</a:t>
             </a:fld>
             <a:endParaRPr lang="en-US"/>
           </a:p>
@@ -3673,7 +4042,7 @@
         <p:spPr/>
         <p:txBody>
           <a:bodyPr>
-            <a:normAutofit lnSpcReduction="10000"/>
+            <a:normAutofit/>
           </a:bodyPr>
           <a:lstStyle/>
           <a:p>
@@ -3708,13 +4077,6 @@
             <a:r>
               <a:rPr lang="en-US" sz="3600" dirty="0"/>
               <a:t>Can warn you if you’re re-using the same password</a:t>
-            </a:r>
-          </a:p>
-          <a:p>
-            <a:pPr lvl="1"/>
-            <a:r>
-              <a:rPr lang="en-US" sz="3600" dirty="0"/>
-              <a:t>Easily share a password with family/friends</a:t>
             </a:r>
           </a:p>
           <a:p>
@@ -3813,14 +4175,36 @@
           <a:p>
             <a:r>
               <a:rPr lang="en-US" sz="4000" dirty="0"/>
-              <a:t>Passwords alone are a terrible security method</a:t>
-            </a:r>
+              <a:t>Passwords </a:t>
+            </a:r>
+            <a:r>
+              <a:rPr lang="en-US" sz="4000" i="1" dirty="0"/>
+              <a:t>alone</a:t>
+            </a:r>
+            <a:r>
+              <a:rPr lang="en-US" sz="4000" dirty="0"/>
+              <a:t> are a terrible security method</a:t>
+            </a:r>
+          </a:p>
+          <a:p>
             <a:endParaRPr lang="en-US" sz="3600" dirty="0"/>
           </a:p>
           <a:p>
             <a:r>
-              <a:rPr lang="en-US" sz="4400" dirty="0"/>
-              <a:t>TFA or MFA (Two-factor or Multi-factor) authentication is something aside from a password that allows a website to confirm you are you.</a:t>
+              <a:rPr lang="en-US" sz="5400" dirty="0"/>
+              <a:t>TFA or MFA (Two-factor or Multi-factor) authentication is </a:t>
+            </a:r>
+            <a:r>
+              <a:rPr lang="en-US" sz="5400" b="1" dirty="0"/>
+              <a:t>something</a:t>
+            </a:r>
+            <a:r>
+              <a:rPr lang="en-US" sz="5400" dirty="0"/>
+              <a:t> aside from a password that allows a website to </a:t>
+            </a:r>
+            <a:r>
+              <a:rPr lang="en-US" sz="5400" b="1" dirty="0"/>
+              <a:t>confirm you are you.</a:t>
             </a:r>
           </a:p>
         </p:txBody>
@@ -3907,12 +4291,12 @@
         </p:spPr>
         <p:txBody>
           <a:bodyPr>
-            <a:normAutofit lnSpcReduction="10000"/>
+            <a:normAutofit/>
           </a:bodyPr>
           <a:lstStyle/>
           <a:p>
             <a:r>
-              <a:rPr lang="en-US" sz="3200" dirty="0"/>
+              <a:rPr lang="en-US" sz="3200" b="1" dirty="0"/>
               <a:t>Use TFA for EVERY ACCOUNT on EVERY WEBSITE YOU CAN:</a:t>
             </a:r>
           </a:p>
@@ -3927,7 +4311,7 @@
             <a:pPr lvl="1"/>
             <a:r>
               <a:rPr lang="en-US" sz="2800" dirty="0"/>
-              <a:t>Banking/Financial</a:t>
+              <a:t>Banking/Financial/Bill Payment</a:t>
             </a:r>
           </a:p>
           <a:p>
@@ -3970,14 +4354,7 @@
             <a:pPr lvl="1"/>
             <a:r>
               <a:rPr lang="en-US" sz="2800" dirty="0"/>
-              <a:t>Social media</a:t>
-            </a:r>
-          </a:p>
-          <a:p>
-            <a:pPr lvl="1"/>
-            <a:r>
-              <a:rPr lang="en-US" sz="2800" dirty="0"/>
-              <a:t>E-commerce</a:t>
+              <a:t>Social media, e-commerce, Gaming and Streaming services</a:t>
             </a:r>
           </a:p>
           <a:p>
@@ -3985,13 +4362,6 @@
             <a:r>
               <a:rPr lang="en-US" sz="2800" dirty="0"/>
               <a:t>Government, public service, utility providers</a:t>
-            </a:r>
-          </a:p>
-          <a:p>
-            <a:pPr lvl="1"/>
-            <a:r>
-              <a:rPr lang="en-US" sz="2800" dirty="0"/>
-              <a:t>Gaming and Streaming services</a:t>
             </a:r>
           </a:p>
           <a:p>
@@ -4005,7 +4375,10 @@
               </a:rPr>
               <a:t>twofactorauth.org</a:t>
             </a:r>
-            <a:endParaRPr lang="en-US" sz="3200" dirty="0"/>
+            <a:r>
+              <a:rPr lang="en-US" sz="3200" dirty="0"/>
+              <a:t> or just got to the security settings/menu and see. Most do.</a:t>
+            </a:r>
           </a:p>
         </p:txBody>
       </p:sp>
@@ -4091,7 +4464,7 @@
         </p:spPr>
         <p:txBody>
           <a:bodyPr>
-            <a:normAutofit/>
+            <a:normAutofit fontScale="92500" lnSpcReduction="20000"/>
           </a:bodyPr>
           <a:lstStyle/>
           <a:p>
@@ -4099,15 +4472,16 @@
               <a:buNone/>
             </a:pPr>
             <a:r>
-              <a:rPr lang="en-US" sz="3200" dirty="0"/>
-              <a:t>TFA is hardly a new concept, </a:t>
-            </a:r>
-            <a:br>
-              <a:rPr lang="en-US" sz="3200" dirty="0"/>
-            </a:br>
-            <a:r>
-              <a:rPr lang="en-US" sz="3200" dirty="0"/>
-              <a:t>but the implementation is still developing.</a:t>
+              <a:rPr lang="en-US" sz="4300" dirty="0"/>
+              <a:t>TFA is hardly a new concept, but the implementation is still developing and the industry is always</a:t>
+            </a:r>
+            <a:r>
+              <a:rPr lang="en-US" sz="4300" b="1" dirty="0"/>
+              <a:t> trying to overcome consumer’s desire to be really dumb and stubborn</a:t>
+            </a:r>
+            <a:r>
+              <a:rPr lang="en-US" sz="4300" dirty="0"/>
+              <a:t>.</a:t>
             </a:r>
           </a:p>
           <a:p>
@@ -4361,10 +4735,10 @@
       </p:sp>
       <p:pic>
         <p:nvPicPr>
-          <p:cNvPr id="4" name="Picture 3">
-            <a:extLst>
-              <a:ext uri="{FF2B5EF4-FFF2-40B4-BE49-F238E27FC236}">
-                <a16:creationId xmlns:a16="http://schemas.microsoft.com/office/drawing/2014/main" id="{C8B538B1-3147-4D95-AADF-0D0E7E2B6519}"/>
+          <p:cNvPr id="6" name="Picture 5">
+            <a:extLst>
+              <a:ext uri="{FF2B5EF4-FFF2-40B4-BE49-F238E27FC236}">
+                <a16:creationId xmlns:a16="http://schemas.microsoft.com/office/drawing/2014/main" id="{A1E34164-E89A-417F-9FA3-9AC0F86AFD3C}"/>
               </a:ext>
             </a:extLst>
           </p:cNvPr>
@@ -4373,15 +4747,16 @@
           </p:cNvPicPr>
           <p:nvPr/>
         </p:nvPicPr>
-        <p:blipFill rotWithShape="1">
+        <p:blipFill>
           <a:blip r:embed="rId2"/>
-          <a:srcRect t="46522"/>
-          <a:stretch/>
+          <a:stretch>
+            <a:fillRect/>
+          </a:stretch>
         </p:blipFill>
         <p:spPr>
           <a:xfrm>
-            <a:off x="7905747" y="2134810"/>
-            <a:ext cx="3757613" cy="962405"/>
+            <a:off x="7753350" y="4565447"/>
+            <a:ext cx="3815865" cy="556480"/>
           </a:xfrm>
           <a:prstGeom prst="rect">
             <a:avLst/>
@@ -4390,10 +4765,10 @@
       </p:pic>
       <p:pic>
         <p:nvPicPr>
-          <p:cNvPr id="6" name="Picture 5">
-            <a:extLst>
-              <a:ext uri="{FF2B5EF4-FFF2-40B4-BE49-F238E27FC236}">
-                <a16:creationId xmlns:a16="http://schemas.microsoft.com/office/drawing/2014/main" id="{A1E34164-E89A-417F-9FA3-9AC0F86AFD3C}"/>
+          <p:cNvPr id="5" name="Picture 4">
+            <a:extLst>
+              <a:ext uri="{FF2B5EF4-FFF2-40B4-BE49-F238E27FC236}">
+                <a16:creationId xmlns:a16="http://schemas.microsoft.com/office/drawing/2014/main" id="{BBA9C656-6F70-4925-8B8A-69B65FA112C7}"/>
               </a:ext>
             </a:extLst>
           </p:cNvPr>
@@ -4410,8 +4785,8 @@
         </p:blipFill>
         <p:spPr>
           <a:xfrm>
-            <a:off x="7876622" y="3760785"/>
-            <a:ext cx="3815865" cy="556480"/>
+            <a:off x="7753350" y="1524000"/>
+            <a:ext cx="3991532" cy="2591162"/>
           </a:xfrm>
           <a:prstGeom prst="rect">
             <a:avLst/>
@@ -4616,6 +4991,46 @@
           </a:prstGeom>
         </p:spPr>
       </p:pic>
+      <p:sp>
+        <p:nvSpPr>
+          <p:cNvPr id="5" name="TextBox 4">
+            <a:extLst>
+              <a:ext uri="{FF2B5EF4-FFF2-40B4-BE49-F238E27FC236}">
+                <a16:creationId xmlns:a16="http://schemas.microsoft.com/office/drawing/2014/main" id="{FA2E4623-825E-45DB-AF79-765BC674D041}"/>
+              </a:ext>
+            </a:extLst>
+          </p:cNvPr>
+          <p:cNvSpPr txBox="1"/>
+          <p:nvPr/>
+        </p:nvSpPr>
+        <p:spPr>
+          <a:xfrm>
+            <a:off x="7815532" y="3959525"/>
+            <a:ext cx="3795623" cy="369332"/>
+          </a:xfrm>
+          <a:prstGeom prst="rect">
+            <a:avLst/>
+          </a:prstGeom>
+          <a:noFill/>
+        </p:spPr>
+        <p:txBody>
+          <a:bodyPr wrap="square" rtlCol="0">
+            <a:spAutoFit/>
+          </a:bodyPr>
+          <a:lstStyle/>
+          <a:p>
+            <a:pPr algn="r"/>
+            <a:r>
+              <a:rPr lang="en-US" dirty="0">
+                <a:solidFill>
+                  <a:srgbClr val="FF0000"/>
+                </a:solidFill>
+              </a:rPr>
+              <a:t>This is an actual scam!</a:t>
+            </a:r>
+          </a:p>
+        </p:txBody>
+      </p:sp>
     </p:spTree>
     <p:extLst>
       <p:ext uri="{BB962C8B-B14F-4D97-AF65-F5344CB8AC3E}">
@@ -4693,7 +5108,7 @@
         <p:spPr/>
         <p:txBody>
           <a:bodyPr>
-            <a:normAutofit lnSpcReduction="10000"/>
+            <a:normAutofit fontScale="92500"/>
           </a:bodyPr>
           <a:lstStyle/>
           <a:p>
@@ -4713,6 +5128,9 @@
               <a:rPr lang="en-US" sz="3600" dirty="0"/>
               <a:t>SMS-based authentication is much better than no TFA</a:t>
             </a:r>
+          </a:p>
+          <a:p>
+            <a:endParaRPr lang="en-US" sz="3600" dirty="0"/>
           </a:p>
           <a:p>
             <a:r>
@@ -4798,8 +5216,8 @@
         </p:nvSpPr>
         <p:spPr>
           <a:xfrm>
-            <a:off x="838200" y="1825625"/>
-            <a:ext cx="4962525" cy="4351338"/>
+            <a:off x="838200" y="1498204"/>
+            <a:ext cx="4962525" cy="5195893"/>
           </a:xfrm>
         </p:spPr>
         <p:txBody>
@@ -4816,7 +5234,13 @@
           <a:p>
             <a:r>
               <a:rPr lang="en-US" sz="3600" dirty="0"/>
-              <a:t>Given an initial secret set up in your phone,  your phone can generate a code that changes at intervals.</a:t>
+              <a:t>Given an initial secret,  your phone can generate a code that changes at intervals.</a:t>
+            </a:r>
+          </a:p>
+          <a:p>
+            <a:r>
+              <a:rPr lang="en-US" sz="3600" dirty="0"/>
+              <a:t>The website uses the shared key to generate the same code.</a:t>
             </a:r>
           </a:p>
         </p:txBody>
@@ -5056,7 +5480,7 @@
           </a:p>
           <a:p>
             <a:r>
-              <a:rPr lang="en-US" sz="4000" b="1" dirty="0"/>
+              <a:rPr lang="en-US" sz="4000" dirty="0"/>
               <a:t>LastPass Authenticator</a:t>
             </a:r>
           </a:p>
@@ -5369,28 +5793,32 @@
             </a:r>
             <a:r>
               <a:rPr lang="en-US" sz="3600" b="1" dirty="0"/>
-              <a:t>generates a number which you type in </a:t>
+              <a:t>generates a number which you type in to the website</a:t>
             </a:r>
             <a:r>
               <a:rPr lang="en-US" sz="3600" dirty="0"/>
-              <a:t>within that time interval, or, </a:t>
+              <a:t>, </a:t>
             </a:r>
             <a:br>
               <a:rPr lang="en-US" sz="3600" dirty="0"/>
             </a:br>
             <a:r>
+              <a:rPr lang="en-US" sz="3600" dirty="0"/>
+              <a:t>or approve via a push notification.</a:t>
+            </a:r>
+          </a:p>
+          <a:p>
+            <a:r>
+              <a:rPr lang="en-US" sz="3600" dirty="0"/>
+              <a:t>This is </a:t>
+            </a:r>
+            <a:r>
               <a:rPr lang="en-US" sz="3600" b="1" dirty="0"/>
-              <a:t>you approve via a push-notification</a:t>
+              <a:t>far more secure than text-message (SMS) </a:t>
             </a:r>
             <a:r>
               <a:rPr lang="en-US" sz="3600" dirty="0"/>
-              <a:t>.</a:t>
-            </a:r>
-          </a:p>
-          <a:p>
-            <a:r>
-              <a:rPr lang="en-US" sz="3600" dirty="0"/>
-              <a:t>This is far more secure than text-message (SMS) based authentication.</a:t>
+              <a:t>based authentication.</a:t>
             </a:r>
           </a:p>
           <a:p>
@@ -5679,7 +6107,7 @@
         </p:spPr>
         <p:txBody>
           <a:bodyPr>
-            <a:normAutofit fontScale="92500"/>
+            <a:normAutofit fontScale="92500" lnSpcReduction="10000"/>
           </a:bodyPr>
           <a:lstStyle/>
           <a:p>
@@ -5691,7 +6119,7 @@
           <a:p>
             <a:r>
               <a:rPr lang="en-US" sz="3600" dirty="0"/>
-              <a:t>Or, a hardware key that integrates with software to provide a TFA presence only when plugged into a USB port on the accessing device.</a:t>
+              <a:t>Or, a hardware key that integrates with software to provide a TFA presence only when plugged into a USB port on the accessing device, when a button is pressed.</a:t>
             </a:r>
           </a:p>
         </p:txBody>
@@ -5790,36 +6218,6 @@
       </p:pic>
       <p:pic>
         <p:nvPicPr>
-          <p:cNvPr id="4" name="Picture 3">
-            <a:extLst>
-              <a:ext uri="{FF2B5EF4-FFF2-40B4-BE49-F238E27FC236}">
-                <a16:creationId xmlns:a16="http://schemas.microsoft.com/office/drawing/2014/main" id="{527CAA44-A937-40D3-B043-FCEC4D0BAC55}"/>
-              </a:ext>
-            </a:extLst>
-          </p:cNvPr>
-          <p:cNvPicPr>
-            <a:picLocks noChangeAspect="1"/>
-          </p:cNvPicPr>
-          <p:nvPr/>
-        </p:nvPicPr>
-        <p:blipFill>
-          <a:blip r:embed="rId3"/>
-          <a:stretch>
-            <a:fillRect/>
-          </a:stretch>
-        </p:blipFill>
-        <p:spPr>
-          <a:xfrm>
-            <a:off x="7877174" y="3741012"/>
-            <a:ext cx="4210051" cy="2950299"/>
-          </a:xfrm>
-          <a:prstGeom prst="rect">
-            <a:avLst/>
-          </a:prstGeom>
-        </p:spPr>
-      </p:pic>
-      <p:pic>
-        <p:nvPicPr>
           <p:cNvPr id="2052" name="Picture 4" descr="Image result for yubikey">
             <a:extLst>
               <a:ext uri="{FF2B5EF4-FFF2-40B4-BE49-F238E27FC236}">
@@ -5833,7 +6231,7 @@
           <p:nvPr/>
         </p:nvPicPr>
         <p:blipFill>
-          <a:blip r:embed="rId4">
+          <a:blip r:embed="rId3">
             <a:extLst>
               <a:ext uri="{28A0092B-C50C-407E-A947-70E740481C1C}">
                 <a14:useLocalDpi xmlns:a14="http://schemas.microsoft.com/office/drawing/2010/main" val="0"/>
@@ -5847,7 +6245,7 @@
         </p:blipFill>
         <p:spPr bwMode="auto">
           <a:xfrm>
-            <a:off x="7877174" y="3830999"/>
+            <a:off x="7877174" y="4001294"/>
             <a:ext cx="4072968" cy="2712676"/>
           </a:xfrm>
           <a:prstGeom prst="rect">
@@ -5989,20 +6387,6 @@
           <a:p>
             <a:r>
               <a:rPr lang="en-US" sz="3600" dirty="0"/>
-              <a:t>Pictured: </a:t>
-            </a:r>
-            <a:r>
-              <a:rPr lang="en-US" sz="3600" dirty="0" err="1"/>
-              <a:t>Yubikey</a:t>
-            </a:r>
-            <a:r>
-              <a:rPr lang="en-US" sz="3600" dirty="0"/>
-              <a:t> ($25 on Amazon)</a:t>
-            </a:r>
-          </a:p>
-          <a:p>
-            <a:r>
-              <a:rPr lang="en-US" sz="3600" dirty="0"/>
               <a:t>You can (and should!) create duplicate </a:t>
             </a:r>
             <a:br>
@@ -6019,6 +6403,26 @@
               <a:rPr lang="en-US" sz="3600" dirty="0"/>
               <a:t>in a safe at home, for example.</a:t>
             </a:r>
+          </a:p>
+          <a:p>
+            <a:pPr marL="0" indent="0">
+              <a:buNone/>
+            </a:pPr>
+            <a:r>
+              <a:rPr lang="en-US" sz="2400" dirty="0"/>
+              <a:t>Pictured: </a:t>
+            </a:r>
+            <a:r>
+              <a:rPr lang="en-US" sz="2400" dirty="0" err="1"/>
+              <a:t>Yubikey</a:t>
+            </a:r>
+            <a:r>
+              <a:rPr lang="en-US" sz="2400" dirty="0"/>
+              <a:t> ($25 on Amazon)</a:t>
+            </a:r>
+          </a:p>
+          <a:p>
+            <a:endParaRPr lang="en-US" sz="3600" dirty="0"/>
           </a:p>
         </p:txBody>
       </p:sp>
@@ -6144,12 +6548,12 @@
         <p:spPr>
           <a:xfrm>
             <a:off x="838199" y="1825625"/>
-            <a:ext cx="10772775" cy="4351338"/>
+            <a:ext cx="11258276" cy="4351338"/>
           </a:xfrm>
         </p:spPr>
         <p:txBody>
           <a:bodyPr>
-            <a:normAutofit fontScale="77500" lnSpcReduction="20000"/>
+            <a:normAutofit fontScale="70000" lnSpcReduction="20000"/>
           </a:bodyPr>
           <a:lstStyle/>
           <a:p>
@@ -6161,13 +6565,41 @@
           <a:p>
             <a:r>
               <a:rPr lang="en-US" sz="5400" dirty="0"/>
-              <a:t>Some hardware-based keys support Bluetooth or NFC, or, carry a USB-C to USB adapter</a:t>
-            </a:r>
-          </a:p>
-          <a:p>
-            <a:r>
+              <a:t>Some hardware-based keys support </a:t>
+            </a:r>
+            <a:br>
               <a:rPr lang="en-US" sz="5400" dirty="0"/>
-              <a:t>Google’s Titan is the only option right now with Bluetooth, NFC based on latest FIDO standard </a:t>
+            </a:br>
+            <a:r>
+              <a:rPr lang="en-US" sz="5400" dirty="0"/>
+              <a:t>Bluetooth or NFC, or, carry a USB-C</a:t>
+            </a:r>
+            <a:br>
+              <a:rPr lang="en-US" sz="5400" dirty="0"/>
+            </a:br>
+            <a:r>
+              <a:rPr lang="en-US" sz="5400" dirty="0"/>
+              <a:t>to USB adapter</a:t>
+            </a:r>
+          </a:p>
+          <a:p>
+            <a:r>
+              <a:rPr lang="en-US" sz="5400" dirty="0"/>
+              <a:t>Google’s Titan (right) is the only option </a:t>
+            </a:r>
+            <a:br>
+              <a:rPr lang="en-US" sz="5400" dirty="0"/>
+            </a:br>
+            <a:r>
+              <a:rPr lang="en-US" sz="5400" dirty="0"/>
+              <a:t>right now with Bluetooth and NFC</a:t>
+            </a:r>
+            <a:br>
+              <a:rPr lang="en-US" sz="5400" dirty="0"/>
+            </a:br>
+            <a:r>
+              <a:rPr lang="en-US" sz="5400" dirty="0"/>
+              <a:t>on the latest FIDO standard </a:t>
             </a:r>
           </a:p>
           <a:p>
@@ -6223,6 +6655,36 @@
           </a:p>
         </p:txBody>
       </p:sp>
+      <p:pic>
+        <p:nvPicPr>
+          <p:cNvPr id="4" name="Picture 3">
+            <a:extLst>
+              <a:ext uri="{FF2B5EF4-FFF2-40B4-BE49-F238E27FC236}">
+                <a16:creationId xmlns:a16="http://schemas.microsoft.com/office/drawing/2014/main" id="{BFB227FF-08F1-47EB-81AF-177D762D5024}"/>
+              </a:ext>
+            </a:extLst>
+          </p:cNvPr>
+          <p:cNvPicPr>
+            <a:picLocks noChangeAspect="1"/>
+          </p:cNvPicPr>
+          <p:nvPr/>
+        </p:nvPicPr>
+        <p:blipFill>
+          <a:blip r:embed="rId2"/>
+          <a:stretch>
+            <a:fillRect/>
+          </a:stretch>
+        </p:blipFill>
+        <p:spPr>
+          <a:xfrm>
+            <a:off x="8886102" y="2409248"/>
+            <a:ext cx="3210373" cy="3581900"/>
+          </a:xfrm>
+          <a:prstGeom prst="rect">
+            <a:avLst/>
+          </a:prstGeom>
+        </p:spPr>
+      </p:pic>
     </p:spTree>
     <p:extLst>
       <p:ext uri="{BB962C8B-B14F-4D97-AF65-F5344CB8AC3E}">
@@ -6353,12 +6815,12 @@
               <a:t>on their work-related accounts since early 2017, when it began requiring all employees to use physical Security Keys in place of passwords and one-time codes.” </a:t>
             </a:r>
             <a:r>
-              <a:rPr lang="en-US" sz="1900" dirty="0">
+              <a:rPr lang="en-US" sz="1400" dirty="0">
                 <a:hlinkClick r:id="rId3"/>
               </a:rPr>
               <a:t>https://krebsonsecurity.com/2018/07/google-security-keys-neutralized-employee-phishing/</a:t>
             </a:r>
-            <a:endParaRPr lang="en-US" sz="1900" dirty="0"/>
+            <a:endParaRPr lang="en-US" sz="1400" dirty="0"/>
           </a:p>
           <a:p>
             <a:endParaRPr lang="en-US" sz="3600" dirty="0"/>
@@ -6492,60 +6954,57 @@
         </p:spPr>
         <p:txBody>
           <a:bodyPr>
-            <a:normAutofit/>
+            <a:normAutofit lnSpcReduction="10000"/>
           </a:bodyPr>
           <a:lstStyle/>
           <a:p>
-            <a:r>
-              <a:rPr lang="en-US" b="1" dirty="0"/>
+            <a:pPr marL="0" indent="0">
+              <a:buNone/>
+            </a:pPr>
+            <a:r>
+              <a:rPr lang="en-US" sz="3200" b="1" dirty="0"/>
               <a:t>Do I need to keep a Security Key with me at all times?</a:t>
             </a:r>
           </a:p>
           <a:p>
             <a:r>
-              <a:rPr lang="en-US" dirty="0"/>
+              <a:rPr lang="en-US" sz="3200" dirty="0"/>
               <a:t>We recommend you </a:t>
             </a:r>
             <a:r>
-              <a:rPr lang="en-US" b="1" dirty="0"/>
+              <a:rPr lang="en-US" sz="3200" b="1" dirty="0"/>
               <a:t>always keep a Security Key close</a:t>
             </a:r>
             <a:r>
-              <a:rPr lang="en-US" dirty="0"/>
+              <a:rPr lang="en-US" sz="3200" dirty="0"/>
               <a:t> in case you log out of your account or need to sign in on a new device. In all likelihood, this will happen infrequently. Remember to take one with you when traveling.</a:t>
             </a:r>
           </a:p>
           <a:p>
-            <a:r>
-              <a:rPr lang="en-US" b="1" dirty="0"/>
+            <a:pPr marL="0" indent="0">
+              <a:buNone/>
+            </a:pPr>
+            <a:r>
+              <a:rPr lang="en-US" sz="3200" b="1" dirty="0"/>
               <a:t>What happens if I lose both of my Security Keys?</a:t>
             </a:r>
           </a:p>
           <a:p>
             <a:r>
-              <a:rPr lang="en-US" dirty="0"/>
+              <a:rPr lang="en-US" sz="3200" dirty="0"/>
               <a:t>If you still have access to a logged-in session, you can visit </a:t>
             </a:r>
             <a:r>
-              <a:rPr lang="en-US" dirty="0">
+              <a:rPr lang="en-US" sz="3200" dirty="0">
                 <a:hlinkClick r:id="rId2"/>
               </a:rPr>
               <a:t>account.google.com</a:t>
             </a:r>
             <a:r>
-              <a:rPr lang="en-US" dirty="0"/>
+              <a:rPr lang="en-US" sz="3200" dirty="0"/>
               <a:t> and register replacement keys in place of the lost keys. If you have lost both keys and do not have access to a logged-in session, you will need to submit a request to recover your account. It will take a few days for Google to verify it’s you and grant you access to your account.</a:t>
             </a:r>
-            <a:br>
-              <a:rPr lang="en-US" dirty="0"/>
-            </a:br>
-            <a:r>
-              <a:rPr lang="en-US" sz="1800" dirty="0">
-                <a:hlinkClick r:id="rId3"/>
-              </a:rPr>
-              <a:t>https://landing.google.com/advancedprotection/</a:t>
-            </a:r>
-            <a:endParaRPr lang="en-US" sz="1800" dirty="0"/>
+            <a:endParaRPr lang="en-US" sz="2000" dirty="0"/>
           </a:p>
         </p:txBody>
       </p:sp>
@@ -6778,9 +7237,16 @@
             <p:ph type="title"/>
           </p:nvPr>
         </p:nvSpPr>
-        <p:spPr/>
-        <p:txBody>
-          <a:bodyPr/>
+        <p:spPr>
+          <a:xfrm>
+            <a:off x="838200" y="365126"/>
+            <a:ext cx="10515600" cy="618286"/>
+          </a:xfrm>
+        </p:spPr>
+        <p:txBody>
+          <a:bodyPr>
+            <a:normAutofit fontScale="90000"/>
+          </a:bodyPr>
           <a:lstStyle/>
           <a:p>
             <a:r>
@@ -6806,199 +7272,222 @@
             <p:ph idx="1"/>
           </p:nvPr>
         </p:nvSpPr>
-        <p:spPr/>
+        <p:spPr>
+          <a:xfrm>
+            <a:off x="414067" y="854014"/>
+            <a:ext cx="11205713" cy="5788325"/>
+          </a:xfrm>
+        </p:spPr>
         <p:txBody>
           <a:bodyPr>
-            <a:normAutofit fontScale="55000" lnSpcReduction="20000"/>
+            <a:normAutofit lnSpcReduction="10000"/>
           </a:bodyPr>
           <a:lstStyle/>
           <a:p>
             <a:r>
-              <a:rPr lang="en-US" b="1" dirty="0"/>
+              <a:rPr lang="en-US" sz="1600" b="1" dirty="0"/>
               <a:t>How Russian </a:t>
             </a:r>
             <a:r>
-              <a:rPr lang="en-US" b="1" dirty="0" err="1"/>
+              <a:rPr lang="en-US" sz="1600" b="1" dirty="0" err="1"/>
               <a:t>Cyberpower</a:t>
             </a:r>
             <a:r>
-              <a:rPr lang="en-US" b="1" dirty="0"/>
+              <a:rPr lang="en-US" sz="1600" b="1" dirty="0"/>
               <a:t> Invaded the U.S.</a:t>
             </a:r>
             <a:r>
-              <a:rPr lang="en-US" b="1" i="1" dirty="0"/>
+              <a:rPr lang="en-US" sz="1600" b="1" i="1" dirty="0"/>
               <a:t> </a:t>
             </a:r>
             <a:r>
-              <a:rPr lang="en-US" dirty="0">
+              <a:rPr lang="en-US" sz="1600" dirty="0">
                 <a:hlinkClick r:id="rId2"/>
               </a:rPr>
               <a:t>https://www.nytimes.com/2016/12/13/us/politics/russia-hack-election-dnc.html</a:t>
             </a:r>
-            <a:endParaRPr lang="en-US" dirty="0"/>
-          </a:p>
-          <a:p>
-            <a:r>
-              <a:rPr lang="en-US" b="1" dirty="0"/>
-              <a:t>Reddit Breach Highlights Limits of SMS-Based Authentication</a:t>
-            </a:r>
-            <a:br>
-              <a:rPr lang="en-US" b="1" dirty="0"/>
-            </a:br>
-            <a:r>
-              <a:rPr lang="en-US" dirty="0">
+            <a:endParaRPr lang="en-US" sz="1600" dirty="0"/>
+          </a:p>
+          <a:p>
+            <a:r>
+              <a:rPr lang="en-US" sz="1600" b="1" dirty="0"/>
+              <a:t>How to protect yourself from 'spear phishing' hacking technique </a:t>
+            </a:r>
+            <a:r>
+              <a:rPr lang="en-US" sz="1600" dirty="0">
                 <a:hlinkClick r:id="rId3"/>
               </a:rPr>
-              <a:t>https://krebsonsecurity.com/2018/08/reddit-breach-highlights-limits-of-sms-based-authentication/</a:t>
-            </a:r>
-            <a:endParaRPr lang="en-US" dirty="0"/>
-          </a:p>
-          <a:p>
-            <a:r>
-              <a:rPr lang="en-US" b="1" dirty="0"/>
-              <a:t>This is why you shouldn’t use texts for two-factor authentication</a:t>
-            </a:r>
-            <a:br>
-              <a:rPr lang="en-US" b="1" dirty="0"/>
-            </a:br>
-            <a:r>
-              <a:rPr lang="en-US" dirty="0">
+              <a:t>https://phys.org/news/2018-07-spear-phishing-hacking-technique.html</a:t>
+            </a:r>
+            <a:endParaRPr lang="en-US" sz="1600" dirty="0"/>
+          </a:p>
+          <a:p>
+            <a:r>
+              <a:rPr lang="en-US" sz="1600" b="1" dirty="0"/>
+              <a:t>Reddit Breach Highlights Limits of SMS-Based Authentication </a:t>
+            </a:r>
+            <a:r>
+              <a:rPr lang="en-US" sz="1600" dirty="0">
                 <a:hlinkClick r:id="rId4"/>
               </a:rPr>
-              <a:t>https://www.theverge.com/2017/9/18/16328172/sms-two-factor-authentication-hack-password-bitcoin</a:t>
-            </a:r>
-            <a:endParaRPr lang="en-US" dirty="0"/>
-          </a:p>
-          <a:p>
-            <a:r>
-              <a:rPr lang="en-US" b="1" dirty="0"/>
-              <a:t>Two-Factor Authentication: Who Has It and How to Set It Up</a:t>
-            </a:r>
-            <a:br>
-              <a:rPr lang="en-US" b="1" dirty="0"/>
-            </a:br>
-            <a:r>
-              <a:rPr lang="en-US" dirty="0">
+              <a:t>https://krebsonsecurity.com/2018/08/reddit-breach-highlights-limits-of-sms-based-authentication/</a:t>
+            </a:r>
+            <a:endParaRPr lang="en-US" sz="1600" dirty="0"/>
+          </a:p>
+          <a:p>
+            <a:r>
+              <a:rPr lang="en-US" sz="1600" b="1" dirty="0"/>
+              <a:t>This is why you shouldn’t use texts for two-factor authentication </a:t>
+            </a:r>
+            <a:r>
+              <a:rPr lang="en-US" sz="1600" dirty="0">
                 <a:hlinkClick r:id="rId5"/>
               </a:rPr>
-              <a:t>https://www.pcmag.com/feature/358289/two-factor-authentication-who-has-it-and-how-to-set-it-up</a:t>
-            </a:r>
-            <a:endParaRPr lang="en-US" dirty="0"/>
-          </a:p>
-          <a:p>
-            <a:r>
-              <a:rPr lang="en-US" b="1" dirty="0"/>
-              <a:t>Hackers beat 2-factor protection with automated phishing attacks</a:t>
-            </a:r>
-            <a:br>
-              <a:rPr lang="en-US" b="1" dirty="0"/>
-            </a:br>
-            <a:r>
-              <a:rPr lang="en-US" dirty="0">
+              <a:t>https://www.theverge.com/2017/9/18/16328172/sms-two-factor-authentication-hack-password-bitcoin</a:t>
+            </a:r>
+            <a:endParaRPr lang="en-US" sz="1600" dirty="0"/>
+          </a:p>
+          <a:p>
+            <a:r>
+              <a:rPr lang="en-US" sz="1600" b="1" dirty="0"/>
+              <a:t>Two-Factor Authentication: Who Has It and How to Set It Up </a:t>
+            </a:r>
+            <a:r>
+              <a:rPr lang="en-US" sz="1600" dirty="0">
                 <a:hlinkClick r:id="rId6"/>
               </a:rPr>
-              <a:t>https://mashable.com/article/hackers-beat-two-factor-authentication-2fa-phishing</a:t>
-            </a:r>
-            <a:r>
-              <a:rPr lang="en-US" dirty="0"/>
-              <a:t> </a:t>
-            </a:r>
-            <a:endParaRPr lang="en-US" b="1" dirty="0"/>
-          </a:p>
-          <a:p>
-            <a:r>
-              <a:rPr lang="en-US" b="1" dirty="0"/>
-              <a:t>Creating the </a:t>
-            </a:r>
-            <a:r>
-              <a:rPr lang="en-US" b="1" dirty="0" err="1"/>
-              <a:t>Unphishable</a:t>
-            </a:r>
-            <a:r>
-              <a:rPr lang="en-US" b="1" dirty="0"/>
-              <a:t> Security Key: How the FIDO U2F security key and </a:t>
-            </a:r>
-            <a:r>
-              <a:rPr lang="en-US" b="1" dirty="0" err="1"/>
-              <a:t>YubiKey</a:t>
-            </a:r>
-            <a:r>
-              <a:rPr lang="en-US" b="1" dirty="0"/>
-              <a:t> stop phishing and man-in-the-middle attacks </a:t>
-            </a:r>
-            <a:r>
-              <a:rPr lang="en-US" dirty="0">
+              <a:t>https://www.pcmag.com/feature/358289/two-factor-authentication-who-has-it-and-how-to-set-it-up</a:t>
+            </a:r>
+            <a:endParaRPr lang="en-US" sz="1600" dirty="0"/>
+          </a:p>
+          <a:p>
+            <a:r>
+              <a:rPr lang="en-US" sz="1600" b="1" dirty="0"/>
+              <a:t>Hackers beat 2-factor protection with automated phishing attacks </a:t>
+            </a:r>
+            <a:r>
+              <a:rPr lang="en-US" sz="1600" dirty="0">
                 <a:hlinkClick r:id="rId7"/>
               </a:rPr>
-              <a:t>www.yubico.com/2017/10/creating-unphishable-security-key/</a:t>
-            </a:r>
-            <a:endParaRPr lang="en-US" dirty="0"/>
-          </a:p>
-          <a:p>
-            <a:r>
-              <a:rPr lang="en-US" b="1" dirty="0"/>
-              <a:t>What is two-factor authentication, and which 2FA solutions are best?</a:t>
-            </a:r>
-            <a:br>
-              <a:rPr lang="en-US" b="1" dirty="0"/>
-            </a:br>
-            <a:r>
-              <a:rPr lang="en-US" dirty="0">
+              <a:t>https://mashable.com/article/hackers-beat-two-factor-authentication-2fa-phishing</a:t>
+            </a:r>
+            <a:r>
+              <a:rPr lang="en-US" sz="1600" dirty="0"/>
+              <a:t> </a:t>
+            </a:r>
+            <a:endParaRPr lang="en-US" sz="1600" b="1" dirty="0"/>
+          </a:p>
+          <a:p>
+            <a:r>
+              <a:rPr lang="en-US" sz="1600" b="1" dirty="0"/>
+              <a:t>Creating the </a:t>
+            </a:r>
+            <a:r>
+              <a:rPr lang="en-US" sz="1600" b="1" dirty="0" err="1"/>
+              <a:t>Unphishable</a:t>
+            </a:r>
+            <a:r>
+              <a:rPr lang="en-US" sz="1600" b="1" dirty="0"/>
+              <a:t> Security Key: How the FIDO U2F security key and </a:t>
+            </a:r>
+            <a:r>
+              <a:rPr lang="en-US" sz="1600" b="1" dirty="0" err="1"/>
+              <a:t>YubiKey</a:t>
+            </a:r>
+            <a:r>
+              <a:rPr lang="en-US" sz="1600" b="1" dirty="0"/>
+              <a:t> stop phishing and man-in-the-middle attacks </a:t>
+            </a:r>
+            <a:r>
+              <a:rPr lang="en-US" sz="1600" dirty="0">
                 <a:hlinkClick r:id="rId8"/>
               </a:rPr>
-              <a:t>https://www.pcworld.com/article/3225913/what-is-two-factor-authentication-and-which-2fa-apps-are-best.html</a:t>
-            </a:r>
-            <a:endParaRPr lang="en-US" dirty="0"/>
-          </a:p>
-          <a:p>
-            <a:r>
-              <a:rPr lang="en-US" b="1" dirty="0"/>
-              <a:t>Let's find the right </a:t>
-            </a:r>
-            <a:r>
-              <a:rPr lang="en-US" b="1" dirty="0" err="1"/>
-              <a:t>YubiKey</a:t>
-            </a:r>
-            <a:r>
-              <a:rPr lang="en-US" b="1" dirty="0"/>
-              <a:t> for you. </a:t>
-            </a:r>
-            <a:r>
-              <a:rPr lang="en-US" dirty="0">
+              <a:t>www.yubico.com/2017/10/creating-unphishable-security-key/</a:t>
+            </a:r>
+            <a:endParaRPr lang="en-US" sz="1600" dirty="0"/>
+          </a:p>
+          <a:p>
+            <a:r>
+              <a:rPr lang="en-US" sz="1600" b="1" dirty="0"/>
+              <a:t>What is two-factor authentication, and which 2FA solutions are </a:t>
+            </a:r>
+            <a:r>
+              <a:rPr lang="en-US" sz="1600" b="1" dirty="0" err="1"/>
+              <a:t>best?</a:t>
+            </a:r>
+            <a:r>
+              <a:rPr lang="en-US" sz="1600" dirty="0" err="1">
                 <a:hlinkClick r:id="rId9"/>
               </a:rPr>
-              <a:t>https://www.yubico.com/quiz/</a:t>
-            </a:r>
-            <a:endParaRPr lang="en-US" dirty="0"/>
-          </a:p>
-          <a:p>
-            <a:r>
-              <a:rPr lang="en-US" b="1" dirty="0"/>
-              <a:t>The Limits of SMS for 2-Factor Authentication </a:t>
-            </a:r>
-            <a:r>
-              <a:rPr lang="en-US" dirty="0">
+              <a:t>https</a:t>
+            </a:r>
+            <a:r>
+              <a:rPr lang="en-US" sz="1600" dirty="0">
+                <a:hlinkClick r:id="rId9"/>
+              </a:rPr>
+              <a:t>://www.pcworld.com/article/3225913/what-is-two-factor-authentication-and-which-2fa-apps-are-best.html</a:t>
+            </a:r>
+            <a:endParaRPr lang="en-US" sz="1600" dirty="0"/>
+          </a:p>
+          <a:p>
+            <a:r>
+              <a:rPr lang="en-US" sz="1600" b="1" dirty="0"/>
+              <a:t>Let's find the right </a:t>
+            </a:r>
+            <a:r>
+              <a:rPr lang="en-US" sz="1600" b="1" dirty="0" err="1"/>
+              <a:t>YubiKey</a:t>
+            </a:r>
+            <a:r>
+              <a:rPr lang="en-US" sz="1600" b="1" dirty="0"/>
+              <a:t> for you. </a:t>
+            </a:r>
+            <a:r>
+              <a:rPr lang="en-US" sz="1600" dirty="0">
                 <a:hlinkClick r:id="rId10"/>
               </a:rPr>
-              <a:t>https://krebsonsecurity.com/2016/09/the-limits-of-sms-for-2-factor-authentication/</a:t>
-            </a:r>
-            <a:endParaRPr lang="en-US" dirty="0"/>
-          </a:p>
-          <a:p>
-            <a:r>
-              <a:rPr lang="en-US" b="1" dirty="0"/>
-              <a:t>Major SMS security lapse is a reminder to use authenticator apps instead </a:t>
-            </a:r>
-            <a:r>
-              <a:rPr lang="en-US" dirty="0">
+              <a:t>https://www.yubico.com/quiz/</a:t>
+            </a:r>
+            <a:endParaRPr lang="en-US" sz="1600" dirty="0"/>
+          </a:p>
+          <a:p>
+            <a:r>
+              <a:rPr lang="en-US" sz="1600" b="1" dirty="0"/>
+              <a:t>The Limits of SMS for 2-Factor Authentication </a:t>
+            </a:r>
+            <a:r>
+              <a:rPr lang="en-US" sz="1600" dirty="0">
                 <a:hlinkClick r:id="rId11"/>
               </a:rPr>
+              <a:t>https://krebsonsecurity.com/2016/09/the-limits-of-sms-for-2-factor-authentication/</a:t>
+            </a:r>
+            <a:endParaRPr lang="en-US" sz="1600" dirty="0"/>
+          </a:p>
+          <a:p>
+            <a:r>
+              <a:rPr lang="en-US" sz="1600" b="1" dirty="0"/>
+              <a:t>Major SMS security lapse is a reminder to use authenticator apps instead </a:t>
+            </a:r>
+            <a:r>
+              <a:rPr lang="en-US" sz="1600" dirty="0">
+                <a:hlinkClick r:id="rId12"/>
+              </a:rPr>
               <a:t>https://www.theverge.com/2018/11/16/18098286/vovox-security-breach-two-factor-authentication-2fa-codes-exposed</a:t>
             </a:r>
-            <a:endParaRPr lang="en-US" dirty="0"/>
-          </a:p>
-          <a:p>
-            <a:endParaRPr lang="en-US" dirty="0"/>
+            <a:endParaRPr lang="en-US" sz="1600" dirty="0"/>
+          </a:p>
+          <a:p>
+            <a:r>
+              <a:rPr lang="en-US" sz="1600" b="1" dirty="0"/>
+              <a:t>Metro Bank targeted with 2FA-bypassing SS7 attacks </a:t>
+            </a:r>
+            <a:r>
+              <a:rPr lang="en-US" sz="1600" dirty="0">
+                <a:hlinkClick r:id="rId13"/>
+              </a:rPr>
+              <a:t>https://www.itpro.co.uk/security/32898/metro-bank-targeted-with-2fa-bypassing-ss7-attacks</a:t>
+            </a:r>
+            <a:endParaRPr lang="en-US" sz="1600" dirty="0"/>
           </a:p>
         </p:txBody>
       </p:sp>
@@ -7016,138 +7505,6 @@
 </file>
 
 <file path=ppt/slides/slide3.xml><?xml version="1.0" encoding="utf-8"?>
-<p:sld xmlns:a="http://schemas.openxmlformats.org/drawingml/2006/main" xmlns:r="http://schemas.openxmlformats.org/officeDocument/2006/relationships" xmlns:p="http://schemas.openxmlformats.org/presentationml/2006/main">
-  <p:cSld>
-    <p:spTree>
-      <p:nvGrpSpPr>
-        <p:cNvPr id="1" name=""/>
-        <p:cNvGrpSpPr/>
-        <p:nvPr/>
-      </p:nvGrpSpPr>
-      <p:grpSpPr>
-        <a:xfrm>
-          <a:off x="0" y="0"/>
-          <a:ext cx="0" cy="0"/>
-          <a:chOff x="0" y="0"/>
-          <a:chExt cx="0" cy="0"/>
-        </a:xfrm>
-      </p:grpSpPr>
-      <p:sp>
-        <p:nvSpPr>
-          <p:cNvPr id="2" name="Title 1">
-            <a:extLst>
-              <a:ext uri="{FF2B5EF4-FFF2-40B4-BE49-F238E27FC236}">
-                <a16:creationId xmlns:a16="http://schemas.microsoft.com/office/drawing/2014/main" id="{D0CBD092-444D-485B-B077-AE37DB7967F1}"/>
-              </a:ext>
-            </a:extLst>
-          </p:cNvPr>
-          <p:cNvSpPr>
-            <a:spLocks noGrp="1"/>
-          </p:cNvSpPr>
-          <p:nvPr>
-            <p:ph type="title"/>
-          </p:nvPr>
-        </p:nvSpPr>
-        <p:spPr/>
-        <p:txBody>
-          <a:bodyPr/>
-          <a:lstStyle/>
-          <a:p>
-            <a:r>
-              <a:rPr lang="en-US" dirty="0"/>
-              <a:t>Awareness is the best Digital Defense</a:t>
-            </a:r>
-          </a:p>
-        </p:txBody>
-      </p:sp>
-      <p:sp>
-        <p:nvSpPr>
-          <p:cNvPr id="3" name="Content Placeholder 2">
-            <a:extLst>
-              <a:ext uri="{FF2B5EF4-FFF2-40B4-BE49-F238E27FC236}">
-                <a16:creationId xmlns:a16="http://schemas.microsoft.com/office/drawing/2014/main" id="{65B32B1F-E0DF-456C-B7E0-F6CB2CBEA651}"/>
-              </a:ext>
-            </a:extLst>
-          </p:cNvPr>
-          <p:cNvSpPr>
-            <a:spLocks noGrp="1"/>
-          </p:cNvSpPr>
-          <p:nvPr>
-            <p:ph idx="1"/>
-          </p:nvPr>
-        </p:nvSpPr>
-        <p:spPr/>
-        <p:txBody>
-          <a:bodyPr>
-            <a:normAutofit fontScale="92500" lnSpcReduction="20000"/>
-          </a:bodyPr>
-          <a:lstStyle/>
-          <a:p>
-            <a:pPr marL="0" indent="0" fontAlgn="base">
-              <a:buNone/>
-            </a:pPr>
-            <a:r>
-              <a:rPr lang="en-US" sz="5400" dirty="0"/>
-              <a:t>“If you don’t understand the basics of computer security, you shouldn’t be allowed to bank on the Internet.”</a:t>
-            </a:r>
-            <a:br>
-              <a:rPr lang="en-US" sz="5400" dirty="0"/>
-            </a:br>
-            <a:endParaRPr lang="en-US" sz="5400" dirty="0"/>
-          </a:p>
-          <a:p>
-            <a:pPr marL="0" indent="0" fontAlgn="base">
-              <a:buNone/>
-            </a:pPr>
-            <a:endParaRPr lang="en-US" sz="5400" dirty="0"/>
-          </a:p>
-          <a:p>
-            <a:pPr marL="0" indent="0" fontAlgn="base">
-              <a:buNone/>
-            </a:pPr>
-            <a:endParaRPr lang="en-US" sz="5400" dirty="0"/>
-          </a:p>
-          <a:p>
-            <a:pPr lvl="1" fontAlgn="base"/>
-            <a:r>
-              <a:rPr lang="en-US" dirty="0"/>
-              <a:t>Brad Jones, </a:t>
-            </a:r>
-            <a:r>
-              <a:rPr lang="en-US" dirty="0" err="1"/>
-              <a:t>DigitalTrends</a:t>
-            </a:r>
-            <a:r>
-              <a:rPr lang="en-US" dirty="0"/>
-              <a:t>, 2017 </a:t>
-            </a:r>
-            <a:br>
-              <a:rPr lang="en-US" dirty="0"/>
-            </a:br>
-            <a:r>
-              <a:rPr lang="en-US" sz="2200" dirty="0">
-                <a:hlinkClick r:id="rId2"/>
-              </a:rPr>
-              <a:t>https://www.digitaltrends.com/computing/why-2-factor-security-is-flawed/</a:t>
-            </a:r>
-            <a:endParaRPr lang="en-US" sz="1900" dirty="0"/>
-          </a:p>
-        </p:txBody>
-      </p:sp>
-    </p:spTree>
-    <p:extLst>
-      <p:ext uri="{BB962C8B-B14F-4D97-AF65-F5344CB8AC3E}">
-        <p14:creationId xmlns:p14="http://schemas.microsoft.com/office/powerpoint/2010/main" val="3167071335"/>
-      </p:ext>
-    </p:extLst>
-  </p:cSld>
-  <p:clrMapOvr>
-    <a:masterClrMapping/>
-  </p:clrMapOvr>
-</p:sld>
-</file>
-
-<file path=ppt/slides/slide4.xml><?xml version="1.0" encoding="utf-8"?>
 <p:sld xmlns:a="http://schemas.openxmlformats.org/drawingml/2006/main" xmlns:r="http://schemas.openxmlformats.org/officeDocument/2006/relationships" xmlns:p="http://schemas.openxmlformats.org/presentationml/2006/main">
   <p:cSld>
     <p:spTree>
@@ -7758,6 +8115,102 @@
 </p:sld>
 </file>
 
+<file path=ppt/slides/slide4.xml><?xml version="1.0" encoding="utf-8"?>
+<p:sld xmlns:a="http://schemas.openxmlformats.org/drawingml/2006/main" xmlns:r="http://schemas.openxmlformats.org/officeDocument/2006/relationships" xmlns:p="http://schemas.openxmlformats.org/presentationml/2006/main">
+  <p:cSld>
+    <p:spTree>
+      <p:nvGrpSpPr>
+        <p:cNvPr id="1" name=""/>
+        <p:cNvGrpSpPr/>
+        <p:nvPr/>
+      </p:nvGrpSpPr>
+      <p:grpSpPr>
+        <a:xfrm>
+          <a:off x="0" y="0"/>
+          <a:ext cx="0" cy="0"/>
+          <a:chOff x="0" y="0"/>
+          <a:chExt cx="0" cy="0"/>
+        </a:xfrm>
+      </p:grpSpPr>
+      <p:sp>
+        <p:nvSpPr>
+          <p:cNvPr id="2" name="Title 1">
+            <a:extLst>
+              <a:ext uri="{FF2B5EF4-FFF2-40B4-BE49-F238E27FC236}">
+                <a16:creationId xmlns:a16="http://schemas.microsoft.com/office/drawing/2014/main" id="{D0CBD092-444D-485B-B077-AE37DB7967F1}"/>
+              </a:ext>
+            </a:extLst>
+          </p:cNvPr>
+          <p:cNvSpPr>
+            <a:spLocks noGrp="1"/>
+          </p:cNvSpPr>
+          <p:nvPr>
+            <p:ph type="title"/>
+          </p:nvPr>
+        </p:nvSpPr>
+        <p:spPr/>
+        <p:txBody>
+          <a:bodyPr/>
+          <a:lstStyle/>
+          <a:p>
+            <a:r>
+              <a:rPr lang="en-US" dirty="0"/>
+              <a:t> </a:t>
+            </a:r>
+          </a:p>
+        </p:txBody>
+      </p:sp>
+      <p:sp>
+        <p:nvSpPr>
+          <p:cNvPr id="3" name="Content Placeholder 2">
+            <a:extLst>
+              <a:ext uri="{FF2B5EF4-FFF2-40B4-BE49-F238E27FC236}">
+                <a16:creationId xmlns:a16="http://schemas.microsoft.com/office/drawing/2014/main" id="{65B32B1F-E0DF-456C-B7E0-F6CB2CBEA651}"/>
+              </a:ext>
+            </a:extLst>
+          </p:cNvPr>
+          <p:cNvSpPr>
+            <a:spLocks noGrp="1"/>
+          </p:cNvSpPr>
+          <p:nvPr>
+            <p:ph idx="1"/>
+          </p:nvPr>
+        </p:nvSpPr>
+        <p:spPr>
+          <a:xfrm>
+            <a:off x="838200" y="2914649"/>
+            <a:ext cx="10515600" cy="3262313"/>
+          </a:xfrm>
+        </p:spPr>
+        <p:txBody>
+          <a:bodyPr>
+            <a:normAutofit lnSpcReduction="10000"/>
+          </a:bodyPr>
+          <a:lstStyle/>
+          <a:p>
+            <a:pPr marL="0" indent="0">
+              <a:buNone/>
+            </a:pPr>
+            <a:r>
+              <a:rPr lang="en-US" sz="6000" dirty="0"/>
+              <a:t>Password length and complexity are useless once some website or service leaks your username/email and password.</a:t>
+            </a:r>
+          </a:p>
+        </p:txBody>
+      </p:sp>
+    </p:spTree>
+    <p:extLst>
+      <p:ext uri="{BB962C8B-B14F-4D97-AF65-F5344CB8AC3E}">
+        <p14:creationId xmlns:p14="http://schemas.microsoft.com/office/powerpoint/2010/main" val="3648181566"/>
+      </p:ext>
+    </p:extLst>
+  </p:cSld>
+  <p:clrMapOvr>
+    <a:masterClrMapping/>
+  </p:clrMapOvr>
+</p:sld>
+</file>
+
 <file path=ppt/slides/slide5.xml><?xml version="1.0" encoding="utf-8"?>
 <p:sld xmlns:a="http://schemas.openxmlformats.org/drawingml/2006/main" xmlns:r="http://schemas.openxmlformats.org/officeDocument/2006/relationships" xmlns:p="http://schemas.openxmlformats.org/presentationml/2006/main">
   <p:cSld>
@@ -7798,7 +8251,7 @@
           <a:p>
             <a:r>
               <a:rPr lang="en-US" dirty="0"/>
-              <a:t> </a:t>
+              <a:t>Password Hygiene </a:t>
             </a:r>
           </a:p>
         </p:txBody>
@@ -7821,30 +8274,62 @@
         </p:nvSpPr>
         <p:spPr>
           <a:xfrm>
-            <a:off x="838200" y="2914649"/>
-            <a:ext cx="10515600" cy="3262313"/>
+            <a:off x="838200" y="1463675"/>
+            <a:ext cx="10515600" cy="5156200"/>
           </a:xfrm>
         </p:spPr>
         <p:txBody>
           <a:bodyPr>
-            <a:normAutofit lnSpcReduction="10000"/>
+            <a:normAutofit fontScale="92500" lnSpcReduction="20000"/>
           </a:bodyPr>
           <a:lstStyle/>
           <a:p>
-            <a:pPr marL="0" indent="0">
-              <a:buNone/>
-            </a:pPr>
-            <a:r>
-              <a:rPr lang="en-US" sz="6000" dirty="0"/>
-              <a:t>Password length and complexity are useless once some website or service leaks your username/email and password.</a:t>
-            </a:r>
+            <a:r>
+              <a:rPr lang="en-US" sz="4800" dirty="0"/>
+              <a:t>Has your email been part of any password leaks? </a:t>
+            </a:r>
+            <a:r>
+              <a:rPr lang="en-US" sz="4400" dirty="0">
+                <a:hlinkClick r:id="rId2"/>
+              </a:rPr>
+              <a:t>haveibeenpwned.com</a:t>
+            </a:r>
+            <a:endParaRPr lang="en-US" sz="4400" dirty="0"/>
+          </a:p>
+          <a:p>
+            <a:r>
+              <a:rPr lang="en-US" sz="4400" dirty="0"/>
+              <a:t>Spoiler alert: Almost Certainly</a:t>
+            </a:r>
+          </a:p>
+          <a:p>
+            <a:r>
+              <a:rPr lang="en-US" sz="4400" dirty="0"/>
+              <a:t>“People take lists like these that contain our email addresses and passwords then they attempt to see where else they work. </a:t>
+            </a:r>
+            <a:r>
+              <a:rPr lang="en-US" sz="4400" b="1" dirty="0"/>
+              <a:t>The success of this approach is predicated on the fact that people reuse the same credentials on multiple services.</a:t>
+            </a:r>
+            <a:r>
+              <a:rPr lang="en-US" sz="4400" dirty="0"/>
+              <a:t>” </a:t>
+            </a:r>
+            <a:br>
+              <a:rPr lang="en-US" sz="4400" dirty="0"/>
+            </a:br>
+            <a:r>
+              <a:rPr lang="en-US" sz="3200" dirty="0"/>
+              <a:t>–Troy Hunt, haveibeenpwned.com</a:t>
+            </a:r>
+            <a:endParaRPr lang="en-US" sz="4400" dirty="0"/>
           </a:p>
         </p:txBody>
       </p:sp>
     </p:spTree>
     <p:extLst>
       <p:ext uri="{BB962C8B-B14F-4D97-AF65-F5344CB8AC3E}">
-        <p14:creationId xmlns:p14="http://schemas.microsoft.com/office/powerpoint/2010/main" val="3648181566"/>
+        <p14:creationId xmlns:p14="http://schemas.microsoft.com/office/powerpoint/2010/main" val="3987729892"/>
       </p:ext>
     </p:extLst>
   </p:cSld>
@@ -7915,58 +8400,50 @@
             <p:ph idx="1"/>
           </p:nvPr>
         </p:nvSpPr>
-        <p:spPr>
-          <a:xfrm>
-            <a:off x="838200" y="1463675"/>
-            <a:ext cx="10515600" cy="5156200"/>
-          </a:xfrm>
-        </p:spPr>
+        <p:spPr/>
         <p:txBody>
           <a:bodyPr>
-            <a:normAutofit lnSpcReduction="10000"/>
+            <a:normAutofit/>
           </a:bodyPr>
           <a:lstStyle/>
           <a:p>
             <a:r>
-              <a:rPr lang="en-US" sz="4800" dirty="0"/>
-              <a:t>Has your email been part of any password leaks? </a:t>
-            </a:r>
-            <a:r>
-              <a:rPr lang="en-US" sz="4400" dirty="0">
-                <a:hlinkClick r:id="rId2"/>
-              </a:rPr>
-              <a:t>haveibeenpwned.com</a:t>
-            </a:r>
-            <a:endParaRPr lang="en-US" sz="4400" dirty="0"/>
-          </a:p>
-          <a:p>
-            <a:r>
               <a:rPr lang="en-US" sz="4400" dirty="0"/>
-              <a:t>“People take lists like these that contain our email addresses and passwords then they attempt to see where else they work. </a:t>
-            </a:r>
-            <a:r>
-              <a:rPr lang="en-US" sz="4400" b="1" dirty="0"/>
-              <a:t>The success of this approach is predicated on the fact that people reuse the same credentials on multiple services.</a:t>
-            </a:r>
+              <a:t>True now and always:</a:t>
+            </a:r>
+          </a:p>
+          <a:p>
             <a:r>
               <a:rPr lang="en-US" sz="4400" dirty="0"/>
-              <a:t>” </a:t>
-            </a:r>
-            <a:br>
+              <a:t>Password length &gt; Password complexity</a:t>
+            </a:r>
+          </a:p>
+          <a:p>
+            <a:pPr lvl="1"/>
+            <a:r>
+              <a:rPr lang="en-US" sz="4000" dirty="0"/>
+              <a:t>Password complexity leads directly to bad security habits (post-it notes or easy to guess)</a:t>
+            </a:r>
+          </a:p>
+          <a:p>
+            <a:r>
               <a:rPr lang="en-US" sz="4400" dirty="0"/>
-            </a:br>
-            <a:r>
-              <a:rPr lang="en-US" sz="3200" dirty="0"/>
-              <a:t>–Troy Hunt, haveibeenpwned.com</a:t>
-            </a:r>
-            <a:endParaRPr lang="en-US" sz="4400" dirty="0"/>
+              <a:t>Password uniqueness &gt; Password length</a:t>
+            </a:r>
+          </a:p>
+          <a:p>
+            <a:r>
+              <a:rPr lang="en-US" sz="4400" dirty="0"/>
+              <a:t>Passwords alone are terrible security</a:t>
+            </a:r>
+            <a:endParaRPr lang="en-US" sz="4000" dirty="0"/>
           </a:p>
         </p:txBody>
       </p:sp>
     </p:spTree>
     <p:extLst>
       <p:ext uri="{BB962C8B-B14F-4D97-AF65-F5344CB8AC3E}">
-        <p14:creationId xmlns:p14="http://schemas.microsoft.com/office/powerpoint/2010/main" val="3987729892"/>
+        <p14:creationId xmlns:p14="http://schemas.microsoft.com/office/powerpoint/2010/main" val="3735776281"/>
       </p:ext>
     </p:extLst>
   </p:cSld>
@@ -8016,7 +8493,7 @@
           <a:p>
             <a:r>
               <a:rPr lang="en-US" dirty="0"/>
-              <a:t>Password Hygiene </a:t>
+              <a:t>Your Email Account &gt; Your Bank Account</a:t>
             </a:r>
           </a:p>
         </p:txBody>
@@ -8044,43 +8521,29 @@
           </a:bodyPr>
           <a:lstStyle/>
           <a:p>
-            <a:r>
-              <a:rPr lang="en-US" sz="4400" dirty="0"/>
-              <a:t>True now and always:</a:t>
-            </a:r>
-          </a:p>
-          <a:p>
-            <a:r>
-              <a:rPr lang="en-US" sz="4400" dirty="0"/>
-              <a:t>Password length &gt; password complexity</a:t>
-            </a:r>
-          </a:p>
-          <a:p>
-            <a:pPr lvl="1"/>
-            <a:r>
-              <a:rPr lang="en-US" sz="4000" dirty="0"/>
-              <a:t>Password complexity leads directly to bad security habits (post-it notes or easy to guess)</a:t>
-            </a:r>
-          </a:p>
-          <a:p>
-            <a:r>
-              <a:rPr lang="en-US" sz="4400" dirty="0"/>
-              <a:t>Password uniqueness &gt; password length</a:t>
-            </a:r>
-          </a:p>
-          <a:p>
-            <a:r>
-              <a:rPr lang="en-US" sz="4400" dirty="0"/>
-              <a:t>Passwords alone are terrible security</a:t>
-            </a:r>
-            <a:endParaRPr lang="en-US" sz="4000" dirty="0"/>
+            <a:pPr marL="0" indent="0">
+              <a:buNone/>
+            </a:pPr>
+            <a:r>
+              <a:rPr lang="en-US" sz="5400" dirty="0"/>
+              <a:t>Having your email hacked can be worse than having your bank account hacked.</a:t>
+            </a:r>
+          </a:p>
+          <a:p>
+            <a:pPr marL="0" indent="0">
+              <a:buNone/>
+            </a:pPr>
+            <a:r>
+              <a:rPr lang="en-US" sz="5400" dirty="0"/>
+              <a:t>Your email account is a single point of failure for many sites. </a:t>
+            </a:r>
           </a:p>
         </p:txBody>
       </p:sp>
     </p:spTree>
     <p:extLst>
       <p:ext uri="{BB962C8B-B14F-4D97-AF65-F5344CB8AC3E}">
-        <p14:creationId xmlns:p14="http://schemas.microsoft.com/office/powerpoint/2010/main" val="3735776281"/>
+        <p14:creationId xmlns:p14="http://schemas.microsoft.com/office/powerpoint/2010/main" val="1067588744"/>
       </p:ext>
     </p:extLst>
   </p:cSld>
@@ -8130,7 +8593,7 @@
           <a:p>
             <a:r>
               <a:rPr lang="en-US" dirty="0"/>
-              <a:t>Your Email Account &gt; Your Bank Account</a:t>
+              <a:t>Password Managers </a:t>
             </a:r>
           </a:p>
         </p:txBody>
@@ -8158,29 +8621,47 @@
           </a:bodyPr>
           <a:lstStyle/>
           <a:p>
-            <a:pPr marL="0" indent="0">
-              <a:buNone/>
-            </a:pPr>
-            <a:r>
-              <a:rPr lang="en-US" sz="5400" dirty="0"/>
-              <a:t>Having your email hacked can be worse than having your bank account hacked.</a:t>
-            </a:r>
-          </a:p>
-          <a:p>
-            <a:pPr marL="0" indent="0">
-              <a:buNone/>
-            </a:pPr>
-            <a:r>
-              <a:rPr lang="en-US" sz="5400" dirty="0"/>
-              <a:t>Your email account is a single point of failure for many sites. </a:t>
-            </a:r>
+            <a:r>
+              <a:rPr lang="en-US" sz="4000" dirty="0"/>
+              <a:t>Great for generating and storing secure passwords, so that you don’t have to remember a unique password for each site. These options are popular, secure, and inexpensive:</a:t>
+            </a:r>
+          </a:p>
+          <a:p>
+            <a:pPr lvl="2"/>
+            <a:r>
+              <a:rPr lang="en-US" sz="3200" dirty="0"/>
+              <a:t>LastPass</a:t>
+            </a:r>
+          </a:p>
+          <a:p>
+            <a:pPr lvl="2"/>
+            <a:r>
+              <a:rPr lang="en-US" sz="3200" dirty="0"/>
+              <a:t>1Password</a:t>
+            </a:r>
+          </a:p>
+          <a:p>
+            <a:pPr lvl="2"/>
+            <a:r>
+              <a:rPr lang="en-US" sz="3200" dirty="0" err="1"/>
+              <a:t>Dashlane</a:t>
+            </a:r>
+            <a:endParaRPr lang="en-US" sz="3200" dirty="0"/>
+          </a:p>
+          <a:p>
+            <a:pPr lvl="2"/>
+            <a:r>
+              <a:rPr lang="en-US" sz="3200" dirty="0" err="1"/>
+              <a:t>KeePassX</a:t>
+            </a:r>
+            <a:endParaRPr lang="en-US" sz="3200" dirty="0"/>
           </a:p>
         </p:txBody>
       </p:sp>
     </p:spTree>
     <p:extLst>
       <p:ext uri="{BB962C8B-B14F-4D97-AF65-F5344CB8AC3E}">
-        <p14:creationId xmlns:p14="http://schemas.microsoft.com/office/powerpoint/2010/main" val="1067588744"/>
+        <p14:creationId xmlns:p14="http://schemas.microsoft.com/office/powerpoint/2010/main" val="2363797164"/>
       </p:ext>
     </p:extLst>
   </p:cSld>
@@ -8254,49 +8735,58 @@
         <p:spPr/>
         <p:txBody>
           <a:bodyPr>
-            <a:normAutofit fontScale="92500" lnSpcReduction="10000"/>
+            <a:normAutofit/>
           </a:bodyPr>
           <a:lstStyle/>
           <a:p>
             <a:r>
+              <a:rPr lang="en-US" sz="4000" u="sng" dirty="0"/>
+              <a:t>Basic idea</a:t>
+            </a:r>
+            <a:r>
               <a:rPr lang="en-US" sz="4000" dirty="0"/>
-              <a:t>Great for generating and storing secure passwords, so that you don’t have to remember a unique password for each site. </a:t>
-            </a:r>
-          </a:p>
-          <a:p>
-            <a:pPr lvl="2"/>
-            <a:r>
-              <a:rPr lang="en-US" sz="3200" dirty="0"/>
-              <a:t>LastPass</a:t>
-            </a:r>
-          </a:p>
-          <a:p>
-            <a:pPr lvl="2"/>
-            <a:r>
-              <a:rPr lang="en-US" sz="3200" dirty="0"/>
-              <a:t>1Password</a:t>
-            </a:r>
-          </a:p>
-          <a:p>
-            <a:pPr lvl="2"/>
-            <a:r>
-              <a:rPr lang="en-US" sz="3200" dirty="0" err="1"/>
-              <a:t>Dashlane</a:t>
-            </a:r>
-            <a:endParaRPr lang="en-US" sz="3200" dirty="0"/>
-          </a:p>
-          <a:p>
-            <a:pPr lvl="2"/>
-            <a:r>
-              <a:rPr lang="en-US" sz="3200" dirty="0" err="1"/>
-              <a:t>KeePassX</a:t>
-            </a:r>
-            <a:endParaRPr lang="en-US" sz="3200" dirty="0"/>
-          </a:p>
-          <a:p>
-            <a:r>
-              <a:rPr lang="en-US" sz="3600" dirty="0"/>
-              <a:t>Basic idea: remember one really super long password that you never re-use anywhere else to unlock everything else</a:t>
+              <a:t>: You have </a:t>
+            </a:r>
+            <a:r>
+              <a:rPr lang="en-US" sz="4000" b="1" dirty="0"/>
+              <a:t>one unique super password</a:t>
+            </a:r>
+            <a:r>
+              <a:rPr lang="en-US" sz="4000" dirty="0"/>
+              <a:t> to unlock everything else. </a:t>
+            </a:r>
+            <a:r>
+              <a:rPr lang="en-US" dirty="0"/>
+              <a:t>Obviously, don’t re-use it.</a:t>
+            </a:r>
+            <a:endParaRPr lang="en-US" sz="4000" dirty="0"/>
+          </a:p>
+          <a:p>
+            <a:r>
+              <a:rPr lang="en-US" sz="4000" u="sng" dirty="0"/>
+              <a:t>Pro</a:t>
+            </a:r>
+            <a:r>
+              <a:rPr lang="en-US" sz="4000" dirty="0"/>
+              <a:t>: All your passwords are super long, super strong, unique, and available to you anywhere</a:t>
+            </a:r>
+          </a:p>
+          <a:p>
+            <a:r>
+              <a:rPr lang="en-US" sz="4000" u="sng" dirty="0"/>
+              <a:t>Con</a:t>
+            </a:r>
+            <a:r>
+              <a:rPr lang="en-US" sz="4000" dirty="0"/>
+              <a:t>: forget the </a:t>
+            </a:r>
+            <a:r>
+              <a:rPr lang="en-US" sz="4000" b="1" dirty="0"/>
+              <a:t>one unique super password</a:t>
+            </a:r>
+            <a:r>
+              <a:rPr lang="en-US" sz="4000" dirty="0"/>
+              <a:t> despite typing it in all the time, and they cannot decrypt your passwords for you</a:t>
             </a:r>
           </a:p>
         </p:txBody>
@@ -8304,7 +8794,7 @@
     </p:spTree>
     <p:extLst>
       <p:ext uri="{BB962C8B-B14F-4D97-AF65-F5344CB8AC3E}">
-        <p14:creationId xmlns:p14="http://schemas.microsoft.com/office/powerpoint/2010/main" val="2363797164"/>
+        <p14:creationId xmlns:p14="http://schemas.microsoft.com/office/powerpoint/2010/main" val="2001328530"/>
       </p:ext>
     </p:extLst>
   </p:cSld>

--- a/Personal Practical Cybersecurity/Personal Practical Cybersecurity.pptx
+++ b/Personal Practical Cybersecurity/Personal Practical Cybersecurity.pptx
@@ -9,30 +9,34 @@
     <p:sldId id="260" r:id="rId3"/>
     <p:sldId id="280" r:id="rId4"/>
     <p:sldId id="282" r:id="rId5"/>
-    <p:sldId id="261" r:id="rId6"/>
-    <p:sldId id="287" r:id="rId7"/>
+    <p:sldId id="292" r:id="rId6"/>
+    <p:sldId id="261" r:id="rId7"/>
     <p:sldId id="268" r:id="rId8"/>
-    <p:sldId id="264" r:id="rId9"/>
+    <p:sldId id="287" r:id="rId9"/>
     <p:sldId id="289" r:id="rId10"/>
-    <p:sldId id="265" r:id="rId11"/>
-    <p:sldId id="259" r:id="rId12"/>
-    <p:sldId id="278" r:id="rId13"/>
-    <p:sldId id="279" r:id="rId14"/>
-    <p:sldId id="288" r:id="rId15"/>
-    <p:sldId id="266" r:id="rId16"/>
-    <p:sldId id="267" r:id="rId17"/>
-    <p:sldId id="269" r:id="rId18"/>
-    <p:sldId id="270" r:id="rId19"/>
-    <p:sldId id="286" r:id="rId20"/>
-    <p:sldId id="271" r:id="rId21"/>
-    <p:sldId id="274" r:id="rId22"/>
-    <p:sldId id="275" r:id="rId23"/>
-    <p:sldId id="277" r:id="rId24"/>
-    <p:sldId id="284" r:id="rId25"/>
-    <p:sldId id="276" r:id="rId26"/>
-    <p:sldId id="285" r:id="rId27"/>
-    <p:sldId id="283" r:id="rId28"/>
-    <p:sldId id="273" r:id="rId29"/>
+    <p:sldId id="264" r:id="rId11"/>
+    <p:sldId id="293" r:id="rId12"/>
+    <p:sldId id="265" r:id="rId13"/>
+    <p:sldId id="259" r:id="rId14"/>
+    <p:sldId id="278" r:id="rId15"/>
+    <p:sldId id="279" r:id="rId16"/>
+    <p:sldId id="288" r:id="rId17"/>
+    <p:sldId id="266" r:id="rId18"/>
+    <p:sldId id="290" r:id="rId19"/>
+    <p:sldId id="267" r:id="rId20"/>
+    <p:sldId id="269" r:id="rId21"/>
+    <p:sldId id="291" r:id="rId22"/>
+    <p:sldId id="270" r:id="rId23"/>
+    <p:sldId id="286" r:id="rId24"/>
+    <p:sldId id="271" r:id="rId25"/>
+    <p:sldId id="274" r:id="rId26"/>
+    <p:sldId id="275" r:id="rId27"/>
+    <p:sldId id="277" r:id="rId28"/>
+    <p:sldId id="284" r:id="rId29"/>
+    <p:sldId id="276" r:id="rId30"/>
+    <p:sldId id="285" r:id="rId31"/>
+    <p:sldId id="283" r:id="rId32"/>
+    <p:sldId id="273" r:id="rId33"/>
   </p:sldIdLst>
   <p:sldSz cx="12192000" cy="6858000"/>
   <p:notesSz cx="6858000" cy="9144000"/>
@@ -142,7 +146,8 @@
 <file path=ppt/revisionInfo.xml><?xml version="1.0" encoding="utf-8"?>
 <p1510:revInfo xmlns:a="http://schemas.openxmlformats.org/drawingml/2006/main" xmlns:r="http://schemas.openxmlformats.org/officeDocument/2006/relationships" xmlns:p1510="http://schemas.microsoft.com/office/powerpoint/2015/10/main">
   <p1510:revLst>
-    <p1510:client id="{21780EC7-48F1-479C-B262-47D82C4FC68B}" v="23" dt="2019-07-01T23:21:25.782"/>
+    <p1510:client id="{661F648E-E2FA-44A4-A62C-A104C39D23A7}" v="27" dt="2019-07-03T19:31:18.575"/>
+    <p1510:client id="{21780EC7-48F1-479C-B262-47D82C4FC68B}" v="46" dt="2019-07-04T15:05:18.437"/>
   </p1510:revLst>
 </p1510:revInfo>
 </file>
@@ -349,8 +354,8 @@
   </pc:docChgLst>
   <pc:docChgLst>
     <pc:chgData name="william a" userId="c66c7249b60d4ab2" providerId="LiveId" clId="{21780EC7-48F1-479C-B262-47D82C4FC68B}"/>
-    <pc:docChg chg="undo redo custSel addSld delSld modSld">
-      <pc:chgData name="william a" userId="c66c7249b60d4ab2" providerId="LiveId" clId="{21780EC7-48F1-479C-B262-47D82C4FC68B}" dt="2019-07-02T00:09:09.380" v="1061" actId="113"/>
+    <pc:docChg chg="undo redo custSel addSld delSld modSld sldOrd">
+      <pc:chgData name="william a" userId="c66c7249b60d4ab2" providerId="LiveId" clId="{21780EC7-48F1-479C-B262-47D82C4FC68B}" dt="2019-07-04T15:05:18.437" v="1413" actId="403"/>
       <pc:docMkLst>
         <pc:docMk/>
       </pc:docMkLst>
@@ -400,13 +405,13 @@
         </pc:spChg>
       </pc:sldChg>
       <pc:sldChg chg="modSp">
-        <pc:chgData name="william a" userId="c66c7249b60d4ab2" providerId="LiveId" clId="{21780EC7-48F1-479C-B262-47D82C4FC68B}" dt="2019-07-01T23:06:29.431" v="617" actId="20577"/>
+        <pc:chgData name="william a" userId="c66c7249b60d4ab2" providerId="LiveId" clId="{21780EC7-48F1-479C-B262-47D82C4FC68B}" dt="2019-07-04T15:05:13.898" v="1411" actId="20577"/>
         <pc:sldMkLst>
           <pc:docMk/>
           <pc:sldMk cId="3846503020" sldId="265"/>
         </pc:sldMkLst>
         <pc:spChg chg="mod">
-          <ac:chgData name="william a" userId="c66c7249b60d4ab2" providerId="LiveId" clId="{21780EC7-48F1-479C-B262-47D82C4FC68B}" dt="2019-07-01T23:06:29.431" v="617" actId="20577"/>
+          <ac:chgData name="william a" userId="c66c7249b60d4ab2" providerId="LiveId" clId="{21780EC7-48F1-479C-B262-47D82C4FC68B}" dt="2019-07-04T15:05:13.898" v="1411" actId="20577"/>
           <ac:spMkLst>
             <pc:docMk/>
             <pc:sldMk cId="3846503020" sldId="265"/>
@@ -506,7 +511,7 @@
         </pc:spChg>
       </pc:sldChg>
       <pc:sldChg chg="modSp">
-        <pc:chgData name="william a" userId="c66c7249b60d4ab2" providerId="LiveId" clId="{21780EC7-48F1-479C-B262-47D82C4FC68B}" dt="2019-07-01T23:21:51.544" v="1055" actId="27636"/>
+        <pc:chgData name="william a" userId="c66c7249b60d4ab2" providerId="LiveId" clId="{21780EC7-48F1-479C-B262-47D82C4FC68B}" dt="2019-07-04T14:45:06.586" v="1140" actId="27636"/>
         <pc:sldMkLst>
           <pc:docMk/>
           <pc:sldMk cId="2070803440" sldId="273"/>
@@ -520,7 +525,7 @@
           </ac:spMkLst>
         </pc:spChg>
         <pc:spChg chg="mod">
-          <ac:chgData name="william a" userId="c66c7249b60d4ab2" providerId="LiveId" clId="{21780EC7-48F1-479C-B262-47D82C4FC68B}" dt="2019-07-01T23:21:51.544" v="1055" actId="27636"/>
+          <ac:chgData name="william a" userId="c66c7249b60d4ab2" providerId="LiveId" clId="{21780EC7-48F1-479C-B262-47D82C4FC68B}" dt="2019-07-04T14:45:06.586" v="1140" actId="27636"/>
           <ac:spMkLst>
             <pc:docMk/>
             <pc:sldMk cId="2070803440" sldId="273"/>
@@ -619,12 +624,84 @@
           </ac:spMkLst>
         </pc:spChg>
       </pc:sldChg>
-      <pc:sldChg chg="del">
-        <pc:chgData name="william a" userId="c66c7249b60d4ab2" providerId="LiveId" clId="{21780EC7-48F1-479C-B262-47D82C4FC68B}" dt="2019-07-01T22:34:28.684" v="0" actId="2696"/>
+      <pc:sldChg chg="addSp delSp modSp delAnim modAnim">
+        <pc:chgData name="william a" userId="c66c7249b60d4ab2" providerId="LiveId" clId="{21780EC7-48F1-479C-B262-47D82C4FC68B}" dt="2019-07-04T14:44:05.157" v="1103" actId="1076"/>
         <pc:sldMkLst>
           <pc:docMk/>
-          <pc:sldMk cId="3167071335" sldId="281"/>
+          <pc:sldMk cId="95115908" sldId="280"/>
         </pc:sldMkLst>
+        <pc:picChg chg="add mod">
+          <ac:chgData name="william a" userId="c66c7249b60d4ab2" providerId="LiveId" clId="{21780EC7-48F1-479C-B262-47D82C4FC68B}" dt="2019-07-04T14:43:56.438" v="1101" actId="1076"/>
+          <ac:picMkLst>
+            <pc:docMk/>
+            <pc:sldMk cId="95115908" sldId="280"/>
+            <ac:picMk id="2" creationId="{0DB337F0-24F8-4F4E-A878-9BB91835F728}"/>
+          </ac:picMkLst>
+        </pc:picChg>
+        <pc:picChg chg="mod">
+          <ac:chgData name="william a" userId="c66c7249b60d4ab2" providerId="LiveId" clId="{21780EC7-48F1-479C-B262-47D82C4FC68B}" dt="2019-07-04T14:43:43.405" v="1098" actId="1076"/>
+          <ac:picMkLst>
+            <pc:docMk/>
+            <pc:sldMk cId="95115908" sldId="280"/>
+            <ac:picMk id="5" creationId="{6E50F634-4070-4D4C-8073-57EC4C3A3AFB}"/>
+          </ac:picMkLst>
+        </pc:picChg>
+        <pc:picChg chg="del mod">
+          <ac:chgData name="william a" userId="c66c7249b60d4ab2" providerId="LiveId" clId="{21780EC7-48F1-479C-B262-47D82C4FC68B}" dt="2019-07-04T14:43:31.166" v="1095" actId="478"/>
+          <ac:picMkLst>
+            <pc:docMk/>
+            <pc:sldMk cId="95115908" sldId="280"/>
+            <ac:picMk id="6" creationId="{015A5E58-4433-4FD8-B3C7-9803EC3F7202}"/>
+          </ac:picMkLst>
+        </pc:picChg>
+        <pc:picChg chg="mod">
+          <ac:chgData name="william a" userId="c66c7249b60d4ab2" providerId="LiveId" clId="{21780EC7-48F1-479C-B262-47D82C4FC68B}" dt="2019-07-04T14:44:05.157" v="1103" actId="1076"/>
+          <ac:picMkLst>
+            <pc:docMk/>
+            <pc:sldMk cId="95115908" sldId="280"/>
+            <ac:picMk id="7" creationId="{038DF8E4-57C0-4209-8D78-6E68B95D610C}"/>
+          </ac:picMkLst>
+        </pc:picChg>
+        <pc:picChg chg="add mod ord">
+          <ac:chgData name="william a" userId="c66c7249b60d4ab2" providerId="LiveId" clId="{21780EC7-48F1-479C-B262-47D82C4FC68B}" dt="2019-07-04T14:41:55.853" v="1085" actId="14100"/>
+          <ac:picMkLst>
+            <pc:docMk/>
+            <pc:sldMk cId="95115908" sldId="280"/>
+            <ac:picMk id="8" creationId="{4B02A387-2093-4BC8-A7BD-2DE0F4D033C2}"/>
+          </ac:picMkLst>
+        </pc:picChg>
+        <pc:picChg chg="mod ord">
+          <ac:chgData name="william a" userId="c66c7249b60d4ab2" providerId="LiveId" clId="{21780EC7-48F1-479C-B262-47D82C4FC68B}" dt="2019-07-04T14:43:13.361" v="1090" actId="1076"/>
+          <ac:picMkLst>
+            <pc:docMk/>
+            <pc:sldMk cId="95115908" sldId="280"/>
+            <ac:picMk id="9" creationId="{F0BF9F4C-B1C2-4EB0-84A1-DD715BDB86B1}"/>
+          </ac:picMkLst>
+        </pc:picChg>
+        <pc:picChg chg="mod">
+          <ac:chgData name="william a" userId="c66c7249b60d4ab2" providerId="LiveId" clId="{21780EC7-48F1-479C-B262-47D82C4FC68B}" dt="2019-07-04T14:42:58.914" v="1089" actId="1076"/>
+          <ac:picMkLst>
+            <pc:docMk/>
+            <pc:sldMk cId="95115908" sldId="280"/>
+            <ac:picMk id="10" creationId="{170D4CF8-C843-429C-9EF6-02B242594B15}"/>
+          </ac:picMkLst>
+        </pc:picChg>
+        <pc:picChg chg="mod">
+          <ac:chgData name="william a" userId="c66c7249b60d4ab2" providerId="LiveId" clId="{21780EC7-48F1-479C-B262-47D82C4FC68B}" dt="2019-07-04T14:43:59.372" v="1102" actId="1076"/>
+          <ac:picMkLst>
+            <pc:docMk/>
+            <pc:sldMk cId="95115908" sldId="280"/>
+            <ac:picMk id="11" creationId="{B8105BA9-1E2E-4577-8EB8-2FB8B944204A}"/>
+          </ac:picMkLst>
+        </pc:picChg>
+        <pc:picChg chg="mod">
+          <ac:chgData name="william a" userId="c66c7249b60d4ab2" providerId="LiveId" clId="{21780EC7-48F1-479C-B262-47D82C4FC68B}" dt="2019-07-04T14:39:31.144" v="1063" actId="1076"/>
+          <ac:picMkLst>
+            <pc:docMk/>
+            <pc:sldMk cId="95115908" sldId="280"/>
+            <ac:picMk id="14" creationId="{101A3D4C-E6C8-4DDB-B906-98A739D55873}"/>
+          </ac:picMkLst>
+        </pc:picChg>
       </pc:sldChg>
       <pc:sldChg chg="addSp modSp">
         <pc:chgData name="william a" userId="c66c7249b60d4ab2" providerId="LiveId" clId="{21780EC7-48F1-479C-B262-47D82C4FC68B}" dt="2019-07-01T23:11:27.078" v="1000" actId="20577"/>
@@ -694,17 +771,415 @@
           </ac:spMkLst>
         </pc:spChg>
       </pc:sldChg>
-      <pc:sldChg chg="modSp add">
-        <pc:chgData name="william a" userId="c66c7249b60d4ab2" providerId="LiveId" clId="{21780EC7-48F1-479C-B262-47D82C4FC68B}" dt="2019-07-01T23:06:17.543" v="599" actId="115"/>
+      <pc:sldChg chg="addSp delSp modSp add">
+        <pc:chgData name="william a" userId="c66c7249b60d4ab2" providerId="LiveId" clId="{21780EC7-48F1-479C-B262-47D82C4FC68B}" dt="2019-07-04T15:00:10.852" v="1143"/>
         <pc:sldMkLst>
           <pc:docMk/>
           <pc:sldMk cId="2001328530" sldId="289"/>
         </pc:sldMkLst>
         <pc:spChg chg="mod">
-          <ac:chgData name="william a" userId="c66c7249b60d4ab2" providerId="LiveId" clId="{21780EC7-48F1-479C-B262-47D82C4FC68B}" dt="2019-07-01T23:06:17.543" v="599" actId="115"/>
+          <ac:chgData name="william a" userId="c66c7249b60d4ab2" providerId="LiveId" clId="{21780EC7-48F1-479C-B262-47D82C4FC68B}" dt="2019-07-04T15:00:06.378" v="1141" actId="20577"/>
           <ac:spMkLst>
             <pc:docMk/>
             <pc:sldMk cId="2001328530" sldId="289"/>
+            <ac:spMk id="3" creationId="{65B32B1F-E0DF-456C-B7E0-F6CB2CBEA651}"/>
+          </ac:spMkLst>
+        </pc:spChg>
+        <pc:spChg chg="add del">
+          <ac:chgData name="william a" userId="c66c7249b60d4ab2" providerId="LiveId" clId="{21780EC7-48F1-479C-B262-47D82C4FC68B}" dt="2019-07-04T15:00:10.852" v="1143"/>
+          <ac:spMkLst>
+            <pc:docMk/>
+            <pc:sldMk cId="2001328530" sldId="289"/>
+            <ac:spMk id="4" creationId="{86A7DC58-D5EB-4FDB-B179-C039DBBC4807}"/>
+          </ac:spMkLst>
+        </pc:spChg>
+      </pc:sldChg>
+      <pc:sldChg chg="addSp delSp modSp add ord modAnim">
+        <pc:chgData name="william a" userId="c66c7249b60d4ab2" providerId="LiveId" clId="{21780EC7-48F1-479C-B262-47D82C4FC68B}" dt="2019-07-04T15:05:18.437" v="1413" actId="403"/>
+        <pc:sldMkLst>
+          <pc:docMk/>
+          <pc:sldMk cId="2849883983" sldId="293"/>
+        </pc:sldMkLst>
+        <pc:spChg chg="mod">
+          <ac:chgData name="william a" userId="c66c7249b60d4ab2" providerId="LiveId" clId="{21780EC7-48F1-479C-B262-47D82C4FC68B}" dt="2019-07-04T15:05:18.437" v="1413" actId="403"/>
+          <ac:spMkLst>
+            <pc:docMk/>
+            <pc:sldMk cId="2849883983" sldId="293"/>
+            <ac:spMk id="3" creationId="{65B32B1F-E0DF-456C-B7E0-F6CB2CBEA651}"/>
+          </ac:spMkLst>
+        </pc:spChg>
+        <pc:spChg chg="add mod">
+          <ac:chgData name="william a" userId="c66c7249b60d4ab2" providerId="LiveId" clId="{21780EC7-48F1-479C-B262-47D82C4FC68B}" dt="2019-07-04T15:03:33.909" v="1343" actId="1037"/>
+          <ac:spMkLst>
+            <pc:docMk/>
+            <pc:sldMk cId="2849883983" sldId="293"/>
+            <ac:spMk id="7" creationId="{D6AF8896-9C16-4798-9B9B-1DD6738A5655}"/>
+          </ac:spMkLst>
+        </pc:spChg>
+        <pc:picChg chg="add del mod">
+          <ac:chgData name="william a" userId="c66c7249b60d4ab2" providerId="LiveId" clId="{21780EC7-48F1-479C-B262-47D82C4FC68B}" dt="2019-07-04T15:01:51.328" v="1317" actId="478"/>
+          <ac:picMkLst>
+            <pc:docMk/>
+            <pc:sldMk cId="2849883983" sldId="293"/>
+            <ac:picMk id="4" creationId="{003E06DA-0468-4051-96DA-5B66186F64DC}"/>
+          </ac:picMkLst>
+        </pc:picChg>
+        <pc:picChg chg="add mod">
+          <ac:chgData name="william a" userId="c66c7249b60d4ab2" providerId="LiveId" clId="{21780EC7-48F1-479C-B262-47D82C4FC68B}" dt="2019-07-04T15:03:19.816" v="1337" actId="1076"/>
+          <ac:picMkLst>
+            <pc:docMk/>
+            <pc:sldMk cId="2849883983" sldId="293"/>
+            <ac:picMk id="5" creationId="{214BFD04-9A7F-4CDD-8FC6-40FCD938E96A}"/>
+          </ac:picMkLst>
+        </pc:picChg>
+        <pc:picChg chg="add mod">
+          <ac:chgData name="william a" userId="c66c7249b60d4ab2" providerId="LiveId" clId="{21780EC7-48F1-479C-B262-47D82C4FC68B}" dt="2019-07-04T15:02:42.649" v="1329" actId="1076"/>
+          <ac:picMkLst>
+            <pc:docMk/>
+            <pc:sldMk cId="2849883983" sldId="293"/>
+            <ac:picMk id="6" creationId="{DFE2740E-9D18-4AA8-943F-C2AB5848FFE2}"/>
+          </ac:picMkLst>
+        </pc:picChg>
+      </pc:sldChg>
+    </pc:docChg>
+  </pc:docChgLst>
+  <pc:docChgLst>
+    <pc:chgData name="william a" userId="c66c7249b60d4ab2" providerId="LiveId" clId="{661F648E-E2FA-44A4-A62C-A104C39D23A7}"/>
+    <pc:docChg chg="undo custSel addSld modSld sldOrd">
+      <pc:chgData name="william a" userId="c66c7249b60d4ab2" providerId="LiveId" clId="{661F648E-E2FA-44A4-A62C-A104C39D23A7}" dt="2019-07-03T19:33:12.997" v="2011" actId="27636"/>
+      <pc:docMkLst>
+        <pc:docMk/>
+      </pc:docMkLst>
+      <pc:sldChg chg="modSp">
+        <pc:chgData name="william a" userId="c66c7249b60d4ab2" providerId="LiveId" clId="{661F648E-E2FA-44A4-A62C-A104C39D23A7}" dt="2019-07-03T19:21:42.286" v="1077" actId="404"/>
+        <pc:sldMkLst>
+          <pc:docMk/>
+          <pc:sldMk cId="1854012467" sldId="259"/>
+        </pc:sldMkLst>
+        <pc:spChg chg="mod">
+          <ac:chgData name="william a" userId="c66c7249b60d4ab2" providerId="LiveId" clId="{661F648E-E2FA-44A4-A62C-A104C39D23A7}" dt="2019-07-03T19:21:42.286" v="1077" actId="404"/>
+          <ac:spMkLst>
+            <pc:docMk/>
+            <pc:sldMk cId="1854012467" sldId="259"/>
+            <ac:spMk id="3" creationId="{65B32B1F-E0DF-456C-B7E0-F6CB2CBEA651}"/>
+          </ac:spMkLst>
+        </pc:spChg>
+      </pc:sldChg>
+      <pc:sldChg chg="modSp">
+        <pc:chgData name="william a" userId="c66c7249b60d4ab2" providerId="LiveId" clId="{661F648E-E2FA-44A4-A62C-A104C39D23A7}" dt="2019-07-03T19:17:54.295" v="854" actId="5793"/>
+        <pc:sldMkLst>
+          <pc:docMk/>
+          <pc:sldMk cId="3987729892" sldId="261"/>
+        </pc:sldMkLst>
+        <pc:spChg chg="mod">
+          <ac:chgData name="william a" userId="c66c7249b60d4ab2" providerId="LiveId" clId="{661F648E-E2FA-44A4-A62C-A104C39D23A7}" dt="2019-07-03T19:17:54.295" v="854" actId="5793"/>
+          <ac:spMkLst>
+            <pc:docMk/>
+            <pc:sldMk cId="3987729892" sldId="261"/>
+            <ac:spMk id="3" creationId="{65B32B1F-E0DF-456C-B7E0-F6CB2CBEA651}"/>
+          </ac:spMkLst>
+        </pc:spChg>
+      </pc:sldChg>
+      <pc:sldChg chg="modSp">
+        <pc:chgData name="william a" userId="c66c7249b60d4ab2" providerId="LiveId" clId="{661F648E-E2FA-44A4-A62C-A104C39D23A7}" dt="2019-07-03T19:20:16.604" v="989" actId="20577"/>
+        <pc:sldMkLst>
+          <pc:docMk/>
+          <pc:sldMk cId="2363797164" sldId="264"/>
+        </pc:sldMkLst>
+        <pc:spChg chg="mod">
+          <ac:chgData name="william a" userId="c66c7249b60d4ab2" providerId="LiveId" clId="{661F648E-E2FA-44A4-A62C-A104C39D23A7}" dt="2019-07-03T19:20:16.604" v="989" actId="20577"/>
+          <ac:spMkLst>
+            <pc:docMk/>
+            <pc:sldMk cId="2363797164" sldId="264"/>
+            <ac:spMk id="3" creationId="{65B32B1F-E0DF-456C-B7E0-F6CB2CBEA651}"/>
+          </ac:spMkLst>
+        </pc:spChg>
+      </pc:sldChg>
+      <pc:sldChg chg="modSp">
+        <pc:chgData name="william a" userId="c66c7249b60d4ab2" providerId="LiveId" clId="{661F648E-E2FA-44A4-A62C-A104C39D23A7}" dt="2019-07-03T19:21:21.291" v="1076" actId="20577"/>
+        <pc:sldMkLst>
+          <pc:docMk/>
+          <pc:sldMk cId="3846503020" sldId="265"/>
+        </pc:sldMkLst>
+        <pc:spChg chg="mod">
+          <ac:chgData name="william a" userId="c66c7249b60d4ab2" providerId="LiveId" clId="{661F648E-E2FA-44A4-A62C-A104C39D23A7}" dt="2019-07-03T19:21:21.291" v="1076" actId="20577"/>
+          <ac:spMkLst>
+            <pc:docMk/>
+            <pc:sldMk cId="3846503020" sldId="265"/>
+            <ac:spMk id="3" creationId="{65B32B1F-E0DF-456C-B7E0-F6CB2CBEA651}"/>
+          </ac:spMkLst>
+        </pc:spChg>
+      </pc:sldChg>
+      <pc:sldChg chg="modSp">
+        <pc:chgData name="william a" userId="c66c7249b60d4ab2" providerId="LiveId" clId="{661F648E-E2FA-44A4-A62C-A104C39D23A7}" dt="2019-07-03T19:23:40.640" v="1135" actId="27636"/>
+        <pc:sldMkLst>
+          <pc:docMk/>
+          <pc:sldMk cId="2920234693" sldId="266"/>
+        </pc:sldMkLst>
+        <pc:spChg chg="mod">
+          <ac:chgData name="william a" userId="c66c7249b60d4ab2" providerId="LiveId" clId="{661F648E-E2FA-44A4-A62C-A104C39D23A7}" dt="2019-07-03T19:23:40.640" v="1135" actId="27636"/>
+          <ac:spMkLst>
+            <pc:docMk/>
+            <pc:sldMk cId="2920234693" sldId="266"/>
+            <ac:spMk id="3" creationId="{65B32B1F-E0DF-456C-B7E0-F6CB2CBEA651}"/>
+          </ac:spMkLst>
+        </pc:spChg>
+      </pc:sldChg>
+      <pc:sldChg chg="modSp">
+        <pc:chgData name="william a" userId="c66c7249b60d4ab2" providerId="LiveId" clId="{661F648E-E2FA-44A4-A62C-A104C39D23A7}" dt="2019-07-03T17:14:21.606" v="795" actId="20577"/>
+        <pc:sldMkLst>
+          <pc:docMk/>
+          <pc:sldMk cId="556003552" sldId="267"/>
+        </pc:sldMkLst>
+        <pc:spChg chg="mod">
+          <ac:chgData name="william a" userId="c66c7249b60d4ab2" providerId="LiveId" clId="{661F648E-E2FA-44A4-A62C-A104C39D23A7}" dt="2019-07-03T17:14:21.606" v="795" actId="20577"/>
+          <ac:spMkLst>
+            <pc:docMk/>
+            <pc:sldMk cId="556003552" sldId="267"/>
+            <ac:spMk id="3" creationId="{65B32B1F-E0DF-456C-B7E0-F6CB2CBEA651}"/>
+          </ac:spMkLst>
+        </pc:spChg>
+        <pc:spChg chg="mod">
+          <ac:chgData name="william a" userId="c66c7249b60d4ab2" providerId="LiveId" clId="{661F648E-E2FA-44A4-A62C-A104C39D23A7}" dt="2019-07-03T17:02:46.949" v="205" actId="1076"/>
+          <ac:spMkLst>
+            <pc:docMk/>
+            <pc:sldMk cId="556003552" sldId="267"/>
+            <ac:spMk id="5" creationId="{FA2E4623-825E-45DB-AF79-765BC674D041}"/>
+          </ac:spMkLst>
+        </pc:spChg>
+        <pc:picChg chg="mod">
+          <ac:chgData name="william a" userId="c66c7249b60d4ab2" providerId="LiveId" clId="{661F648E-E2FA-44A4-A62C-A104C39D23A7}" dt="2019-07-03T17:12:57.667" v="632" actId="1076"/>
+          <ac:picMkLst>
+            <pc:docMk/>
+            <pc:sldMk cId="556003552" sldId="267"/>
+            <ac:picMk id="4" creationId="{F7A298A8-4A8C-4C22-9E85-297C2BA6ACBD}"/>
+          </ac:picMkLst>
+        </pc:picChg>
+      </pc:sldChg>
+      <pc:sldChg chg="modSp ord">
+        <pc:chgData name="william a" userId="c66c7249b60d4ab2" providerId="LiveId" clId="{661F648E-E2FA-44A4-A62C-A104C39D23A7}" dt="2019-07-03T19:31:18.575" v="1992"/>
+        <pc:sldMkLst>
+          <pc:docMk/>
+          <pc:sldMk cId="1067588744" sldId="268"/>
+        </pc:sldMkLst>
+        <pc:spChg chg="mod">
+          <ac:chgData name="william a" userId="c66c7249b60d4ab2" providerId="LiveId" clId="{661F648E-E2FA-44A4-A62C-A104C39D23A7}" dt="2019-07-03T19:18:25.113" v="859" actId="27636"/>
+          <ac:spMkLst>
+            <pc:docMk/>
+            <pc:sldMk cId="1067588744" sldId="268"/>
+            <ac:spMk id="3" creationId="{65B32B1F-E0DF-456C-B7E0-F6CB2CBEA651}"/>
+          </ac:spMkLst>
+        </pc:spChg>
+      </pc:sldChg>
+      <pc:sldChg chg="modSp ord">
+        <pc:chgData name="william a" userId="c66c7249b60d4ab2" providerId="LiveId" clId="{661F648E-E2FA-44A4-A62C-A104C39D23A7}" dt="2019-07-03T19:25:07.062" v="1456"/>
+        <pc:sldMkLst>
+          <pc:docMk/>
+          <pc:sldMk cId="3852182217" sldId="269"/>
+        </pc:sldMkLst>
+        <pc:spChg chg="mod">
+          <ac:chgData name="william a" userId="c66c7249b60d4ab2" providerId="LiveId" clId="{661F648E-E2FA-44A4-A62C-A104C39D23A7}" dt="2019-07-03T17:03:14.189" v="206" actId="20577"/>
+          <ac:spMkLst>
+            <pc:docMk/>
+            <pc:sldMk cId="3852182217" sldId="269"/>
+            <ac:spMk id="3" creationId="{65B32B1F-E0DF-456C-B7E0-F6CB2CBEA651}"/>
+          </ac:spMkLst>
+        </pc:spChg>
+      </pc:sldChg>
+      <pc:sldChg chg="addSp modSp modAnim">
+        <pc:chgData name="william a" userId="c66c7249b60d4ab2" providerId="LiveId" clId="{661F648E-E2FA-44A4-A62C-A104C39D23A7}" dt="2019-07-03T19:28:19.619" v="1589" actId="1076"/>
+        <pc:sldMkLst>
+          <pc:docMk/>
+          <pc:sldMk cId="3332906769" sldId="270"/>
+        </pc:sldMkLst>
+        <pc:spChg chg="mod">
+          <ac:chgData name="william a" userId="c66c7249b60d4ab2" providerId="LiveId" clId="{661F648E-E2FA-44A4-A62C-A104C39D23A7}" dt="2019-07-03T19:27:06.331" v="1582" actId="20577"/>
+          <ac:spMkLst>
+            <pc:docMk/>
+            <pc:sldMk cId="3332906769" sldId="270"/>
+            <ac:spMk id="3" creationId="{65B32B1F-E0DF-456C-B7E0-F6CB2CBEA651}"/>
+          </ac:spMkLst>
+        </pc:spChg>
+        <pc:picChg chg="mod">
+          <ac:chgData name="william a" userId="c66c7249b60d4ab2" providerId="LiveId" clId="{661F648E-E2FA-44A4-A62C-A104C39D23A7}" dt="2019-07-03T19:26:28.750" v="1541" actId="14100"/>
+          <ac:picMkLst>
+            <pc:docMk/>
+            <pc:sldMk cId="3332906769" sldId="270"/>
+            <ac:picMk id="10" creationId="{F469758F-75CA-4026-AF75-6D8676D524F3}"/>
+          </ac:picMkLst>
+        </pc:picChg>
+        <pc:picChg chg="add mod">
+          <ac:chgData name="william a" userId="c66c7249b60d4ab2" providerId="LiveId" clId="{661F648E-E2FA-44A4-A62C-A104C39D23A7}" dt="2019-07-03T19:28:19.619" v="1589" actId="1076"/>
+          <ac:picMkLst>
+            <pc:docMk/>
+            <pc:sldMk cId="3332906769" sldId="270"/>
+            <ac:picMk id="1026" creationId="{37E6E7DC-8397-41A8-AC13-4CD071A88351}"/>
+          </ac:picMkLst>
+        </pc:picChg>
+      </pc:sldChg>
+      <pc:sldChg chg="modSp">
+        <pc:chgData name="william a" userId="c66c7249b60d4ab2" providerId="LiveId" clId="{661F648E-E2FA-44A4-A62C-A104C39D23A7}" dt="2019-07-03T17:15:29.010" v="799" actId="27636"/>
+        <pc:sldMkLst>
+          <pc:docMk/>
+          <pc:sldMk cId="2070803440" sldId="273"/>
+        </pc:sldMkLst>
+        <pc:spChg chg="mod">
+          <ac:chgData name="william a" userId="c66c7249b60d4ab2" providerId="LiveId" clId="{661F648E-E2FA-44A4-A62C-A104C39D23A7}" dt="2019-07-03T17:15:29.010" v="799" actId="27636"/>
+          <ac:spMkLst>
+            <pc:docMk/>
+            <pc:sldMk cId="2070803440" sldId="273"/>
+            <ac:spMk id="3" creationId="{65B32B1F-E0DF-456C-B7E0-F6CB2CBEA651}"/>
+          </ac:spMkLst>
+        </pc:spChg>
+      </pc:sldChg>
+      <pc:sldChg chg="modSp">
+        <pc:chgData name="william a" userId="c66c7249b60d4ab2" providerId="LiveId" clId="{661F648E-E2FA-44A4-A62C-A104C39D23A7}" dt="2019-07-03T19:33:12.997" v="2011" actId="27636"/>
+        <pc:sldMkLst>
+          <pc:docMk/>
+          <pc:sldMk cId="2949025550" sldId="278"/>
+        </pc:sldMkLst>
+        <pc:spChg chg="mod">
+          <ac:chgData name="william a" userId="c66c7249b60d4ab2" providerId="LiveId" clId="{661F648E-E2FA-44A4-A62C-A104C39D23A7}" dt="2019-07-03T19:33:12.997" v="2011" actId="27636"/>
+          <ac:spMkLst>
+            <pc:docMk/>
+            <pc:sldMk cId="2949025550" sldId="278"/>
+            <ac:spMk id="3" creationId="{65B32B1F-E0DF-456C-B7E0-F6CB2CBEA651}"/>
+          </ac:spMkLst>
+        </pc:spChg>
+      </pc:sldChg>
+      <pc:sldChg chg="modSp">
+        <pc:chgData name="william a" userId="c66c7249b60d4ab2" providerId="LiveId" clId="{661F648E-E2FA-44A4-A62C-A104C39D23A7}" dt="2019-07-03T19:23:17.094" v="1109" actId="313"/>
+        <pc:sldMkLst>
+          <pc:docMk/>
+          <pc:sldMk cId="24948884" sldId="279"/>
+        </pc:sldMkLst>
+        <pc:spChg chg="mod">
+          <ac:chgData name="william a" userId="c66c7249b60d4ab2" providerId="LiveId" clId="{661F648E-E2FA-44A4-A62C-A104C39D23A7}" dt="2019-07-03T19:23:17.094" v="1109" actId="313"/>
+          <ac:spMkLst>
+            <pc:docMk/>
+            <pc:sldMk cId="24948884" sldId="279"/>
+            <ac:spMk id="3" creationId="{65B32B1F-E0DF-456C-B7E0-F6CB2CBEA651}"/>
+          </ac:spMkLst>
+        </pc:spChg>
+      </pc:sldChg>
+      <pc:sldChg chg="modSp">
+        <pc:chgData name="william a" userId="c66c7249b60d4ab2" providerId="LiveId" clId="{661F648E-E2FA-44A4-A62C-A104C39D23A7}" dt="2019-07-03T19:17:32.924" v="848" actId="6549"/>
+        <pc:sldMkLst>
+          <pc:docMk/>
+          <pc:sldMk cId="993667997" sldId="283"/>
+        </pc:sldMkLst>
+        <pc:spChg chg="mod">
+          <ac:chgData name="william a" userId="c66c7249b60d4ab2" providerId="LiveId" clId="{661F648E-E2FA-44A4-A62C-A104C39D23A7}" dt="2019-07-03T19:17:32.924" v="848" actId="6549"/>
+          <ac:spMkLst>
+            <pc:docMk/>
+            <pc:sldMk cId="993667997" sldId="283"/>
+            <ac:spMk id="3" creationId="{65B32B1F-E0DF-456C-B7E0-F6CB2CBEA651}"/>
+          </ac:spMkLst>
+        </pc:spChg>
+      </pc:sldChg>
+      <pc:sldChg chg="modSp">
+        <pc:chgData name="william a" userId="c66c7249b60d4ab2" providerId="LiveId" clId="{661F648E-E2FA-44A4-A62C-A104C39D23A7}" dt="2019-07-03T19:23:27.676" v="1113" actId="20577"/>
+        <pc:sldMkLst>
+          <pc:docMk/>
+          <pc:sldMk cId="4051746483" sldId="288"/>
+        </pc:sldMkLst>
+        <pc:spChg chg="mod">
+          <ac:chgData name="william a" userId="c66c7249b60d4ab2" providerId="LiveId" clId="{661F648E-E2FA-44A4-A62C-A104C39D23A7}" dt="2019-07-03T19:23:27.676" v="1113" actId="20577"/>
+          <ac:spMkLst>
+            <pc:docMk/>
+            <pc:sldMk cId="4051746483" sldId="288"/>
+            <ac:spMk id="2" creationId="{D0CBD092-444D-485B-B077-AE37DB7967F1}"/>
+          </ac:spMkLst>
+        </pc:spChg>
+      </pc:sldChg>
+      <pc:sldChg chg="modSp ord">
+        <pc:chgData name="william a" userId="c66c7249b60d4ab2" providerId="LiveId" clId="{661F648E-E2FA-44A4-A62C-A104C39D23A7}" dt="2019-07-03T19:32:31.471" v="1993" actId="20577"/>
+        <pc:sldMkLst>
+          <pc:docMk/>
+          <pc:sldMk cId="2001328530" sldId="289"/>
+        </pc:sldMkLst>
+        <pc:spChg chg="mod">
+          <ac:chgData name="william a" userId="c66c7249b60d4ab2" providerId="LiveId" clId="{661F648E-E2FA-44A4-A62C-A104C39D23A7}" dt="2019-07-03T19:32:31.471" v="1993" actId="20577"/>
+          <ac:spMkLst>
+            <pc:docMk/>
+            <pc:sldMk cId="2001328530" sldId="289"/>
+            <ac:spMk id="3" creationId="{65B32B1F-E0DF-456C-B7E0-F6CB2CBEA651}"/>
+          </ac:spMkLst>
+        </pc:spChg>
+      </pc:sldChg>
+      <pc:sldChg chg="delSp modSp add">
+        <pc:chgData name="william a" userId="c66c7249b60d4ab2" providerId="LiveId" clId="{661F648E-E2FA-44A4-A62C-A104C39D23A7}" dt="2019-07-03T17:10:08.065" v="434" actId="20577"/>
+        <pc:sldMkLst>
+          <pc:docMk/>
+          <pc:sldMk cId="94736363" sldId="290"/>
+        </pc:sldMkLst>
+        <pc:spChg chg="mod">
+          <ac:chgData name="william a" userId="c66c7249b60d4ab2" providerId="LiveId" clId="{661F648E-E2FA-44A4-A62C-A104C39D23A7}" dt="2019-07-03T17:10:08.065" v="434" actId="20577"/>
+          <ac:spMkLst>
+            <pc:docMk/>
+            <pc:sldMk cId="94736363" sldId="290"/>
+            <ac:spMk id="3" creationId="{65B32B1F-E0DF-456C-B7E0-F6CB2CBEA651}"/>
+          </ac:spMkLst>
+        </pc:spChg>
+        <pc:picChg chg="del">
+          <ac:chgData name="william a" userId="c66c7249b60d4ab2" providerId="LiveId" clId="{661F648E-E2FA-44A4-A62C-A104C39D23A7}" dt="2019-07-03T17:04:42.874" v="211" actId="478"/>
+          <ac:picMkLst>
+            <pc:docMk/>
+            <pc:sldMk cId="94736363" sldId="290"/>
+            <ac:picMk id="5" creationId="{BBA9C656-6F70-4925-8B8A-69B65FA112C7}"/>
+          </ac:picMkLst>
+        </pc:picChg>
+        <pc:picChg chg="del">
+          <ac:chgData name="william a" userId="c66c7249b60d4ab2" providerId="LiveId" clId="{661F648E-E2FA-44A4-A62C-A104C39D23A7}" dt="2019-07-03T17:04:43.407" v="212" actId="478"/>
+          <ac:picMkLst>
+            <pc:docMk/>
+            <pc:sldMk cId="94736363" sldId="290"/>
+            <ac:picMk id="6" creationId="{A1E34164-E89A-417F-9FA3-9AC0F86AFD3C}"/>
+          </ac:picMkLst>
+        </pc:picChg>
+      </pc:sldChg>
+      <pc:sldChg chg="modSp add">
+        <pc:chgData name="william a" userId="c66c7249b60d4ab2" providerId="LiveId" clId="{661F648E-E2FA-44A4-A62C-A104C39D23A7}" dt="2019-07-03T19:25:47.588" v="1538" actId="27636"/>
+        <pc:sldMkLst>
+          <pc:docMk/>
+          <pc:sldMk cId="2578182766" sldId="291"/>
+        </pc:sldMkLst>
+        <pc:spChg chg="mod">
+          <ac:chgData name="william a" userId="c66c7249b60d4ab2" providerId="LiveId" clId="{661F648E-E2FA-44A4-A62C-A104C39D23A7}" dt="2019-07-03T19:25:11.463" v="1462" actId="20577"/>
+          <ac:spMkLst>
+            <pc:docMk/>
+            <pc:sldMk cId="2578182766" sldId="291"/>
+            <ac:spMk id="2" creationId="{D0CBD092-444D-485B-B077-AE37DB7967F1}"/>
+          </ac:spMkLst>
+        </pc:spChg>
+        <pc:spChg chg="mod">
+          <ac:chgData name="william a" userId="c66c7249b60d4ab2" providerId="LiveId" clId="{661F648E-E2FA-44A4-A62C-A104C39D23A7}" dt="2019-07-03T19:25:47.588" v="1538" actId="27636"/>
+          <ac:spMkLst>
+            <pc:docMk/>
+            <pc:sldMk cId="2578182766" sldId="291"/>
+            <ac:spMk id="3" creationId="{65B32B1F-E0DF-456C-B7E0-F6CB2CBEA651}"/>
+          </ac:spMkLst>
+        </pc:spChg>
+      </pc:sldChg>
+      <pc:sldChg chg="modSp add ord">
+        <pc:chgData name="william a" userId="c66c7249b60d4ab2" providerId="LiveId" clId="{661F648E-E2FA-44A4-A62C-A104C39D23A7}" dt="2019-07-03T19:31:11.165" v="1990"/>
+        <pc:sldMkLst>
+          <pc:docMk/>
+          <pc:sldMk cId="292957853" sldId="292"/>
+        </pc:sldMkLst>
+        <pc:spChg chg="mod">
+          <ac:chgData name="william a" userId="c66c7249b60d4ab2" providerId="LiveId" clId="{661F648E-E2FA-44A4-A62C-A104C39D23A7}" dt="2019-07-03T19:30:22.787" v="1963" actId="6549"/>
+          <ac:spMkLst>
+            <pc:docMk/>
+            <pc:sldMk cId="292957853" sldId="292"/>
+            <ac:spMk id="2" creationId="{D0CBD092-444D-485B-B077-AE37DB7967F1}"/>
+          </ac:spMkLst>
+        </pc:spChg>
+        <pc:spChg chg="mod">
+          <ac:chgData name="william a" userId="c66c7249b60d4ab2" providerId="LiveId" clId="{661F648E-E2FA-44A4-A62C-A104C39D23A7}" dt="2019-07-03T19:30:58.402" v="1988" actId="20577"/>
+          <ac:spMkLst>
+            <pc:docMk/>
+            <pc:sldMk cId="292957853" sldId="292"/>
             <ac:spMk id="3" creationId="{65B32B1F-E0DF-456C-B7E0-F6CB2CBEA651}"/>
           </ac:spMkLst>
         </pc:spChg>
@@ -861,7 +1336,7 @@
           <a:p>
             <a:fld id="{30D566E9-7533-4009-AB0E-92B8486EDC97}" type="datetimeFigureOut">
               <a:rPr lang="en-US" smtClean="0"/>
-              <a:t>7/1/2019</a:t>
+              <a:t>7/4/2019</a:t>
             </a:fld>
             <a:endParaRPr lang="en-US"/>
           </a:p>
@@ -1059,7 +1534,7 @@
           <a:p>
             <a:fld id="{30D566E9-7533-4009-AB0E-92B8486EDC97}" type="datetimeFigureOut">
               <a:rPr lang="en-US" smtClean="0"/>
-              <a:t>7/1/2019</a:t>
+              <a:t>7/4/2019</a:t>
             </a:fld>
             <a:endParaRPr lang="en-US"/>
           </a:p>
@@ -1267,7 +1742,7 @@
           <a:p>
             <a:fld id="{30D566E9-7533-4009-AB0E-92B8486EDC97}" type="datetimeFigureOut">
               <a:rPr lang="en-US" smtClean="0"/>
-              <a:t>7/1/2019</a:t>
+              <a:t>7/4/2019</a:t>
             </a:fld>
             <a:endParaRPr lang="en-US"/>
           </a:p>
@@ -1465,7 +1940,7 @@
           <a:p>
             <a:fld id="{30D566E9-7533-4009-AB0E-92B8486EDC97}" type="datetimeFigureOut">
               <a:rPr lang="en-US" smtClean="0"/>
-              <a:t>7/1/2019</a:t>
+              <a:t>7/4/2019</a:t>
             </a:fld>
             <a:endParaRPr lang="en-US"/>
           </a:p>
@@ -1740,7 +2215,7 @@
           <a:p>
             <a:fld id="{30D566E9-7533-4009-AB0E-92B8486EDC97}" type="datetimeFigureOut">
               <a:rPr lang="en-US" smtClean="0"/>
-              <a:t>7/1/2019</a:t>
+              <a:t>7/4/2019</a:t>
             </a:fld>
             <a:endParaRPr lang="en-US"/>
           </a:p>
@@ -2005,7 +2480,7 @@
           <a:p>
             <a:fld id="{30D566E9-7533-4009-AB0E-92B8486EDC97}" type="datetimeFigureOut">
               <a:rPr lang="en-US" smtClean="0"/>
-              <a:t>7/1/2019</a:t>
+              <a:t>7/4/2019</a:t>
             </a:fld>
             <a:endParaRPr lang="en-US"/>
           </a:p>
@@ -2417,7 +2892,7 @@
           <a:p>
             <a:fld id="{30D566E9-7533-4009-AB0E-92B8486EDC97}" type="datetimeFigureOut">
               <a:rPr lang="en-US" smtClean="0"/>
-              <a:t>7/1/2019</a:t>
+              <a:t>7/4/2019</a:t>
             </a:fld>
             <a:endParaRPr lang="en-US"/>
           </a:p>
@@ -2558,7 +3033,7 @@
           <a:p>
             <a:fld id="{30D566E9-7533-4009-AB0E-92B8486EDC97}" type="datetimeFigureOut">
               <a:rPr lang="en-US" smtClean="0"/>
-              <a:t>7/1/2019</a:t>
+              <a:t>7/4/2019</a:t>
             </a:fld>
             <a:endParaRPr lang="en-US"/>
           </a:p>
@@ -2671,7 +3146,7 @@
           <a:p>
             <a:fld id="{30D566E9-7533-4009-AB0E-92B8486EDC97}" type="datetimeFigureOut">
               <a:rPr lang="en-US" smtClean="0"/>
-              <a:t>7/1/2019</a:t>
+              <a:t>7/4/2019</a:t>
             </a:fld>
             <a:endParaRPr lang="en-US"/>
           </a:p>
@@ -2982,7 +3457,7 @@
           <a:p>
             <a:fld id="{30D566E9-7533-4009-AB0E-92B8486EDC97}" type="datetimeFigureOut">
               <a:rPr lang="en-US" smtClean="0"/>
-              <a:t>7/1/2019</a:t>
+              <a:t>7/4/2019</a:t>
             </a:fld>
             <a:endParaRPr lang="en-US"/>
           </a:p>
@@ -3270,7 +3745,7 @@
           <a:p>
             <a:fld id="{30D566E9-7533-4009-AB0E-92B8486EDC97}" type="datetimeFigureOut">
               <a:rPr lang="en-US" smtClean="0"/>
-              <a:t>7/1/2019</a:t>
+              <a:t>7/4/2019</a:t>
             </a:fld>
             <a:endParaRPr lang="en-US"/>
           </a:p>
@@ -3511,7 +3986,7 @@
           <a:p>
             <a:fld id="{30D566E9-7533-4009-AB0E-92B8486EDC97}" type="datetimeFigureOut">
               <a:rPr lang="en-US" smtClean="0"/>
-              <a:t>7/1/2019</a:t>
+              <a:t>7/4/2019</a:t>
             </a:fld>
             <a:endParaRPr lang="en-US"/>
           </a:p>
@@ -4039,63 +4514,72 @@
             <p:ph idx="1"/>
           </p:nvPr>
         </p:nvSpPr>
-        <p:spPr/>
+        <p:spPr>
+          <a:xfrm>
+            <a:off x="475129" y="1613647"/>
+            <a:ext cx="10878671" cy="4563316"/>
+          </a:xfrm>
+        </p:spPr>
         <p:txBody>
           <a:bodyPr>
-            <a:normAutofit/>
+            <a:normAutofit fontScale="92500" lnSpcReduction="20000"/>
           </a:bodyPr>
           <a:lstStyle/>
           <a:p>
             <a:r>
               <a:rPr lang="en-US" sz="4400" dirty="0"/>
-              <a:t>The password manager you choose should have the following options:</a:t>
-            </a:r>
-          </a:p>
-          <a:p>
-            <a:pPr lvl="1"/>
+              <a:t>These are popular, secure, and inexpensive:</a:t>
+            </a:r>
+          </a:p>
+          <a:p>
+            <a:pPr lvl="2"/>
             <a:r>
               <a:rPr lang="en-US" sz="3600" dirty="0"/>
-              <a:t>Allow to easily retrieve and paste into a website</a:t>
-            </a:r>
-          </a:p>
-          <a:p>
-            <a:pPr lvl="1"/>
+              <a:t>LastPass</a:t>
+            </a:r>
+          </a:p>
+          <a:p>
+            <a:pPr lvl="2"/>
             <a:r>
               <a:rPr lang="en-US" sz="3600" dirty="0"/>
-              <a:t>Have a mobile app to allow for mobile logins</a:t>
-            </a:r>
-          </a:p>
-          <a:p>
-            <a:pPr lvl="1"/>
-            <a:r>
-              <a:rPr lang="en-US" sz="3600" dirty="0"/>
-              <a:t>Can import from browser-based password memory</a:t>
-            </a:r>
-          </a:p>
-          <a:p>
-            <a:pPr lvl="1"/>
-            <a:r>
-              <a:rPr lang="en-US" sz="3600" dirty="0"/>
-              <a:t>Can warn you if you’re re-using the same password</a:t>
-            </a:r>
-          </a:p>
-          <a:p>
-            <a:pPr lvl="1"/>
-            <a:r>
-              <a:rPr lang="en-US" sz="3600" b="1" dirty="0"/>
-              <a:t>Use TFA/MFA to access your stored passwords</a:t>
-            </a:r>
-          </a:p>
-          <a:p>
-            <a:pPr lvl="1"/>
+              <a:t>1Password</a:t>
+            </a:r>
+          </a:p>
+          <a:p>
+            <a:pPr lvl="2"/>
+            <a:r>
+              <a:rPr lang="en-US" sz="3600" dirty="0" err="1"/>
+              <a:t>Dashlane</a:t>
+            </a:r>
             <a:endParaRPr lang="en-US" sz="3600" dirty="0"/>
+          </a:p>
+          <a:p>
+            <a:pPr lvl="2"/>
+            <a:r>
+              <a:rPr lang="en-US" sz="3600" dirty="0" err="1"/>
+              <a:t>KeePassX</a:t>
+            </a:r>
+            <a:endParaRPr lang="en-US" sz="3600" dirty="0"/>
+          </a:p>
+          <a:p>
+            <a:r>
+              <a:rPr lang="en-US" sz="4400" dirty="0"/>
+              <a:t>Browsers have password features – not recommended because of lack of features, </a:t>
+            </a:r>
+            <a:br>
+              <a:rPr lang="en-US" sz="4400" dirty="0"/>
+            </a:br>
+            <a:r>
+              <a:rPr lang="en-US" sz="4400" b="1" dirty="0"/>
+              <a:t>also because of their integration with the very accounts they are supposed to protect</a:t>
+            </a:r>
           </a:p>
         </p:txBody>
       </p:sp>
     </p:spTree>
     <p:extLst>
       <p:ext uri="{BB962C8B-B14F-4D97-AF65-F5344CB8AC3E}">
-        <p14:creationId xmlns:p14="http://schemas.microsoft.com/office/powerpoint/2010/main" val="3846503020"/>
+        <p14:creationId xmlns:p14="http://schemas.microsoft.com/office/powerpoint/2010/main" val="2363797164"/>
       </p:ext>
     </p:extLst>
   </p:cSld>
@@ -4145,7 +4629,7 @@
           <a:p>
             <a:r>
               <a:rPr lang="en-US" dirty="0"/>
-              <a:t>What is Two Factor Authentication (TFA)</a:t>
+              <a:t>Password Managers </a:t>
             </a:r>
           </a:p>
         </p:txBody>
@@ -4166,59 +4650,288 @@
             <p:ph idx="1"/>
           </p:nvPr>
         </p:nvSpPr>
-        <p:spPr/>
+        <p:spPr>
+          <a:xfrm>
+            <a:off x="838200" y="1825625"/>
+            <a:ext cx="6693703" cy="4351338"/>
+          </a:xfrm>
+        </p:spPr>
         <p:txBody>
           <a:bodyPr>
-            <a:normAutofit/>
+            <a:noAutofit/>
           </a:bodyPr>
           <a:lstStyle/>
           <a:p>
-            <a:r>
-              <a:rPr lang="en-US" sz="4000" dirty="0"/>
-              <a:t>Passwords </a:t>
-            </a:r>
-            <a:r>
-              <a:rPr lang="en-US" sz="4000" i="1" dirty="0"/>
-              <a:t>alone</a:t>
-            </a:r>
-            <a:r>
-              <a:rPr lang="en-US" sz="4000" dirty="0"/>
-              <a:t> are a terrible security method</a:t>
-            </a:r>
-          </a:p>
-          <a:p>
-            <a:endParaRPr lang="en-US" sz="3600" dirty="0"/>
-          </a:p>
-          <a:p>
-            <a:r>
-              <a:rPr lang="en-US" sz="5400" dirty="0"/>
-              <a:t>TFA or MFA (Two-factor or Multi-factor) authentication is </a:t>
-            </a:r>
-            <a:r>
-              <a:rPr lang="en-US" sz="5400" b="1" dirty="0"/>
-              <a:t>something</a:t>
-            </a:r>
-            <a:r>
-              <a:rPr lang="en-US" sz="5400" dirty="0"/>
-              <a:t> aside from a password that allows a website to </a:t>
-            </a:r>
-            <a:r>
-              <a:rPr lang="en-US" sz="5400" b="1" dirty="0"/>
-              <a:t>confirm you are you.</a:t>
-            </a:r>
+            <a:pPr marL="0" indent="0">
+              <a:buNone/>
+            </a:pPr>
+            <a:r>
+              <a:rPr lang="en-US" sz="4800" dirty="0"/>
+              <a:t>Exchange all your passwords for a single super password.</a:t>
+            </a:r>
+          </a:p>
+          <a:p>
+            <a:pPr marL="0" indent="0">
+              <a:buNone/>
+            </a:pPr>
+            <a:r>
+              <a:rPr lang="en-US" sz="4800" dirty="0"/>
+              <a:t>DO NOT set your single super password to be “remembered”, ever! Type it in, every time.</a:t>
+            </a:r>
+          </a:p>
+        </p:txBody>
+      </p:sp>
+      <p:pic>
+        <p:nvPicPr>
+          <p:cNvPr id="5" name="Picture 4">
+            <a:extLst>
+              <a:ext uri="{FF2B5EF4-FFF2-40B4-BE49-F238E27FC236}">
+                <a16:creationId xmlns:a16="http://schemas.microsoft.com/office/drawing/2014/main" id="{214BFD04-9A7F-4CDD-8FC6-40FCD938E96A}"/>
+              </a:ext>
+            </a:extLst>
+          </p:cNvPr>
+          <p:cNvPicPr>
+            <a:picLocks noChangeAspect="1"/>
+          </p:cNvPicPr>
+          <p:nvPr/>
+        </p:nvPicPr>
+        <p:blipFill>
+          <a:blip r:embed="rId2"/>
+          <a:stretch>
+            <a:fillRect/>
+          </a:stretch>
+        </p:blipFill>
+        <p:spPr>
+          <a:xfrm>
+            <a:off x="7805231" y="0"/>
+            <a:ext cx="3809494" cy="4110244"/>
+          </a:xfrm>
+          <a:prstGeom prst="rect">
+            <a:avLst/>
+          </a:prstGeom>
+        </p:spPr>
+      </p:pic>
+      <p:pic>
+        <p:nvPicPr>
+          <p:cNvPr id="6" name="Picture 5">
+            <a:extLst>
+              <a:ext uri="{FF2B5EF4-FFF2-40B4-BE49-F238E27FC236}">
+                <a16:creationId xmlns:a16="http://schemas.microsoft.com/office/drawing/2014/main" id="{DFE2740E-9D18-4AA8-943F-C2AB5848FFE2}"/>
+              </a:ext>
+            </a:extLst>
+          </p:cNvPr>
+          <p:cNvPicPr>
+            <a:picLocks noChangeAspect="1"/>
+          </p:cNvPicPr>
+          <p:nvPr/>
+        </p:nvPicPr>
+        <p:blipFill>
+          <a:blip r:embed="rId3"/>
+          <a:stretch>
+            <a:fillRect/>
+          </a:stretch>
+        </p:blipFill>
+        <p:spPr>
+          <a:xfrm>
+            <a:off x="7531903" y="4001294"/>
+            <a:ext cx="4331345" cy="2748250"/>
+          </a:xfrm>
+          <a:prstGeom prst="rect">
+            <a:avLst/>
+          </a:prstGeom>
+        </p:spPr>
+      </p:pic>
+      <p:sp>
+        <p:nvSpPr>
+          <p:cNvPr id="7" name="&quot;Not Allowed&quot; Symbol 6">
+            <a:extLst>
+              <a:ext uri="{FF2B5EF4-FFF2-40B4-BE49-F238E27FC236}">
+                <a16:creationId xmlns:a16="http://schemas.microsoft.com/office/drawing/2014/main" id="{D6AF8896-9C16-4798-9B9B-1DD6738A5655}"/>
+              </a:ext>
+            </a:extLst>
+          </p:cNvPr>
+          <p:cNvSpPr/>
+          <p:nvPr/>
+        </p:nvSpPr>
+        <p:spPr>
+          <a:xfrm>
+            <a:off x="9659475" y="2856706"/>
+            <a:ext cx="433753" cy="433753"/>
+          </a:xfrm>
+          <a:prstGeom prst="noSmoking">
+            <a:avLst/>
+          </a:prstGeom>
+          <a:solidFill>
+            <a:srgbClr val="FF0000"/>
+          </a:solidFill>
+          <a:ln>
+            <a:noFill/>
+          </a:ln>
+        </p:spPr>
+        <p:style>
+          <a:lnRef idx="0">
+            <a:scrgbClr r="0" g="0" b="0"/>
+          </a:lnRef>
+          <a:fillRef idx="0">
+            <a:scrgbClr r="0" g="0" b="0"/>
+          </a:fillRef>
+          <a:effectRef idx="0">
+            <a:scrgbClr r="0" g="0" b="0"/>
+          </a:effectRef>
+          <a:fontRef idx="minor">
+            <a:schemeClr val="lt1"/>
+          </a:fontRef>
+        </p:style>
+        <p:txBody>
+          <a:bodyPr rtlCol="0" anchor="ctr"/>
+          <a:lstStyle/>
+          <a:p>
+            <a:pPr algn="ctr"/>
+            <a:endParaRPr lang="en-US">
+              <a:solidFill>
+                <a:schemeClr val="tx1"/>
+              </a:solidFill>
+            </a:endParaRPr>
           </a:p>
         </p:txBody>
       </p:sp>
     </p:spTree>
     <p:extLst>
       <p:ext uri="{BB962C8B-B14F-4D97-AF65-F5344CB8AC3E}">
-        <p14:creationId xmlns:p14="http://schemas.microsoft.com/office/powerpoint/2010/main" val="1854012467"/>
+        <p14:creationId xmlns:p14="http://schemas.microsoft.com/office/powerpoint/2010/main" val="2849883983"/>
       </p:ext>
     </p:extLst>
   </p:cSld>
   <p:clrMapOvr>
     <a:masterClrMapping/>
   </p:clrMapOvr>
+  <p:timing>
+    <p:tnLst>
+      <p:par>
+        <p:cTn id="1" dur="indefinite" restart="never" nodeType="tmRoot">
+          <p:childTnLst>
+            <p:seq concurrent="1" nextAc="seek">
+              <p:cTn id="2" dur="indefinite" nodeType="mainSeq">
+                <p:childTnLst>
+                  <p:par>
+                    <p:cTn id="3" fill="hold">
+                      <p:stCondLst>
+                        <p:cond delay="indefinite"/>
+                        <p:cond evt="onBegin" delay="0">
+                          <p:tn val="2"/>
+                        </p:cond>
+                      </p:stCondLst>
+                      <p:childTnLst>
+                        <p:par>
+                          <p:cTn id="4" fill="hold">
+                            <p:stCondLst>
+                              <p:cond delay="0"/>
+                            </p:stCondLst>
+                            <p:childTnLst>
+                              <p:par>
+                                <p:cTn id="5" presetID="2" presetClass="entr" presetSubtype="4" fill="hold" grpId="0" nodeType="afterEffect">
+                                  <p:stCondLst>
+                                    <p:cond delay="0"/>
+                                  </p:stCondLst>
+                                  <p:childTnLst>
+                                    <p:set>
+                                      <p:cBhvr>
+                                        <p:cTn id="6" dur="1" fill="hold">
+                                          <p:stCondLst>
+                                            <p:cond delay="0"/>
+                                          </p:stCondLst>
+                                        </p:cTn>
+                                        <p:tgtEl>
+                                          <p:spTgt spid="7"/>
+                                        </p:tgtEl>
+                                        <p:attrNameLst>
+                                          <p:attrName>style.visibility</p:attrName>
+                                        </p:attrNameLst>
+                                      </p:cBhvr>
+                                      <p:to>
+                                        <p:strVal val="visible"/>
+                                      </p:to>
+                                    </p:set>
+                                    <p:anim calcmode="lin" valueType="num">
+                                      <p:cBhvr additive="base">
+                                        <p:cTn id="7" dur="3000" fill="hold"/>
+                                        <p:tgtEl>
+                                          <p:spTgt spid="7"/>
+                                        </p:tgtEl>
+                                        <p:attrNameLst>
+                                          <p:attrName>ppt_x</p:attrName>
+                                        </p:attrNameLst>
+                                      </p:cBhvr>
+                                      <p:tavLst>
+                                        <p:tav tm="0">
+                                          <p:val>
+                                            <p:strVal val="#ppt_x"/>
+                                          </p:val>
+                                        </p:tav>
+                                        <p:tav tm="100000">
+                                          <p:val>
+                                            <p:strVal val="#ppt_x"/>
+                                          </p:val>
+                                        </p:tav>
+                                      </p:tavLst>
+                                    </p:anim>
+                                    <p:anim calcmode="lin" valueType="num">
+                                      <p:cBhvr additive="base">
+                                        <p:cTn id="8" dur="3000" fill="hold"/>
+                                        <p:tgtEl>
+                                          <p:spTgt spid="7"/>
+                                        </p:tgtEl>
+                                        <p:attrNameLst>
+                                          <p:attrName>ppt_y</p:attrName>
+                                        </p:attrNameLst>
+                                      </p:cBhvr>
+                                      <p:tavLst>
+                                        <p:tav tm="0">
+                                          <p:val>
+                                            <p:strVal val="1+#ppt_h/2"/>
+                                          </p:val>
+                                        </p:tav>
+                                        <p:tav tm="100000">
+                                          <p:val>
+                                            <p:strVal val="#ppt_y"/>
+                                          </p:val>
+                                        </p:tav>
+                                      </p:tavLst>
+                                    </p:anim>
+                                  </p:childTnLst>
+                                </p:cTn>
+                              </p:par>
+                            </p:childTnLst>
+                          </p:cTn>
+                        </p:par>
+                      </p:childTnLst>
+                    </p:cTn>
+                  </p:par>
+                </p:childTnLst>
+              </p:cTn>
+              <p:prevCondLst>
+                <p:cond evt="onPrev" delay="0">
+                  <p:tgtEl>
+                    <p:sldTgt/>
+                  </p:tgtEl>
+                </p:cond>
+              </p:prevCondLst>
+              <p:nextCondLst>
+                <p:cond evt="onNext" delay="0">
+                  <p:tgtEl>
+                    <p:sldTgt/>
+                  </p:tgtEl>
+                </p:cond>
+              </p:nextCondLst>
+            </p:seq>
+          </p:childTnLst>
+        </p:cTn>
+      </p:par>
+    </p:tnLst>
+    <p:bldLst>
+      <p:bldP spid="7" grpId="0" animBg="1"/>
+    </p:bldLst>
+  </p:timing>
 </p:sld>
 </file>
 
@@ -4262,7 +4975,7 @@
           <a:p>
             <a:r>
               <a:rPr lang="en-US" dirty="0"/>
-              <a:t>What is Two Factor Authentication</a:t>
+              <a:t>Password Managers </a:t>
             </a:r>
           </a:p>
         </p:txBody>
@@ -4285,8 +4998,8 @@
         </p:nvSpPr>
         <p:spPr>
           <a:xfrm>
-            <a:off x="838200" y="1476376"/>
-            <a:ext cx="10515600" cy="5172074"/>
+            <a:off x="476250" y="1539874"/>
+            <a:ext cx="11239500" cy="5032375"/>
           </a:xfrm>
         </p:spPr>
         <p:txBody>
@@ -4296,88 +5009,36 @@
           <a:lstStyle/>
           <a:p>
             <a:r>
-              <a:rPr lang="en-US" sz="3200" b="1" dirty="0"/>
-              <a:t>Use TFA for EVERY ACCOUNT on EVERY WEBSITE YOU CAN:</a:t>
+              <a:rPr lang="en-US" sz="4800" dirty="0"/>
+              <a:t>The password manager you choose should have the following options:</a:t>
             </a:r>
           </a:p>
           <a:p>
             <a:pPr lvl="1"/>
             <a:r>
-              <a:rPr lang="en-US" sz="2800" dirty="0"/>
-              <a:t>Email, Google/iCloud/Microsoft</a:t>
+              <a:rPr lang="en-US" sz="4000" dirty="0"/>
+              <a:t>Can import from browser-stored passwords</a:t>
             </a:r>
           </a:p>
           <a:p>
             <a:pPr lvl="1"/>
             <a:r>
-              <a:rPr lang="en-US" sz="2800" dirty="0"/>
-              <a:t>Banking/Financial/Bill Payment</a:t>
+              <a:rPr lang="en-US" sz="4000" dirty="0"/>
+              <a:t>Allow to easily generate, retrieve, and paste into a website on desktop or mobile </a:t>
             </a:r>
           </a:p>
           <a:p>
             <a:pPr lvl="1"/>
             <a:r>
-              <a:rPr lang="en-US" sz="2800" dirty="0"/>
-              <a:t>Cloud storage/assets, </a:t>
-            </a:r>
-            <a:r>
-              <a:rPr lang="en-US" sz="2800" dirty="0" err="1"/>
-              <a:t>Github</a:t>
-            </a:r>
-            <a:r>
-              <a:rPr lang="en-US" sz="2800" dirty="0"/>
-              <a:t>, Bitbucket, other Work</a:t>
+              <a:rPr lang="en-US" sz="4000" dirty="0"/>
+              <a:t>Warn you if you’re re-using the same password</a:t>
             </a:r>
           </a:p>
           <a:p>
             <a:pPr lvl="1"/>
             <a:r>
-              <a:rPr lang="en-US" sz="2800" dirty="0"/>
-              <a:t>Employer on Office365 or </a:t>
-            </a:r>
-            <a:r>
-              <a:rPr lang="en-US" sz="2800" dirty="0" err="1"/>
-              <a:t>GSuite</a:t>
-            </a:r>
-            <a:r>
-              <a:rPr lang="en-US" sz="2800" dirty="0"/>
-              <a:t>? They can enable TFA!</a:t>
-            </a:r>
-          </a:p>
-          <a:p>
-            <a:r>
-              <a:rPr lang="en-US" sz="3200" dirty="0"/>
-              <a:t>But also, TFA is available for many websites:</a:t>
-            </a:r>
-          </a:p>
-          <a:p>
-            <a:pPr lvl="1"/>
-            <a:r>
-              <a:rPr lang="en-US" sz="2800" dirty="0"/>
-              <a:t>Social media, e-commerce, Gaming and Streaming services</a:t>
-            </a:r>
-          </a:p>
-          <a:p>
-            <a:pPr lvl="1"/>
-            <a:r>
-              <a:rPr lang="en-US" sz="2800" dirty="0"/>
-              <a:t>Government, public service, utility providers</a:t>
-            </a:r>
-          </a:p>
-          <a:p>
-            <a:r>
-              <a:rPr lang="en-US" sz="3200" dirty="0"/>
-              <a:t>Want to know if a site supports TFA? </a:t>
-            </a:r>
-            <a:r>
-              <a:rPr lang="en-US" sz="3200" dirty="0">
-                <a:hlinkClick r:id="rId2"/>
-              </a:rPr>
-              <a:t>twofactorauth.org</a:t>
-            </a:r>
-            <a:r>
-              <a:rPr lang="en-US" sz="3200" dirty="0"/>
-              <a:t> or just got to the security settings/menu and see. Most do.</a:t>
+              <a:rPr lang="en-US" sz="4000" b="1" dirty="0"/>
+              <a:t>Use TFA/MFA to access your passwords</a:t>
             </a:r>
           </a:p>
         </p:txBody>
@@ -4385,7 +5046,7 @@
     </p:spTree>
     <p:extLst>
       <p:ext uri="{BB962C8B-B14F-4D97-AF65-F5344CB8AC3E}">
-        <p14:creationId xmlns:p14="http://schemas.microsoft.com/office/powerpoint/2010/main" val="2949025550"/>
+        <p14:creationId xmlns:p14="http://schemas.microsoft.com/office/powerpoint/2010/main" val="3846503020"/>
       </p:ext>
     </p:extLst>
   </p:cSld>
@@ -4435,7 +5096,7 @@
           <a:p>
             <a:r>
               <a:rPr lang="en-US" dirty="0"/>
-              <a:t>What is Two Factor Authentication</a:t>
+              <a:t>What is Two Factor Authentication (TFA)</a:t>
             </a:r>
           </a:p>
         </p:txBody>
@@ -4456,62 +5117,45 @@
             <p:ph idx="1"/>
           </p:nvPr>
         </p:nvSpPr>
-        <p:spPr>
-          <a:xfrm>
-            <a:off x="838200" y="1825625"/>
-            <a:ext cx="10515600" cy="4667250"/>
-          </a:xfrm>
-        </p:spPr>
+        <p:spPr/>
         <p:txBody>
           <a:bodyPr>
-            <a:normAutofit fontScale="92500" lnSpcReduction="20000"/>
+            <a:normAutofit/>
           </a:bodyPr>
           <a:lstStyle/>
           <a:p>
-            <a:pPr marL="0" indent="0">
-              <a:buNone/>
-            </a:pPr>
-            <a:r>
-              <a:rPr lang="en-US" sz="4300" dirty="0"/>
-              <a:t>TFA is hardly a new concept, but the implementation is still developing and the industry is always</a:t>
-            </a:r>
-            <a:r>
-              <a:rPr lang="en-US" sz="4300" b="1" dirty="0"/>
-              <a:t> trying to overcome consumer’s desire to be really dumb and stubborn</a:t>
-            </a:r>
-            <a:r>
-              <a:rPr lang="en-US" sz="4300" dirty="0"/>
-              <a:t>.</a:t>
-            </a:r>
-          </a:p>
-          <a:p>
-            <a:pPr marL="0" indent="0">
-              <a:buNone/>
-            </a:pPr>
-            <a:endParaRPr lang="en-US" sz="3200" dirty="0"/>
-          </a:p>
-          <a:p>
-            <a:r>
-              <a:rPr lang="en-US" sz="3200" dirty="0"/>
-              <a:t>Asymmetric encrypted hardware key algorithms have been around since 1970s, some weren’t declassified until late 90s</a:t>
-            </a:r>
-          </a:p>
-          <a:p>
-            <a:r>
-              <a:rPr lang="en-US" sz="3200" dirty="0"/>
-              <a:t>The RSA algorithm patent was made public domain in 2000</a:t>
-            </a:r>
-          </a:p>
-          <a:p>
-            <a:r>
-              <a:rPr lang="en-US" sz="3200" dirty="0"/>
-              <a:t>The first driverless, one-touch auth USB device in 2008</a:t>
-            </a:r>
-          </a:p>
-          <a:p>
-            <a:r>
-              <a:rPr lang="en-US" sz="3200" dirty="0"/>
-              <a:t>Google provided TFA to all accounts as early as 2010</a:t>
+            <a:r>
+              <a:rPr lang="en-US" sz="4000" dirty="0"/>
+              <a:t>Passwords </a:t>
+            </a:r>
+            <a:r>
+              <a:rPr lang="en-US" sz="4000" i="1" dirty="0"/>
+              <a:t>alone</a:t>
+            </a:r>
+            <a:r>
+              <a:rPr lang="en-US" sz="4000" dirty="0"/>
+              <a:t> are a terrible security method</a:t>
+            </a:r>
+          </a:p>
+          <a:p>
+            <a:endParaRPr lang="en-US" sz="3600" dirty="0"/>
+          </a:p>
+          <a:p>
+            <a:r>
+              <a:rPr lang="en-US" sz="4800" dirty="0"/>
+              <a:t>TFA or MFA (Two-factor or Multi-factor) authentication is </a:t>
+            </a:r>
+            <a:r>
+              <a:rPr lang="en-US" sz="4800" b="1" dirty="0"/>
+              <a:t>something</a:t>
+            </a:r>
+            <a:r>
+              <a:rPr lang="en-US" sz="4800" dirty="0"/>
+              <a:t> aside from a password that allows a website to </a:t>
+            </a:r>
+            <a:r>
+              <a:rPr lang="en-US" sz="4800" b="1" dirty="0"/>
+              <a:t>confirm you are you.</a:t>
             </a:r>
           </a:p>
         </p:txBody>
@@ -4519,7 +5163,7 @@
     </p:spTree>
     <p:extLst>
       <p:ext uri="{BB962C8B-B14F-4D97-AF65-F5344CB8AC3E}">
-        <p14:creationId xmlns:p14="http://schemas.microsoft.com/office/powerpoint/2010/main" val="24948884"/>
+        <p14:creationId xmlns:p14="http://schemas.microsoft.com/office/powerpoint/2010/main" val="1854012467"/>
       </p:ext>
     </p:extLst>
   </p:cSld>
@@ -4569,7 +5213,7 @@
           <a:p>
             <a:r>
               <a:rPr lang="en-US" dirty="0"/>
-              <a:t>Common TFA Types</a:t>
+              <a:t>What is Two Factor Authentication</a:t>
             </a:r>
           </a:p>
         </p:txBody>
@@ -4590,40 +5234,103 @@
             <p:ph idx="1"/>
           </p:nvPr>
         </p:nvSpPr>
-        <p:spPr/>
+        <p:spPr>
+          <a:xfrm>
+            <a:off x="838200" y="1476376"/>
+            <a:ext cx="10515600" cy="5172074"/>
+          </a:xfrm>
+        </p:spPr>
         <p:txBody>
           <a:bodyPr>
-            <a:normAutofit/>
+            <a:normAutofit lnSpcReduction="10000"/>
           </a:bodyPr>
           <a:lstStyle/>
           <a:p>
-            <a:pPr marL="1371600" lvl="1" indent="-914400">
-              <a:buFont typeface="+mj-lt"/>
-              <a:buAutoNum type="arabicPeriod"/>
-            </a:pPr>
-            <a:r>
-              <a:rPr lang="en-US" sz="4800" dirty="0"/>
-              <a:t>Text message (SMS) </a:t>
-            </a:r>
-          </a:p>
-          <a:p>
-            <a:pPr marL="1371600" lvl="1" indent="-914400">
-              <a:buFont typeface="+mj-lt"/>
-              <a:buAutoNum type="arabicPeriod"/>
-            </a:pPr>
-            <a:r>
-              <a:rPr lang="en-US" sz="4800" dirty="0"/>
-              <a:t>Software-based authenticators</a:t>
-            </a:r>
-          </a:p>
-          <a:p>
-            <a:pPr marL="1371600" lvl="1" indent="-914400">
-              <a:buFont typeface="+mj-lt"/>
-              <a:buAutoNum type="arabicPeriod"/>
-            </a:pPr>
-            <a:r>
-              <a:rPr lang="en-US" sz="4800" dirty="0"/>
-              <a:t>Hardware-based authenticators</a:t>
+            <a:r>
+              <a:rPr lang="en-US" sz="3600" b="1" dirty="0"/>
+              <a:t>Use TFA for EVERY ACCOUNT YOU CAN:</a:t>
+            </a:r>
+          </a:p>
+          <a:p>
+            <a:pPr lvl="1"/>
+            <a:r>
+              <a:rPr lang="en-US" sz="3200" dirty="0"/>
+              <a:t>Email, Google/iCloud/Microsoft</a:t>
+            </a:r>
+          </a:p>
+          <a:p>
+            <a:pPr lvl="1"/>
+            <a:r>
+              <a:rPr lang="en-US" sz="3200" dirty="0"/>
+              <a:t>Modern Banking/Financial/Bill Payment</a:t>
+            </a:r>
+          </a:p>
+          <a:p>
+            <a:pPr lvl="1"/>
+            <a:r>
+              <a:rPr lang="en-US" sz="3200" dirty="0"/>
+              <a:t>Cloud storage/assets, </a:t>
+            </a:r>
+            <a:r>
+              <a:rPr lang="en-US" sz="3200" dirty="0" err="1"/>
+              <a:t>Github</a:t>
+            </a:r>
+            <a:r>
+              <a:rPr lang="en-US" sz="3200" dirty="0"/>
+              <a:t>, Bitbucket</a:t>
+            </a:r>
+          </a:p>
+          <a:p>
+            <a:pPr lvl="1"/>
+            <a:r>
+              <a:rPr lang="en-US" sz="3200" dirty="0"/>
+              <a:t>Employer on </a:t>
+            </a:r>
+            <a:r>
+              <a:rPr lang="en-US" sz="3200" b="1" dirty="0"/>
+              <a:t>Office365</a:t>
+            </a:r>
+            <a:r>
+              <a:rPr lang="en-US" sz="3200" dirty="0"/>
+              <a:t> or </a:t>
+            </a:r>
+            <a:r>
+              <a:rPr lang="en-US" sz="3200" dirty="0" err="1"/>
+              <a:t>GSuite</a:t>
+            </a:r>
+            <a:r>
+              <a:rPr lang="en-US" sz="3200" dirty="0"/>
+              <a:t>? They can enable TFA!</a:t>
+            </a:r>
+          </a:p>
+          <a:p>
+            <a:pPr lvl="1"/>
+            <a:r>
+              <a:rPr lang="en-US" sz="3200" dirty="0"/>
+              <a:t>Social media, e-commerce, Gaming and Streaming services</a:t>
+            </a:r>
+          </a:p>
+          <a:p>
+            <a:pPr lvl="1"/>
+            <a:r>
+              <a:rPr lang="en-US" sz="3200" dirty="0"/>
+              <a:t>Government, public service, utility providers</a:t>
+            </a:r>
+          </a:p>
+          <a:p>
+            <a:r>
+              <a:rPr lang="en-US" sz="3600" dirty="0"/>
+              <a:t>Want to know if a site supports TFA? </a:t>
+            </a:r>
+            <a:r>
+              <a:rPr lang="en-US" sz="3600" dirty="0">
+                <a:hlinkClick r:id="rId2"/>
+              </a:rPr>
+              <a:t>twofactorauth.org</a:t>
+            </a:r>
+            <a:r>
+              <a:rPr lang="en-US" sz="3600" dirty="0"/>
+              <a:t> or just got to the security settings/menu and see. Most do.</a:t>
             </a:r>
           </a:p>
         </p:txBody>
@@ -4631,7 +5338,7 @@
     </p:spTree>
     <p:extLst>
       <p:ext uri="{BB962C8B-B14F-4D97-AF65-F5344CB8AC3E}">
-        <p14:creationId xmlns:p14="http://schemas.microsoft.com/office/powerpoint/2010/main" val="4051746483"/>
+        <p14:creationId xmlns:p14="http://schemas.microsoft.com/office/powerpoint/2010/main" val="2949025550"/>
       </p:ext>
     </p:extLst>
   </p:cSld>
@@ -4681,6 +5388,259 @@
           <a:p>
             <a:r>
               <a:rPr lang="en-US" dirty="0"/>
+              <a:t>What is Two Factor Authentication</a:t>
+            </a:r>
+          </a:p>
+        </p:txBody>
+      </p:sp>
+      <p:sp>
+        <p:nvSpPr>
+          <p:cNvPr id="3" name="Content Placeholder 2">
+            <a:extLst>
+              <a:ext uri="{FF2B5EF4-FFF2-40B4-BE49-F238E27FC236}">
+                <a16:creationId xmlns:a16="http://schemas.microsoft.com/office/drawing/2014/main" id="{65B32B1F-E0DF-456C-B7E0-F6CB2CBEA651}"/>
+              </a:ext>
+            </a:extLst>
+          </p:cNvPr>
+          <p:cNvSpPr>
+            <a:spLocks noGrp="1"/>
+          </p:cNvSpPr>
+          <p:nvPr>
+            <p:ph idx="1"/>
+          </p:nvPr>
+        </p:nvSpPr>
+        <p:spPr>
+          <a:xfrm>
+            <a:off x="838200" y="1825625"/>
+            <a:ext cx="10515600" cy="4667250"/>
+          </a:xfrm>
+        </p:spPr>
+        <p:txBody>
+          <a:bodyPr>
+            <a:normAutofit fontScale="92500" lnSpcReduction="20000"/>
+          </a:bodyPr>
+          <a:lstStyle/>
+          <a:p>
+            <a:pPr marL="0" indent="0">
+              <a:buNone/>
+            </a:pPr>
+            <a:r>
+              <a:rPr lang="en-US" sz="4300" dirty="0"/>
+              <a:t>TFA is not new concept, </a:t>
+            </a:r>
+            <a:br>
+              <a:rPr lang="en-US" sz="4300" dirty="0"/>
+            </a:br>
+            <a:r>
+              <a:rPr lang="en-US" sz="4300" dirty="0"/>
+              <a:t>but implementation is still developing and the industry is still </a:t>
+            </a:r>
+            <a:r>
+              <a:rPr lang="en-US" sz="4300" b="1" dirty="0"/>
+              <a:t>trying to overcome consumers’ desire to be ignorant and stubborn</a:t>
+            </a:r>
+            <a:r>
+              <a:rPr lang="en-US" sz="4300" dirty="0"/>
+              <a:t>.</a:t>
+            </a:r>
+          </a:p>
+          <a:p>
+            <a:pPr marL="0" indent="0">
+              <a:buNone/>
+            </a:pPr>
+            <a:endParaRPr lang="en-US" sz="3200" dirty="0"/>
+          </a:p>
+          <a:p>
+            <a:r>
+              <a:rPr lang="en-US" sz="3200" dirty="0"/>
+              <a:t>Asymmetric encrypted hardware key algorithms have been around since 1970s, some weren’t declassified until late 90s</a:t>
+            </a:r>
+          </a:p>
+          <a:p>
+            <a:r>
+              <a:rPr lang="en-US" sz="3200" dirty="0"/>
+              <a:t>The RSA algorithm patent was made public domain in 2000</a:t>
+            </a:r>
+          </a:p>
+          <a:p>
+            <a:r>
+              <a:rPr lang="en-US" sz="3200" dirty="0"/>
+              <a:t>The first driverless, one-touch auth USB device in 2008</a:t>
+            </a:r>
+          </a:p>
+          <a:p>
+            <a:r>
+              <a:rPr lang="en-US" sz="3200" dirty="0"/>
+              <a:t>Google provided TFA to all accounts as early as 2010</a:t>
+            </a:r>
+          </a:p>
+        </p:txBody>
+      </p:sp>
+    </p:spTree>
+    <p:extLst>
+      <p:ext uri="{BB962C8B-B14F-4D97-AF65-F5344CB8AC3E}">
+        <p14:creationId xmlns:p14="http://schemas.microsoft.com/office/powerpoint/2010/main" val="24948884"/>
+      </p:ext>
+    </p:extLst>
+  </p:cSld>
+  <p:clrMapOvr>
+    <a:masterClrMapping/>
+  </p:clrMapOvr>
+</p:sld>
+</file>
+
+<file path=ppt/slides/slide16.xml><?xml version="1.0" encoding="utf-8"?>
+<p:sld xmlns:a="http://schemas.openxmlformats.org/drawingml/2006/main" xmlns:r="http://schemas.openxmlformats.org/officeDocument/2006/relationships" xmlns:p="http://schemas.openxmlformats.org/presentationml/2006/main">
+  <p:cSld>
+    <p:spTree>
+      <p:nvGrpSpPr>
+        <p:cNvPr id="1" name=""/>
+        <p:cNvGrpSpPr/>
+        <p:nvPr/>
+      </p:nvGrpSpPr>
+      <p:grpSpPr>
+        <a:xfrm>
+          <a:off x="0" y="0"/>
+          <a:ext cx="0" cy="0"/>
+          <a:chOff x="0" y="0"/>
+          <a:chExt cx="0" cy="0"/>
+        </a:xfrm>
+      </p:grpSpPr>
+      <p:sp>
+        <p:nvSpPr>
+          <p:cNvPr id="2" name="Title 1">
+            <a:extLst>
+              <a:ext uri="{FF2B5EF4-FFF2-40B4-BE49-F238E27FC236}">
+                <a16:creationId xmlns:a16="http://schemas.microsoft.com/office/drawing/2014/main" id="{D0CBD092-444D-485B-B077-AE37DB7967F1}"/>
+              </a:ext>
+            </a:extLst>
+          </p:cNvPr>
+          <p:cNvSpPr>
+            <a:spLocks noGrp="1"/>
+          </p:cNvSpPr>
+          <p:nvPr>
+            <p:ph type="title"/>
+          </p:nvPr>
+        </p:nvSpPr>
+        <p:spPr/>
+        <p:txBody>
+          <a:bodyPr/>
+          <a:lstStyle/>
+          <a:p>
+            <a:r>
+              <a:rPr lang="en-US" dirty="0"/>
+              <a:t>Common TFA/MFA Types</a:t>
+            </a:r>
+          </a:p>
+        </p:txBody>
+      </p:sp>
+      <p:sp>
+        <p:nvSpPr>
+          <p:cNvPr id="3" name="Content Placeholder 2">
+            <a:extLst>
+              <a:ext uri="{FF2B5EF4-FFF2-40B4-BE49-F238E27FC236}">
+                <a16:creationId xmlns:a16="http://schemas.microsoft.com/office/drawing/2014/main" id="{65B32B1F-E0DF-456C-B7E0-F6CB2CBEA651}"/>
+              </a:ext>
+            </a:extLst>
+          </p:cNvPr>
+          <p:cNvSpPr>
+            <a:spLocks noGrp="1"/>
+          </p:cNvSpPr>
+          <p:nvPr>
+            <p:ph idx="1"/>
+          </p:nvPr>
+        </p:nvSpPr>
+        <p:spPr/>
+        <p:txBody>
+          <a:bodyPr>
+            <a:normAutofit/>
+          </a:bodyPr>
+          <a:lstStyle/>
+          <a:p>
+            <a:pPr marL="1371600" lvl="1" indent="-914400">
+              <a:buFont typeface="+mj-lt"/>
+              <a:buAutoNum type="arabicPeriod"/>
+            </a:pPr>
+            <a:r>
+              <a:rPr lang="en-US" sz="4800" dirty="0"/>
+              <a:t>Text message (SMS) </a:t>
+            </a:r>
+          </a:p>
+          <a:p>
+            <a:pPr marL="1371600" lvl="1" indent="-914400">
+              <a:buFont typeface="+mj-lt"/>
+              <a:buAutoNum type="arabicPeriod"/>
+            </a:pPr>
+            <a:r>
+              <a:rPr lang="en-US" sz="4800" dirty="0"/>
+              <a:t>Software-based authenticators</a:t>
+            </a:r>
+          </a:p>
+          <a:p>
+            <a:pPr marL="1371600" lvl="1" indent="-914400">
+              <a:buFont typeface="+mj-lt"/>
+              <a:buAutoNum type="arabicPeriod"/>
+            </a:pPr>
+            <a:r>
+              <a:rPr lang="en-US" sz="4800" dirty="0"/>
+              <a:t>Hardware-based authenticators</a:t>
+            </a:r>
+          </a:p>
+        </p:txBody>
+      </p:sp>
+    </p:spTree>
+    <p:extLst>
+      <p:ext uri="{BB962C8B-B14F-4D97-AF65-F5344CB8AC3E}">
+        <p14:creationId xmlns:p14="http://schemas.microsoft.com/office/powerpoint/2010/main" val="4051746483"/>
+      </p:ext>
+    </p:extLst>
+  </p:cSld>
+  <p:clrMapOvr>
+    <a:masterClrMapping/>
+  </p:clrMapOvr>
+</p:sld>
+</file>
+
+<file path=ppt/slides/slide17.xml><?xml version="1.0" encoding="utf-8"?>
+<p:sld xmlns:a="http://schemas.openxmlformats.org/drawingml/2006/main" xmlns:r="http://schemas.openxmlformats.org/officeDocument/2006/relationships" xmlns:p="http://schemas.openxmlformats.org/presentationml/2006/main">
+  <p:cSld>
+    <p:spTree>
+      <p:nvGrpSpPr>
+        <p:cNvPr id="1" name=""/>
+        <p:cNvGrpSpPr/>
+        <p:nvPr/>
+      </p:nvGrpSpPr>
+      <p:grpSpPr>
+        <a:xfrm>
+          <a:off x="0" y="0"/>
+          <a:ext cx="0" cy="0"/>
+          <a:chOff x="0" y="0"/>
+          <a:chExt cx="0" cy="0"/>
+        </a:xfrm>
+      </p:grpSpPr>
+      <p:sp>
+        <p:nvSpPr>
+          <p:cNvPr id="2" name="Title 1">
+            <a:extLst>
+              <a:ext uri="{FF2B5EF4-FFF2-40B4-BE49-F238E27FC236}">
+                <a16:creationId xmlns:a16="http://schemas.microsoft.com/office/drawing/2014/main" id="{D0CBD092-444D-485B-B077-AE37DB7967F1}"/>
+              </a:ext>
+            </a:extLst>
+          </p:cNvPr>
+          <p:cNvSpPr>
+            <a:spLocks noGrp="1"/>
+          </p:cNvSpPr>
+          <p:nvPr>
+            <p:ph type="title"/>
+          </p:nvPr>
+        </p:nvSpPr>
+        <p:spPr/>
+        <p:txBody>
+          <a:bodyPr/>
+          <a:lstStyle/>
+          <a:p>
+            <a:r>
+              <a:rPr lang="en-US" dirty="0"/>
               <a:t>Text-Message (SMS) Based Authentication</a:t>
             </a:r>
           </a:p>
@@ -4710,25 +5670,19 @@
         </p:spPr>
         <p:txBody>
           <a:bodyPr>
-            <a:normAutofit/>
+            <a:normAutofit fontScale="92500" lnSpcReduction="10000"/>
           </a:bodyPr>
           <a:lstStyle/>
           <a:p>
             <a:r>
-              <a:rPr lang="en-US" sz="3200" dirty="0"/>
+              <a:rPr lang="en-US" sz="4400" dirty="0"/>
               <a:t>After you log in, the website sends you an SMS to a phone number you have previously stored with them.</a:t>
             </a:r>
           </a:p>
           <a:p>
             <a:r>
-              <a:rPr lang="en-US" sz="3200" dirty="0"/>
-              <a:t>You type in the number within a certain amount of time, and the website knows it was you who received the text message. </a:t>
-            </a:r>
-          </a:p>
-          <a:p>
-            <a:r>
-              <a:rPr lang="en-US" sz="3200" dirty="0"/>
-              <a:t>Vulnerabilities in carriers, including social engineering or SIM card hacks have made this type of TFA obsolete and unsecure. </a:t>
+              <a:rPr lang="en-US" sz="4400" dirty="0"/>
+              <a:t>You type in the number within a certain amount of time, and the website knows it was you who received the text message.</a:t>
             </a:r>
           </a:p>
         </p:txBody>
@@ -4806,353 +5760,6 @@
 </p:sld>
 </file>
 
-<file path=ppt/slides/slide16.xml><?xml version="1.0" encoding="utf-8"?>
-<p:sld xmlns:a="http://schemas.openxmlformats.org/drawingml/2006/main" xmlns:r="http://schemas.openxmlformats.org/officeDocument/2006/relationships" xmlns:p="http://schemas.openxmlformats.org/presentationml/2006/main">
-  <p:cSld>
-    <p:spTree>
-      <p:nvGrpSpPr>
-        <p:cNvPr id="1" name=""/>
-        <p:cNvGrpSpPr/>
-        <p:nvPr/>
-      </p:nvGrpSpPr>
-      <p:grpSpPr>
-        <a:xfrm>
-          <a:off x="0" y="0"/>
-          <a:ext cx="0" cy="0"/>
-          <a:chOff x="0" y="0"/>
-          <a:chExt cx="0" cy="0"/>
-        </a:xfrm>
-      </p:grpSpPr>
-      <p:sp>
-        <p:nvSpPr>
-          <p:cNvPr id="2" name="Title 1">
-            <a:extLst>
-              <a:ext uri="{FF2B5EF4-FFF2-40B4-BE49-F238E27FC236}">
-                <a16:creationId xmlns:a16="http://schemas.microsoft.com/office/drawing/2014/main" id="{D0CBD092-444D-485B-B077-AE37DB7967F1}"/>
-              </a:ext>
-            </a:extLst>
-          </p:cNvPr>
-          <p:cNvSpPr>
-            <a:spLocks noGrp="1"/>
-          </p:cNvSpPr>
-          <p:nvPr>
-            <p:ph type="title"/>
-          </p:nvPr>
-        </p:nvSpPr>
-        <p:spPr/>
-        <p:txBody>
-          <a:bodyPr/>
-          <a:lstStyle/>
-          <a:p>
-            <a:r>
-              <a:rPr lang="en-US" dirty="0"/>
-              <a:t>Text-Message (SMS) Based Authentication</a:t>
-            </a:r>
-          </a:p>
-        </p:txBody>
-      </p:sp>
-      <p:sp>
-        <p:nvSpPr>
-          <p:cNvPr id="3" name="Content Placeholder 2">
-            <a:extLst>
-              <a:ext uri="{FF2B5EF4-FFF2-40B4-BE49-F238E27FC236}">
-                <a16:creationId xmlns:a16="http://schemas.microsoft.com/office/drawing/2014/main" id="{65B32B1F-E0DF-456C-B7E0-F6CB2CBEA651}"/>
-              </a:ext>
-            </a:extLst>
-          </p:cNvPr>
-          <p:cNvSpPr>
-            <a:spLocks noGrp="1"/>
-          </p:cNvSpPr>
-          <p:nvPr>
-            <p:ph idx="1"/>
-          </p:nvPr>
-        </p:nvSpPr>
-        <p:spPr>
-          <a:xfrm>
-            <a:off x="838200" y="1533525"/>
-            <a:ext cx="10991850" cy="4959350"/>
-          </a:xfrm>
-        </p:spPr>
-        <p:txBody>
-          <a:bodyPr>
-            <a:normAutofit fontScale="85000" lnSpcReduction="20000"/>
-          </a:bodyPr>
-          <a:lstStyle/>
-          <a:p>
-            <a:r>
-              <a:rPr lang="en-US" sz="3600" dirty="0"/>
-              <a:t>“I’m going to send you a secure code to </a:t>
-            </a:r>
-            <a:br>
-              <a:rPr lang="en-US" sz="3600" dirty="0"/>
-            </a:br>
-            <a:r>
-              <a:rPr lang="en-US" sz="3600" dirty="0"/>
-              <a:t>make sure you’re not a scammer” </a:t>
-            </a:r>
-          </a:p>
-          <a:p>
-            <a:r>
-              <a:rPr lang="en-US" sz="3600" dirty="0"/>
-              <a:t>A common tactic on public listing sites </a:t>
-            </a:r>
-            <a:br>
-              <a:rPr lang="en-US" sz="3600" dirty="0"/>
-            </a:br>
-            <a:r>
-              <a:rPr lang="en-US" sz="3600" dirty="0"/>
-              <a:t>like Craigslist, </a:t>
-            </a:r>
-            <a:r>
-              <a:rPr lang="en-US" sz="3600" dirty="0" err="1"/>
-              <a:t>Ebay</a:t>
-            </a:r>
-            <a:r>
-              <a:rPr lang="en-US" sz="3600" dirty="0"/>
-              <a:t>, etc. THEY are not </a:t>
-            </a:r>
-            <a:br>
-              <a:rPr lang="en-US" sz="3600" dirty="0"/>
-            </a:br>
-            <a:r>
-              <a:rPr lang="en-US" sz="3600" dirty="0"/>
-              <a:t>sending you a six digit code. They’re </a:t>
-            </a:r>
-            <a:br>
-              <a:rPr lang="en-US" sz="3600" dirty="0"/>
-            </a:br>
-            <a:r>
-              <a:rPr lang="en-US" sz="3600" dirty="0"/>
-              <a:t>trying act as you to your </a:t>
-            </a:r>
-            <a:r>
-              <a:rPr lang="en-US" sz="3600" dirty="0" err="1"/>
-              <a:t>your</a:t>
-            </a:r>
-            <a:r>
-              <a:rPr lang="en-US" sz="3600" dirty="0"/>
-              <a:t> cell carrier.</a:t>
-            </a:r>
-          </a:p>
-          <a:p>
-            <a:r>
-              <a:rPr lang="en-US" sz="3600" dirty="0"/>
-              <a:t>If you are sent a code via text message, </a:t>
-            </a:r>
-            <a:br>
-              <a:rPr lang="en-US" sz="3600" dirty="0"/>
-            </a:br>
-            <a:r>
-              <a:rPr lang="en-US" sz="3600" dirty="0"/>
-              <a:t>NEVER EVER TELL IT TO ANYONE ELSE. </a:t>
-            </a:r>
-          </a:p>
-          <a:p>
-            <a:r>
-              <a:rPr lang="en-US" sz="3600" dirty="0"/>
-              <a:t>Didn’t ask for it?  Could be a sign someone is trying to hack you.</a:t>
-            </a:r>
-          </a:p>
-          <a:p>
-            <a:r>
-              <a:rPr lang="en-US" sz="3600" dirty="0"/>
-              <a:t>They are misusing the same system that allows you to keep your phone number when you transfer cell providers, which carriers must provide you required by law!</a:t>
-            </a:r>
-          </a:p>
-        </p:txBody>
-      </p:sp>
-      <p:pic>
-        <p:nvPicPr>
-          <p:cNvPr id="4" name="Picture 3">
-            <a:extLst>
-              <a:ext uri="{FF2B5EF4-FFF2-40B4-BE49-F238E27FC236}">
-                <a16:creationId xmlns:a16="http://schemas.microsoft.com/office/drawing/2014/main" id="{F7A298A8-4A8C-4C22-9E85-297C2BA6ACBD}"/>
-              </a:ext>
-            </a:extLst>
-          </p:cNvPr>
-          <p:cNvPicPr>
-            <a:picLocks noChangeAspect="1"/>
-          </p:cNvPicPr>
-          <p:nvPr/>
-        </p:nvPicPr>
-        <p:blipFill>
-          <a:blip r:embed="rId2"/>
-          <a:stretch>
-            <a:fillRect/>
-          </a:stretch>
-        </p:blipFill>
-        <p:spPr>
-          <a:xfrm>
-            <a:off x="7696439" y="1743075"/>
-            <a:ext cx="4313998" cy="2232025"/>
-          </a:xfrm>
-          <a:prstGeom prst="rect">
-            <a:avLst/>
-          </a:prstGeom>
-        </p:spPr>
-      </p:pic>
-      <p:sp>
-        <p:nvSpPr>
-          <p:cNvPr id="5" name="TextBox 4">
-            <a:extLst>
-              <a:ext uri="{FF2B5EF4-FFF2-40B4-BE49-F238E27FC236}">
-                <a16:creationId xmlns:a16="http://schemas.microsoft.com/office/drawing/2014/main" id="{FA2E4623-825E-45DB-AF79-765BC674D041}"/>
-              </a:ext>
-            </a:extLst>
-          </p:cNvPr>
-          <p:cNvSpPr txBox="1"/>
-          <p:nvPr/>
-        </p:nvSpPr>
-        <p:spPr>
-          <a:xfrm>
-            <a:off x="7815532" y="3959525"/>
-            <a:ext cx="3795623" cy="369332"/>
-          </a:xfrm>
-          <a:prstGeom prst="rect">
-            <a:avLst/>
-          </a:prstGeom>
-          <a:noFill/>
-        </p:spPr>
-        <p:txBody>
-          <a:bodyPr wrap="square" rtlCol="0">
-            <a:spAutoFit/>
-          </a:bodyPr>
-          <a:lstStyle/>
-          <a:p>
-            <a:pPr algn="r"/>
-            <a:r>
-              <a:rPr lang="en-US" dirty="0">
-                <a:solidFill>
-                  <a:srgbClr val="FF0000"/>
-                </a:solidFill>
-              </a:rPr>
-              <a:t>This is an actual scam!</a:t>
-            </a:r>
-          </a:p>
-        </p:txBody>
-      </p:sp>
-    </p:spTree>
-    <p:extLst>
-      <p:ext uri="{BB962C8B-B14F-4D97-AF65-F5344CB8AC3E}">
-        <p14:creationId xmlns:p14="http://schemas.microsoft.com/office/powerpoint/2010/main" val="556003552"/>
-      </p:ext>
-    </p:extLst>
-  </p:cSld>
-  <p:clrMapOvr>
-    <a:masterClrMapping/>
-  </p:clrMapOvr>
-</p:sld>
-</file>
-
-<file path=ppt/slides/slide17.xml><?xml version="1.0" encoding="utf-8"?>
-<p:sld xmlns:a="http://schemas.openxmlformats.org/drawingml/2006/main" xmlns:r="http://schemas.openxmlformats.org/officeDocument/2006/relationships" xmlns:p="http://schemas.openxmlformats.org/presentationml/2006/main">
-  <p:cSld>
-    <p:spTree>
-      <p:nvGrpSpPr>
-        <p:cNvPr id="1" name=""/>
-        <p:cNvGrpSpPr/>
-        <p:nvPr/>
-      </p:nvGrpSpPr>
-      <p:grpSpPr>
-        <a:xfrm>
-          <a:off x="0" y="0"/>
-          <a:ext cx="0" cy="0"/>
-          <a:chOff x="0" y="0"/>
-          <a:chExt cx="0" cy="0"/>
-        </a:xfrm>
-      </p:grpSpPr>
-      <p:sp>
-        <p:nvSpPr>
-          <p:cNvPr id="2" name="Title 1">
-            <a:extLst>
-              <a:ext uri="{FF2B5EF4-FFF2-40B4-BE49-F238E27FC236}">
-                <a16:creationId xmlns:a16="http://schemas.microsoft.com/office/drawing/2014/main" id="{D0CBD092-444D-485B-B077-AE37DB7967F1}"/>
-              </a:ext>
-            </a:extLst>
-          </p:cNvPr>
-          <p:cNvSpPr>
-            <a:spLocks noGrp="1"/>
-          </p:cNvSpPr>
-          <p:nvPr>
-            <p:ph type="title"/>
-          </p:nvPr>
-        </p:nvSpPr>
-        <p:spPr/>
-        <p:txBody>
-          <a:bodyPr/>
-          <a:lstStyle/>
-          <a:p>
-            <a:r>
-              <a:rPr lang="en-US" dirty="0"/>
-              <a:t>Text-Message (SMS) Based Authentication</a:t>
-            </a:r>
-          </a:p>
-        </p:txBody>
-      </p:sp>
-      <p:sp>
-        <p:nvSpPr>
-          <p:cNvPr id="3" name="Content Placeholder 2">
-            <a:extLst>
-              <a:ext uri="{FF2B5EF4-FFF2-40B4-BE49-F238E27FC236}">
-                <a16:creationId xmlns:a16="http://schemas.microsoft.com/office/drawing/2014/main" id="{65B32B1F-E0DF-456C-B7E0-F6CB2CBEA651}"/>
-              </a:ext>
-            </a:extLst>
-          </p:cNvPr>
-          <p:cNvSpPr>
-            <a:spLocks noGrp="1"/>
-          </p:cNvSpPr>
-          <p:nvPr>
-            <p:ph idx="1"/>
-          </p:nvPr>
-        </p:nvSpPr>
-        <p:spPr/>
-        <p:txBody>
-          <a:bodyPr>
-            <a:normAutofit fontScale="92500"/>
-          </a:bodyPr>
-          <a:lstStyle/>
-          <a:p>
-            <a:r>
-              <a:rPr lang="en-US" sz="3600" dirty="0"/>
-              <a:t>If a site offers another option besides SMS TFA, use it. </a:t>
-            </a:r>
-          </a:p>
-          <a:p>
-            <a:r>
-              <a:rPr lang="en-US" sz="3600" dirty="0"/>
-              <a:t>Unfortunately, many banks ONLY provide this option.</a:t>
-            </a:r>
-          </a:p>
-          <a:p>
-            <a:r>
-              <a:rPr lang="en-US" sz="3600" dirty="0"/>
-              <a:t>SMS-based authentication is much better than no TFA</a:t>
-            </a:r>
-          </a:p>
-          <a:p>
-            <a:endParaRPr lang="en-US" sz="3600" dirty="0"/>
-          </a:p>
-          <a:p>
-            <a:r>
-              <a:rPr lang="en-US" sz="3600" dirty="0"/>
-              <a:t>Yahoo and Reddit have each been breached after they were targeted by SMS-based TFA. In each case, the hackers targeted specific admins and their phones, intercepted the text messages and/or changed their passwords.</a:t>
-            </a:r>
-          </a:p>
-        </p:txBody>
-      </p:sp>
-    </p:spTree>
-    <p:extLst>
-      <p:ext uri="{BB962C8B-B14F-4D97-AF65-F5344CB8AC3E}">
-        <p14:creationId xmlns:p14="http://schemas.microsoft.com/office/powerpoint/2010/main" val="3852182217"/>
-      </p:ext>
-    </p:extLst>
-  </p:cSld>
-  <p:clrMapOvr>
-    <a:masterClrMapping/>
-  </p:clrMapOvr>
-</p:sld>
-</file>
-
 <file path=ppt/slides/slide18.xml><?xml version="1.0" encoding="utf-8"?>
 <p:sld xmlns:a="http://schemas.openxmlformats.org/drawingml/2006/main" xmlns:r="http://schemas.openxmlformats.org/officeDocument/2006/relationships" xmlns:p="http://schemas.openxmlformats.org/presentationml/2006/main">
   <p:cSld>
@@ -5193,7 +5800,7 @@
           <a:p>
             <a:r>
               <a:rPr lang="en-US" dirty="0"/>
-              <a:t>Software-Based Authentication</a:t>
+              <a:t>Text-Message (SMS) Based Authentication</a:t>
             </a:r>
           </a:p>
         </p:txBody>
@@ -5216,8 +5823,8 @@
         </p:nvSpPr>
         <p:spPr>
           <a:xfrm>
-            <a:off x="838200" y="1498204"/>
-            <a:ext cx="4962525" cy="5195893"/>
+            <a:off x="838199" y="1524000"/>
+            <a:ext cx="10896601" cy="5257800"/>
           </a:xfrm>
         </p:spPr>
         <p:txBody>
@@ -5227,150 +5834,35 @@
           <a:lstStyle/>
           <a:p>
             <a:r>
-              <a:rPr lang="en-US" sz="3600" dirty="0"/>
-              <a:t>Time-based, One-Time Password Algorithm</a:t>
-            </a:r>
-          </a:p>
-          <a:p>
-            <a:r>
-              <a:rPr lang="en-US" sz="3600" dirty="0"/>
-              <a:t>Given an initial secret,  your phone can generate a code that changes at intervals.</a:t>
-            </a:r>
-          </a:p>
-          <a:p>
-            <a:r>
-              <a:rPr lang="en-US" sz="3600" dirty="0"/>
-              <a:t>The website uses the shared key to generate the same code.</a:t>
-            </a:r>
-          </a:p>
-        </p:txBody>
-      </p:sp>
-      <p:sp>
-        <p:nvSpPr>
-          <p:cNvPr id="8" name="AutoShape 10" descr="https://lh3.googleusercontent.com/SClWEmbk7QxxuKiWshok2T45vAwEQYCduisnnGORqrha7KfpQsvFZa0xac_jyj_tE9Mn=w1920-h947-rw">
-            <a:extLst>
-              <a:ext uri="{FF2B5EF4-FFF2-40B4-BE49-F238E27FC236}">
-                <a16:creationId xmlns:a16="http://schemas.microsoft.com/office/drawing/2014/main" id="{35F208E5-7037-43C1-A023-1454F9383ED2}"/>
-              </a:ext>
-            </a:extLst>
-          </p:cNvPr>
-          <p:cNvSpPr>
-            <a:spLocks noChangeAspect="1" noChangeArrowheads="1"/>
-          </p:cNvSpPr>
-          <p:nvPr/>
-        </p:nvSpPr>
-        <p:spPr bwMode="auto">
-          <a:xfrm>
-            <a:off x="5943600" y="3276600"/>
-            <a:ext cx="304800" cy="304800"/>
-          </a:xfrm>
-          <a:prstGeom prst="rect">
-            <a:avLst/>
-          </a:prstGeom>
-          <a:noFill/>
-          <a:extLst>
-            <a:ext uri="{909E8E84-426E-40DD-AFC4-6F175D3DCCD1}">
-              <a14:hiddenFill xmlns:a14="http://schemas.microsoft.com/office/drawing/2010/main">
-                <a:solidFill>
-                  <a:srgbClr val="FFFFFF"/>
-                </a:solidFill>
-              </a14:hiddenFill>
-            </a:ext>
-          </a:extLst>
-        </p:spPr>
-        <p:txBody>
-          <a:bodyPr vert="horz" wrap="square" lIns="91440" tIns="45720" rIns="91440" bIns="45720" numCol="1" anchor="t" anchorCtr="0" compatLnSpc="1">
-            <a:prstTxWarp prst="textNoShape">
-              <a:avLst/>
-            </a:prstTxWarp>
-          </a:bodyPr>
-          <a:lstStyle/>
-          <a:p>
-            <a:endParaRPr lang="en-US"/>
-          </a:p>
-        </p:txBody>
-      </p:sp>
-      <p:pic>
-        <p:nvPicPr>
-          <p:cNvPr id="10" name="Picture 9">
-            <a:extLst>
-              <a:ext uri="{FF2B5EF4-FFF2-40B4-BE49-F238E27FC236}">
-                <a16:creationId xmlns:a16="http://schemas.microsoft.com/office/drawing/2014/main" id="{F469758F-75CA-4026-AF75-6D8676D524F3}"/>
-              </a:ext>
-            </a:extLst>
-          </p:cNvPr>
-          <p:cNvPicPr>
-            <a:picLocks noChangeAspect="1"/>
-          </p:cNvPicPr>
-          <p:nvPr/>
-        </p:nvPicPr>
-        <p:blipFill>
-          <a:blip r:embed="rId2"/>
-          <a:stretch>
-            <a:fillRect/>
-          </a:stretch>
-        </p:blipFill>
-        <p:spPr>
-          <a:xfrm>
-            <a:off x="8801101" y="1498204"/>
-            <a:ext cx="3163528" cy="5086350"/>
-          </a:xfrm>
-          <a:prstGeom prst="rect">
-            <a:avLst/>
-          </a:prstGeom>
-        </p:spPr>
-      </p:pic>
-      <p:pic>
-        <p:nvPicPr>
-          <p:cNvPr id="1038" name="Picture 14" descr="https://docs.microsoft.com/en-us/azure/active-directory/user-help/media/user-help-auth-app-faq/auth-app-accounts.png">
-            <a:extLst>
-              <a:ext uri="{FF2B5EF4-FFF2-40B4-BE49-F238E27FC236}">
-                <a16:creationId xmlns:a16="http://schemas.microsoft.com/office/drawing/2014/main" id="{82B05069-642D-4784-8C44-7242B65358FF}"/>
-              </a:ext>
-            </a:extLst>
-          </p:cNvPr>
-          <p:cNvPicPr>
-            <a:picLocks noChangeAspect="1" noChangeArrowheads="1"/>
-          </p:cNvPicPr>
-          <p:nvPr/>
-        </p:nvPicPr>
-        <p:blipFill>
-          <a:blip r:embed="rId3">
-            <a:extLst>
-              <a:ext uri="{28A0092B-C50C-407E-A947-70E740481C1C}">
-                <a14:useLocalDpi xmlns:a14="http://schemas.microsoft.com/office/drawing/2010/main" val="0"/>
-              </a:ext>
-            </a:extLst>
-          </a:blip>
-          <a:srcRect/>
-          <a:stretch>
-            <a:fillRect/>
-          </a:stretch>
-        </p:blipFill>
-        <p:spPr bwMode="auto">
-          <a:xfrm>
-            <a:off x="5872162" y="1498204"/>
-            <a:ext cx="2857500" cy="5086350"/>
-          </a:xfrm>
-          <a:prstGeom prst="rect">
-            <a:avLst/>
-          </a:prstGeom>
-          <a:noFill/>
-          <a:extLst>
-            <a:ext uri="{909E8E84-426E-40DD-AFC4-6F175D3DCCD1}">
-              <a14:hiddenFill xmlns:a14="http://schemas.microsoft.com/office/drawing/2010/main">
-                <a:solidFill>
-                  <a:srgbClr val="FFFFFF"/>
-                </a:solidFill>
-              </a14:hiddenFill>
-            </a:ext>
-          </a:extLst>
-        </p:spPr>
-      </p:pic>
+              <a:rPr lang="en-US" sz="4000" dirty="0"/>
+              <a:t>Vulnerabilities in cell carriers, including social engineering, man-in-the-middle SS7 telecom protocol attacks, or engage in SIM card swapping/cloning, have made this type of TFA obsolete and unsecure. </a:t>
+            </a:r>
+          </a:p>
+          <a:p>
+            <a:r>
+              <a:rPr lang="en-US" sz="3200" dirty="0"/>
+              <a:t>Almost every network around the world uses SS7. High profile banking hacks in the UK have raised awareness of this.</a:t>
+            </a:r>
+          </a:p>
+          <a:p>
+            <a:r>
+              <a:rPr lang="en-US" sz="3200" b="1" dirty="0"/>
+              <a:t>SS7 hack explained: what can you do about it? </a:t>
+            </a:r>
+            <a:r>
+              <a:rPr lang="en-US" sz="1600" dirty="0">
+                <a:hlinkClick r:id="rId2"/>
+              </a:rPr>
+              <a:t>https://www.theguardian.com/technology/2016/apr/19/ss7-hack-explained-mobile-phone-vulnerability-snooping-texts-calls</a:t>
+            </a:r>
+            <a:endParaRPr lang="en-US" sz="3200" dirty="0"/>
+          </a:p>
+        </p:txBody>
+      </p:sp>
     </p:spTree>
     <p:extLst>
       <p:ext uri="{BB962C8B-B14F-4D97-AF65-F5344CB8AC3E}">
-        <p14:creationId xmlns:p14="http://schemas.microsoft.com/office/powerpoint/2010/main" val="3332906769"/>
+        <p14:creationId xmlns:p14="http://schemas.microsoft.com/office/powerpoint/2010/main" val="94736363"/>
       </p:ext>
     </p:extLst>
   </p:cSld>
@@ -5413,153 +5905,206 @@
             <p:ph type="title"/>
           </p:nvPr>
         </p:nvSpPr>
+        <p:spPr/>
+        <p:txBody>
+          <a:bodyPr/>
+          <a:lstStyle/>
+          <a:p>
+            <a:r>
+              <a:rPr lang="en-US" dirty="0"/>
+              <a:t>Text-Message (SMS) Based Authentication</a:t>
+            </a:r>
+          </a:p>
+        </p:txBody>
+      </p:sp>
+      <p:sp>
+        <p:nvSpPr>
+          <p:cNvPr id="3" name="Content Placeholder 2">
+            <a:extLst>
+              <a:ext uri="{FF2B5EF4-FFF2-40B4-BE49-F238E27FC236}">
+                <a16:creationId xmlns:a16="http://schemas.microsoft.com/office/drawing/2014/main" id="{65B32B1F-E0DF-456C-B7E0-F6CB2CBEA651}"/>
+              </a:ext>
+            </a:extLst>
+          </p:cNvPr>
+          <p:cNvSpPr>
+            <a:spLocks noGrp="1"/>
+          </p:cNvSpPr>
+          <p:nvPr>
+            <p:ph idx="1"/>
+          </p:nvPr>
+        </p:nvSpPr>
         <p:spPr>
           <a:xfrm>
-            <a:off x="838200" y="336550"/>
-            <a:ext cx="10515600" cy="1325563"/>
+            <a:off x="838200" y="1533525"/>
+            <a:ext cx="10991850" cy="4959350"/>
           </a:xfrm>
         </p:spPr>
         <p:txBody>
-          <a:bodyPr/>
-          <a:lstStyle/>
-          <a:p>
-            <a:r>
-              <a:rPr lang="en-US" dirty="0"/>
-              <a:t>Software-Based Authentication</a:t>
-            </a:r>
-          </a:p>
-        </p:txBody>
-      </p:sp>
-      <p:sp>
-        <p:nvSpPr>
-          <p:cNvPr id="3" name="Content Placeholder 2">
-            <a:extLst>
-              <a:ext uri="{FF2B5EF4-FFF2-40B4-BE49-F238E27FC236}">
-                <a16:creationId xmlns:a16="http://schemas.microsoft.com/office/drawing/2014/main" id="{65B32B1F-E0DF-456C-B7E0-F6CB2CBEA651}"/>
-              </a:ext>
-            </a:extLst>
-          </p:cNvPr>
-          <p:cNvSpPr>
-            <a:spLocks noGrp="1"/>
-          </p:cNvSpPr>
-          <p:nvPr>
-            <p:ph idx="1"/>
-          </p:nvPr>
-        </p:nvSpPr>
+          <a:bodyPr>
+            <a:normAutofit fontScale="92500" lnSpcReduction="20000"/>
+          </a:bodyPr>
+          <a:lstStyle/>
+          <a:p>
+            <a:r>
+              <a:rPr lang="en-US" sz="3200" dirty="0"/>
+              <a:t>“I’m going to send you a secure code </a:t>
+            </a:r>
+            <a:br>
+              <a:rPr lang="en-US" sz="3200" dirty="0"/>
+            </a:br>
+            <a:r>
+              <a:rPr lang="en-US" sz="3200" dirty="0"/>
+              <a:t>to make sure you’re not a scammer” </a:t>
+            </a:r>
+          </a:p>
+          <a:p>
+            <a:r>
+              <a:rPr lang="en-US" sz="3200" dirty="0"/>
+              <a:t>A common tactic on listing sites like </a:t>
+            </a:r>
+            <a:br>
+              <a:rPr lang="en-US" sz="3200" dirty="0"/>
+            </a:br>
+            <a:r>
+              <a:rPr lang="en-US" sz="3200" dirty="0"/>
+              <a:t>Craigslist, </a:t>
+            </a:r>
+            <a:r>
+              <a:rPr lang="en-US" sz="3200" dirty="0" err="1"/>
+              <a:t>Ebay</a:t>
+            </a:r>
+            <a:r>
+              <a:rPr lang="en-US" sz="3200" dirty="0"/>
+              <a:t>, etc. </a:t>
+            </a:r>
+            <a:r>
+              <a:rPr lang="en-US" sz="3200" b="1" dirty="0"/>
+              <a:t>They’re trying act</a:t>
+            </a:r>
+            <a:br>
+              <a:rPr lang="en-US" sz="3200" b="1" dirty="0"/>
+            </a:br>
+            <a:r>
+              <a:rPr lang="en-US" sz="3200" b="1" dirty="0"/>
+              <a:t>as you to your cell carrier, tricking </a:t>
+            </a:r>
+            <a:br>
+              <a:rPr lang="en-US" sz="3200" b="1" dirty="0"/>
+            </a:br>
+            <a:r>
+              <a:rPr lang="en-US" sz="3200" dirty="0"/>
+              <a:t>you to give them a real code.</a:t>
+            </a:r>
+            <a:endParaRPr lang="en-US" sz="3200" b="1" dirty="0"/>
+          </a:p>
+          <a:p>
+            <a:r>
+              <a:rPr lang="en-US" sz="3200" dirty="0"/>
+              <a:t>If you are ever sent a code via text message, </a:t>
+            </a:r>
+            <a:br>
+              <a:rPr lang="en-US" sz="3200" dirty="0"/>
+            </a:br>
+            <a:r>
+              <a:rPr lang="en-US" sz="3200" dirty="0"/>
+              <a:t>NEVER PROVIDE IT TO ANYONE ELSE. </a:t>
+            </a:r>
+          </a:p>
+          <a:p>
+            <a:r>
+              <a:rPr lang="en-US" sz="3200" dirty="0"/>
+              <a:t>Received one you didn’t ask for? </a:t>
+            </a:r>
+            <a:br>
+              <a:rPr lang="en-US" sz="3200" dirty="0"/>
+            </a:br>
+            <a:r>
+              <a:rPr lang="en-US" sz="3200" dirty="0"/>
+              <a:t>Someone may be trying to steal your account.</a:t>
+            </a:r>
+          </a:p>
+          <a:p>
+            <a:r>
+              <a:rPr lang="en-US" sz="3200" dirty="0"/>
+              <a:t>Possibly they are abusing the confirmation system that allows you to keep your phone number when you transfer cell providers.</a:t>
+            </a:r>
+          </a:p>
+        </p:txBody>
+      </p:sp>
+      <p:pic>
+        <p:nvPicPr>
+          <p:cNvPr id="4" name="Picture 3">
+            <a:extLst>
+              <a:ext uri="{FF2B5EF4-FFF2-40B4-BE49-F238E27FC236}">
+                <a16:creationId xmlns:a16="http://schemas.microsoft.com/office/drawing/2014/main" id="{F7A298A8-4A8C-4C22-9E85-297C2BA6ACBD}"/>
+              </a:ext>
+            </a:extLst>
+          </p:cNvPr>
+          <p:cNvPicPr>
+            <a:picLocks noChangeAspect="1"/>
+          </p:cNvPicPr>
+          <p:nvPr/>
+        </p:nvPicPr>
+        <p:blipFill>
+          <a:blip r:embed="rId2"/>
+          <a:stretch>
+            <a:fillRect/>
+          </a:stretch>
+        </p:blipFill>
         <p:spPr>
           <a:xfrm>
-            <a:off x="838200" y="1825624"/>
-            <a:ext cx="10515600" cy="4695825"/>
+            <a:off x="7777122" y="1533525"/>
+            <a:ext cx="4313998" cy="2232025"/>
           </a:xfrm>
+          <a:prstGeom prst="rect">
+            <a:avLst/>
+          </a:prstGeom>
         </p:spPr>
-        <p:txBody>
-          <a:bodyPr>
-            <a:normAutofit fontScale="92500"/>
-          </a:bodyPr>
-          <a:lstStyle/>
-          <a:p>
-            <a:pPr marL="0" indent="0">
-              <a:buNone/>
-            </a:pPr>
-            <a:r>
-              <a:rPr lang="en-US" sz="4000" dirty="0"/>
-              <a:t>Mobile apps:</a:t>
-            </a:r>
-          </a:p>
-          <a:p>
-            <a:r>
-              <a:rPr lang="en-US" sz="4000" b="1" dirty="0"/>
-              <a:t>Google Authenticator</a:t>
-            </a:r>
-          </a:p>
-          <a:p>
-            <a:r>
-              <a:rPr lang="en-US" sz="4000" b="1" dirty="0"/>
-              <a:t>Microsoft Azure Authenticator</a:t>
-            </a:r>
-          </a:p>
-          <a:p>
-            <a:r>
-              <a:rPr lang="en-US" sz="4000" dirty="0"/>
-              <a:t>LastPass Authenticator</a:t>
-            </a:r>
-          </a:p>
-          <a:p>
-            <a:r>
-              <a:rPr lang="en-US" sz="4000" dirty="0" err="1"/>
-              <a:t>Authy</a:t>
-            </a:r>
-            <a:r>
-              <a:rPr lang="en-US" sz="4000" dirty="0"/>
-              <a:t>: multiplatform free service for software TFA</a:t>
-            </a:r>
-          </a:p>
-          <a:p>
-            <a:pPr marL="0" indent="0">
-              <a:buNone/>
-            </a:pPr>
-            <a:r>
-              <a:rPr lang="en-US" sz="4000" dirty="0"/>
-              <a:t>Enterprise mobile apps:</a:t>
-            </a:r>
-          </a:p>
-          <a:p>
-            <a:r>
-              <a:rPr lang="en-US" sz="4000" dirty="0"/>
-              <a:t>Symantec VIP,  RSA, Duo</a:t>
-            </a:r>
-          </a:p>
-        </p:txBody>
-      </p:sp>
-      <p:sp>
-        <p:nvSpPr>
-          <p:cNvPr id="8" name="AutoShape 10" descr="https://lh3.googleusercontent.com/SClWEmbk7QxxuKiWshok2T45vAwEQYCduisnnGORqrha7KfpQsvFZa0xac_jyj_tE9Mn=w1920-h947-rw">
-            <a:extLst>
-              <a:ext uri="{FF2B5EF4-FFF2-40B4-BE49-F238E27FC236}">
-                <a16:creationId xmlns:a16="http://schemas.microsoft.com/office/drawing/2014/main" id="{35F208E5-7037-43C1-A023-1454F9383ED2}"/>
-              </a:ext>
-            </a:extLst>
-          </p:cNvPr>
-          <p:cNvSpPr>
-            <a:spLocks noChangeAspect="1" noChangeArrowheads="1"/>
-          </p:cNvSpPr>
+      </p:pic>
+      <p:sp>
+        <p:nvSpPr>
+          <p:cNvPr id="5" name="TextBox 4">
+            <a:extLst>
+              <a:ext uri="{FF2B5EF4-FFF2-40B4-BE49-F238E27FC236}">
+                <a16:creationId xmlns:a16="http://schemas.microsoft.com/office/drawing/2014/main" id="{FA2E4623-825E-45DB-AF79-765BC674D041}"/>
+              </a:ext>
+            </a:extLst>
+          </p:cNvPr>
+          <p:cNvSpPr txBox="1"/>
           <p:nvPr/>
         </p:nvSpPr>
-        <p:spPr bwMode="auto">
+        <p:spPr>
           <a:xfrm>
-            <a:off x="5943600" y="3276600"/>
-            <a:ext cx="304800" cy="304800"/>
+            <a:off x="8196885" y="3765550"/>
+            <a:ext cx="3795623" cy="369332"/>
           </a:xfrm>
           <a:prstGeom prst="rect">
             <a:avLst/>
           </a:prstGeom>
           <a:noFill/>
-          <a:extLst>
-            <a:ext uri="{909E8E84-426E-40DD-AFC4-6F175D3DCCD1}">
-              <a14:hiddenFill xmlns:a14="http://schemas.microsoft.com/office/drawing/2010/main">
+        </p:spPr>
+        <p:txBody>
+          <a:bodyPr wrap="square" rtlCol="0">
+            <a:spAutoFit/>
+          </a:bodyPr>
+          <a:lstStyle/>
+          <a:p>
+            <a:pPr algn="r"/>
+            <a:r>
+              <a:rPr lang="en-US" dirty="0">
                 <a:solidFill>
-                  <a:srgbClr val="FFFFFF"/>
+                  <a:srgbClr val="FF0000"/>
                 </a:solidFill>
-              </a14:hiddenFill>
-            </a:ext>
-          </a:extLst>
-        </p:spPr>
-        <p:txBody>
-          <a:bodyPr vert="horz" wrap="square" lIns="91440" tIns="45720" rIns="91440" bIns="45720" numCol="1" anchor="t" anchorCtr="0" compatLnSpc="1">
-            <a:prstTxWarp prst="textNoShape">
-              <a:avLst/>
-            </a:prstTxWarp>
-          </a:bodyPr>
-          <a:lstStyle/>
-          <a:p>
-            <a:endParaRPr lang="en-US"/>
+              </a:rPr>
+              <a:t>This is an actual scam!</a:t>
+            </a:r>
           </a:p>
         </p:txBody>
       </p:sp>
     </p:spTree>
     <p:extLst>
       <p:ext uri="{BB962C8B-B14F-4D97-AF65-F5344CB8AC3E}">
-        <p14:creationId xmlns:p14="http://schemas.microsoft.com/office/powerpoint/2010/main" val="2815070541"/>
+        <p14:creationId xmlns:p14="http://schemas.microsoft.com/office/powerpoint/2010/main" val="556003552"/>
       </p:ext>
     </p:extLst>
   </p:cSld>
@@ -5754,7 +6299,7 @@
           <a:p>
             <a:r>
               <a:rPr lang="en-US" dirty="0"/>
-              <a:t>Software-Based Authentication</a:t>
+              <a:t>Text-Message (SMS) Based Authentication</a:t>
             </a:r>
           </a:p>
         </p:txBody>
@@ -5775,109 +6320,45 @@
             <p:ph idx="1"/>
           </p:nvPr>
         </p:nvSpPr>
-        <p:spPr>
-          <a:xfrm>
-            <a:off x="838200" y="1825625"/>
-            <a:ext cx="10668000" cy="4351338"/>
-          </a:xfrm>
-        </p:spPr>
+        <p:spPr/>
         <p:txBody>
           <a:bodyPr>
-            <a:normAutofit/>
+            <a:normAutofit fontScale="92500"/>
           </a:bodyPr>
           <a:lstStyle/>
           <a:p>
             <a:r>
               <a:rPr lang="en-US" sz="3600" dirty="0"/>
-              <a:t>An Authenticator “app” for your phone </a:t>
-            </a:r>
-            <a:r>
-              <a:rPr lang="en-US" sz="3600" b="1" dirty="0"/>
-              <a:t>generates a number which you type in to the website</a:t>
-            </a:r>
+              <a:t>If a site offers another option besides SMS TFA, use it. </a:t>
+            </a:r>
+          </a:p>
+          <a:p>
             <a:r>
               <a:rPr lang="en-US" sz="3600" dirty="0"/>
-              <a:t>, </a:t>
-            </a:r>
-            <a:br>
+              <a:t>Unfortunately, many banks ONLY provide this option.</a:t>
+            </a:r>
+          </a:p>
+          <a:p>
+            <a:r>
               <a:rPr lang="en-US" sz="3600" dirty="0"/>
-            </a:br>
+              <a:t>SMS-based authentication is much better than no TFA.</a:t>
+            </a:r>
+          </a:p>
+          <a:p>
+            <a:endParaRPr lang="en-US" sz="3600" dirty="0"/>
+          </a:p>
+          <a:p>
             <a:r>
               <a:rPr lang="en-US" sz="3600" dirty="0"/>
-              <a:t>or approve via a push notification.</a:t>
-            </a:r>
-          </a:p>
-          <a:p>
-            <a:r>
-              <a:rPr lang="en-US" sz="3600" dirty="0"/>
-              <a:t>This is </a:t>
-            </a:r>
-            <a:r>
-              <a:rPr lang="en-US" sz="3600" b="1" dirty="0"/>
-              <a:t>far more secure than text-message (SMS) </a:t>
-            </a:r>
-            <a:r>
-              <a:rPr lang="en-US" sz="3600" dirty="0"/>
-              <a:t>based authentication.</a:t>
-            </a:r>
-          </a:p>
-          <a:p>
-            <a:r>
-              <a:rPr lang="en-US" sz="3600" dirty="0"/>
-              <a:t>Your phone holds the key. Which means if you lose your phone, you’ll need a backup method.</a:t>
-            </a:r>
-          </a:p>
-        </p:txBody>
-      </p:sp>
-      <p:sp>
-        <p:nvSpPr>
-          <p:cNvPr id="8" name="AutoShape 10" descr="https://lh3.googleusercontent.com/SClWEmbk7QxxuKiWshok2T45vAwEQYCduisnnGORqrha7KfpQsvFZa0xac_jyj_tE9Mn=w1920-h947-rw">
-            <a:extLst>
-              <a:ext uri="{FF2B5EF4-FFF2-40B4-BE49-F238E27FC236}">
-                <a16:creationId xmlns:a16="http://schemas.microsoft.com/office/drawing/2014/main" id="{35F208E5-7037-43C1-A023-1454F9383ED2}"/>
-              </a:ext>
-            </a:extLst>
-          </p:cNvPr>
-          <p:cNvSpPr>
-            <a:spLocks noChangeAspect="1" noChangeArrowheads="1"/>
-          </p:cNvSpPr>
-          <p:nvPr/>
-        </p:nvSpPr>
-        <p:spPr bwMode="auto">
-          <a:xfrm>
-            <a:off x="5943600" y="3276600"/>
-            <a:ext cx="304800" cy="304800"/>
-          </a:xfrm>
-          <a:prstGeom prst="rect">
-            <a:avLst/>
-          </a:prstGeom>
-          <a:noFill/>
-          <a:extLst>
-            <a:ext uri="{909E8E84-426E-40DD-AFC4-6F175D3DCCD1}">
-              <a14:hiddenFill xmlns:a14="http://schemas.microsoft.com/office/drawing/2010/main">
-                <a:solidFill>
-                  <a:srgbClr val="FFFFFF"/>
-                </a:solidFill>
-              </a14:hiddenFill>
-            </a:ext>
-          </a:extLst>
-        </p:spPr>
-        <p:txBody>
-          <a:bodyPr vert="horz" wrap="square" lIns="91440" tIns="45720" rIns="91440" bIns="45720" numCol="1" anchor="t" anchorCtr="0" compatLnSpc="1">
-            <a:prstTxWarp prst="textNoShape">
-              <a:avLst/>
-            </a:prstTxWarp>
-          </a:bodyPr>
-          <a:lstStyle/>
-          <a:p>
-            <a:endParaRPr lang="en-US"/>
+              <a:t>Yahoo and Reddit have each been breached after they were targeted by SMS-based TFA. In each case, the hackers targeted specific admins and their phones, intercepted the text messages and/or changed their passwords.</a:t>
+            </a:r>
           </a:p>
         </p:txBody>
       </p:sp>
     </p:spTree>
     <p:extLst>
       <p:ext uri="{BB962C8B-B14F-4D97-AF65-F5344CB8AC3E}">
-        <p14:creationId xmlns:p14="http://schemas.microsoft.com/office/powerpoint/2010/main" val="1502653849"/>
+        <p14:creationId xmlns:p14="http://schemas.microsoft.com/office/powerpoint/2010/main" val="3852182217"/>
       </p:ext>
     </p:extLst>
   </p:cSld>
@@ -5927,6 +6408,121 @@
           <a:p>
             <a:r>
               <a:rPr lang="en-US" dirty="0"/>
+              <a:t>Email-Based Authentication</a:t>
+            </a:r>
+          </a:p>
+        </p:txBody>
+      </p:sp>
+      <p:sp>
+        <p:nvSpPr>
+          <p:cNvPr id="3" name="Content Placeholder 2">
+            <a:extLst>
+              <a:ext uri="{FF2B5EF4-FFF2-40B4-BE49-F238E27FC236}">
+                <a16:creationId xmlns:a16="http://schemas.microsoft.com/office/drawing/2014/main" id="{65B32B1F-E0DF-456C-B7E0-F6CB2CBEA651}"/>
+              </a:ext>
+            </a:extLst>
+          </p:cNvPr>
+          <p:cNvSpPr>
+            <a:spLocks noGrp="1"/>
+          </p:cNvSpPr>
+          <p:nvPr>
+            <p:ph idx="1"/>
+          </p:nvPr>
+        </p:nvSpPr>
+        <p:spPr/>
+        <p:txBody>
+          <a:bodyPr>
+            <a:normAutofit fontScale="85000" lnSpcReduction="10000"/>
+          </a:bodyPr>
+          <a:lstStyle/>
+          <a:p>
+            <a:r>
+              <a:rPr lang="en-US" sz="3600" dirty="0"/>
+              <a:t>If the site uses Email authentication, the concept is the same as SMS-based authentication.</a:t>
+            </a:r>
+          </a:p>
+          <a:p>
+            <a:endParaRPr lang="en-US" sz="3600" dirty="0"/>
+          </a:p>
+          <a:p>
+            <a:r>
+              <a:rPr lang="en-US" sz="3600" dirty="0"/>
+              <a:t>But the vulnerabilities are largely the same – compromise the email account, and the “other factor” is compromised as well.</a:t>
+            </a:r>
+          </a:p>
+          <a:p>
+            <a:endParaRPr lang="en-US" sz="3600" dirty="0"/>
+          </a:p>
+          <a:p>
+            <a:r>
+              <a:rPr lang="en-US" sz="3600" dirty="0"/>
+              <a:t>Also, Google and Apple offer integrated text messages in email. </a:t>
+            </a:r>
+          </a:p>
+          <a:p>
+            <a:endParaRPr lang="en-US" sz="3600" dirty="0"/>
+          </a:p>
+          <a:p>
+            <a:r>
+              <a:rPr lang="en-US" sz="3600" dirty="0"/>
+              <a:t>Better than nothing, but not better.</a:t>
+            </a:r>
+          </a:p>
+        </p:txBody>
+      </p:sp>
+    </p:spTree>
+    <p:extLst>
+      <p:ext uri="{BB962C8B-B14F-4D97-AF65-F5344CB8AC3E}">
+        <p14:creationId xmlns:p14="http://schemas.microsoft.com/office/powerpoint/2010/main" val="2578182766"/>
+      </p:ext>
+    </p:extLst>
+  </p:cSld>
+  <p:clrMapOvr>
+    <a:masterClrMapping/>
+  </p:clrMapOvr>
+</p:sld>
+</file>
+
+<file path=ppt/slides/slide22.xml><?xml version="1.0" encoding="utf-8"?>
+<p:sld xmlns:a="http://schemas.openxmlformats.org/drawingml/2006/main" xmlns:r="http://schemas.openxmlformats.org/officeDocument/2006/relationships" xmlns:p="http://schemas.openxmlformats.org/presentationml/2006/main">
+  <p:cSld>
+    <p:spTree>
+      <p:nvGrpSpPr>
+        <p:cNvPr id="1" name=""/>
+        <p:cNvGrpSpPr/>
+        <p:nvPr/>
+      </p:nvGrpSpPr>
+      <p:grpSpPr>
+        <a:xfrm>
+          <a:off x="0" y="0"/>
+          <a:ext cx="0" cy="0"/>
+          <a:chOff x="0" y="0"/>
+          <a:chExt cx="0" cy="0"/>
+        </a:xfrm>
+      </p:grpSpPr>
+      <p:sp>
+        <p:nvSpPr>
+          <p:cNvPr id="2" name="Title 1">
+            <a:extLst>
+              <a:ext uri="{FF2B5EF4-FFF2-40B4-BE49-F238E27FC236}">
+                <a16:creationId xmlns:a16="http://schemas.microsoft.com/office/drawing/2014/main" id="{D0CBD092-444D-485B-B077-AE37DB7967F1}"/>
+              </a:ext>
+            </a:extLst>
+          </p:cNvPr>
+          <p:cNvSpPr>
+            <a:spLocks noGrp="1"/>
+          </p:cNvSpPr>
+          <p:nvPr>
+            <p:ph type="title"/>
+          </p:nvPr>
+        </p:nvSpPr>
+        <p:spPr/>
+        <p:txBody>
+          <a:bodyPr/>
+          <a:lstStyle/>
+          <a:p>
+            <a:r>
+              <a:rPr lang="en-US" dirty="0"/>
               <a:t>Software-Based Authentication</a:t>
             </a:r>
           </a:p>
@@ -5950,32 +6546,31 @@
         </p:nvSpPr>
         <p:spPr>
           <a:xfrm>
-            <a:off x="838200" y="1825625"/>
-            <a:ext cx="10668000" cy="4351338"/>
+            <a:off x="838200" y="1498204"/>
+            <a:ext cx="4962525" cy="5195893"/>
           </a:xfrm>
         </p:spPr>
         <p:txBody>
           <a:bodyPr>
-            <a:normAutofit fontScale="92500"/>
+            <a:normAutofit lnSpcReduction="10000"/>
           </a:bodyPr>
           <a:lstStyle/>
           <a:p>
             <a:r>
               <a:rPr lang="en-US" sz="3600" dirty="0"/>
-              <a:t>When you set up a TFA App with a new website or account, you’ll be provided a QR code or long string you only see once, SAVE THESE SECURELY and SEPARATELY for future convenience.</a:t>
-            </a:r>
-          </a:p>
-          <a:p>
-            <a:pPr lvl="1"/>
-            <a:r>
-              <a:rPr lang="en-US" sz="3200" dirty="0"/>
-              <a:t>You can use the same QR Code or string to transfer phones or create backup devices with the same TFA code generation.</a:t>
+              <a:t>Time-based, One-Time Password Algorithm</a:t>
             </a:r>
           </a:p>
           <a:p>
             <a:r>
               <a:rPr lang="en-US" sz="3600" dirty="0"/>
-              <a:t>You’ll also be given a set of “backup” one-time use codes. STORE THESE SECURELY AND SEPERATELY. You may need to use one in a pinch to gain access if you’ve lost your phone.</a:t>
+              <a:t>Given an initial secret,  your phone can generate a unique code that changes at intervals, forever.</a:t>
+            </a:r>
+          </a:p>
+          <a:p>
+            <a:r>
+              <a:rPr lang="en-US" sz="3600" dirty="0"/>
+              <a:t>The website uses the shared key to verify the same code.</a:t>
             </a:r>
           </a:p>
         </p:txBody>
@@ -6025,6 +6620,931 @@
           </a:p>
         </p:txBody>
       </p:sp>
+      <p:pic>
+        <p:nvPicPr>
+          <p:cNvPr id="10" name="Picture 9">
+            <a:extLst>
+              <a:ext uri="{FF2B5EF4-FFF2-40B4-BE49-F238E27FC236}">
+                <a16:creationId xmlns:a16="http://schemas.microsoft.com/office/drawing/2014/main" id="{F469758F-75CA-4026-AF75-6D8676D524F3}"/>
+              </a:ext>
+            </a:extLst>
+          </p:cNvPr>
+          <p:cNvPicPr>
+            <a:picLocks noChangeAspect="1"/>
+          </p:cNvPicPr>
+          <p:nvPr/>
+        </p:nvPicPr>
+        <p:blipFill>
+          <a:blip r:embed="rId2"/>
+          <a:stretch>
+            <a:fillRect/>
+          </a:stretch>
+        </p:blipFill>
+        <p:spPr>
+          <a:xfrm>
+            <a:off x="8801101" y="1498204"/>
+            <a:ext cx="3163528" cy="5086350"/>
+          </a:xfrm>
+          <a:prstGeom prst="rect">
+            <a:avLst/>
+          </a:prstGeom>
+        </p:spPr>
+      </p:pic>
+      <p:pic>
+        <p:nvPicPr>
+          <p:cNvPr id="1038" name="Picture 14" descr="https://docs.microsoft.com/en-us/azure/active-directory/user-help/media/user-help-auth-app-faq/auth-app-accounts.png">
+            <a:extLst>
+              <a:ext uri="{FF2B5EF4-FFF2-40B4-BE49-F238E27FC236}">
+                <a16:creationId xmlns:a16="http://schemas.microsoft.com/office/drawing/2014/main" id="{82B05069-642D-4784-8C44-7242B65358FF}"/>
+              </a:ext>
+            </a:extLst>
+          </p:cNvPr>
+          <p:cNvPicPr>
+            <a:picLocks noChangeAspect="1" noChangeArrowheads="1"/>
+          </p:cNvPicPr>
+          <p:nvPr/>
+        </p:nvPicPr>
+        <p:blipFill>
+          <a:blip r:embed="rId3">
+            <a:extLst>
+              <a:ext uri="{28A0092B-C50C-407E-A947-70E740481C1C}">
+                <a14:useLocalDpi xmlns:a14="http://schemas.microsoft.com/office/drawing/2010/main" val="0"/>
+              </a:ext>
+            </a:extLst>
+          </a:blip>
+          <a:srcRect/>
+          <a:stretch>
+            <a:fillRect/>
+          </a:stretch>
+        </p:blipFill>
+        <p:spPr bwMode="auto">
+          <a:xfrm>
+            <a:off x="5872162" y="1498204"/>
+            <a:ext cx="2857500" cy="5086350"/>
+          </a:xfrm>
+          <a:prstGeom prst="rect">
+            <a:avLst/>
+          </a:prstGeom>
+          <a:noFill/>
+          <a:extLst>
+            <a:ext uri="{909E8E84-426E-40DD-AFC4-6F175D3DCCD1}">
+              <a14:hiddenFill xmlns:a14="http://schemas.microsoft.com/office/drawing/2010/main">
+                <a:solidFill>
+                  <a:srgbClr val="FFFFFF"/>
+                </a:solidFill>
+              </a14:hiddenFill>
+            </a:ext>
+          </a:extLst>
+        </p:spPr>
+      </p:pic>
+      <p:pic>
+        <p:nvPicPr>
+          <p:cNvPr id="1026" name="Picture 2" descr="Image result for it's an old code but it checks out">
+            <a:extLst>
+              <a:ext uri="{FF2B5EF4-FFF2-40B4-BE49-F238E27FC236}">
+                <a16:creationId xmlns:a16="http://schemas.microsoft.com/office/drawing/2014/main" id="{37E6E7DC-8397-41A8-AC13-4CD071A88351}"/>
+              </a:ext>
+            </a:extLst>
+          </p:cNvPr>
+          <p:cNvPicPr>
+            <a:picLocks noChangeAspect="1" noChangeArrowheads="1"/>
+          </p:cNvPicPr>
+          <p:nvPr/>
+        </p:nvPicPr>
+        <p:blipFill>
+          <a:blip r:embed="rId4">
+            <a:extLst>
+              <a:ext uri="{28A0092B-C50C-407E-A947-70E740481C1C}">
+                <a14:useLocalDpi xmlns:a14="http://schemas.microsoft.com/office/drawing/2010/main" val="0"/>
+              </a:ext>
+            </a:extLst>
+          </a:blip>
+          <a:srcRect/>
+          <a:stretch>
+            <a:fillRect/>
+          </a:stretch>
+        </p:blipFill>
+        <p:spPr bwMode="auto">
+          <a:xfrm>
+            <a:off x="6110288" y="3581400"/>
+            <a:ext cx="2381250" cy="3276600"/>
+          </a:xfrm>
+          <a:prstGeom prst="rect">
+            <a:avLst/>
+          </a:prstGeom>
+          <a:noFill/>
+          <a:extLst>
+            <a:ext uri="{909E8E84-426E-40DD-AFC4-6F175D3DCCD1}">
+              <a14:hiddenFill xmlns:a14="http://schemas.microsoft.com/office/drawing/2010/main">
+                <a:solidFill>
+                  <a:srgbClr val="FFFFFF"/>
+                </a:solidFill>
+              </a14:hiddenFill>
+            </a:ext>
+          </a:extLst>
+        </p:spPr>
+      </p:pic>
+    </p:spTree>
+    <p:extLst>
+      <p:ext uri="{BB962C8B-B14F-4D97-AF65-F5344CB8AC3E}">
+        <p14:creationId xmlns:p14="http://schemas.microsoft.com/office/powerpoint/2010/main" val="3332906769"/>
+      </p:ext>
+    </p:extLst>
+  </p:cSld>
+  <p:clrMapOvr>
+    <a:masterClrMapping/>
+  </p:clrMapOvr>
+  <p:timing>
+    <p:tnLst>
+      <p:par>
+        <p:cTn id="1" dur="indefinite" restart="never" nodeType="tmRoot">
+          <p:childTnLst>
+            <p:seq concurrent="1" nextAc="seek">
+              <p:cTn id="2" dur="indefinite" nodeType="mainSeq">
+                <p:childTnLst>
+                  <p:par>
+                    <p:cTn id="3" fill="hold">
+                      <p:stCondLst>
+                        <p:cond delay="indefinite"/>
+                        <p:cond evt="onBegin" delay="0">
+                          <p:tn val="2"/>
+                        </p:cond>
+                      </p:stCondLst>
+                      <p:childTnLst>
+                        <p:par>
+                          <p:cTn id="4" fill="hold">
+                            <p:stCondLst>
+                              <p:cond delay="0"/>
+                            </p:stCondLst>
+                            <p:childTnLst>
+                              <p:par>
+                                <p:cTn id="5" presetID="2" presetClass="entr" presetSubtype="4" fill="hold" nodeType="afterEffect">
+                                  <p:stCondLst>
+                                    <p:cond delay="0"/>
+                                  </p:stCondLst>
+                                  <p:childTnLst>
+                                    <p:set>
+                                      <p:cBhvr>
+                                        <p:cTn id="6" dur="1" fill="hold">
+                                          <p:stCondLst>
+                                            <p:cond delay="0"/>
+                                          </p:stCondLst>
+                                        </p:cTn>
+                                        <p:tgtEl>
+                                          <p:spTgt spid="1038"/>
+                                        </p:tgtEl>
+                                        <p:attrNameLst>
+                                          <p:attrName>style.visibility</p:attrName>
+                                        </p:attrNameLst>
+                                      </p:cBhvr>
+                                      <p:to>
+                                        <p:strVal val="visible"/>
+                                      </p:to>
+                                    </p:set>
+                                    <p:anim calcmode="lin" valueType="num">
+                                      <p:cBhvr additive="base">
+                                        <p:cTn id="7" dur="1000" fill="hold"/>
+                                        <p:tgtEl>
+                                          <p:spTgt spid="1038"/>
+                                        </p:tgtEl>
+                                        <p:attrNameLst>
+                                          <p:attrName>ppt_x</p:attrName>
+                                        </p:attrNameLst>
+                                      </p:cBhvr>
+                                      <p:tavLst>
+                                        <p:tav tm="0">
+                                          <p:val>
+                                            <p:strVal val="#ppt_x"/>
+                                          </p:val>
+                                        </p:tav>
+                                        <p:tav tm="100000">
+                                          <p:val>
+                                            <p:strVal val="#ppt_x"/>
+                                          </p:val>
+                                        </p:tav>
+                                      </p:tavLst>
+                                    </p:anim>
+                                    <p:anim calcmode="lin" valueType="num">
+                                      <p:cBhvr additive="base">
+                                        <p:cTn id="8" dur="1000" fill="hold"/>
+                                        <p:tgtEl>
+                                          <p:spTgt spid="1038"/>
+                                        </p:tgtEl>
+                                        <p:attrNameLst>
+                                          <p:attrName>ppt_y</p:attrName>
+                                        </p:attrNameLst>
+                                      </p:cBhvr>
+                                      <p:tavLst>
+                                        <p:tav tm="0">
+                                          <p:val>
+                                            <p:strVal val="1+#ppt_h/2"/>
+                                          </p:val>
+                                        </p:tav>
+                                        <p:tav tm="100000">
+                                          <p:val>
+                                            <p:strVal val="#ppt_y"/>
+                                          </p:val>
+                                        </p:tav>
+                                      </p:tavLst>
+                                    </p:anim>
+                                  </p:childTnLst>
+                                </p:cTn>
+                              </p:par>
+                            </p:childTnLst>
+                          </p:cTn>
+                        </p:par>
+                        <p:par>
+                          <p:cTn id="9" fill="hold">
+                            <p:stCondLst>
+                              <p:cond delay="1000"/>
+                            </p:stCondLst>
+                            <p:childTnLst>
+                              <p:par>
+                                <p:cTn id="10" presetID="2" presetClass="entr" presetSubtype="4" fill="hold" nodeType="afterEffect">
+                                  <p:stCondLst>
+                                    <p:cond delay="0"/>
+                                  </p:stCondLst>
+                                  <p:childTnLst>
+                                    <p:set>
+                                      <p:cBhvr>
+                                        <p:cTn id="11" dur="1" fill="hold">
+                                          <p:stCondLst>
+                                            <p:cond delay="0"/>
+                                          </p:stCondLst>
+                                        </p:cTn>
+                                        <p:tgtEl>
+                                          <p:spTgt spid="10"/>
+                                        </p:tgtEl>
+                                        <p:attrNameLst>
+                                          <p:attrName>style.visibility</p:attrName>
+                                        </p:attrNameLst>
+                                      </p:cBhvr>
+                                      <p:to>
+                                        <p:strVal val="visible"/>
+                                      </p:to>
+                                    </p:set>
+                                    <p:anim calcmode="lin" valueType="num">
+                                      <p:cBhvr additive="base">
+                                        <p:cTn id="12" dur="1000" fill="hold"/>
+                                        <p:tgtEl>
+                                          <p:spTgt spid="10"/>
+                                        </p:tgtEl>
+                                        <p:attrNameLst>
+                                          <p:attrName>ppt_x</p:attrName>
+                                        </p:attrNameLst>
+                                      </p:cBhvr>
+                                      <p:tavLst>
+                                        <p:tav tm="0">
+                                          <p:val>
+                                            <p:strVal val="#ppt_x"/>
+                                          </p:val>
+                                        </p:tav>
+                                        <p:tav tm="100000">
+                                          <p:val>
+                                            <p:strVal val="#ppt_x"/>
+                                          </p:val>
+                                        </p:tav>
+                                      </p:tavLst>
+                                    </p:anim>
+                                    <p:anim calcmode="lin" valueType="num">
+                                      <p:cBhvr additive="base">
+                                        <p:cTn id="13" dur="1000" fill="hold"/>
+                                        <p:tgtEl>
+                                          <p:spTgt spid="10"/>
+                                        </p:tgtEl>
+                                        <p:attrNameLst>
+                                          <p:attrName>ppt_y</p:attrName>
+                                        </p:attrNameLst>
+                                      </p:cBhvr>
+                                      <p:tavLst>
+                                        <p:tav tm="0">
+                                          <p:val>
+                                            <p:strVal val="1+#ppt_h/2"/>
+                                          </p:val>
+                                        </p:tav>
+                                        <p:tav tm="100000">
+                                          <p:val>
+                                            <p:strVal val="#ppt_y"/>
+                                          </p:val>
+                                        </p:tav>
+                                      </p:tavLst>
+                                    </p:anim>
+                                  </p:childTnLst>
+                                </p:cTn>
+                              </p:par>
+                            </p:childTnLst>
+                          </p:cTn>
+                        </p:par>
+                        <p:par>
+                          <p:cTn id="14" fill="hold">
+                            <p:stCondLst>
+                              <p:cond delay="2000"/>
+                            </p:stCondLst>
+                            <p:childTnLst>
+                              <p:par>
+                                <p:cTn id="15" presetID="2" presetClass="entr" presetSubtype="4" fill="hold" nodeType="afterEffect">
+                                  <p:stCondLst>
+                                    <p:cond delay="0"/>
+                                  </p:stCondLst>
+                                  <p:childTnLst>
+                                    <p:set>
+                                      <p:cBhvr>
+                                        <p:cTn id="16" dur="1" fill="hold">
+                                          <p:stCondLst>
+                                            <p:cond delay="0"/>
+                                          </p:stCondLst>
+                                        </p:cTn>
+                                        <p:tgtEl>
+                                          <p:spTgt spid="1026"/>
+                                        </p:tgtEl>
+                                        <p:attrNameLst>
+                                          <p:attrName>style.visibility</p:attrName>
+                                        </p:attrNameLst>
+                                      </p:cBhvr>
+                                      <p:to>
+                                        <p:strVal val="visible"/>
+                                      </p:to>
+                                    </p:set>
+                                    <p:anim calcmode="lin" valueType="num">
+                                      <p:cBhvr additive="base">
+                                        <p:cTn id="17" dur="1000" fill="hold"/>
+                                        <p:tgtEl>
+                                          <p:spTgt spid="1026"/>
+                                        </p:tgtEl>
+                                        <p:attrNameLst>
+                                          <p:attrName>ppt_x</p:attrName>
+                                        </p:attrNameLst>
+                                      </p:cBhvr>
+                                      <p:tavLst>
+                                        <p:tav tm="0">
+                                          <p:val>
+                                            <p:strVal val="#ppt_x"/>
+                                          </p:val>
+                                        </p:tav>
+                                        <p:tav tm="100000">
+                                          <p:val>
+                                            <p:strVal val="#ppt_x"/>
+                                          </p:val>
+                                        </p:tav>
+                                      </p:tavLst>
+                                    </p:anim>
+                                    <p:anim calcmode="lin" valueType="num">
+                                      <p:cBhvr additive="base">
+                                        <p:cTn id="18" dur="1000" fill="hold"/>
+                                        <p:tgtEl>
+                                          <p:spTgt spid="1026"/>
+                                        </p:tgtEl>
+                                        <p:attrNameLst>
+                                          <p:attrName>ppt_y</p:attrName>
+                                        </p:attrNameLst>
+                                      </p:cBhvr>
+                                      <p:tavLst>
+                                        <p:tav tm="0">
+                                          <p:val>
+                                            <p:strVal val="1+#ppt_h/2"/>
+                                          </p:val>
+                                        </p:tav>
+                                        <p:tav tm="100000">
+                                          <p:val>
+                                            <p:strVal val="#ppt_y"/>
+                                          </p:val>
+                                        </p:tav>
+                                      </p:tavLst>
+                                    </p:anim>
+                                  </p:childTnLst>
+                                </p:cTn>
+                              </p:par>
+                            </p:childTnLst>
+                          </p:cTn>
+                        </p:par>
+                      </p:childTnLst>
+                    </p:cTn>
+                  </p:par>
+                </p:childTnLst>
+              </p:cTn>
+              <p:prevCondLst>
+                <p:cond evt="onPrev" delay="0">
+                  <p:tgtEl>
+                    <p:sldTgt/>
+                  </p:tgtEl>
+                </p:cond>
+              </p:prevCondLst>
+              <p:nextCondLst>
+                <p:cond evt="onNext" delay="0">
+                  <p:tgtEl>
+                    <p:sldTgt/>
+                  </p:tgtEl>
+                </p:cond>
+              </p:nextCondLst>
+            </p:seq>
+          </p:childTnLst>
+        </p:cTn>
+      </p:par>
+    </p:tnLst>
+  </p:timing>
+</p:sld>
+</file>
+
+<file path=ppt/slides/slide23.xml><?xml version="1.0" encoding="utf-8"?>
+<p:sld xmlns:a="http://schemas.openxmlformats.org/drawingml/2006/main" xmlns:r="http://schemas.openxmlformats.org/officeDocument/2006/relationships" xmlns:p="http://schemas.openxmlformats.org/presentationml/2006/main">
+  <p:cSld>
+    <p:spTree>
+      <p:nvGrpSpPr>
+        <p:cNvPr id="1" name=""/>
+        <p:cNvGrpSpPr/>
+        <p:nvPr/>
+      </p:nvGrpSpPr>
+      <p:grpSpPr>
+        <a:xfrm>
+          <a:off x="0" y="0"/>
+          <a:ext cx="0" cy="0"/>
+          <a:chOff x="0" y="0"/>
+          <a:chExt cx="0" cy="0"/>
+        </a:xfrm>
+      </p:grpSpPr>
+      <p:sp>
+        <p:nvSpPr>
+          <p:cNvPr id="2" name="Title 1">
+            <a:extLst>
+              <a:ext uri="{FF2B5EF4-FFF2-40B4-BE49-F238E27FC236}">
+                <a16:creationId xmlns:a16="http://schemas.microsoft.com/office/drawing/2014/main" id="{D0CBD092-444D-485B-B077-AE37DB7967F1}"/>
+              </a:ext>
+            </a:extLst>
+          </p:cNvPr>
+          <p:cNvSpPr>
+            <a:spLocks noGrp="1"/>
+          </p:cNvSpPr>
+          <p:nvPr>
+            <p:ph type="title"/>
+          </p:nvPr>
+        </p:nvSpPr>
+        <p:spPr>
+          <a:xfrm>
+            <a:off x="838200" y="336550"/>
+            <a:ext cx="10515600" cy="1325563"/>
+          </a:xfrm>
+        </p:spPr>
+        <p:txBody>
+          <a:bodyPr/>
+          <a:lstStyle/>
+          <a:p>
+            <a:r>
+              <a:rPr lang="en-US" dirty="0"/>
+              <a:t>Software-Based Authentication</a:t>
+            </a:r>
+          </a:p>
+        </p:txBody>
+      </p:sp>
+      <p:sp>
+        <p:nvSpPr>
+          <p:cNvPr id="3" name="Content Placeholder 2">
+            <a:extLst>
+              <a:ext uri="{FF2B5EF4-FFF2-40B4-BE49-F238E27FC236}">
+                <a16:creationId xmlns:a16="http://schemas.microsoft.com/office/drawing/2014/main" id="{65B32B1F-E0DF-456C-B7E0-F6CB2CBEA651}"/>
+              </a:ext>
+            </a:extLst>
+          </p:cNvPr>
+          <p:cNvSpPr>
+            <a:spLocks noGrp="1"/>
+          </p:cNvSpPr>
+          <p:nvPr>
+            <p:ph idx="1"/>
+          </p:nvPr>
+        </p:nvSpPr>
+        <p:spPr>
+          <a:xfrm>
+            <a:off x="838200" y="1825624"/>
+            <a:ext cx="10515600" cy="4695825"/>
+          </a:xfrm>
+        </p:spPr>
+        <p:txBody>
+          <a:bodyPr>
+            <a:normAutofit fontScale="92500"/>
+          </a:bodyPr>
+          <a:lstStyle/>
+          <a:p>
+            <a:pPr marL="0" indent="0">
+              <a:buNone/>
+            </a:pPr>
+            <a:r>
+              <a:rPr lang="en-US" sz="4000" dirty="0"/>
+              <a:t>Mobile apps:</a:t>
+            </a:r>
+          </a:p>
+          <a:p>
+            <a:r>
+              <a:rPr lang="en-US" sz="4000" b="1" dirty="0"/>
+              <a:t>Google Authenticator</a:t>
+            </a:r>
+          </a:p>
+          <a:p>
+            <a:r>
+              <a:rPr lang="en-US" sz="4000" b="1" dirty="0"/>
+              <a:t>Microsoft Azure Authenticator</a:t>
+            </a:r>
+          </a:p>
+          <a:p>
+            <a:r>
+              <a:rPr lang="en-US" sz="4000" dirty="0"/>
+              <a:t>LastPass Authenticator</a:t>
+            </a:r>
+          </a:p>
+          <a:p>
+            <a:r>
+              <a:rPr lang="en-US" sz="4000" dirty="0" err="1"/>
+              <a:t>Authy</a:t>
+            </a:r>
+            <a:r>
+              <a:rPr lang="en-US" sz="4000" dirty="0"/>
+              <a:t>: multiplatform free service for software TFA</a:t>
+            </a:r>
+          </a:p>
+          <a:p>
+            <a:pPr marL="0" indent="0">
+              <a:buNone/>
+            </a:pPr>
+            <a:r>
+              <a:rPr lang="en-US" sz="4000" dirty="0"/>
+              <a:t>Enterprise mobile apps:</a:t>
+            </a:r>
+          </a:p>
+          <a:p>
+            <a:r>
+              <a:rPr lang="en-US" sz="4000" dirty="0"/>
+              <a:t>Symantec VIP,  RSA, Duo</a:t>
+            </a:r>
+          </a:p>
+        </p:txBody>
+      </p:sp>
+      <p:sp>
+        <p:nvSpPr>
+          <p:cNvPr id="8" name="AutoShape 10" descr="https://lh3.googleusercontent.com/SClWEmbk7QxxuKiWshok2T45vAwEQYCduisnnGORqrha7KfpQsvFZa0xac_jyj_tE9Mn=w1920-h947-rw">
+            <a:extLst>
+              <a:ext uri="{FF2B5EF4-FFF2-40B4-BE49-F238E27FC236}">
+                <a16:creationId xmlns:a16="http://schemas.microsoft.com/office/drawing/2014/main" id="{35F208E5-7037-43C1-A023-1454F9383ED2}"/>
+              </a:ext>
+            </a:extLst>
+          </p:cNvPr>
+          <p:cNvSpPr>
+            <a:spLocks noChangeAspect="1" noChangeArrowheads="1"/>
+          </p:cNvSpPr>
+          <p:nvPr/>
+        </p:nvSpPr>
+        <p:spPr bwMode="auto">
+          <a:xfrm>
+            <a:off x="5943600" y="3276600"/>
+            <a:ext cx="304800" cy="304800"/>
+          </a:xfrm>
+          <a:prstGeom prst="rect">
+            <a:avLst/>
+          </a:prstGeom>
+          <a:noFill/>
+          <a:extLst>
+            <a:ext uri="{909E8E84-426E-40DD-AFC4-6F175D3DCCD1}">
+              <a14:hiddenFill xmlns:a14="http://schemas.microsoft.com/office/drawing/2010/main">
+                <a:solidFill>
+                  <a:srgbClr val="FFFFFF"/>
+                </a:solidFill>
+              </a14:hiddenFill>
+            </a:ext>
+          </a:extLst>
+        </p:spPr>
+        <p:txBody>
+          <a:bodyPr vert="horz" wrap="square" lIns="91440" tIns="45720" rIns="91440" bIns="45720" numCol="1" anchor="t" anchorCtr="0" compatLnSpc="1">
+            <a:prstTxWarp prst="textNoShape">
+              <a:avLst/>
+            </a:prstTxWarp>
+          </a:bodyPr>
+          <a:lstStyle/>
+          <a:p>
+            <a:endParaRPr lang="en-US"/>
+          </a:p>
+        </p:txBody>
+      </p:sp>
+    </p:spTree>
+    <p:extLst>
+      <p:ext uri="{BB962C8B-B14F-4D97-AF65-F5344CB8AC3E}">
+        <p14:creationId xmlns:p14="http://schemas.microsoft.com/office/powerpoint/2010/main" val="2815070541"/>
+      </p:ext>
+    </p:extLst>
+  </p:cSld>
+  <p:clrMapOvr>
+    <a:masterClrMapping/>
+  </p:clrMapOvr>
+</p:sld>
+</file>
+
+<file path=ppt/slides/slide24.xml><?xml version="1.0" encoding="utf-8"?>
+<p:sld xmlns:a="http://schemas.openxmlformats.org/drawingml/2006/main" xmlns:r="http://schemas.openxmlformats.org/officeDocument/2006/relationships" xmlns:p="http://schemas.openxmlformats.org/presentationml/2006/main">
+  <p:cSld>
+    <p:spTree>
+      <p:nvGrpSpPr>
+        <p:cNvPr id="1" name=""/>
+        <p:cNvGrpSpPr/>
+        <p:nvPr/>
+      </p:nvGrpSpPr>
+      <p:grpSpPr>
+        <a:xfrm>
+          <a:off x="0" y="0"/>
+          <a:ext cx="0" cy="0"/>
+          <a:chOff x="0" y="0"/>
+          <a:chExt cx="0" cy="0"/>
+        </a:xfrm>
+      </p:grpSpPr>
+      <p:sp>
+        <p:nvSpPr>
+          <p:cNvPr id="2" name="Title 1">
+            <a:extLst>
+              <a:ext uri="{FF2B5EF4-FFF2-40B4-BE49-F238E27FC236}">
+                <a16:creationId xmlns:a16="http://schemas.microsoft.com/office/drawing/2014/main" id="{D0CBD092-444D-485B-B077-AE37DB7967F1}"/>
+              </a:ext>
+            </a:extLst>
+          </p:cNvPr>
+          <p:cNvSpPr>
+            <a:spLocks noGrp="1"/>
+          </p:cNvSpPr>
+          <p:nvPr>
+            <p:ph type="title"/>
+          </p:nvPr>
+        </p:nvSpPr>
+        <p:spPr/>
+        <p:txBody>
+          <a:bodyPr/>
+          <a:lstStyle/>
+          <a:p>
+            <a:r>
+              <a:rPr lang="en-US" dirty="0"/>
+              <a:t>Software-Based Authentication</a:t>
+            </a:r>
+          </a:p>
+        </p:txBody>
+      </p:sp>
+      <p:sp>
+        <p:nvSpPr>
+          <p:cNvPr id="3" name="Content Placeholder 2">
+            <a:extLst>
+              <a:ext uri="{FF2B5EF4-FFF2-40B4-BE49-F238E27FC236}">
+                <a16:creationId xmlns:a16="http://schemas.microsoft.com/office/drawing/2014/main" id="{65B32B1F-E0DF-456C-B7E0-F6CB2CBEA651}"/>
+              </a:ext>
+            </a:extLst>
+          </p:cNvPr>
+          <p:cNvSpPr>
+            <a:spLocks noGrp="1"/>
+          </p:cNvSpPr>
+          <p:nvPr>
+            <p:ph idx="1"/>
+          </p:nvPr>
+        </p:nvSpPr>
+        <p:spPr>
+          <a:xfrm>
+            <a:off x="838200" y="1825625"/>
+            <a:ext cx="10668000" cy="4351338"/>
+          </a:xfrm>
+        </p:spPr>
+        <p:txBody>
+          <a:bodyPr>
+            <a:normAutofit/>
+          </a:bodyPr>
+          <a:lstStyle/>
+          <a:p>
+            <a:r>
+              <a:rPr lang="en-US" sz="3600" dirty="0"/>
+              <a:t>An Authenticator “app” for your phone </a:t>
+            </a:r>
+            <a:r>
+              <a:rPr lang="en-US" sz="3600" b="1" dirty="0"/>
+              <a:t>generates a number which you type in to the website</a:t>
+            </a:r>
+            <a:r>
+              <a:rPr lang="en-US" sz="3600" dirty="0"/>
+              <a:t>, </a:t>
+            </a:r>
+            <a:br>
+              <a:rPr lang="en-US" sz="3600" dirty="0"/>
+            </a:br>
+            <a:r>
+              <a:rPr lang="en-US" sz="3600" dirty="0"/>
+              <a:t>or approve via a push notification.</a:t>
+            </a:r>
+          </a:p>
+          <a:p>
+            <a:r>
+              <a:rPr lang="en-US" sz="3600" dirty="0"/>
+              <a:t>This is </a:t>
+            </a:r>
+            <a:r>
+              <a:rPr lang="en-US" sz="3600" b="1" dirty="0"/>
+              <a:t>far more secure than text-message (SMS) </a:t>
+            </a:r>
+            <a:r>
+              <a:rPr lang="en-US" sz="3600" dirty="0"/>
+              <a:t>based authentication.</a:t>
+            </a:r>
+          </a:p>
+          <a:p>
+            <a:r>
+              <a:rPr lang="en-US" sz="3600" dirty="0"/>
+              <a:t>Your phone holds the key. Which means if you lose your phone, you’ll need a backup method.</a:t>
+            </a:r>
+          </a:p>
+        </p:txBody>
+      </p:sp>
+      <p:sp>
+        <p:nvSpPr>
+          <p:cNvPr id="8" name="AutoShape 10" descr="https://lh3.googleusercontent.com/SClWEmbk7QxxuKiWshok2T45vAwEQYCduisnnGORqrha7KfpQsvFZa0xac_jyj_tE9Mn=w1920-h947-rw">
+            <a:extLst>
+              <a:ext uri="{FF2B5EF4-FFF2-40B4-BE49-F238E27FC236}">
+                <a16:creationId xmlns:a16="http://schemas.microsoft.com/office/drawing/2014/main" id="{35F208E5-7037-43C1-A023-1454F9383ED2}"/>
+              </a:ext>
+            </a:extLst>
+          </p:cNvPr>
+          <p:cNvSpPr>
+            <a:spLocks noChangeAspect="1" noChangeArrowheads="1"/>
+          </p:cNvSpPr>
+          <p:nvPr/>
+        </p:nvSpPr>
+        <p:spPr bwMode="auto">
+          <a:xfrm>
+            <a:off x="5943600" y="3276600"/>
+            <a:ext cx="304800" cy="304800"/>
+          </a:xfrm>
+          <a:prstGeom prst="rect">
+            <a:avLst/>
+          </a:prstGeom>
+          <a:noFill/>
+          <a:extLst>
+            <a:ext uri="{909E8E84-426E-40DD-AFC4-6F175D3DCCD1}">
+              <a14:hiddenFill xmlns:a14="http://schemas.microsoft.com/office/drawing/2010/main">
+                <a:solidFill>
+                  <a:srgbClr val="FFFFFF"/>
+                </a:solidFill>
+              </a14:hiddenFill>
+            </a:ext>
+          </a:extLst>
+        </p:spPr>
+        <p:txBody>
+          <a:bodyPr vert="horz" wrap="square" lIns="91440" tIns="45720" rIns="91440" bIns="45720" numCol="1" anchor="t" anchorCtr="0" compatLnSpc="1">
+            <a:prstTxWarp prst="textNoShape">
+              <a:avLst/>
+            </a:prstTxWarp>
+          </a:bodyPr>
+          <a:lstStyle/>
+          <a:p>
+            <a:endParaRPr lang="en-US"/>
+          </a:p>
+        </p:txBody>
+      </p:sp>
+    </p:spTree>
+    <p:extLst>
+      <p:ext uri="{BB962C8B-B14F-4D97-AF65-F5344CB8AC3E}">
+        <p14:creationId xmlns:p14="http://schemas.microsoft.com/office/powerpoint/2010/main" val="1502653849"/>
+      </p:ext>
+    </p:extLst>
+  </p:cSld>
+  <p:clrMapOvr>
+    <a:masterClrMapping/>
+  </p:clrMapOvr>
+</p:sld>
+</file>
+
+<file path=ppt/slides/slide25.xml><?xml version="1.0" encoding="utf-8"?>
+<p:sld xmlns:a="http://schemas.openxmlformats.org/drawingml/2006/main" xmlns:r="http://schemas.openxmlformats.org/officeDocument/2006/relationships" xmlns:p="http://schemas.openxmlformats.org/presentationml/2006/main">
+  <p:cSld>
+    <p:spTree>
+      <p:nvGrpSpPr>
+        <p:cNvPr id="1" name=""/>
+        <p:cNvGrpSpPr/>
+        <p:nvPr/>
+      </p:nvGrpSpPr>
+      <p:grpSpPr>
+        <a:xfrm>
+          <a:off x="0" y="0"/>
+          <a:ext cx="0" cy="0"/>
+          <a:chOff x="0" y="0"/>
+          <a:chExt cx="0" cy="0"/>
+        </a:xfrm>
+      </p:grpSpPr>
+      <p:sp>
+        <p:nvSpPr>
+          <p:cNvPr id="2" name="Title 1">
+            <a:extLst>
+              <a:ext uri="{FF2B5EF4-FFF2-40B4-BE49-F238E27FC236}">
+                <a16:creationId xmlns:a16="http://schemas.microsoft.com/office/drawing/2014/main" id="{D0CBD092-444D-485B-B077-AE37DB7967F1}"/>
+              </a:ext>
+            </a:extLst>
+          </p:cNvPr>
+          <p:cNvSpPr>
+            <a:spLocks noGrp="1"/>
+          </p:cNvSpPr>
+          <p:nvPr>
+            <p:ph type="title"/>
+          </p:nvPr>
+        </p:nvSpPr>
+        <p:spPr/>
+        <p:txBody>
+          <a:bodyPr/>
+          <a:lstStyle/>
+          <a:p>
+            <a:r>
+              <a:rPr lang="en-US" dirty="0"/>
+              <a:t>Software-Based Authentication</a:t>
+            </a:r>
+          </a:p>
+        </p:txBody>
+      </p:sp>
+      <p:sp>
+        <p:nvSpPr>
+          <p:cNvPr id="3" name="Content Placeholder 2">
+            <a:extLst>
+              <a:ext uri="{FF2B5EF4-FFF2-40B4-BE49-F238E27FC236}">
+                <a16:creationId xmlns:a16="http://schemas.microsoft.com/office/drawing/2014/main" id="{65B32B1F-E0DF-456C-B7E0-F6CB2CBEA651}"/>
+              </a:ext>
+            </a:extLst>
+          </p:cNvPr>
+          <p:cNvSpPr>
+            <a:spLocks noGrp="1"/>
+          </p:cNvSpPr>
+          <p:nvPr>
+            <p:ph idx="1"/>
+          </p:nvPr>
+        </p:nvSpPr>
+        <p:spPr>
+          <a:xfrm>
+            <a:off x="838200" y="1825625"/>
+            <a:ext cx="10668000" cy="4351338"/>
+          </a:xfrm>
+        </p:spPr>
+        <p:txBody>
+          <a:bodyPr>
+            <a:normAutofit fontScale="92500"/>
+          </a:bodyPr>
+          <a:lstStyle/>
+          <a:p>
+            <a:r>
+              <a:rPr lang="en-US" sz="3600" dirty="0"/>
+              <a:t>When you set up a TFA App with a new website or account, you’ll be provided a QR code or long string you only see once, SAVE THESE SECURELY and SEPARATELY for future convenience.</a:t>
+            </a:r>
+          </a:p>
+          <a:p>
+            <a:pPr lvl="1"/>
+            <a:r>
+              <a:rPr lang="en-US" sz="3200" dirty="0"/>
+              <a:t>You can use the same QR Code or string to transfer phones or create backup devices with the same TFA code generation.</a:t>
+            </a:r>
+          </a:p>
+          <a:p>
+            <a:r>
+              <a:rPr lang="en-US" sz="3600" dirty="0"/>
+              <a:t>You’ll also be given a set of “backup” one-time use codes. STORE THESE SECURELY AND SEPERATELY. You may need to use one in a pinch to gain access if you’ve lost your phone.</a:t>
+            </a:r>
+          </a:p>
+        </p:txBody>
+      </p:sp>
+      <p:sp>
+        <p:nvSpPr>
+          <p:cNvPr id="8" name="AutoShape 10" descr="https://lh3.googleusercontent.com/SClWEmbk7QxxuKiWshok2T45vAwEQYCduisnnGORqrha7KfpQsvFZa0xac_jyj_tE9Mn=w1920-h947-rw">
+            <a:extLst>
+              <a:ext uri="{FF2B5EF4-FFF2-40B4-BE49-F238E27FC236}">
+                <a16:creationId xmlns:a16="http://schemas.microsoft.com/office/drawing/2014/main" id="{35F208E5-7037-43C1-A023-1454F9383ED2}"/>
+              </a:ext>
+            </a:extLst>
+          </p:cNvPr>
+          <p:cNvSpPr>
+            <a:spLocks noChangeAspect="1" noChangeArrowheads="1"/>
+          </p:cNvSpPr>
+          <p:nvPr/>
+        </p:nvSpPr>
+        <p:spPr bwMode="auto">
+          <a:xfrm>
+            <a:off x="5943600" y="3276600"/>
+            <a:ext cx="304800" cy="304800"/>
+          </a:xfrm>
+          <a:prstGeom prst="rect">
+            <a:avLst/>
+          </a:prstGeom>
+          <a:noFill/>
+          <a:extLst>
+            <a:ext uri="{909E8E84-426E-40DD-AFC4-6F175D3DCCD1}">
+              <a14:hiddenFill xmlns:a14="http://schemas.microsoft.com/office/drawing/2010/main">
+                <a:solidFill>
+                  <a:srgbClr val="FFFFFF"/>
+                </a:solidFill>
+              </a14:hiddenFill>
+            </a:ext>
+          </a:extLst>
+        </p:spPr>
+        <p:txBody>
+          <a:bodyPr vert="horz" wrap="square" lIns="91440" tIns="45720" rIns="91440" bIns="45720" numCol="1" anchor="t" anchorCtr="0" compatLnSpc="1">
+            <a:prstTxWarp prst="textNoShape">
+              <a:avLst/>
+            </a:prstTxWarp>
+          </a:bodyPr>
+          <a:lstStyle/>
+          <a:p>
+            <a:endParaRPr lang="en-US"/>
+          </a:p>
+        </p:txBody>
+      </p:sp>
     </p:spTree>
     <p:extLst>
       <p:ext uri="{BB962C8B-B14F-4D97-AF65-F5344CB8AC3E}">
@@ -6038,7 +7558,7 @@
 </p:sld>
 </file>
 
-<file path=ppt/slides/slide22.xml><?xml version="1.0" encoding="utf-8"?>
+<file path=ppt/slides/slide26.xml><?xml version="1.0" encoding="utf-8"?>
 <p:sld xmlns:a="http://schemas.openxmlformats.org/drawingml/2006/main" xmlns:r="http://schemas.openxmlformats.org/officeDocument/2006/relationships" xmlns:p="http://schemas.openxmlformats.org/presentationml/2006/main">
   <p:cSld>
     <p:spTree>
@@ -6276,7 +7796,7 @@
 </p:sld>
 </file>
 
-<file path=ppt/slides/slide23.xml><?xml version="1.0" encoding="utf-8"?>
+<file path=ppt/slides/slide27.xml><?xml version="1.0" encoding="utf-8"?>
 <p:sld xmlns:a="http://schemas.openxmlformats.org/drawingml/2006/main" xmlns:r="http://schemas.openxmlformats.org/officeDocument/2006/relationships" xmlns:p="http://schemas.openxmlformats.org/presentationml/2006/main">
   <p:cSld>
     <p:spTree>
@@ -6484,7 +8004,7 @@
 </p:sld>
 </file>
 
-<file path=ppt/slides/slide24.xml><?xml version="1.0" encoding="utf-8"?>
+<file path=ppt/slides/slide28.xml><?xml version="1.0" encoding="utf-8"?>
 <p:sld xmlns:a="http://schemas.openxmlformats.org/drawingml/2006/main" xmlns:r="http://schemas.openxmlformats.org/officeDocument/2006/relationships" xmlns:p="http://schemas.openxmlformats.org/presentationml/2006/main">
   <p:cSld>
     <p:spTree>
@@ -6698,7 +8218,7 @@
 </p:sld>
 </file>
 
-<file path=ppt/slides/slide25.xml><?xml version="1.0" encoding="utf-8"?>
+<file path=ppt/slides/slide29.xml><?xml version="1.0" encoding="utf-8"?>
 <p:sld xmlns:a="http://schemas.openxmlformats.org/drawingml/2006/main" xmlns:r="http://schemas.openxmlformats.org/officeDocument/2006/relationships" xmlns:p="http://schemas.openxmlformats.org/presentationml/2006/main">
   <p:cSld>
     <p:spTree>
@@ -6876,625 +8396,6 @@
     <p:extLst>
       <p:ext uri="{BB962C8B-B14F-4D97-AF65-F5344CB8AC3E}">
         <p14:creationId xmlns:p14="http://schemas.microsoft.com/office/powerpoint/2010/main" val="2415589479"/>
-      </p:ext>
-    </p:extLst>
-  </p:cSld>
-  <p:clrMapOvr>
-    <a:masterClrMapping/>
-  </p:clrMapOvr>
-</p:sld>
-</file>
-
-<file path=ppt/slides/slide26.xml><?xml version="1.0" encoding="utf-8"?>
-<p:sld xmlns:a="http://schemas.openxmlformats.org/drawingml/2006/main" xmlns:r="http://schemas.openxmlformats.org/officeDocument/2006/relationships" xmlns:p="http://schemas.openxmlformats.org/presentationml/2006/main">
-  <p:cSld>
-    <p:spTree>
-      <p:nvGrpSpPr>
-        <p:cNvPr id="1" name=""/>
-        <p:cNvGrpSpPr/>
-        <p:nvPr/>
-      </p:nvGrpSpPr>
-      <p:grpSpPr>
-        <a:xfrm>
-          <a:off x="0" y="0"/>
-          <a:ext cx="0" cy="0"/>
-          <a:chOff x="0" y="0"/>
-          <a:chExt cx="0" cy="0"/>
-        </a:xfrm>
-      </p:grpSpPr>
-      <p:sp>
-        <p:nvSpPr>
-          <p:cNvPr id="2" name="Title 1">
-            <a:extLst>
-              <a:ext uri="{FF2B5EF4-FFF2-40B4-BE49-F238E27FC236}">
-                <a16:creationId xmlns:a16="http://schemas.microsoft.com/office/drawing/2014/main" id="{D0CBD092-444D-485B-B077-AE37DB7967F1}"/>
-              </a:ext>
-            </a:extLst>
-          </p:cNvPr>
-          <p:cNvSpPr>
-            <a:spLocks noGrp="1"/>
-          </p:cNvSpPr>
-          <p:nvPr>
-            <p:ph type="title"/>
-          </p:nvPr>
-        </p:nvSpPr>
-        <p:spPr/>
-        <p:txBody>
-          <a:bodyPr/>
-          <a:lstStyle/>
-          <a:p>
-            <a:r>
-              <a:rPr lang="en-US" dirty="0"/>
-              <a:t>Google TFA FAQ</a:t>
-            </a:r>
-          </a:p>
-        </p:txBody>
-      </p:sp>
-      <p:sp>
-        <p:nvSpPr>
-          <p:cNvPr id="3" name="Content Placeholder 2">
-            <a:extLst>
-              <a:ext uri="{FF2B5EF4-FFF2-40B4-BE49-F238E27FC236}">
-                <a16:creationId xmlns:a16="http://schemas.microsoft.com/office/drawing/2014/main" id="{65B32B1F-E0DF-456C-B7E0-F6CB2CBEA651}"/>
-              </a:ext>
-            </a:extLst>
-          </p:cNvPr>
-          <p:cNvSpPr>
-            <a:spLocks noGrp="1"/>
-          </p:cNvSpPr>
-          <p:nvPr>
-            <p:ph idx="1"/>
-          </p:nvPr>
-        </p:nvSpPr>
-        <p:spPr>
-          <a:xfrm>
-            <a:off x="542926" y="1476375"/>
-            <a:ext cx="11087100" cy="5276850"/>
-          </a:xfrm>
-        </p:spPr>
-        <p:txBody>
-          <a:bodyPr>
-            <a:normAutofit lnSpcReduction="10000"/>
-          </a:bodyPr>
-          <a:lstStyle/>
-          <a:p>
-            <a:pPr marL="0" indent="0">
-              <a:buNone/>
-            </a:pPr>
-            <a:r>
-              <a:rPr lang="en-US" sz="3200" b="1" dirty="0"/>
-              <a:t>Do I need to keep a Security Key with me at all times?</a:t>
-            </a:r>
-          </a:p>
-          <a:p>
-            <a:r>
-              <a:rPr lang="en-US" sz="3200" dirty="0"/>
-              <a:t>We recommend you </a:t>
-            </a:r>
-            <a:r>
-              <a:rPr lang="en-US" sz="3200" b="1" dirty="0"/>
-              <a:t>always keep a Security Key close</a:t>
-            </a:r>
-            <a:r>
-              <a:rPr lang="en-US" sz="3200" dirty="0"/>
-              <a:t> in case you log out of your account or need to sign in on a new device. In all likelihood, this will happen infrequently. Remember to take one with you when traveling.</a:t>
-            </a:r>
-          </a:p>
-          <a:p>
-            <a:pPr marL="0" indent="0">
-              <a:buNone/>
-            </a:pPr>
-            <a:r>
-              <a:rPr lang="en-US" sz="3200" b="1" dirty="0"/>
-              <a:t>What happens if I lose both of my Security Keys?</a:t>
-            </a:r>
-          </a:p>
-          <a:p>
-            <a:r>
-              <a:rPr lang="en-US" sz="3200" dirty="0"/>
-              <a:t>If you still have access to a logged-in session, you can visit </a:t>
-            </a:r>
-            <a:r>
-              <a:rPr lang="en-US" sz="3200" dirty="0">
-                <a:hlinkClick r:id="rId2"/>
-              </a:rPr>
-              <a:t>account.google.com</a:t>
-            </a:r>
-            <a:r>
-              <a:rPr lang="en-US" sz="3200" dirty="0"/>
-              <a:t> and register replacement keys in place of the lost keys. If you have lost both keys and do not have access to a logged-in session, you will need to submit a request to recover your account. It will take a few days for Google to verify it’s you and grant you access to your account.</a:t>
-            </a:r>
-            <a:endParaRPr lang="en-US" sz="2000" dirty="0"/>
-          </a:p>
-        </p:txBody>
-      </p:sp>
-      <p:sp>
-        <p:nvSpPr>
-          <p:cNvPr id="8" name="AutoShape 10" descr="https://lh3.googleusercontent.com/SClWEmbk7QxxuKiWshok2T45vAwEQYCduisnnGORqrha7KfpQsvFZa0xac_jyj_tE9Mn=w1920-h947-rw">
-            <a:extLst>
-              <a:ext uri="{FF2B5EF4-FFF2-40B4-BE49-F238E27FC236}">
-                <a16:creationId xmlns:a16="http://schemas.microsoft.com/office/drawing/2014/main" id="{35F208E5-7037-43C1-A023-1454F9383ED2}"/>
-              </a:ext>
-            </a:extLst>
-          </p:cNvPr>
-          <p:cNvSpPr>
-            <a:spLocks noChangeAspect="1" noChangeArrowheads="1"/>
-          </p:cNvSpPr>
-          <p:nvPr/>
-        </p:nvSpPr>
-        <p:spPr bwMode="auto">
-          <a:xfrm>
-            <a:off x="5943600" y="3276600"/>
-            <a:ext cx="304800" cy="304800"/>
-          </a:xfrm>
-          <a:prstGeom prst="rect">
-            <a:avLst/>
-          </a:prstGeom>
-          <a:noFill/>
-          <a:extLst>
-            <a:ext uri="{909E8E84-426E-40DD-AFC4-6F175D3DCCD1}">
-              <a14:hiddenFill xmlns:a14="http://schemas.microsoft.com/office/drawing/2010/main">
-                <a:solidFill>
-                  <a:srgbClr val="FFFFFF"/>
-                </a:solidFill>
-              </a14:hiddenFill>
-            </a:ext>
-          </a:extLst>
-        </p:spPr>
-        <p:txBody>
-          <a:bodyPr vert="horz" wrap="square" lIns="91440" tIns="45720" rIns="91440" bIns="45720" numCol="1" anchor="t" anchorCtr="0" compatLnSpc="1">
-            <a:prstTxWarp prst="textNoShape">
-              <a:avLst/>
-            </a:prstTxWarp>
-          </a:bodyPr>
-          <a:lstStyle/>
-          <a:p>
-            <a:endParaRPr lang="en-US"/>
-          </a:p>
-        </p:txBody>
-      </p:sp>
-    </p:spTree>
-    <p:extLst>
-      <p:ext uri="{BB962C8B-B14F-4D97-AF65-F5344CB8AC3E}">
-        <p14:creationId xmlns:p14="http://schemas.microsoft.com/office/powerpoint/2010/main" val="3580237662"/>
-      </p:ext>
-    </p:extLst>
-  </p:cSld>
-  <p:clrMapOvr>
-    <a:masterClrMapping/>
-  </p:clrMapOvr>
-</p:sld>
-</file>
-
-<file path=ppt/slides/slide27.xml><?xml version="1.0" encoding="utf-8"?>
-<p:sld xmlns:a="http://schemas.openxmlformats.org/drawingml/2006/main" xmlns:r="http://schemas.openxmlformats.org/officeDocument/2006/relationships" xmlns:p="http://schemas.openxmlformats.org/presentationml/2006/main">
-  <p:cSld>
-    <p:spTree>
-      <p:nvGrpSpPr>
-        <p:cNvPr id="1" name=""/>
-        <p:cNvGrpSpPr/>
-        <p:nvPr/>
-      </p:nvGrpSpPr>
-      <p:grpSpPr>
-        <a:xfrm>
-          <a:off x="0" y="0"/>
-          <a:ext cx="0" cy="0"/>
-          <a:chOff x="0" y="0"/>
-          <a:chExt cx="0" cy="0"/>
-        </a:xfrm>
-      </p:grpSpPr>
-      <p:sp>
-        <p:nvSpPr>
-          <p:cNvPr id="2" name="Title 1">
-            <a:extLst>
-              <a:ext uri="{FF2B5EF4-FFF2-40B4-BE49-F238E27FC236}">
-                <a16:creationId xmlns:a16="http://schemas.microsoft.com/office/drawing/2014/main" id="{D0CBD092-444D-485B-B077-AE37DB7967F1}"/>
-              </a:ext>
-            </a:extLst>
-          </p:cNvPr>
-          <p:cNvSpPr>
-            <a:spLocks noGrp="1"/>
-          </p:cNvSpPr>
-          <p:nvPr>
-            <p:ph type="title"/>
-          </p:nvPr>
-        </p:nvSpPr>
-        <p:spPr/>
-        <p:txBody>
-          <a:bodyPr/>
-          <a:lstStyle/>
-          <a:p>
-            <a:r>
-              <a:rPr lang="en-US" dirty="0"/>
-              <a:t>Hardware-Based Authentication</a:t>
-            </a:r>
-          </a:p>
-        </p:txBody>
-      </p:sp>
-      <p:sp>
-        <p:nvSpPr>
-          <p:cNvPr id="3" name="Content Placeholder 2">
-            <a:extLst>
-              <a:ext uri="{FF2B5EF4-FFF2-40B4-BE49-F238E27FC236}">
-                <a16:creationId xmlns:a16="http://schemas.microsoft.com/office/drawing/2014/main" id="{65B32B1F-E0DF-456C-B7E0-F6CB2CBEA651}"/>
-              </a:ext>
-            </a:extLst>
-          </p:cNvPr>
-          <p:cNvSpPr>
-            <a:spLocks noGrp="1"/>
-          </p:cNvSpPr>
-          <p:nvPr>
-            <p:ph idx="1"/>
-          </p:nvPr>
-        </p:nvSpPr>
-        <p:spPr>
-          <a:xfrm>
-            <a:off x="838200" y="1825625"/>
-            <a:ext cx="10791825" cy="4351338"/>
-          </a:xfrm>
-        </p:spPr>
-        <p:txBody>
-          <a:bodyPr>
-            <a:normAutofit/>
-          </a:bodyPr>
-          <a:lstStyle/>
-          <a:p>
-            <a:r>
-              <a:rPr lang="en-US" sz="3600" dirty="0"/>
-              <a:t>This industry is still somewhat immature and is advancing, but this is not an excuse to not act. Take steps now!</a:t>
-            </a:r>
-          </a:p>
-        </p:txBody>
-      </p:sp>
-      <p:sp>
-        <p:nvSpPr>
-          <p:cNvPr id="8" name="AutoShape 10" descr="https://lh3.googleusercontent.com/SClWEmbk7QxxuKiWshok2T45vAwEQYCduisnnGORqrha7KfpQsvFZa0xac_jyj_tE9Mn=w1920-h947-rw">
-            <a:extLst>
-              <a:ext uri="{FF2B5EF4-FFF2-40B4-BE49-F238E27FC236}">
-                <a16:creationId xmlns:a16="http://schemas.microsoft.com/office/drawing/2014/main" id="{35F208E5-7037-43C1-A023-1454F9383ED2}"/>
-              </a:ext>
-            </a:extLst>
-          </p:cNvPr>
-          <p:cNvSpPr>
-            <a:spLocks noChangeAspect="1" noChangeArrowheads="1"/>
-          </p:cNvSpPr>
-          <p:nvPr/>
-        </p:nvSpPr>
-        <p:spPr bwMode="auto">
-          <a:xfrm>
-            <a:off x="5943600" y="3276600"/>
-            <a:ext cx="304800" cy="304800"/>
-          </a:xfrm>
-          <a:prstGeom prst="rect">
-            <a:avLst/>
-          </a:prstGeom>
-          <a:noFill/>
-          <a:extLst>
-            <a:ext uri="{909E8E84-426E-40DD-AFC4-6F175D3DCCD1}">
-              <a14:hiddenFill xmlns:a14="http://schemas.microsoft.com/office/drawing/2010/main">
-                <a:solidFill>
-                  <a:srgbClr val="FFFFFF"/>
-                </a:solidFill>
-              </a14:hiddenFill>
-            </a:ext>
-          </a:extLst>
-        </p:spPr>
-        <p:txBody>
-          <a:bodyPr vert="horz" wrap="square" lIns="91440" tIns="45720" rIns="91440" bIns="45720" numCol="1" anchor="t" anchorCtr="0" compatLnSpc="1">
-            <a:prstTxWarp prst="textNoShape">
-              <a:avLst/>
-            </a:prstTxWarp>
-          </a:bodyPr>
-          <a:lstStyle/>
-          <a:p>
-            <a:endParaRPr lang="en-US"/>
-          </a:p>
-        </p:txBody>
-      </p:sp>
-    </p:spTree>
-    <p:extLst>
-      <p:ext uri="{BB962C8B-B14F-4D97-AF65-F5344CB8AC3E}">
-        <p14:creationId xmlns:p14="http://schemas.microsoft.com/office/powerpoint/2010/main" val="993667997"/>
-      </p:ext>
-    </p:extLst>
-  </p:cSld>
-  <p:clrMapOvr>
-    <a:masterClrMapping/>
-  </p:clrMapOvr>
-</p:sld>
-</file>
-
-<file path=ppt/slides/slide28.xml><?xml version="1.0" encoding="utf-8"?>
-<p:sld xmlns:a="http://schemas.openxmlformats.org/drawingml/2006/main" xmlns:r="http://schemas.openxmlformats.org/officeDocument/2006/relationships" xmlns:p="http://schemas.openxmlformats.org/presentationml/2006/main">
-  <p:cSld>
-    <p:spTree>
-      <p:nvGrpSpPr>
-        <p:cNvPr id="1" name=""/>
-        <p:cNvGrpSpPr/>
-        <p:nvPr/>
-      </p:nvGrpSpPr>
-      <p:grpSpPr>
-        <a:xfrm>
-          <a:off x="0" y="0"/>
-          <a:ext cx="0" cy="0"/>
-          <a:chOff x="0" y="0"/>
-          <a:chExt cx="0" cy="0"/>
-        </a:xfrm>
-      </p:grpSpPr>
-      <p:sp>
-        <p:nvSpPr>
-          <p:cNvPr id="2" name="Title 1">
-            <a:extLst>
-              <a:ext uri="{FF2B5EF4-FFF2-40B4-BE49-F238E27FC236}">
-                <a16:creationId xmlns:a16="http://schemas.microsoft.com/office/drawing/2014/main" id="{D0CBD092-444D-485B-B077-AE37DB7967F1}"/>
-              </a:ext>
-            </a:extLst>
-          </p:cNvPr>
-          <p:cNvSpPr>
-            <a:spLocks noGrp="1"/>
-          </p:cNvSpPr>
-          <p:nvPr>
-            <p:ph type="title"/>
-          </p:nvPr>
-        </p:nvSpPr>
-        <p:spPr>
-          <a:xfrm>
-            <a:off x="838200" y="365126"/>
-            <a:ext cx="10515600" cy="618286"/>
-          </a:xfrm>
-        </p:spPr>
-        <p:txBody>
-          <a:bodyPr>
-            <a:normAutofit fontScale="90000"/>
-          </a:bodyPr>
-          <a:lstStyle/>
-          <a:p>
-            <a:r>
-              <a:rPr lang="en-US" dirty="0"/>
-              <a:t>More Reading</a:t>
-            </a:r>
-          </a:p>
-        </p:txBody>
-      </p:sp>
-      <p:sp>
-        <p:nvSpPr>
-          <p:cNvPr id="3" name="Content Placeholder 2">
-            <a:extLst>
-              <a:ext uri="{FF2B5EF4-FFF2-40B4-BE49-F238E27FC236}">
-                <a16:creationId xmlns:a16="http://schemas.microsoft.com/office/drawing/2014/main" id="{65B32B1F-E0DF-456C-B7E0-F6CB2CBEA651}"/>
-              </a:ext>
-            </a:extLst>
-          </p:cNvPr>
-          <p:cNvSpPr>
-            <a:spLocks noGrp="1"/>
-          </p:cNvSpPr>
-          <p:nvPr>
-            <p:ph idx="1"/>
-          </p:nvPr>
-        </p:nvSpPr>
-        <p:spPr>
-          <a:xfrm>
-            <a:off x="414067" y="854014"/>
-            <a:ext cx="11205713" cy="5788325"/>
-          </a:xfrm>
-        </p:spPr>
-        <p:txBody>
-          <a:bodyPr>
-            <a:normAutofit lnSpcReduction="10000"/>
-          </a:bodyPr>
-          <a:lstStyle/>
-          <a:p>
-            <a:r>
-              <a:rPr lang="en-US" sz="1600" b="1" dirty="0"/>
-              <a:t>How Russian </a:t>
-            </a:r>
-            <a:r>
-              <a:rPr lang="en-US" sz="1600" b="1" dirty="0" err="1"/>
-              <a:t>Cyberpower</a:t>
-            </a:r>
-            <a:r>
-              <a:rPr lang="en-US" sz="1600" b="1" dirty="0"/>
-              <a:t> Invaded the U.S.</a:t>
-            </a:r>
-            <a:r>
-              <a:rPr lang="en-US" sz="1600" b="1" i="1" dirty="0"/>
-              <a:t> </a:t>
-            </a:r>
-            <a:r>
-              <a:rPr lang="en-US" sz="1600" dirty="0">
-                <a:hlinkClick r:id="rId2"/>
-              </a:rPr>
-              <a:t>https://www.nytimes.com/2016/12/13/us/politics/russia-hack-election-dnc.html</a:t>
-            </a:r>
-            <a:endParaRPr lang="en-US" sz="1600" dirty="0"/>
-          </a:p>
-          <a:p>
-            <a:r>
-              <a:rPr lang="en-US" sz="1600" b="1" dirty="0"/>
-              <a:t>How to protect yourself from 'spear phishing' hacking technique </a:t>
-            </a:r>
-            <a:r>
-              <a:rPr lang="en-US" sz="1600" dirty="0">
-                <a:hlinkClick r:id="rId3"/>
-              </a:rPr>
-              <a:t>https://phys.org/news/2018-07-spear-phishing-hacking-technique.html</a:t>
-            </a:r>
-            <a:endParaRPr lang="en-US" sz="1600" dirty="0"/>
-          </a:p>
-          <a:p>
-            <a:r>
-              <a:rPr lang="en-US" sz="1600" b="1" dirty="0"/>
-              <a:t>Reddit Breach Highlights Limits of SMS-Based Authentication </a:t>
-            </a:r>
-            <a:r>
-              <a:rPr lang="en-US" sz="1600" dirty="0">
-                <a:hlinkClick r:id="rId4"/>
-              </a:rPr>
-              <a:t>https://krebsonsecurity.com/2018/08/reddit-breach-highlights-limits-of-sms-based-authentication/</a:t>
-            </a:r>
-            <a:endParaRPr lang="en-US" sz="1600" dirty="0"/>
-          </a:p>
-          <a:p>
-            <a:r>
-              <a:rPr lang="en-US" sz="1600" b="1" dirty="0"/>
-              <a:t>This is why you shouldn’t use texts for two-factor authentication </a:t>
-            </a:r>
-            <a:r>
-              <a:rPr lang="en-US" sz="1600" dirty="0">
-                <a:hlinkClick r:id="rId5"/>
-              </a:rPr>
-              <a:t>https://www.theverge.com/2017/9/18/16328172/sms-two-factor-authentication-hack-password-bitcoin</a:t>
-            </a:r>
-            <a:endParaRPr lang="en-US" sz="1600" dirty="0"/>
-          </a:p>
-          <a:p>
-            <a:r>
-              <a:rPr lang="en-US" sz="1600" b="1" dirty="0"/>
-              <a:t>Two-Factor Authentication: Who Has It and How to Set It Up </a:t>
-            </a:r>
-            <a:r>
-              <a:rPr lang="en-US" sz="1600" dirty="0">
-                <a:hlinkClick r:id="rId6"/>
-              </a:rPr>
-              <a:t>https://www.pcmag.com/feature/358289/two-factor-authentication-who-has-it-and-how-to-set-it-up</a:t>
-            </a:r>
-            <a:endParaRPr lang="en-US" sz="1600" dirty="0"/>
-          </a:p>
-          <a:p>
-            <a:r>
-              <a:rPr lang="en-US" sz="1600" b="1" dirty="0"/>
-              <a:t>Hackers beat 2-factor protection with automated phishing attacks </a:t>
-            </a:r>
-            <a:r>
-              <a:rPr lang="en-US" sz="1600" dirty="0">
-                <a:hlinkClick r:id="rId7"/>
-              </a:rPr>
-              <a:t>https://mashable.com/article/hackers-beat-two-factor-authentication-2fa-phishing</a:t>
-            </a:r>
-            <a:r>
-              <a:rPr lang="en-US" sz="1600" dirty="0"/>
-              <a:t> </a:t>
-            </a:r>
-            <a:endParaRPr lang="en-US" sz="1600" b="1" dirty="0"/>
-          </a:p>
-          <a:p>
-            <a:r>
-              <a:rPr lang="en-US" sz="1600" b="1" dirty="0"/>
-              <a:t>Creating the </a:t>
-            </a:r>
-            <a:r>
-              <a:rPr lang="en-US" sz="1600" b="1" dirty="0" err="1"/>
-              <a:t>Unphishable</a:t>
-            </a:r>
-            <a:r>
-              <a:rPr lang="en-US" sz="1600" b="1" dirty="0"/>
-              <a:t> Security Key: How the FIDO U2F security key and </a:t>
-            </a:r>
-            <a:r>
-              <a:rPr lang="en-US" sz="1600" b="1" dirty="0" err="1"/>
-              <a:t>YubiKey</a:t>
-            </a:r>
-            <a:r>
-              <a:rPr lang="en-US" sz="1600" b="1" dirty="0"/>
-              <a:t> stop phishing and man-in-the-middle attacks </a:t>
-            </a:r>
-            <a:r>
-              <a:rPr lang="en-US" sz="1600" dirty="0">
-                <a:hlinkClick r:id="rId8"/>
-              </a:rPr>
-              <a:t>www.yubico.com/2017/10/creating-unphishable-security-key/</a:t>
-            </a:r>
-            <a:endParaRPr lang="en-US" sz="1600" dirty="0"/>
-          </a:p>
-          <a:p>
-            <a:r>
-              <a:rPr lang="en-US" sz="1600" b="1" dirty="0"/>
-              <a:t>What is two-factor authentication, and which 2FA solutions are </a:t>
-            </a:r>
-            <a:r>
-              <a:rPr lang="en-US" sz="1600" b="1" dirty="0" err="1"/>
-              <a:t>best?</a:t>
-            </a:r>
-            <a:r>
-              <a:rPr lang="en-US" sz="1600" dirty="0" err="1">
-                <a:hlinkClick r:id="rId9"/>
-              </a:rPr>
-              <a:t>https</a:t>
-            </a:r>
-            <a:r>
-              <a:rPr lang="en-US" sz="1600" dirty="0">
-                <a:hlinkClick r:id="rId9"/>
-              </a:rPr>
-              <a:t>://www.pcworld.com/article/3225913/what-is-two-factor-authentication-and-which-2fa-apps-are-best.html</a:t>
-            </a:r>
-            <a:endParaRPr lang="en-US" sz="1600" dirty="0"/>
-          </a:p>
-          <a:p>
-            <a:r>
-              <a:rPr lang="en-US" sz="1600" b="1" dirty="0"/>
-              <a:t>Let's find the right </a:t>
-            </a:r>
-            <a:r>
-              <a:rPr lang="en-US" sz="1600" b="1" dirty="0" err="1"/>
-              <a:t>YubiKey</a:t>
-            </a:r>
-            <a:r>
-              <a:rPr lang="en-US" sz="1600" b="1" dirty="0"/>
-              <a:t> for you. </a:t>
-            </a:r>
-            <a:r>
-              <a:rPr lang="en-US" sz="1600" dirty="0">
-                <a:hlinkClick r:id="rId10"/>
-              </a:rPr>
-              <a:t>https://www.yubico.com/quiz/</a:t>
-            </a:r>
-            <a:endParaRPr lang="en-US" sz="1600" dirty="0"/>
-          </a:p>
-          <a:p>
-            <a:r>
-              <a:rPr lang="en-US" sz="1600" b="1" dirty="0"/>
-              <a:t>The Limits of SMS for 2-Factor Authentication </a:t>
-            </a:r>
-            <a:r>
-              <a:rPr lang="en-US" sz="1600" dirty="0">
-                <a:hlinkClick r:id="rId11"/>
-              </a:rPr>
-              <a:t>https://krebsonsecurity.com/2016/09/the-limits-of-sms-for-2-factor-authentication/</a:t>
-            </a:r>
-            <a:endParaRPr lang="en-US" sz="1600" dirty="0"/>
-          </a:p>
-          <a:p>
-            <a:r>
-              <a:rPr lang="en-US" sz="1600" b="1" dirty="0"/>
-              <a:t>Major SMS security lapse is a reminder to use authenticator apps instead </a:t>
-            </a:r>
-            <a:r>
-              <a:rPr lang="en-US" sz="1600" dirty="0">
-                <a:hlinkClick r:id="rId12"/>
-              </a:rPr>
-              <a:t>https://www.theverge.com/2018/11/16/18098286/vovox-security-breach-two-factor-authentication-2fa-codes-exposed</a:t>
-            </a:r>
-            <a:endParaRPr lang="en-US" sz="1600" dirty="0"/>
-          </a:p>
-          <a:p>
-            <a:r>
-              <a:rPr lang="en-US" sz="1600" b="1" dirty="0"/>
-              <a:t>Metro Bank targeted with 2FA-bypassing SS7 attacks </a:t>
-            </a:r>
-            <a:r>
-              <a:rPr lang="en-US" sz="1600" dirty="0">
-                <a:hlinkClick r:id="rId13"/>
-              </a:rPr>
-              <a:t>https://www.itpro.co.uk/security/32898/metro-bank-targeted-with-2fa-bypassing-ss7-attacks</a:t>
-            </a:r>
-            <a:endParaRPr lang="en-US" sz="1600" dirty="0"/>
-          </a:p>
-        </p:txBody>
-      </p:sp>
-    </p:spTree>
-    <p:extLst>
-      <p:ext uri="{BB962C8B-B14F-4D97-AF65-F5344CB8AC3E}">
-        <p14:creationId xmlns:p14="http://schemas.microsoft.com/office/powerpoint/2010/main" val="2070803440"/>
       </p:ext>
     </p:extLst>
   </p:cSld>
@@ -7606,10 +8507,10 @@
       </p:sp>
       <p:pic>
         <p:nvPicPr>
-          <p:cNvPr id="6" name="Picture 5">
-            <a:extLst>
-              <a:ext uri="{FF2B5EF4-FFF2-40B4-BE49-F238E27FC236}">
-                <a16:creationId xmlns:a16="http://schemas.microsoft.com/office/drawing/2014/main" id="{015A5E58-4433-4FD8-B3C7-9803EC3F7202}"/>
+          <p:cNvPr id="7" name="Picture 6">
+            <a:extLst>
+              <a:ext uri="{FF2B5EF4-FFF2-40B4-BE49-F238E27FC236}">
+                <a16:creationId xmlns:a16="http://schemas.microsoft.com/office/drawing/2014/main" id="{038DF8E4-57C0-4209-8D78-6E68B95D610C}"/>
               </a:ext>
             </a:extLst>
           </p:cNvPr>
@@ -7626,37 +8527,7 @@
         </p:blipFill>
         <p:spPr>
           <a:xfrm>
-            <a:off x="1514475" y="908843"/>
-            <a:ext cx="9368900" cy="2810670"/>
-          </a:xfrm>
-          <a:prstGeom prst="rect">
-            <a:avLst/>
-          </a:prstGeom>
-        </p:spPr>
-      </p:pic>
-      <p:pic>
-        <p:nvPicPr>
-          <p:cNvPr id="7" name="Picture 6">
-            <a:extLst>
-              <a:ext uri="{FF2B5EF4-FFF2-40B4-BE49-F238E27FC236}">
-                <a16:creationId xmlns:a16="http://schemas.microsoft.com/office/drawing/2014/main" id="{038DF8E4-57C0-4209-8D78-6E68B95D610C}"/>
-              </a:ext>
-            </a:extLst>
-          </p:cNvPr>
-          <p:cNvPicPr>
-            <a:picLocks noChangeAspect="1"/>
-          </p:cNvPicPr>
-          <p:nvPr/>
-        </p:nvPicPr>
-        <p:blipFill>
-          <a:blip r:embed="rId4"/>
-          <a:stretch>
-            <a:fillRect/>
-          </a:stretch>
-        </p:blipFill>
-        <p:spPr>
-          <a:xfrm>
-            <a:off x="205850" y="3835800"/>
+            <a:off x="2790825" y="3805159"/>
             <a:ext cx="10572750" cy="1704975"/>
           </a:xfrm>
           <a:prstGeom prst="rect">
@@ -7679,13 +8550,13 @@
           <p:nvPr/>
         </p:nvPicPr>
         <p:blipFill rotWithShape="1">
-          <a:blip r:embed="rId5"/>
+          <a:blip r:embed="rId4"/>
           <a:srcRect b="29423"/>
           <a:stretch/>
         </p:blipFill>
         <p:spPr>
           <a:xfrm>
-            <a:off x="5799800" y="2735067"/>
+            <a:off x="5857875" y="2206808"/>
             <a:ext cx="6457950" cy="1667178"/>
           </a:xfrm>
           <a:prstGeom prst="rect">
@@ -7708,13 +8579,13 @@
           <p:nvPr/>
         </p:nvPicPr>
         <p:blipFill rotWithShape="1">
-          <a:blip r:embed="rId6"/>
+          <a:blip r:embed="rId5"/>
           <a:srcRect b="36206"/>
           <a:stretch/>
         </p:blipFill>
         <p:spPr>
           <a:xfrm>
-            <a:off x="205850" y="4931478"/>
+            <a:off x="0" y="5614539"/>
             <a:ext cx="8924925" cy="1829002"/>
           </a:xfrm>
           <a:prstGeom prst="rect">
@@ -7737,14 +8608,14 @@
           <p:nvPr/>
         </p:nvPicPr>
         <p:blipFill rotWithShape="1">
-          <a:blip r:embed="rId7"/>
+          <a:blip r:embed="rId6"/>
           <a:srcRect l="-1431" t="-18956" r="1431" b="18956"/>
           <a:stretch/>
         </p:blipFill>
         <p:spPr>
           <a:xfrm>
-            <a:off x="3672950" y="-412992"/>
-            <a:ext cx="8524875" cy="2409825"/>
+            <a:off x="4756574" y="91574"/>
+            <a:ext cx="7703875" cy="2177743"/>
           </a:xfrm>
           <a:prstGeom prst="rect">
             <a:avLst/>
@@ -7753,10 +8624,40 @@
       </p:pic>
       <p:pic>
         <p:nvPicPr>
-          <p:cNvPr id="9" name="Picture 8">
-            <a:extLst>
-              <a:ext uri="{FF2B5EF4-FFF2-40B4-BE49-F238E27FC236}">
-                <a16:creationId xmlns:a16="http://schemas.microsoft.com/office/drawing/2014/main" id="{F0BF9F4C-B1C2-4EB0-84A1-DD715BDB86B1}"/>
+          <p:cNvPr id="14" name="Picture 13">
+            <a:extLst>
+              <a:ext uri="{FF2B5EF4-FFF2-40B4-BE49-F238E27FC236}">
+                <a16:creationId xmlns:a16="http://schemas.microsoft.com/office/drawing/2014/main" id="{101A3D4C-E6C8-4DDB-B906-98A739D55873}"/>
+              </a:ext>
+            </a:extLst>
+          </p:cNvPr>
+          <p:cNvPicPr>
+            <a:picLocks noChangeAspect="1"/>
+          </p:cNvPicPr>
+          <p:nvPr/>
+        </p:nvPicPr>
+        <p:blipFill>
+          <a:blip r:embed="rId7"/>
+          <a:stretch>
+            <a:fillRect/>
+          </a:stretch>
+        </p:blipFill>
+        <p:spPr>
+          <a:xfrm>
+            <a:off x="0" y="2087842"/>
+            <a:ext cx="5581650" cy="1743075"/>
+          </a:xfrm>
+          <a:prstGeom prst="rect">
+            <a:avLst/>
+          </a:prstGeom>
+        </p:spPr>
+      </p:pic>
+      <p:pic>
+        <p:nvPicPr>
+          <p:cNvPr id="2" name="Picture 1">
+            <a:extLst>
+              <a:ext uri="{FF2B5EF4-FFF2-40B4-BE49-F238E27FC236}">
+                <a16:creationId xmlns:a16="http://schemas.microsoft.com/office/drawing/2014/main" id="{0DB337F0-24F8-4F4E-A878-9BB91835F728}"/>
               </a:ext>
             </a:extLst>
           </p:cNvPr>
@@ -7773,8 +8674,8 @@
         </p:blipFill>
         <p:spPr>
           <a:xfrm>
-            <a:off x="3381375" y="3717032"/>
-            <a:ext cx="8772525" cy="2962275"/>
+            <a:off x="7437610" y="-111839"/>
+            <a:ext cx="4955478" cy="1585753"/>
           </a:xfrm>
           <a:prstGeom prst="rect">
             <a:avLst/>
@@ -7783,10 +8684,10 @@
       </p:pic>
       <p:pic>
         <p:nvPicPr>
-          <p:cNvPr id="14" name="Picture 13">
-            <a:extLst>
-              <a:ext uri="{FF2B5EF4-FFF2-40B4-BE49-F238E27FC236}">
-                <a16:creationId xmlns:a16="http://schemas.microsoft.com/office/drawing/2014/main" id="{101A3D4C-E6C8-4DDB-B906-98A739D55873}"/>
+          <p:cNvPr id="8" name="Picture 7">
+            <a:extLst>
+              <a:ext uri="{FF2B5EF4-FFF2-40B4-BE49-F238E27FC236}">
+                <a16:creationId xmlns:a16="http://schemas.microsoft.com/office/drawing/2014/main" id="{4B02A387-2093-4BC8-A7BD-2DE0F4D033C2}"/>
               </a:ext>
             </a:extLst>
           </p:cNvPr>
@@ -7803,8 +8704,38 @@
         </p:blipFill>
         <p:spPr>
           <a:xfrm>
-            <a:off x="52388" y="2067768"/>
-            <a:ext cx="5581650" cy="1743075"/>
+            <a:off x="92475" y="3661949"/>
+            <a:ext cx="6727425" cy="1897088"/>
+          </a:xfrm>
+          <a:prstGeom prst="rect">
+            <a:avLst/>
+          </a:prstGeom>
+        </p:spPr>
+      </p:pic>
+      <p:pic>
+        <p:nvPicPr>
+          <p:cNvPr id="9" name="Picture 8">
+            <a:extLst>
+              <a:ext uri="{FF2B5EF4-FFF2-40B4-BE49-F238E27FC236}">
+                <a16:creationId xmlns:a16="http://schemas.microsoft.com/office/drawing/2014/main" id="{F0BF9F4C-B1C2-4EB0-84A1-DD715BDB86B1}"/>
+              </a:ext>
+            </a:extLst>
+          </p:cNvPr>
+          <p:cNvPicPr>
+            <a:picLocks noChangeAspect="1"/>
+          </p:cNvPicPr>
+          <p:nvPr/>
+        </p:nvPicPr>
+        <p:blipFill>
+          <a:blip r:embed="rId10"/>
+          <a:stretch>
+            <a:fillRect/>
+          </a:stretch>
+        </p:blipFill>
+        <p:spPr>
+          <a:xfrm>
+            <a:off x="5289974" y="4476009"/>
+            <a:ext cx="7123328" cy="2405380"/>
           </a:xfrm>
           <a:prstGeom prst="rect">
             <a:avLst/>
@@ -7833,6 +8764,9 @@
                     <p:cTn id="3" fill="hold">
                       <p:stCondLst>
                         <p:cond delay="indefinite"/>
+                        <p:cond evt="onBegin" delay="0">
+                          <p:tn val="2"/>
+                        </p:cond>
                       </p:stCondLst>
                       <p:childTnLst>
                         <p:par>
@@ -7842,50 +8776,14 @@
                             </p:stCondLst>
                             <p:childTnLst>
                               <p:par>
-                                <p:cTn id="5" presetID="1" presetClass="entr" presetSubtype="0" fill="hold" nodeType="clickEffect">
+                                <p:cTn id="5" presetID="1" presetClass="entr" presetSubtype="0" fill="hold" nodeType="afterEffect">
                                   <p:stCondLst>
-                                    <p:cond delay="0"/>
+                                    <p:cond delay="750"/>
                                   </p:stCondLst>
                                   <p:childTnLst>
                                     <p:set>
                                       <p:cBhvr>
                                         <p:cTn id="6" dur="1" fill="hold">
-                                          <p:stCondLst>
-                                            <p:cond delay="0"/>
-                                          </p:stCondLst>
-                                        </p:cTn>
-                                        <p:tgtEl>
-                                          <p:spTgt spid="6"/>
-                                        </p:tgtEl>
-                                        <p:attrNameLst>
-                                          <p:attrName>style.visibility</p:attrName>
-                                        </p:attrNameLst>
-                                      </p:cBhvr>
-                                      <p:to>
-                                        <p:strVal val="visible"/>
-                                      </p:to>
-                                    </p:set>
-                                  </p:childTnLst>
-                                </p:cTn>
-                              </p:par>
-                            </p:childTnLst>
-                          </p:cTn>
-                        </p:par>
-                        <p:par>
-                          <p:cTn id="7" fill="hold">
-                            <p:stCondLst>
-                              <p:cond delay="0"/>
-                            </p:stCondLst>
-                            <p:childTnLst>
-                              <p:par>
-                                <p:cTn id="8" presetID="1" presetClass="entr" presetSubtype="0" fill="hold" nodeType="afterEffect">
-                                  <p:stCondLst>
-                                    <p:cond delay="1000"/>
-                                  </p:stCondLst>
-                                  <p:childTnLst>
-                                    <p:set>
-                                      <p:cBhvr>
-                                        <p:cTn id="9" dur="1" fill="hold">
                                           <p:stCondLst>
                                             <p:cond delay="0"/>
                                           </p:stCondLst>
@@ -7908,20 +8806,20 @@
                           </p:cTn>
                         </p:par>
                         <p:par>
-                          <p:cTn id="10" fill="hold">
+                          <p:cTn id="7" fill="hold">
                             <p:stCondLst>
-                              <p:cond delay="1000"/>
+                              <p:cond delay="750"/>
                             </p:stCondLst>
                             <p:childTnLst>
                               <p:par>
-                                <p:cTn id="11" presetID="1" presetClass="entr" presetSubtype="0" fill="hold" nodeType="afterEffect">
+                                <p:cTn id="8" presetID="1" presetClass="entr" presetSubtype="0" fill="hold" nodeType="afterEffect">
                                   <p:stCondLst>
-                                    <p:cond delay="1000"/>
+                                    <p:cond delay="750"/>
                                   </p:stCondLst>
                                   <p:childTnLst>
                                     <p:set>
                                       <p:cBhvr>
-                                        <p:cTn id="12" dur="1" fill="hold">
+                                        <p:cTn id="9" dur="1" fill="hold">
                                           <p:stCondLst>
                                             <p:cond delay="0"/>
                                           </p:stCondLst>
@@ -7944,15 +8842,51 @@
                           </p:cTn>
                         </p:par>
                         <p:par>
+                          <p:cTn id="10" fill="hold">
+                            <p:stCondLst>
+                              <p:cond delay="1500"/>
+                            </p:stCondLst>
+                            <p:childTnLst>
+                              <p:par>
+                                <p:cTn id="11" presetID="1" presetClass="entr" presetSubtype="0" fill="hold" nodeType="afterEffect">
+                                  <p:stCondLst>
+                                    <p:cond delay="750"/>
+                                  </p:stCondLst>
+                                  <p:childTnLst>
+                                    <p:set>
+                                      <p:cBhvr>
+                                        <p:cTn id="12" dur="1" fill="hold">
+                                          <p:stCondLst>
+                                            <p:cond delay="0"/>
+                                          </p:stCondLst>
+                                        </p:cTn>
+                                        <p:tgtEl>
+                                          <p:spTgt spid="7"/>
+                                        </p:tgtEl>
+                                        <p:attrNameLst>
+                                          <p:attrName>style.visibility</p:attrName>
+                                        </p:attrNameLst>
+                                      </p:cBhvr>
+                                      <p:to>
+                                        <p:strVal val="visible"/>
+                                      </p:to>
+                                    </p:set>
+                                  </p:childTnLst>
+                                </p:cTn>
+                              </p:par>
+                            </p:childTnLst>
+                          </p:cTn>
+                        </p:par>
+                        <p:par>
                           <p:cTn id="13" fill="hold">
                             <p:stCondLst>
-                              <p:cond delay="2000"/>
+                              <p:cond delay="2250"/>
                             </p:stCondLst>
                             <p:childTnLst>
                               <p:par>
                                 <p:cTn id="14" presetID="1" presetClass="entr" presetSubtype="0" fill="hold" nodeType="afterEffect">
                                   <p:stCondLst>
-                                    <p:cond delay="1000"/>
+                                    <p:cond delay="750"/>
                                   </p:stCondLst>
                                   <p:childTnLst>
                                     <p:set>
@@ -7963,7 +8897,7 @@
                                           </p:stCondLst>
                                         </p:cTn>
                                         <p:tgtEl>
-                                          <p:spTgt spid="7"/>
+                                          <p:spTgt spid="11"/>
                                         </p:tgtEl>
                                         <p:attrNameLst>
                                           <p:attrName>style.visibility</p:attrName>
@@ -7988,7 +8922,7 @@
                               <p:par>
                                 <p:cTn id="17" presetID="1" presetClass="entr" presetSubtype="0" fill="hold" nodeType="afterEffect">
                                   <p:stCondLst>
-                                    <p:cond delay="1000"/>
+                                    <p:cond delay="750"/>
                                   </p:stCondLst>
                                   <p:childTnLst>
                                     <p:set>
@@ -7999,7 +8933,7 @@
                                           </p:stCondLst>
                                         </p:cTn>
                                         <p:tgtEl>
-                                          <p:spTgt spid="11"/>
+                                          <p:spTgt spid="8"/>
                                         </p:tgtEl>
                                         <p:attrNameLst>
                                           <p:attrName>style.visibility</p:attrName>
@@ -8018,13 +8952,13 @@
                         <p:par>
                           <p:cTn id="19" fill="hold">
                             <p:stCondLst>
-                              <p:cond delay="4000"/>
+                              <p:cond delay="3750"/>
                             </p:stCondLst>
                             <p:childTnLst>
                               <p:par>
                                 <p:cTn id="20" presetID="1" presetClass="entr" presetSubtype="0" fill="hold" nodeType="afterEffect">
                                   <p:stCondLst>
-                                    <p:cond delay="1000"/>
+                                    <p:cond delay="750"/>
                                   </p:stCondLst>
                                   <p:childTnLst>
                                     <p:set>
@@ -8054,13 +8988,13 @@
                         <p:par>
                           <p:cTn id="22" fill="hold">
                             <p:stCondLst>
-                              <p:cond delay="5000"/>
+                              <p:cond delay="4500"/>
                             </p:stCondLst>
                             <p:childTnLst>
                               <p:par>
                                 <p:cTn id="23" presetID="1" presetClass="entr" presetSubtype="0" fill="hold" nodeType="afterEffect">
                                   <p:stCondLst>
-                                    <p:cond delay="800"/>
+                                    <p:cond delay="750"/>
                                   </p:stCondLst>
                                   <p:childTnLst>
                                     <p:set>
@@ -8072,6 +9006,42 @@
                                         </p:cTn>
                                         <p:tgtEl>
                                           <p:spTgt spid="14"/>
+                                        </p:tgtEl>
+                                        <p:attrNameLst>
+                                          <p:attrName>style.visibility</p:attrName>
+                                        </p:attrNameLst>
+                                      </p:cBhvr>
+                                      <p:to>
+                                        <p:strVal val="visible"/>
+                                      </p:to>
+                                    </p:set>
+                                  </p:childTnLst>
+                                </p:cTn>
+                              </p:par>
+                            </p:childTnLst>
+                          </p:cTn>
+                        </p:par>
+                        <p:par>
+                          <p:cTn id="25" fill="hold">
+                            <p:stCondLst>
+                              <p:cond delay="5250"/>
+                            </p:stCondLst>
+                            <p:childTnLst>
+                              <p:par>
+                                <p:cTn id="26" presetID="1" presetClass="entr" presetSubtype="0" fill="hold" nodeType="afterEffect">
+                                  <p:stCondLst>
+                                    <p:cond delay="750"/>
+                                  </p:stCondLst>
+                                  <p:childTnLst>
+                                    <p:set>
+                                      <p:cBhvr>
+                                        <p:cTn id="27" dur="1" fill="hold">
+                                          <p:stCondLst>
+                                            <p:cond delay="0"/>
+                                          </p:stCondLst>
+                                        </p:cTn>
+                                        <p:tgtEl>
+                                          <p:spTgt spid="2"/>
                                         </p:tgtEl>
                                         <p:attrNameLst>
                                           <p:attrName>style.visibility</p:attrName>
@@ -8115,6 +9085,617 @@
 </p:sld>
 </file>
 
+<file path=ppt/slides/slide30.xml><?xml version="1.0" encoding="utf-8"?>
+<p:sld xmlns:a="http://schemas.openxmlformats.org/drawingml/2006/main" xmlns:r="http://schemas.openxmlformats.org/officeDocument/2006/relationships" xmlns:p="http://schemas.openxmlformats.org/presentationml/2006/main">
+  <p:cSld>
+    <p:spTree>
+      <p:nvGrpSpPr>
+        <p:cNvPr id="1" name=""/>
+        <p:cNvGrpSpPr/>
+        <p:nvPr/>
+      </p:nvGrpSpPr>
+      <p:grpSpPr>
+        <a:xfrm>
+          <a:off x="0" y="0"/>
+          <a:ext cx="0" cy="0"/>
+          <a:chOff x="0" y="0"/>
+          <a:chExt cx="0" cy="0"/>
+        </a:xfrm>
+      </p:grpSpPr>
+      <p:sp>
+        <p:nvSpPr>
+          <p:cNvPr id="2" name="Title 1">
+            <a:extLst>
+              <a:ext uri="{FF2B5EF4-FFF2-40B4-BE49-F238E27FC236}">
+                <a16:creationId xmlns:a16="http://schemas.microsoft.com/office/drawing/2014/main" id="{D0CBD092-444D-485B-B077-AE37DB7967F1}"/>
+              </a:ext>
+            </a:extLst>
+          </p:cNvPr>
+          <p:cNvSpPr>
+            <a:spLocks noGrp="1"/>
+          </p:cNvSpPr>
+          <p:nvPr>
+            <p:ph type="title"/>
+          </p:nvPr>
+        </p:nvSpPr>
+        <p:spPr/>
+        <p:txBody>
+          <a:bodyPr/>
+          <a:lstStyle/>
+          <a:p>
+            <a:r>
+              <a:rPr lang="en-US" dirty="0"/>
+              <a:t>Google TFA FAQ</a:t>
+            </a:r>
+          </a:p>
+        </p:txBody>
+      </p:sp>
+      <p:sp>
+        <p:nvSpPr>
+          <p:cNvPr id="3" name="Content Placeholder 2">
+            <a:extLst>
+              <a:ext uri="{FF2B5EF4-FFF2-40B4-BE49-F238E27FC236}">
+                <a16:creationId xmlns:a16="http://schemas.microsoft.com/office/drawing/2014/main" id="{65B32B1F-E0DF-456C-B7E0-F6CB2CBEA651}"/>
+              </a:ext>
+            </a:extLst>
+          </p:cNvPr>
+          <p:cNvSpPr>
+            <a:spLocks noGrp="1"/>
+          </p:cNvSpPr>
+          <p:nvPr>
+            <p:ph idx="1"/>
+          </p:nvPr>
+        </p:nvSpPr>
+        <p:spPr>
+          <a:xfrm>
+            <a:off x="542926" y="1476375"/>
+            <a:ext cx="11087100" cy="5276850"/>
+          </a:xfrm>
+        </p:spPr>
+        <p:txBody>
+          <a:bodyPr>
+            <a:normAutofit lnSpcReduction="10000"/>
+          </a:bodyPr>
+          <a:lstStyle/>
+          <a:p>
+            <a:pPr marL="0" indent="0">
+              <a:buNone/>
+            </a:pPr>
+            <a:r>
+              <a:rPr lang="en-US" sz="3200" b="1" dirty="0"/>
+              <a:t>Do I need to keep a Security Key with me at all times?</a:t>
+            </a:r>
+          </a:p>
+          <a:p>
+            <a:r>
+              <a:rPr lang="en-US" sz="3200" dirty="0"/>
+              <a:t>We recommend you </a:t>
+            </a:r>
+            <a:r>
+              <a:rPr lang="en-US" sz="3200" b="1" dirty="0"/>
+              <a:t>always keep a Security Key close</a:t>
+            </a:r>
+            <a:r>
+              <a:rPr lang="en-US" sz="3200" dirty="0"/>
+              <a:t> in case you log out of your account or need to sign in on a new device. In all likelihood, this will happen infrequently. Remember to take one with you when traveling.</a:t>
+            </a:r>
+          </a:p>
+          <a:p>
+            <a:pPr marL="0" indent="0">
+              <a:buNone/>
+            </a:pPr>
+            <a:r>
+              <a:rPr lang="en-US" sz="3200" b="1" dirty="0"/>
+              <a:t>What happens if I lose both of my Security Keys?</a:t>
+            </a:r>
+          </a:p>
+          <a:p>
+            <a:r>
+              <a:rPr lang="en-US" sz="3200" dirty="0"/>
+              <a:t>If you still have access to a logged-in session, you can visit </a:t>
+            </a:r>
+            <a:r>
+              <a:rPr lang="en-US" sz="3200" dirty="0">
+                <a:hlinkClick r:id="rId2"/>
+              </a:rPr>
+              <a:t>account.google.com</a:t>
+            </a:r>
+            <a:r>
+              <a:rPr lang="en-US" sz="3200" dirty="0"/>
+              <a:t> and register replacement keys in place of the lost keys. If you have lost both keys and do not have access to a logged-in session, you will need to submit a request to recover your account. It will take a few days for Google to verify it’s you and grant you access to your account.</a:t>
+            </a:r>
+            <a:endParaRPr lang="en-US" sz="2000" dirty="0"/>
+          </a:p>
+        </p:txBody>
+      </p:sp>
+      <p:sp>
+        <p:nvSpPr>
+          <p:cNvPr id="8" name="AutoShape 10" descr="https://lh3.googleusercontent.com/SClWEmbk7QxxuKiWshok2T45vAwEQYCduisnnGORqrha7KfpQsvFZa0xac_jyj_tE9Mn=w1920-h947-rw">
+            <a:extLst>
+              <a:ext uri="{FF2B5EF4-FFF2-40B4-BE49-F238E27FC236}">
+                <a16:creationId xmlns:a16="http://schemas.microsoft.com/office/drawing/2014/main" id="{35F208E5-7037-43C1-A023-1454F9383ED2}"/>
+              </a:ext>
+            </a:extLst>
+          </p:cNvPr>
+          <p:cNvSpPr>
+            <a:spLocks noChangeAspect="1" noChangeArrowheads="1"/>
+          </p:cNvSpPr>
+          <p:nvPr/>
+        </p:nvSpPr>
+        <p:spPr bwMode="auto">
+          <a:xfrm>
+            <a:off x="5943600" y="3276600"/>
+            <a:ext cx="304800" cy="304800"/>
+          </a:xfrm>
+          <a:prstGeom prst="rect">
+            <a:avLst/>
+          </a:prstGeom>
+          <a:noFill/>
+          <a:extLst>
+            <a:ext uri="{909E8E84-426E-40DD-AFC4-6F175D3DCCD1}">
+              <a14:hiddenFill xmlns:a14="http://schemas.microsoft.com/office/drawing/2010/main">
+                <a:solidFill>
+                  <a:srgbClr val="FFFFFF"/>
+                </a:solidFill>
+              </a14:hiddenFill>
+            </a:ext>
+          </a:extLst>
+        </p:spPr>
+        <p:txBody>
+          <a:bodyPr vert="horz" wrap="square" lIns="91440" tIns="45720" rIns="91440" bIns="45720" numCol="1" anchor="t" anchorCtr="0" compatLnSpc="1">
+            <a:prstTxWarp prst="textNoShape">
+              <a:avLst/>
+            </a:prstTxWarp>
+          </a:bodyPr>
+          <a:lstStyle/>
+          <a:p>
+            <a:endParaRPr lang="en-US"/>
+          </a:p>
+        </p:txBody>
+      </p:sp>
+    </p:spTree>
+    <p:extLst>
+      <p:ext uri="{BB962C8B-B14F-4D97-AF65-F5344CB8AC3E}">
+        <p14:creationId xmlns:p14="http://schemas.microsoft.com/office/powerpoint/2010/main" val="3580237662"/>
+      </p:ext>
+    </p:extLst>
+  </p:cSld>
+  <p:clrMapOvr>
+    <a:masterClrMapping/>
+  </p:clrMapOvr>
+</p:sld>
+</file>
+
+<file path=ppt/slides/slide31.xml><?xml version="1.0" encoding="utf-8"?>
+<p:sld xmlns:a="http://schemas.openxmlformats.org/drawingml/2006/main" xmlns:r="http://schemas.openxmlformats.org/officeDocument/2006/relationships" xmlns:p="http://schemas.openxmlformats.org/presentationml/2006/main">
+  <p:cSld>
+    <p:spTree>
+      <p:nvGrpSpPr>
+        <p:cNvPr id="1" name=""/>
+        <p:cNvGrpSpPr/>
+        <p:nvPr/>
+      </p:nvGrpSpPr>
+      <p:grpSpPr>
+        <a:xfrm>
+          <a:off x="0" y="0"/>
+          <a:ext cx="0" cy="0"/>
+          <a:chOff x="0" y="0"/>
+          <a:chExt cx="0" cy="0"/>
+        </a:xfrm>
+      </p:grpSpPr>
+      <p:sp>
+        <p:nvSpPr>
+          <p:cNvPr id="2" name="Title 1">
+            <a:extLst>
+              <a:ext uri="{FF2B5EF4-FFF2-40B4-BE49-F238E27FC236}">
+                <a16:creationId xmlns:a16="http://schemas.microsoft.com/office/drawing/2014/main" id="{D0CBD092-444D-485B-B077-AE37DB7967F1}"/>
+              </a:ext>
+            </a:extLst>
+          </p:cNvPr>
+          <p:cNvSpPr>
+            <a:spLocks noGrp="1"/>
+          </p:cNvSpPr>
+          <p:nvPr>
+            <p:ph type="title"/>
+          </p:nvPr>
+        </p:nvSpPr>
+        <p:spPr/>
+        <p:txBody>
+          <a:bodyPr/>
+          <a:lstStyle/>
+          <a:p>
+            <a:r>
+              <a:rPr lang="en-US" dirty="0"/>
+              <a:t>Hardware-Based Authentication</a:t>
+            </a:r>
+          </a:p>
+        </p:txBody>
+      </p:sp>
+      <p:sp>
+        <p:nvSpPr>
+          <p:cNvPr id="3" name="Content Placeholder 2">
+            <a:extLst>
+              <a:ext uri="{FF2B5EF4-FFF2-40B4-BE49-F238E27FC236}">
+                <a16:creationId xmlns:a16="http://schemas.microsoft.com/office/drawing/2014/main" id="{65B32B1F-E0DF-456C-B7E0-F6CB2CBEA651}"/>
+              </a:ext>
+            </a:extLst>
+          </p:cNvPr>
+          <p:cNvSpPr>
+            <a:spLocks noGrp="1"/>
+          </p:cNvSpPr>
+          <p:nvPr>
+            <p:ph idx="1"/>
+          </p:nvPr>
+        </p:nvSpPr>
+        <p:spPr>
+          <a:xfrm>
+            <a:off x="838200" y="1825625"/>
+            <a:ext cx="10791825" cy="4351338"/>
+          </a:xfrm>
+        </p:spPr>
+        <p:txBody>
+          <a:bodyPr>
+            <a:normAutofit/>
+          </a:bodyPr>
+          <a:lstStyle/>
+          <a:p>
+            <a:r>
+              <a:rPr lang="en-US" sz="3600" dirty="0"/>
+              <a:t>This hardware-based TFA industry is still somewhat immature and is advancing, but this is not an excuse to not act. Take steps now!</a:t>
+            </a:r>
+          </a:p>
+        </p:txBody>
+      </p:sp>
+      <p:sp>
+        <p:nvSpPr>
+          <p:cNvPr id="8" name="AutoShape 10" descr="https://lh3.googleusercontent.com/SClWEmbk7QxxuKiWshok2T45vAwEQYCduisnnGORqrha7KfpQsvFZa0xac_jyj_tE9Mn=w1920-h947-rw">
+            <a:extLst>
+              <a:ext uri="{FF2B5EF4-FFF2-40B4-BE49-F238E27FC236}">
+                <a16:creationId xmlns:a16="http://schemas.microsoft.com/office/drawing/2014/main" id="{35F208E5-7037-43C1-A023-1454F9383ED2}"/>
+              </a:ext>
+            </a:extLst>
+          </p:cNvPr>
+          <p:cNvSpPr>
+            <a:spLocks noChangeAspect="1" noChangeArrowheads="1"/>
+          </p:cNvSpPr>
+          <p:nvPr/>
+        </p:nvSpPr>
+        <p:spPr bwMode="auto">
+          <a:xfrm>
+            <a:off x="5943600" y="3276600"/>
+            <a:ext cx="304800" cy="304800"/>
+          </a:xfrm>
+          <a:prstGeom prst="rect">
+            <a:avLst/>
+          </a:prstGeom>
+          <a:noFill/>
+          <a:extLst>
+            <a:ext uri="{909E8E84-426E-40DD-AFC4-6F175D3DCCD1}">
+              <a14:hiddenFill xmlns:a14="http://schemas.microsoft.com/office/drawing/2010/main">
+                <a:solidFill>
+                  <a:srgbClr val="FFFFFF"/>
+                </a:solidFill>
+              </a14:hiddenFill>
+            </a:ext>
+          </a:extLst>
+        </p:spPr>
+        <p:txBody>
+          <a:bodyPr vert="horz" wrap="square" lIns="91440" tIns="45720" rIns="91440" bIns="45720" numCol="1" anchor="t" anchorCtr="0" compatLnSpc="1">
+            <a:prstTxWarp prst="textNoShape">
+              <a:avLst/>
+            </a:prstTxWarp>
+          </a:bodyPr>
+          <a:lstStyle/>
+          <a:p>
+            <a:endParaRPr lang="en-US"/>
+          </a:p>
+        </p:txBody>
+      </p:sp>
+    </p:spTree>
+    <p:extLst>
+      <p:ext uri="{BB962C8B-B14F-4D97-AF65-F5344CB8AC3E}">
+        <p14:creationId xmlns:p14="http://schemas.microsoft.com/office/powerpoint/2010/main" val="993667997"/>
+      </p:ext>
+    </p:extLst>
+  </p:cSld>
+  <p:clrMapOvr>
+    <a:masterClrMapping/>
+  </p:clrMapOvr>
+</p:sld>
+</file>
+
+<file path=ppt/slides/slide32.xml><?xml version="1.0" encoding="utf-8"?>
+<p:sld xmlns:a="http://schemas.openxmlformats.org/drawingml/2006/main" xmlns:r="http://schemas.openxmlformats.org/officeDocument/2006/relationships" xmlns:p="http://schemas.openxmlformats.org/presentationml/2006/main">
+  <p:cSld>
+    <p:spTree>
+      <p:nvGrpSpPr>
+        <p:cNvPr id="1" name=""/>
+        <p:cNvGrpSpPr/>
+        <p:nvPr/>
+      </p:nvGrpSpPr>
+      <p:grpSpPr>
+        <a:xfrm>
+          <a:off x="0" y="0"/>
+          <a:ext cx="0" cy="0"/>
+          <a:chOff x="0" y="0"/>
+          <a:chExt cx="0" cy="0"/>
+        </a:xfrm>
+      </p:grpSpPr>
+      <p:sp>
+        <p:nvSpPr>
+          <p:cNvPr id="2" name="Title 1">
+            <a:extLst>
+              <a:ext uri="{FF2B5EF4-FFF2-40B4-BE49-F238E27FC236}">
+                <a16:creationId xmlns:a16="http://schemas.microsoft.com/office/drawing/2014/main" id="{D0CBD092-444D-485B-B077-AE37DB7967F1}"/>
+              </a:ext>
+            </a:extLst>
+          </p:cNvPr>
+          <p:cNvSpPr>
+            <a:spLocks noGrp="1"/>
+          </p:cNvSpPr>
+          <p:nvPr>
+            <p:ph type="title"/>
+          </p:nvPr>
+        </p:nvSpPr>
+        <p:spPr>
+          <a:xfrm>
+            <a:off x="838200" y="365126"/>
+            <a:ext cx="10515600" cy="618286"/>
+          </a:xfrm>
+        </p:spPr>
+        <p:txBody>
+          <a:bodyPr>
+            <a:normAutofit fontScale="90000"/>
+          </a:bodyPr>
+          <a:lstStyle/>
+          <a:p>
+            <a:r>
+              <a:rPr lang="en-US" dirty="0"/>
+              <a:t>More Reading</a:t>
+            </a:r>
+          </a:p>
+        </p:txBody>
+      </p:sp>
+      <p:sp>
+        <p:nvSpPr>
+          <p:cNvPr id="3" name="Content Placeholder 2">
+            <a:extLst>
+              <a:ext uri="{FF2B5EF4-FFF2-40B4-BE49-F238E27FC236}">
+                <a16:creationId xmlns:a16="http://schemas.microsoft.com/office/drawing/2014/main" id="{65B32B1F-E0DF-456C-B7E0-F6CB2CBEA651}"/>
+              </a:ext>
+            </a:extLst>
+          </p:cNvPr>
+          <p:cNvSpPr>
+            <a:spLocks noGrp="1"/>
+          </p:cNvSpPr>
+          <p:nvPr>
+            <p:ph idx="1"/>
+          </p:nvPr>
+        </p:nvSpPr>
+        <p:spPr>
+          <a:xfrm>
+            <a:off x="414067" y="1057835"/>
+            <a:ext cx="11205713" cy="5584504"/>
+          </a:xfrm>
+        </p:spPr>
+        <p:txBody>
+          <a:bodyPr>
+            <a:normAutofit fontScale="92500" lnSpcReduction="10000"/>
+          </a:bodyPr>
+          <a:lstStyle/>
+          <a:p>
+            <a:r>
+              <a:rPr lang="en-US" sz="1600" b="1" dirty="0"/>
+              <a:t>How Russian </a:t>
+            </a:r>
+            <a:r>
+              <a:rPr lang="en-US" sz="1600" b="1" dirty="0" err="1"/>
+              <a:t>Cyberpower</a:t>
+            </a:r>
+            <a:r>
+              <a:rPr lang="en-US" sz="1600" b="1" dirty="0"/>
+              <a:t> Invaded the U.S.</a:t>
+            </a:r>
+            <a:r>
+              <a:rPr lang="en-US" sz="1600" b="1" i="1" dirty="0"/>
+              <a:t> </a:t>
+            </a:r>
+            <a:r>
+              <a:rPr lang="en-US" sz="1600" dirty="0">
+                <a:hlinkClick r:id="rId2"/>
+              </a:rPr>
+              <a:t>https://www.nytimes.com/2016/12/13/us/politics/russia-hack-election-dnc.html</a:t>
+            </a:r>
+            <a:endParaRPr lang="en-US" sz="1600" dirty="0"/>
+          </a:p>
+          <a:p>
+            <a:r>
+              <a:rPr lang="en-US" sz="1600" b="1" dirty="0"/>
+              <a:t>Your password has probably been stolen. Here’s what to do about it. </a:t>
+            </a:r>
+            <a:r>
+              <a:rPr lang="en-US" sz="1600" dirty="0">
+                <a:hlinkClick r:id="rId3"/>
+              </a:rPr>
+              <a:t>https://www.washingtonpost.com/technology/2018/07/12/your-password-has-likely-been-stolen-heres-what-do-about-it/</a:t>
+            </a:r>
+            <a:endParaRPr lang="en-US" sz="1600" dirty="0"/>
+          </a:p>
+          <a:p>
+            <a:r>
+              <a:rPr lang="en-US" sz="1600" b="1" dirty="0"/>
+              <a:t>How to protect yourself from 'spear phishing' hacking technique </a:t>
+            </a:r>
+            <a:r>
+              <a:rPr lang="en-US" sz="1600" dirty="0">
+                <a:hlinkClick r:id="rId4"/>
+              </a:rPr>
+              <a:t>https://phys.org/news/2018-07-spear-phishing-hacking-technique.html</a:t>
+            </a:r>
+            <a:endParaRPr lang="en-US" sz="1600" dirty="0"/>
+          </a:p>
+          <a:p>
+            <a:r>
+              <a:rPr lang="en-US" sz="1600" b="1" dirty="0"/>
+              <a:t>Reddit Breach Highlights Limits of SMS-Based Authentication </a:t>
+            </a:r>
+            <a:r>
+              <a:rPr lang="en-US" sz="1600" dirty="0">
+                <a:hlinkClick r:id="rId5"/>
+              </a:rPr>
+              <a:t>https://krebsonsecurity.com/2018/08/reddit-breach-highlights-limits-of-sms-based-authentication/</a:t>
+            </a:r>
+            <a:endParaRPr lang="en-US" sz="1600" dirty="0"/>
+          </a:p>
+          <a:p>
+            <a:r>
+              <a:rPr lang="en-US" sz="1600" b="1" dirty="0"/>
+              <a:t>This is why you shouldn’t use texts for two-factor authentication </a:t>
+            </a:r>
+            <a:r>
+              <a:rPr lang="en-US" sz="1600" dirty="0">
+                <a:hlinkClick r:id="rId6"/>
+              </a:rPr>
+              <a:t>https://www.theverge.com/2017/9/18/16328172/sms-two-factor-authentication-hack-password-bitcoin</a:t>
+            </a:r>
+            <a:endParaRPr lang="en-US" sz="1600" dirty="0"/>
+          </a:p>
+          <a:p>
+            <a:r>
+              <a:rPr lang="en-US" sz="1600" b="1" dirty="0"/>
+              <a:t>Two-Factor Authentication: Who Has It and How to Set It Up </a:t>
+            </a:r>
+            <a:r>
+              <a:rPr lang="en-US" sz="1600" dirty="0">
+                <a:hlinkClick r:id="rId7"/>
+              </a:rPr>
+              <a:t>https://www.pcmag.com/feature/358289/two-factor-authentication-who-has-it-and-how-to-set-it-up</a:t>
+            </a:r>
+            <a:endParaRPr lang="en-US" sz="1600" dirty="0"/>
+          </a:p>
+          <a:p>
+            <a:r>
+              <a:rPr lang="en-US" sz="1600" b="1" dirty="0"/>
+              <a:t>Hackers beat 2-factor protection with automated phishing attacks </a:t>
+            </a:r>
+            <a:r>
+              <a:rPr lang="en-US" sz="1600" dirty="0">
+                <a:hlinkClick r:id="rId8"/>
+              </a:rPr>
+              <a:t>https://mashable.com/article/hackers-beat-two-factor-authentication-2fa-phishing</a:t>
+            </a:r>
+            <a:r>
+              <a:rPr lang="en-US" sz="1600" dirty="0"/>
+              <a:t> </a:t>
+            </a:r>
+            <a:endParaRPr lang="en-US" sz="1600" b="1" dirty="0"/>
+          </a:p>
+          <a:p>
+            <a:r>
+              <a:rPr lang="en-US" sz="1600" b="1" dirty="0"/>
+              <a:t>Creating the </a:t>
+            </a:r>
+            <a:r>
+              <a:rPr lang="en-US" sz="1600" b="1" dirty="0" err="1"/>
+              <a:t>Unphishable</a:t>
+            </a:r>
+            <a:r>
+              <a:rPr lang="en-US" sz="1600" b="1" dirty="0"/>
+              <a:t> Security Key: How the FIDO U2F security key and </a:t>
+            </a:r>
+            <a:r>
+              <a:rPr lang="en-US" sz="1600" b="1" dirty="0" err="1"/>
+              <a:t>YubiKey</a:t>
+            </a:r>
+            <a:r>
+              <a:rPr lang="en-US" sz="1600" b="1" dirty="0"/>
+              <a:t> stop phishing and man-in-the-middle attacks </a:t>
+            </a:r>
+            <a:r>
+              <a:rPr lang="en-US" sz="1600" dirty="0">
+                <a:hlinkClick r:id="rId9"/>
+              </a:rPr>
+              <a:t>www.yubico.com/2017/10/creating-unphishable-security-key/</a:t>
+            </a:r>
+            <a:endParaRPr lang="en-US" sz="1600" dirty="0"/>
+          </a:p>
+          <a:p>
+            <a:r>
+              <a:rPr lang="en-US" sz="1600" b="1" dirty="0"/>
+              <a:t>What is two-factor authentication, and which 2FA solutions are </a:t>
+            </a:r>
+            <a:r>
+              <a:rPr lang="en-US" sz="1600" b="1" dirty="0" err="1"/>
+              <a:t>best?</a:t>
+            </a:r>
+            <a:r>
+              <a:rPr lang="en-US" sz="1600" dirty="0" err="1">
+                <a:hlinkClick r:id="rId10"/>
+              </a:rPr>
+              <a:t>https</a:t>
+            </a:r>
+            <a:r>
+              <a:rPr lang="en-US" sz="1600" dirty="0">
+                <a:hlinkClick r:id="rId10"/>
+              </a:rPr>
+              <a:t>://www.pcworld.com/article/3225913/what-is-two-factor-authentication-and-which-2fa-apps-are-best.html</a:t>
+            </a:r>
+            <a:endParaRPr lang="en-US" sz="1600" dirty="0"/>
+          </a:p>
+          <a:p>
+            <a:r>
+              <a:rPr lang="en-US" sz="1600" b="1" dirty="0"/>
+              <a:t>The Limits of SMS for 2-Factor Authentication </a:t>
+            </a:r>
+            <a:r>
+              <a:rPr lang="en-US" sz="1600" dirty="0">
+                <a:hlinkClick r:id="rId11"/>
+              </a:rPr>
+              <a:t>https://krebsonsecurity.com/2016/09/the-limits-of-sms-for-2-factor-authentication/</a:t>
+            </a:r>
+            <a:endParaRPr lang="en-US" sz="1600" dirty="0"/>
+          </a:p>
+          <a:p>
+            <a:r>
+              <a:rPr lang="en-US" sz="1600" b="1" dirty="0"/>
+              <a:t>Major SMS security lapse is a reminder to use authenticator apps instead </a:t>
+            </a:r>
+            <a:r>
+              <a:rPr lang="en-US" sz="1600" dirty="0">
+                <a:hlinkClick r:id="rId12"/>
+              </a:rPr>
+              <a:t>https://www.theverge.com/2018/11/16/18098286/vovox-security-breach-two-factor-authentication-2fa-codes-exposed</a:t>
+            </a:r>
+            <a:endParaRPr lang="en-US" sz="1600" dirty="0"/>
+          </a:p>
+          <a:p>
+            <a:r>
+              <a:rPr lang="en-US" sz="1600" b="1" dirty="0"/>
+              <a:t>Metro Bank targeted with 2FA-bypassing SS7 attacks </a:t>
+            </a:r>
+            <a:r>
+              <a:rPr lang="en-US" sz="1600" dirty="0">
+                <a:hlinkClick r:id="rId13"/>
+              </a:rPr>
+              <a:t>https://www.itpro.co.uk/security/32898/metro-bank-targeted-with-2fa-bypassing-ss7-attacks</a:t>
+            </a:r>
+            <a:endParaRPr lang="en-US" sz="1600" dirty="0"/>
+          </a:p>
+        </p:txBody>
+      </p:sp>
+    </p:spTree>
+    <p:extLst>
+      <p:ext uri="{BB962C8B-B14F-4D97-AF65-F5344CB8AC3E}">
+        <p14:creationId xmlns:p14="http://schemas.microsoft.com/office/powerpoint/2010/main" val="2070803440"/>
+      </p:ext>
+    </p:extLst>
+  </p:cSld>
+  <p:clrMapOvr>
+    <a:masterClrMapping/>
+  </p:clrMapOvr>
+</p:sld>
+</file>
+
 <file path=ppt/slides/slide4.xml><?xml version="1.0" encoding="utf-8"?>
 <p:sld xmlns:a="http://schemas.openxmlformats.org/drawingml/2006/main" xmlns:r="http://schemas.openxmlformats.org/officeDocument/2006/relationships" xmlns:p="http://schemas.openxmlformats.org/presentationml/2006/main">
   <p:cSld>
@@ -8251,7 +9832,7 @@
           <a:p>
             <a:r>
               <a:rPr lang="en-US" dirty="0"/>
-              <a:t>Password Hygiene </a:t>
+              <a:t>Phishing</a:t>
             </a:r>
           </a:p>
         </p:txBody>
@@ -8280,47 +9861,35 @@
         </p:spPr>
         <p:txBody>
           <a:bodyPr>
-            <a:normAutofit fontScale="92500" lnSpcReduction="20000"/>
+            <a:normAutofit fontScale="85000" lnSpcReduction="10000"/>
           </a:bodyPr>
           <a:lstStyle/>
           <a:p>
             <a:r>
               <a:rPr lang="en-US" sz="4800" dirty="0"/>
-              <a:t>Has your email been part of any password leaks? </a:t>
-            </a:r>
-            <a:r>
-              <a:rPr lang="en-US" sz="4400" dirty="0">
-                <a:hlinkClick r:id="rId2"/>
-              </a:rPr>
-              <a:t>haveibeenpwned.com</a:t>
-            </a:r>
-            <a:endParaRPr lang="en-US" sz="4400" dirty="0"/>
-          </a:p>
-          <a:p>
-            <a:r>
-              <a:rPr lang="en-US" sz="4400" dirty="0"/>
-              <a:t>Spoiler alert: Almost Certainly</a:t>
-            </a:r>
-          </a:p>
-          <a:p>
-            <a:r>
-              <a:rPr lang="en-US" sz="4400" dirty="0"/>
-              <a:t>“People take lists like these that contain our email addresses and passwords then they attempt to see where else they work. </a:t>
-            </a:r>
-            <a:r>
-              <a:rPr lang="en-US" sz="4400" b="1" dirty="0"/>
-              <a:t>The success of this approach is predicated on the fact that people reuse the same credentials on multiple services.</a:t>
-            </a:r>
-            <a:r>
-              <a:rPr lang="en-US" sz="4400" dirty="0"/>
-              <a:t>” </a:t>
+              <a:t>Of course you know about not clicking suspicious email links which are attempting to harvest your username/password via a </a:t>
             </a:r>
             <a:br>
-              <a:rPr lang="en-US" sz="4400" dirty="0"/>
+              <a:rPr lang="en-US" sz="4800" dirty="0"/>
             </a:br>
             <a:r>
-              <a:rPr lang="en-US" sz="3200" dirty="0"/>
-              <a:t>–Troy Hunt, haveibeenpwned.com</a:t>
+              <a:rPr lang="en-US" sz="4800" b="1" dirty="0"/>
+              <a:t>fake but realistic-looking login page.</a:t>
+            </a:r>
+          </a:p>
+          <a:p>
+            <a:r>
+              <a:rPr lang="en-US" sz="4800" dirty="0"/>
+              <a:t>This is called “phishing”, or if they’re going after you because of your role/title, “spear phishing”.</a:t>
+            </a:r>
+          </a:p>
+          <a:p>
+            <a:endParaRPr lang="en-US" sz="4800" dirty="0"/>
+          </a:p>
+          <a:p>
+            <a:r>
+              <a:rPr lang="en-US" sz="4800" dirty="0"/>
+              <a:t>But what if they already know your username and password?</a:t>
             </a:r>
             <a:endParaRPr lang="en-US" sz="4400" dirty="0"/>
           </a:p>
@@ -8329,7 +9898,7 @@
     </p:spTree>
     <p:extLst>
       <p:ext uri="{BB962C8B-B14F-4D97-AF65-F5344CB8AC3E}">
-        <p14:creationId xmlns:p14="http://schemas.microsoft.com/office/powerpoint/2010/main" val="3987729892"/>
+        <p14:creationId xmlns:p14="http://schemas.microsoft.com/office/powerpoint/2010/main" val="292957853"/>
       </p:ext>
     </p:extLst>
   </p:cSld>
@@ -8400,50 +9969,74 @@
             <p:ph idx="1"/>
           </p:nvPr>
         </p:nvSpPr>
-        <p:spPr/>
+        <p:spPr>
+          <a:xfrm>
+            <a:off x="838200" y="1463675"/>
+            <a:ext cx="10515600" cy="5156200"/>
+          </a:xfrm>
+        </p:spPr>
         <p:txBody>
           <a:bodyPr>
-            <a:normAutofit/>
+            <a:normAutofit fontScale="85000" lnSpcReduction="10000"/>
           </a:bodyPr>
           <a:lstStyle/>
           <a:p>
             <a:r>
+              <a:rPr lang="en-US" sz="4800" dirty="0"/>
+              <a:t>Has your email been part of any password leaks? </a:t>
+            </a:r>
+            <a:r>
+              <a:rPr lang="en-US" sz="4400" dirty="0">
+                <a:hlinkClick r:id="rId2"/>
+              </a:rPr>
+              <a:t>haveibeenpwned.com</a:t>
+            </a:r>
+            <a:endParaRPr lang="en-US" sz="4400" dirty="0"/>
+          </a:p>
+          <a:p>
+            <a:r>
               <a:rPr lang="en-US" sz="4400" dirty="0"/>
-              <a:t>True now and always:</a:t>
-            </a:r>
-          </a:p>
-          <a:p>
+              <a:t>Spoiler alert: </a:t>
+            </a:r>
+            <a:r>
+              <a:rPr lang="en-US" sz="4400" i="1" dirty="0"/>
+              <a:t>Almost Certainly</a:t>
+            </a:r>
+          </a:p>
+          <a:p>
+            <a:endParaRPr lang="en-US" sz="4400" i="1" dirty="0"/>
+          </a:p>
+          <a:p>
+            <a:pPr marL="0" indent="0">
+              <a:buNone/>
+            </a:pPr>
             <a:r>
               <a:rPr lang="en-US" sz="4400" dirty="0"/>
-              <a:t>Password length &gt; Password complexity</a:t>
-            </a:r>
-          </a:p>
-          <a:p>
-            <a:pPr lvl="1"/>
-            <a:r>
-              <a:rPr lang="en-US" sz="4000" dirty="0"/>
-              <a:t>Password complexity leads directly to bad security habits (post-it notes or easy to guess)</a:t>
-            </a:r>
-          </a:p>
-          <a:p>
+              <a:t>“People take lists like these that contain our email addresses and passwords then they attempt to see where else they work. </a:t>
+            </a:r>
+            <a:r>
+              <a:rPr lang="en-US" sz="4400" b="1" dirty="0"/>
+              <a:t>The success of this approach is predicated on the fact that people reuse the same credentials on multiple services.</a:t>
+            </a:r>
             <a:r>
               <a:rPr lang="en-US" sz="4400" dirty="0"/>
-              <a:t>Password uniqueness &gt; Password length</a:t>
-            </a:r>
-          </a:p>
-          <a:p>
-            <a:r>
+              <a:t>” </a:t>
+            </a:r>
+            <a:br>
               <a:rPr lang="en-US" sz="4400" dirty="0"/>
-              <a:t>Passwords alone are terrible security</a:t>
-            </a:r>
-            <a:endParaRPr lang="en-US" sz="4000" dirty="0"/>
+            </a:br>
+            <a:r>
+              <a:rPr lang="en-US" sz="3200" dirty="0"/>
+              <a:t>–Troy Hunt, haveibeenpwned.com</a:t>
+            </a:r>
+            <a:endParaRPr lang="en-US" sz="4400" dirty="0"/>
           </a:p>
         </p:txBody>
       </p:sp>
     </p:spTree>
     <p:extLst>
       <p:ext uri="{BB962C8B-B14F-4D97-AF65-F5344CB8AC3E}">
-        <p14:creationId xmlns:p14="http://schemas.microsoft.com/office/powerpoint/2010/main" val="3735776281"/>
+        <p14:creationId xmlns:p14="http://schemas.microsoft.com/office/powerpoint/2010/main" val="3987729892"/>
       </p:ext>
     </p:extLst>
   </p:cSld>
@@ -8533,9 +10126,15 @@
             <a:pPr marL="0" indent="0">
               <a:buNone/>
             </a:pPr>
+            <a:endParaRPr lang="en-US" sz="5400" dirty="0"/>
+          </a:p>
+          <a:p>
+            <a:pPr marL="0" indent="0">
+              <a:buNone/>
+            </a:pPr>
             <a:r>
               <a:rPr lang="en-US" sz="5400" dirty="0"/>
-              <a:t>Your email account is a single point of failure for many sites. </a:t>
+              <a:t>Your email is a single point of failure. </a:t>
             </a:r>
           </a:p>
         </p:txBody>
@@ -8593,7 +10192,7 @@
           <a:p>
             <a:r>
               <a:rPr lang="en-US" dirty="0"/>
-              <a:t>Password Managers </a:t>
+              <a:t>Password Hygiene </a:t>
             </a:r>
           </a:p>
         </p:txBody>
@@ -8622,46 +10221,42 @@
           <a:lstStyle/>
           <a:p>
             <a:r>
+              <a:rPr lang="en-US" sz="4400" dirty="0"/>
+              <a:t>True now and always:</a:t>
+            </a:r>
+          </a:p>
+          <a:p>
+            <a:r>
+              <a:rPr lang="en-US" sz="4400" dirty="0"/>
+              <a:t>Password length &gt; Password complexity</a:t>
+            </a:r>
+          </a:p>
+          <a:p>
+            <a:pPr lvl="1"/>
+            <a:r>
               <a:rPr lang="en-US" sz="4000" dirty="0"/>
-              <a:t>Great for generating and storing secure passwords, so that you don’t have to remember a unique password for each site. These options are popular, secure, and inexpensive:</a:t>
-            </a:r>
-          </a:p>
-          <a:p>
-            <a:pPr lvl="2"/>
-            <a:r>
-              <a:rPr lang="en-US" sz="3200" dirty="0"/>
-              <a:t>LastPass</a:t>
-            </a:r>
-          </a:p>
-          <a:p>
-            <a:pPr lvl="2"/>
-            <a:r>
-              <a:rPr lang="en-US" sz="3200" dirty="0"/>
-              <a:t>1Password</a:t>
-            </a:r>
-          </a:p>
-          <a:p>
-            <a:pPr lvl="2"/>
-            <a:r>
-              <a:rPr lang="en-US" sz="3200" dirty="0" err="1"/>
-              <a:t>Dashlane</a:t>
-            </a:r>
-            <a:endParaRPr lang="en-US" sz="3200" dirty="0"/>
-          </a:p>
-          <a:p>
-            <a:pPr lvl="2"/>
-            <a:r>
-              <a:rPr lang="en-US" sz="3200" dirty="0" err="1"/>
-              <a:t>KeePassX</a:t>
-            </a:r>
-            <a:endParaRPr lang="en-US" sz="3200" dirty="0"/>
+              <a:t>Password complexity leads directly to bad security habits (post-it notes or easy to guess)</a:t>
+            </a:r>
+          </a:p>
+          <a:p>
+            <a:r>
+              <a:rPr lang="en-US" sz="4400" dirty="0"/>
+              <a:t>Password uniqueness &gt; Password length</a:t>
+            </a:r>
+          </a:p>
+          <a:p>
+            <a:r>
+              <a:rPr lang="en-US" sz="4400" dirty="0"/>
+              <a:t>Passwords alone are terrible security</a:t>
+            </a:r>
+            <a:endParaRPr lang="en-US" sz="4000" dirty="0"/>
           </a:p>
         </p:txBody>
       </p:sp>
     </p:spTree>
     <p:extLst>
       <p:ext uri="{BB962C8B-B14F-4D97-AF65-F5344CB8AC3E}">
-        <p14:creationId xmlns:p14="http://schemas.microsoft.com/office/powerpoint/2010/main" val="2363797164"/>
+        <p14:creationId xmlns:p14="http://schemas.microsoft.com/office/powerpoint/2010/main" val="3735776281"/>
       </p:ext>
     </p:extLst>
   </p:cSld>
@@ -8768,7 +10363,15 @@
             </a:r>
             <a:r>
               <a:rPr lang="en-US" sz="4000" dirty="0"/>
-              <a:t>: All your passwords are super long, super strong, unique, and available to you anywhere</a:t>
+              <a:t>: All your passwords are super long, super strong, </a:t>
+            </a:r>
+            <a:r>
+              <a:rPr lang="en-US" sz="4000" b="1" dirty="0"/>
+              <a:t>unique</a:t>
+            </a:r>
+            <a:r>
+              <a:rPr lang="en-US" sz="4000" dirty="0"/>
+              <a:t>, and available to you anywhere</a:t>
             </a:r>
           </a:p>
           <a:p>
@@ -8786,7 +10389,14 @@
             </a:r>
             <a:r>
               <a:rPr lang="en-US" sz="4000" dirty="0"/>
-              <a:t> despite typing it in all the time, and they cannot decrypt your passwords for you</a:t>
+              <a:t> despite typing it in all the time? </a:t>
+            </a:r>
+            <a:br>
+              <a:rPr lang="en-US" sz="4000" dirty="0"/>
+            </a:br>
+            <a:r>
+              <a:rPr lang="en-US" sz="4000" dirty="0"/>
+              <a:t>They cannot decrypt your passwords for you.</a:t>
             </a:r>
           </a:p>
         </p:txBody>

--- a/Personal Practical Cybersecurity/Personal Practical Cybersecurity.pptx
+++ b/Personal Practical Cybersecurity/Personal Practical Cybersecurity.pptx
@@ -147,7 +147,7 @@
 <p1510:revInfo xmlns:a="http://schemas.openxmlformats.org/drawingml/2006/main" xmlns:r="http://schemas.openxmlformats.org/officeDocument/2006/relationships" xmlns:p1510="http://schemas.microsoft.com/office/powerpoint/2015/10/main">
   <p1510:revLst>
     <p1510:client id="{661F648E-E2FA-44A4-A62C-A104C39D23A7}" v="27" dt="2019-07-03T19:31:18.575"/>
-    <p1510:client id="{21780EC7-48F1-479C-B262-47D82C4FC68B}" v="46" dt="2019-07-04T15:05:18.437"/>
+    <p1510:client id="{21780EC7-48F1-479C-B262-47D82C4FC68B}" v="47" dt="2019-07-04T15:05:23.107"/>
   </p1510:revLst>
 </p1510:revInfo>
 </file>
@@ -355,7 +355,7 @@
   <pc:docChgLst>
     <pc:chgData name="william a" userId="c66c7249b60d4ab2" providerId="LiveId" clId="{21780EC7-48F1-479C-B262-47D82C4FC68B}"/>
     <pc:docChg chg="undo redo custSel addSld delSld modSld sldOrd">
-      <pc:chgData name="william a" userId="c66c7249b60d4ab2" providerId="LiveId" clId="{21780EC7-48F1-479C-B262-47D82C4FC68B}" dt="2019-07-04T15:05:18.437" v="1413" actId="403"/>
+      <pc:chgData name="william a" userId="c66c7249b60d4ab2" providerId="LiveId" clId="{21780EC7-48F1-479C-B262-47D82C4FC68B}" dt="2019-07-04T15:05:26.166" v="1415" actId="14100"/>
       <pc:docMkLst>
         <pc:docMk/>
       </pc:docMkLst>
@@ -795,13 +795,13 @@
         </pc:spChg>
       </pc:sldChg>
       <pc:sldChg chg="addSp delSp modSp add ord modAnim">
-        <pc:chgData name="william a" userId="c66c7249b60d4ab2" providerId="LiveId" clId="{21780EC7-48F1-479C-B262-47D82C4FC68B}" dt="2019-07-04T15:05:18.437" v="1413" actId="403"/>
+        <pc:chgData name="william a" userId="c66c7249b60d4ab2" providerId="LiveId" clId="{21780EC7-48F1-479C-B262-47D82C4FC68B}" dt="2019-07-04T15:05:26.166" v="1415" actId="14100"/>
         <pc:sldMkLst>
           <pc:docMk/>
           <pc:sldMk cId="2849883983" sldId="293"/>
         </pc:sldMkLst>
         <pc:spChg chg="mod">
-          <ac:chgData name="william a" userId="c66c7249b60d4ab2" providerId="LiveId" clId="{21780EC7-48F1-479C-B262-47D82C4FC68B}" dt="2019-07-04T15:05:18.437" v="1413" actId="403"/>
+          <ac:chgData name="william a" userId="c66c7249b60d4ab2" providerId="LiveId" clId="{21780EC7-48F1-479C-B262-47D82C4FC68B}" dt="2019-07-04T15:05:26.166" v="1415" actId="14100"/>
           <ac:spMkLst>
             <pc:docMk/>
             <pc:sldMk cId="2849883983" sldId="293"/>
@@ -4652,8 +4652,8 @@
         </p:nvSpPr>
         <p:spPr>
           <a:xfrm>
-            <a:off x="838200" y="1825625"/>
-            <a:ext cx="6693703" cy="4351338"/>
+            <a:off x="838200" y="1535502"/>
+            <a:ext cx="6693703" cy="4641461"/>
           </a:xfrm>
         </p:spPr>
         <p:txBody>
@@ -4676,7 +4676,11 @@
             </a:pPr>
             <a:r>
               <a:rPr lang="en-US" sz="4800" dirty="0"/>
-              <a:t>DO NOT set your single super password to be “remembered”, ever! Type it in, every time.</a:t>
+              <a:t>DO NOT set your single super password to be “remembered”, ever! </a:t>
+            </a:r>
+            <a:r>
+              <a:rPr lang="en-US" sz="4800" b="1" dirty="0"/>
+              <a:t>Type it in, every time.</a:t>
             </a:r>
           </a:p>
         </p:txBody>

--- a/Personal Practical Cybersecurity/Personal Practical Cybersecurity.pptx
+++ b/Personal Practical Cybersecurity/Personal Practical Cybersecurity.pptx
@@ -12,29 +12,29 @@
     <p:sldId id="292" r:id="rId6"/>
     <p:sldId id="261" r:id="rId7"/>
     <p:sldId id="268" r:id="rId8"/>
-    <p:sldId id="287" r:id="rId9"/>
-    <p:sldId id="289" r:id="rId10"/>
-    <p:sldId id="264" r:id="rId11"/>
-    <p:sldId id="293" r:id="rId12"/>
-    <p:sldId id="265" r:id="rId13"/>
-    <p:sldId id="259" r:id="rId14"/>
-    <p:sldId id="278" r:id="rId15"/>
-    <p:sldId id="279" r:id="rId16"/>
-    <p:sldId id="288" r:id="rId17"/>
-    <p:sldId id="266" r:id="rId18"/>
-    <p:sldId id="290" r:id="rId19"/>
-    <p:sldId id="267" r:id="rId20"/>
-    <p:sldId id="269" r:id="rId21"/>
-    <p:sldId id="291" r:id="rId22"/>
-    <p:sldId id="270" r:id="rId23"/>
-    <p:sldId id="286" r:id="rId24"/>
+    <p:sldId id="294" r:id="rId9"/>
+    <p:sldId id="287" r:id="rId10"/>
+    <p:sldId id="289" r:id="rId11"/>
+    <p:sldId id="264" r:id="rId12"/>
+    <p:sldId id="293" r:id="rId13"/>
+    <p:sldId id="265" r:id="rId14"/>
+    <p:sldId id="259" r:id="rId15"/>
+    <p:sldId id="278" r:id="rId16"/>
+    <p:sldId id="279" r:id="rId17"/>
+    <p:sldId id="288" r:id="rId18"/>
+    <p:sldId id="266" r:id="rId19"/>
+    <p:sldId id="290" r:id="rId20"/>
+    <p:sldId id="267" r:id="rId21"/>
+    <p:sldId id="269" r:id="rId22"/>
+    <p:sldId id="291" r:id="rId23"/>
+    <p:sldId id="270" r:id="rId24"/>
     <p:sldId id="271" r:id="rId25"/>
-    <p:sldId id="274" r:id="rId26"/>
-    <p:sldId id="275" r:id="rId27"/>
-    <p:sldId id="277" r:id="rId28"/>
-    <p:sldId id="284" r:id="rId29"/>
-    <p:sldId id="276" r:id="rId30"/>
-    <p:sldId id="285" r:id="rId31"/>
+    <p:sldId id="286" r:id="rId26"/>
+    <p:sldId id="274" r:id="rId27"/>
+    <p:sldId id="275" r:id="rId28"/>
+    <p:sldId id="277" r:id="rId29"/>
+    <p:sldId id="284" r:id="rId30"/>
+    <p:sldId id="276" r:id="rId31"/>
     <p:sldId id="283" r:id="rId32"/>
     <p:sldId id="273" r:id="rId33"/>
   </p:sldIdLst>
@@ -146,8 +146,7 @@
 <file path=ppt/revisionInfo.xml><?xml version="1.0" encoding="utf-8"?>
 <p1510:revInfo xmlns:a="http://schemas.openxmlformats.org/drawingml/2006/main" xmlns:r="http://schemas.openxmlformats.org/officeDocument/2006/relationships" xmlns:p1510="http://schemas.microsoft.com/office/powerpoint/2015/10/main">
   <p1510:revLst>
-    <p1510:client id="{661F648E-E2FA-44A4-A62C-A104C39D23A7}" v="27" dt="2019-07-03T19:31:18.575"/>
-    <p1510:client id="{21780EC7-48F1-479C-B262-47D82C4FC68B}" v="47" dt="2019-07-04T15:05:23.107"/>
+    <p1510:client id="{21780EC7-48F1-479C-B262-47D82C4FC68B}" v="68" dt="2019-07-07T02:46:42.651"/>
   </p1510:revLst>
 </p1510:revInfo>
 </file>
@@ -354,8 +353,8 @@
   </pc:docChgLst>
   <pc:docChgLst>
     <pc:chgData name="william a" userId="c66c7249b60d4ab2" providerId="LiveId" clId="{21780EC7-48F1-479C-B262-47D82C4FC68B}"/>
-    <pc:docChg chg="undo redo custSel addSld delSld modSld sldOrd">
-      <pc:chgData name="william a" userId="c66c7249b60d4ab2" providerId="LiveId" clId="{21780EC7-48F1-479C-B262-47D82C4FC68B}" dt="2019-07-04T15:05:26.166" v="1415" actId="14100"/>
+    <pc:docChg chg="undo redo custSel mod addSld delSld modSld sldOrd">
+      <pc:chgData name="william a" userId="c66c7249b60d4ab2" providerId="LiveId" clId="{21780EC7-48F1-479C-B262-47D82C4FC68B}" dt="2019-07-07T02:52:16.081" v="2626" actId="20577"/>
       <pc:docMkLst>
         <pc:docMk/>
       </pc:docMkLst>
@@ -451,28 +450,52 @@
         </pc:picChg>
       </pc:sldChg>
       <pc:sldChg chg="addSp modSp">
-        <pc:chgData name="william a" userId="c66c7249b60d4ab2" providerId="LiveId" clId="{21780EC7-48F1-479C-B262-47D82C4FC68B}" dt="2019-07-01T22:36:39.993" v="88" actId="207"/>
+        <pc:chgData name="william a" userId="c66c7249b60d4ab2" providerId="LiveId" clId="{21780EC7-48F1-479C-B262-47D82C4FC68B}" dt="2019-07-07T02:43:06.562" v="2165" actId="27636"/>
         <pc:sldMkLst>
           <pc:docMk/>
           <pc:sldMk cId="556003552" sldId="267"/>
         </pc:sldMkLst>
+        <pc:spChg chg="mod">
+          <ac:chgData name="william a" userId="c66c7249b60d4ab2" providerId="LiveId" clId="{21780EC7-48F1-479C-B262-47D82C4FC68B}" dt="2019-07-07T02:41:32.059" v="2067" actId="6549"/>
+          <ac:spMkLst>
+            <pc:docMk/>
+            <pc:sldMk cId="556003552" sldId="267"/>
+            <ac:spMk id="2" creationId="{D0CBD092-444D-485B-B077-AE37DB7967F1}"/>
+          </ac:spMkLst>
+        </pc:spChg>
+        <pc:spChg chg="mod">
+          <ac:chgData name="william a" userId="c66c7249b60d4ab2" providerId="LiveId" clId="{21780EC7-48F1-479C-B262-47D82C4FC68B}" dt="2019-07-07T02:43:06.562" v="2165" actId="27636"/>
+          <ac:spMkLst>
+            <pc:docMk/>
+            <pc:sldMk cId="556003552" sldId="267"/>
+            <ac:spMk id="3" creationId="{65B32B1F-E0DF-456C-B7E0-F6CB2CBEA651}"/>
+          </ac:spMkLst>
+        </pc:spChg>
         <pc:spChg chg="add mod">
-          <ac:chgData name="william a" userId="c66c7249b60d4ab2" providerId="LiveId" clId="{21780EC7-48F1-479C-B262-47D82C4FC68B}" dt="2019-07-01T22:36:39.993" v="88" actId="207"/>
+          <ac:chgData name="william a" userId="c66c7249b60d4ab2" providerId="LiveId" clId="{21780EC7-48F1-479C-B262-47D82C4FC68B}" dt="2019-07-07T02:42:21.962" v="2088" actId="1076"/>
           <ac:spMkLst>
             <pc:docMk/>
             <pc:sldMk cId="556003552" sldId="267"/>
             <ac:spMk id="5" creationId="{FA2E4623-825E-45DB-AF79-765BC674D041}"/>
           </ac:spMkLst>
         </pc:spChg>
+        <pc:picChg chg="mod">
+          <ac:chgData name="william a" userId="c66c7249b60d4ab2" providerId="LiveId" clId="{21780EC7-48F1-479C-B262-47D82C4FC68B}" dt="2019-07-07T02:42:21.962" v="2088" actId="1076"/>
+          <ac:picMkLst>
+            <pc:docMk/>
+            <pc:sldMk cId="556003552" sldId="267"/>
+            <ac:picMk id="4" creationId="{F7A298A8-4A8C-4C22-9E85-297C2BA6ACBD}"/>
+          </ac:picMkLst>
+        </pc:picChg>
       </pc:sldChg>
       <pc:sldChg chg="modSp">
-        <pc:chgData name="william a" userId="c66c7249b60d4ab2" providerId="LiveId" clId="{21780EC7-48F1-479C-B262-47D82C4FC68B}" dt="2019-07-01T23:09:20.159" v="857" actId="27636"/>
+        <pc:chgData name="william a" userId="c66c7249b60d4ab2" providerId="LiveId" clId="{21780EC7-48F1-479C-B262-47D82C4FC68B}" dt="2019-07-07T02:44:03.014" v="2198" actId="27636"/>
         <pc:sldMkLst>
           <pc:docMk/>
           <pc:sldMk cId="3852182217" sldId="269"/>
         </pc:sldMkLst>
         <pc:spChg chg="mod">
-          <ac:chgData name="william a" userId="c66c7249b60d4ab2" providerId="LiveId" clId="{21780EC7-48F1-479C-B262-47D82C4FC68B}" dt="2019-07-01T23:09:20.159" v="857" actId="27636"/>
+          <ac:chgData name="william a" userId="c66c7249b60d4ab2" providerId="LiveId" clId="{21780EC7-48F1-479C-B262-47D82C4FC68B}" dt="2019-07-07T02:44:03.014" v="2198" actId="27636"/>
           <ac:spMkLst>
             <pc:docMk/>
             <pc:sldMk cId="3852182217" sldId="269"/>
@@ -481,22 +504,30 @@
         </pc:spChg>
       </pc:sldChg>
       <pc:sldChg chg="modSp">
-        <pc:chgData name="william a" userId="c66c7249b60d4ab2" providerId="LiveId" clId="{21780EC7-48F1-479C-B262-47D82C4FC68B}" dt="2019-07-01T23:10:05.241" v="935" actId="27636"/>
+        <pc:chgData name="william a" userId="c66c7249b60d4ab2" providerId="LiveId" clId="{21780EC7-48F1-479C-B262-47D82C4FC68B}" dt="2019-07-07T02:44:35.953" v="2207" actId="20577"/>
         <pc:sldMkLst>
           <pc:docMk/>
           <pc:sldMk cId="3332906769" sldId="270"/>
         </pc:sldMkLst>
         <pc:spChg chg="mod">
-          <ac:chgData name="william a" userId="c66c7249b60d4ab2" providerId="LiveId" clId="{21780EC7-48F1-479C-B262-47D82C4FC68B}" dt="2019-07-01T23:10:05.241" v="935" actId="27636"/>
+          <ac:chgData name="william a" userId="c66c7249b60d4ab2" providerId="LiveId" clId="{21780EC7-48F1-479C-B262-47D82C4FC68B}" dt="2019-07-07T02:44:35.953" v="2207" actId="20577"/>
           <ac:spMkLst>
             <pc:docMk/>
             <pc:sldMk cId="3332906769" sldId="270"/>
             <ac:spMk id="3" creationId="{65B32B1F-E0DF-456C-B7E0-F6CB2CBEA651}"/>
           </ac:spMkLst>
         </pc:spChg>
+        <pc:picChg chg="mod">
+          <ac:chgData name="william a" userId="c66c7249b60d4ab2" providerId="LiveId" clId="{21780EC7-48F1-479C-B262-47D82C4FC68B}" dt="2019-07-07T02:44:19.923" v="2200" actId="1076"/>
+          <ac:picMkLst>
+            <pc:docMk/>
+            <pc:sldMk cId="3332906769" sldId="270"/>
+            <ac:picMk id="1026" creationId="{37E6E7DC-8397-41A8-AC13-4CD071A88351}"/>
+          </ac:picMkLst>
+        </pc:picChg>
       </pc:sldChg>
-      <pc:sldChg chg="modSp">
-        <pc:chgData name="william a" userId="c66c7249b60d4ab2" providerId="LiveId" clId="{21780EC7-48F1-479C-B262-47D82C4FC68B}" dt="2019-07-02T00:09:09.380" v="1061" actId="113"/>
+      <pc:sldChg chg="modSp ord">
+        <pc:chgData name="william a" userId="c66c7249b60d4ab2" providerId="LiveId" clId="{21780EC7-48F1-479C-B262-47D82C4FC68B}" dt="2019-07-07T02:44:59.346" v="2222"/>
         <pc:sldMkLst>
           <pc:docMk/>
           <pc:sldMk cId="1502653849" sldId="271"/>
@@ -533,18 +564,97 @@
           </ac:spMkLst>
         </pc:spChg>
       </pc:sldChg>
-      <pc:sldChg chg="delSp modSp">
-        <pc:chgData name="william a" userId="c66c7249b60d4ab2" providerId="LiveId" clId="{21780EC7-48F1-479C-B262-47D82C4FC68B}" dt="2019-07-01T23:11:18.504" v="992" actId="6549"/>
+      <pc:sldChg chg="addSp modSp">
+        <pc:chgData name="william a" userId="c66c7249b60d4ab2" providerId="LiveId" clId="{21780EC7-48F1-479C-B262-47D82C4FC68B}" dt="2019-07-07T02:46:55.658" v="2252" actId="20577"/>
+        <pc:sldMkLst>
+          <pc:docMk/>
+          <pc:sldMk cId="3916235985" sldId="274"/>
+        </pc:sldMkLst>
+        <pc:spChg chg="mod">
+          <ac:chgData name="william a" userId="c66c7249b60d4ab2" providerId="LiveId" clId="{21780EC7-48F1-479C-B262-47D82C4FC68B}" dt="2019-07-07T02:45:39.064" v="2237" actId="20577"/>
+          <ac:spMkLst>
+            <pc:docMk/>
+            <pc:sldMk cId="3916235985" sldId="274"/>
+            <ac:spMk id="2" creationId="{D0CBD092-444D-485B-B077-AE37DB7967F1}"/>
+          </ac:spMkLst>
+        </pc:spChg>
+        <pc:spChg chg="mod">
+          <ac:chgData name="william a" userId="c66c7249b60d4ab2" providerId="LiveId" clId="{21780EC7-48F1-479C-B262-47D82C4FC68B}" dt="2019-07-07T02:46:55.658" v="2252" actId="20577"/>
+          <ac:spMkLst>
+            <pc:docMk/>
+            <pc:sldMk cId="3916235985" sldId="274"/>
+            <ac:spMk id="3" creationId="{65B32B1F-E0DF-456C-B7E0-F6CB2CBEA651}"/>
+          </ac:spMkLst>
+        </pc:spChg>
+        <pc:picChg chg="add mod">
+          <ac:chgData name="william a" userId="c66c7249b60d4ab2" providerId="LiveId" clId="{21780EC7-48F1-479C-B262-47D82C4FC68B}" dt="2019-07-07T02:46:42.648" v="2240" actId="1076"/>
+          <ac:picMkLst>
+            <pc:docMk/>
+            <pc:sldMk cId="3916235985" sldId="274"/>
+            <ac:picMk id="1026" creationId="{84D46A2C-71E3-43AA-9632-535B9E06B62D}"/>
+          </ac:picMkLst>
+        </pc:picChg>
+      </pc:sldChg>
+      <pc:sldChg chg="addSp delSp modSp mod setBg setClrOvrMap">
+        <pc:chgData name="william a" userId="c66c7249b60d4ab2" providerId="LiveId" clId="{21780EC7-48F1-479C-B262-47D82C4FC68B}" dt="2019-07-07T02:48:16.538" v="2283" actId="20577"/>
         <pc:sldMkLst>
           <pc:docMk/>
           <pc:sldMk cId="1563484399" sldId="275"/>
         </pc:sldMkLst>
         <pc:spChg chg="mod">
-          <ac:chgData name="william a" userId="c66c7249b60d4ab2" providerId="LiveId" clId="{21780EC7-48F1-479C-B262-47D82C4FC68B}" dt="2019-07-01T23:11:18.504" v="992" actId="6549"/>
+          <ac:chgData name="william a" userId="c66c7249b60d4ab2" providerId="LiveId" clId="{21780EC7-48F1-479C-B262-47D82C4FC68B}" dt="2019-07-07T02:47:31.274" v="2260" actId="26606"/>
+          <ac:spMkLst>
+            <pc:docMk/>
+            <pc:sldMk cId="1563484399" sldId="275"/>
+            <ac:spMk id="2" creationId="{D0CBD092-444D-485B-B077-AE37DB7967F1}"/>
+          </ac:spMkLst>
+        </pc:spChg>
+        <pc:spChg chg="mod">
+          <ac:chgData name="william a" userId="c66c7249b60d4ab2" providerId="LiveId" clId="{21780EC7-48F1-479C-B262-47D82C4FC68B}" dt="2019-07-07T02:48:16.538" v="2283" actId="20577"/>
           <ac:spMkLst>
             <pc:docMk/>
             <pc:sldMk cId="1563484399" sldId="275"/>
             <ac:spMk id="3" creationId="{65B32B1F-E0DF-456C-B7E0-F6CB2CBEA651}"/>
+          </ac:spMkLst>
+        </pc:spChg>
+        <pc:spChg chg="ord">
+          <ac:chgData name="william a" userId="c66c7249b60d4ab2" providerId="LiveId" clId="{21780EC7-48F1-479C-B262-47D82C4FC68B}" dt="2019-07-07T02:47:31.274" v="2260" actId="26606"/>
+          <ac:spMkLst>
+            <pc:docMk/>
+            <pc:sldMk cId="1563484399" sldId="275"/>
+            <ac:spMk id="8" creationId="{35F208E5-7037-43C1-A023-1454F9383ED2}"/>
+          </ac:spMkLst>
+        </pc:spChg>
+        <pc:spChg chg="add del">
+          <ac:chgData name="william a" userId="c66c7249b60d4ab2" providerId="LiveId" clId="{21780EC7-48F1-479C-B262-47D82C4FC68B}" dt="2019-07-07T02:47:22.339" v="2254" actId="26606"/>
+          <ac:spMkLst>
+            <pc:docMk/>
+            <pc:sldMk cId="1563484399" sldId="275"/>
+            <ac:spMk id="73" creationId="{F64F6814-96D5-4463-898E-405CC0C40147}"/>
+          </ac:spMkLst>
+        </pc:spChg>
+        <pc:spChg chg="add del">
+          <ac:chgData name="william a" userId="c66c7249b60d4ab2" providerId="LiveId" clId="{21780EC7-48F1-479C-B262-47D82C4FC68B}" dt="2019-07-07T02:47:25.523" v="2256" actId="26606"/>
+          <ac:spMkLst>
+            <pc:docMk/>
+            <pc:sldMk cId="1563484399" sldId="275"/>
+            <ac:spMk id="75" creationId="{13958066-7CBD-4B89-8F46-614C4F28BCF9}"/>
+          </ac:spMkLst>
+        </pc:spChg>
+        <pc:spChg chg="add del">
+          <ac:chgData name="william a" userId="c66c7249b60d4ab2" providerId="LiveId" clId="{21780EC7-48F1-479C-B262-47D82C4FC68B}" dt="2019-07-07T02:47:25.523" v="2256" actId="26606"/>
+          <ac:spMkLst>
+            <pc:docMk/>
+            <pc:sldMk cId="1563484399" sldId="275"/>
+            <ac:spMk id="2054" creationId="{EB181E26-89C4-4A14-92DE-0F4C4B0E9484}"/>
+          </ac:spMkLst>
+        </pc:spChg>
+        <pc:spChg chg="add del">
+          <ac:chgData name="william a" userId="c66c7249b60d4ab2" providerId="LiveId" clId="{21780EC7-48F1-479C-B262-47D82C4FC68B}" dt="2019-07-07T02:47:31.274" v="2260" actId="26606"/>
+          <ac:spMkLst>
+            <pc:docMk/>
+            <pc:sldMk cId="1563484399" sldId="275"/>
+            <ac:spMk id="2056" creationId="{E02F3C71-C981-4614-98EA-D6C494F8091E}"/>
           </ac:spMkLst>
         </pc:spChg>
         <pc:picChg chg="del">
@@ -555,23 +665,39 @@
             <ac:picMk id="4" creationId="{527CAA44-A937-40D3-B043-FCEC4D0BAC55}"/>
           </ac:picMkLst>
         </pc:picChg>
-        <pc:picChg chg="mod">
-          <ac:chgData name="william a" userId="c66c7249b60d4ab2" providerId="LiveId" clId="{21780EC7-48F1-479C-B262-47D82C4FC68B}" dt="2019-07-01T23:10:46.581" v="941" actId="1076"/>
+        <pc:picChg chg="mod ord">
+          <ac:chgData name="william a" userId="c66c7249b60d4ab2" providerId="LiveId" clId="{21780EC7-48F1-479C-B262-47D82C4FC68B}" dt="2019-07-07T02:47:31.274" v="2260" actId="26606"/>
+          <ac:picMkLst>
+            <pc:docMk/>
+            <pc:sldMk cId="1563484399" sldId="275"/>
+            <ac:picMk id="2050" creationId="{C64A55C4-2C66-4D70-8F9F-840F8E494FFB}"/>
+          </ac:picMkLst>
+        </pc:picChg>
+        <pc:picChg chg="mod ord">
+          <ac:chgData name="william a" userId="c66c7249b60d4ab2" providerId="LiveId" clId="{21780EC7-48F1-479C-B262-47D82C4FC68B}" dt="2019-07-07T02:47:31.274" v="2260" actId="26606"/>
           <ac:picMkLst>
             <pc:docMk/>
             <pc:sldMk cId="1563484399" sldId="275"/>
             <ac:picMk id="2052" creationId="{38A17F82-4959-4FFC-9445-B78283285E49}"/>
           </ac:picMkLst>
         </pc:picChg>
+        <pc:picChg chg="add del">
+          <ac:chgData name="william a" userId="c66c7249b60d4ab2" providerId="LiveId" clId="{21780EC7-48F1-479C-B262-47D82C4FC68B}" dt="2019-07-07T02:47:29.875" v="2258" actId="26606"/>
+          <ac:picMkLst>
+            <pc:docMk/>
+            <pc:sldMk cId="1563484399" sldId="275"/>
+            <ac:picMk id="2055" creationId="{22901FED-4FC9-4ED5-8123-C98BCD1616BA}"/>
+          </ac:picMkLst>
+        </pc:picChg>
       </pc:sldChg>
       <pc:sldChg chg="modSp">
-        <pc:chgData name="william a" userId="c66c7249b60d4ab2" providerId="LiveId" clId="{21780EC7-48F1-479C-B262-47D82C4FC68B}" dt="2019-07-01T23:11:47.911" v="1003" actId="404"/>
+        <pc:chgData name="william a" userId="c66c7249b60d4ab2" providerId="LiveId" clId="{21780EC7-48F1-479C-B262-47D82C4FC68B}" dt="2019-07-07T02:50:24.939" v="2380" actId="6549"/>
         <pc:sldMkLst>
           <pc:docMk/>
           <pc:sldMk cId="2415589479" sldId="276"/>
         </pc:sldMkLst>
         <pc:spChg chg="mod">
-          <ac:chgData name="william a" userId="c66c7249b60d4ab2" providerId="LiveId" clId="{21780EC7-48F1-479C-B262-47D82C4FC68B}" dt="2019-07-01T23:11:47.911" v="1003" actId="404"/>
+          <ac:chgData name="william a" userId="c66c7249b60d4ab2" providerId="LiveId" clId="{21780EC7-48F1-479C-B262-47D82C4FC68B}" dt="2019-07-07T02:50:24.939" v="2380" actId="6549"/>
           <ac:spMkLst>
             <pc:docMk/>
             <pc:sldMk cId="2415589479" sldId="276"/>
@@ -580,28 +706,44 @@
         </pc:spChg>
       </pc:sldChg>
       <pc:sldChg chg="modSp">
-        <pc:chgData name="william a" userId="c66c7249b60d4ab2" providerId="LiveId" clId="{21780EC7-48F1-479C-B262-47D82C4FC68B}" dt="2019-07-01T23:11:01.272" v="953" actId="20577"/>
+        <pc:chgData name="william a" userId="c66c7249b60d4ab2" providerId="LiveId" clId="{21780EC7-48F1-479C-B262-47D82C4FC68B}" dt="2019-07-07T02:49:16.778" v="2350" actId="20577"/>
         <pc:sldMkLst>
           <pc:docMk/>
           <pc:sldMk cId="3698211945" sldId="277"/>
         </pc:sldMkLst>
         <pc:spChg chg="mod">
-          <ac:chgData name="william a" userId="c66c7249b60d4ab2" providerId="LiveId" clId="{21780EC7-48F1-479C-B262-47D82C4FC68B}" dt="2019-07-01T23:11:01.272" v="953" actId="20577"/>
+          <ac:chgData name="william a" userId="c66c7249b60d4ab2" providerId="LiveId" clId="{21780EC7-48F1-479C-B262-47D82C4FC68B}" dt="2019-07-07T02:49:16.778" v="2350" actId="20577"/>
           <ac:spMkLst>
             <pc:docMk/>
             <pc:sldMk cId="3698211945" sldId="277"/>
             <ac:spMk id="3" creationId="{65B32B1F-E0DF-456C-B7E0-F6CB2CBEA651}"/>
           </ac:spMkLst>
         </pc:spChg>
+        <pc:picChg chg="mod">
+          <ac:chgData name="william a" userId="c66c7249b60d4ab2" providerId="LiveId" clId="{21780EC7-48F1-479C-B262-47D82C4FC68B}" dt="2019-07-07T02:49:11.046" v="2348" actId="1076"/>
+          <ac:picMkLst>
+            <pc:docMk/>
+            <pc:sldMk cId="3698211945" sldId="277"/>
+            <ac:picMk id="4" creationId="{527CAA44-A937-40D3-B043-FCEC4D0BAC55}"/>
+          </ac:picMkLst>
+        </pc:picChg>
       </pc:sldChg>
       <pc:sldChg chg="modSp">
-        <pc:chgData name="william a" userId="c66c7249b60d4ab2" providerId="LiveId" clId="{21780EC7-48F1-479C-B262-47D82C4FC68B}" dt="2019-07-01T23:56:39.429" v="1058" actId="113"/>
+        <pc:chgData name="william a" userId="c66c7249b60d4ab2" providerId="LiveId" clId="{21780EC7-48F1-479C-B262-47D82C4FC68B}" dt="2019-07-07T02:40:01.882" v="1930" actId="20577"/>
         <pc:sldMkLst>
           <pc:docMk/>
           <pc:sldMk cId="2949025550" sldId="278"/>
         </pc:sldMkLst>
         <pc:spChg chg="mod">
-          <ac:chgData name="william a" userId="c66c7249b60d4ab2" providerId="LiveId" clId="{21780EC7-48F1-479C-B262-47D82C4FC68B}" dt="2019-07-01T23:56:39.429" v="1058" actId="113"/>
+          <ac:chgData name="william a" userId="c66c7249b60d4ab2" providerId="LiveId" clId="{21780EC7-48F1-479C-B262-47D82C4FC68B}" dt="2019-07-07T02:38:29.937" v="1776" actId="20577"/>
+          <ac:spMkLst>
+            <pc:docMk/>
+            <pc:sldMk cId="2949025550" sldId="278"/>
+            <ac:spMk id="2" creationId="{D0CBD092-444D-485B-B077-AE37DB7967F1}"/>
+          </ac:spMkLst>
+        </pc:spChg>
+        <pc:spChg chg="mod">
+          <ac:chgData name="william a" userId="c66c7249b60d4ab2" providerId="LiveId" clId="{21780EC7-48F1-479C-B262-47D82C4FC68B}" dt="2019-07-07T02:40:01.882" v="1930" actId="20577"/>
           <ac:spMkLst>
             <pc:docMk/>
             <pc:sldMk cId="2949025550" sldId="278"/>
@@ -610,13 +752,21 @@
         </pc:spChg>
       </pc:sldChg>
       <pc:sldChg chg="modSp">
-        <pc:chgData name="william a" userId="c66c7249b60d4ab2" providerId="LiveId" clId="{21780EC7-48F1-479C-B262-47D82C4FC68B}" dt="2019-07-01T23:08:34.439" v="853" actId="403"/>
+        <pc:chgData name="william a" userId="c66c7249b60d4ab2" providerId="LiveId" clId="{21780EC7-48F1-479C-B262-47D82C4FC68B}" dt="2019-07-07T02:38:39.638" v="1784"/>
         <pc:sldMkLst>
           <pc:docMk/>
           <pc:sldMk cId="24948884" sldId="279"/>
         </pc:sldMkLst>
         <pc:spChg chg="mod">
-          <ac:chgData name="william a" userId="c66c7249b60d4ab2" providerId="LiveId" clId="{21780EC7-48F1-479C-B262-47D82C4FC68B}" dt="2019-07-01T23:08:34.439" v="853" actId="403"/>
+          <ac:chgData name="william a" userId="c66c7249b60d4ab2" providerId="LiveId" clId="{21780EC7-48F1-479C-B262-47D82C4FC68B}" dt="2019-07-07T02:38:39.638" v="1784"/>
+          <ac:spMkLst>
+            <pc:docMk/>
+            <pc:sldMk cId="24948884" sldId="279"/>
+            <ac:spMk id="2" creationId="{D0CBD092-444D-485B-B077-AE37DB7967F1}"/>
+          </ac:spMkLst>
+        </pc:spChg>
+        <pc:spChg chg="mod">
+          <ac:chgData name="william a" userId="c66c7249b60d4ab2" providerId="LiveId" clId="{21780EC7-48F1-479C-B262-47D82C4FC68B}" dt="2019-07-07T02:38:38.340" v="1783" actId="20577"/>
           <ac:spMkLst>
             <pc:docMk/>
             <pc:sldMk cId="24948884" sldId="279"/>
@@ -703,14 +853,37 @@
           </ac:picMkLst>
         </pc:picChg>
       </pc:sldChg>
+      <pc:sldChg chg="modSp">
+        <pc:chgData name="william a" userId="c66c7249b60d4ab2" providerId="LiveId" clId="{21780EC7-48F1-479C-B262-47D82C4FC68B}" dt="2019-07-07T02:52:16.081" v="2626" actId="20577"/>
+        <pc:sldMkLst>
+          <pc:docMk/>
+          <pc:sldMk cId="993667997" sldId="283"/>
+        </pc:sldMkLst>
+        <pc:spChg chg="mod">
+          <ac:chgData name="william a" userId="c66c7249b60d4ab2" providerId="LiveId" clId="{21780EC7-48F1-479C-B262-47D82C4FC68B}" dt="2019-07-07T02:50:54.856" v="2416" actId="20577"/>
+          <ac:spMkLst>
+            <pc:docMk/>
+            <pc:sldMk cId="993667997" sldId="283"/>
+            <ac:spMk id="2" creationId="{D0CBD092-444D-485B-B077-AE37DB7967F1}"/>
+          </ac:spMkLst>
+        </pc:spChg>
+        <pc:spChg chg="mod">
+          <ac:chgData name="william a" userId="c66c7249b60d4ab2" providerId="LiveId" clId="{21780EC7-48F1-479C-B262-47D82C4FC68B}" dt="2019-07-07T02:52:16.081" v="2626" actId="20577"/>
+          <ac:spMkLst>
+            <pc:docMk/>
+            <pc:sldMk cId="993667997" sldId="283"/>
+            <ac:spMk id="3" creationId="{65B32B1F-E0DF-456C-B7E0-F6CB2CBEA651}"/>
+          </ac:spMkLst>
+        </pc:spChg>
+      </pc:sldChg>
       <pc:sldChg chg="addSp modSp">
-        <pc:chgData name="william a" userId="c66c7249b60d4ab2" providerId="LiveId" clId="{21780EC7-48F1-479C-B262-47D82C4FC68B}" dt="2019-07-01T23:11:27.078" v="1000" actId="20577"/>
+        <pc:chgData name="william a" userId="c66c7249b60d4ab2" providerId="LiveId" clId="{21780EC7-48F1-479C-B262-47D82C4FC68B}" dt="2019-07-07T02:50:00.137" v="2377" actId="20577"/>
         <pc:sldMkLst>
           <pc:docMk/>
           <pc:sldMk cId="2552255179" sldId="284"/>
         </pc:sldMkLst>
         <pc:spChg chg="mod">
-          <ac:chgData name="william a" userId="c66c7249b60d4ab2" providerId="LiveId" clId="{21780EC7-48F1-479C-B262-47D82C4FC68B}" dt="2019-07-01T23:11:27.078" v="1000" actId="20577"/>
+          <ac:chgData name="william a" userId="c66c7249b60d4ab2" providerId="LiveId" clId="{21780EC7-48F1-479C-B262-47D82C4FC68B}" dt="2019-07-07T02:50:00.137" v="2377" actId="20577"/>
           <ac:spMkLst>
             <pc:docMk/>
             <pc:sldMk cId="2552255179" sldId="284"/>
@@ -718,7 +891,7 @@
           </ac:spMkLst>
         </pc:spChg>
         <pc:picChg chg="add mod">
-          <ac:chgData name="william a" userId="c66c7249b60d4ab2" providerId="LiveId" clId="{21780EC7-48F1-479C-B262-47D82C4FC68B}" dt="2019-07-01T23:02:22.635" v="151" actId="1076"/>
+          <ac:chgData name="william a" userId="c66c7249b60d4ab2" providerId="LiveId" clId="{21780EC7-48F1-479C-B262-47D82C4FC68B}" dt="2019-07-07T02:49:44.179" v="2362" actId="1076"/>
           <ac:picMkLst>
             <pc:docMk/>
             <pc:sldMk cId="2552255179" sldId="284"/>
@@ -726,8 +899,8 @@
           </ac:picMkLst>
         </pc:picChg>
       </pc:sldChg>
-      <pc:sldChg chg="modSp">
-        <pc:chgData name="william a" userId="c66c7249b60d4ab2" providerId="LiveId" clId="{21780EC7-48F1-479C-B262-47D82C4FC68B}" dt="2019-07-01T23:12:10.803" v="1008" actId="27636"/>
+      <pc:sldChg chg="modSp del">
+        <pc:chgData name="william a" userId="c66c7249b60d4ab2" providerId="LiveId" clId="{21780EC7-48F1-479C-B262-47D82C4FC68B}" dt="2019-07-07T02:50:39.452" v="2381" actId="2696"/>
         <pc:sldMkLst>
           <pc:docMk/>
           <pc:sldMk cId="3580237662" sldId="285"/>
@@ -742,13 +915,21 @@
         </pc:spChg>
       </pc:sldChg>
       <pc:sldChg chg="modSp">
-        <pc:chgData name="william a" userId="c66c7249b60d4ab2" providerId="LiveId" clId="{21780EC7-48F1-479C-B262-47D82C4FC68B}" dt="2019-07-01T22:47:04.120" v="89" actId="113"/>
+        <pc:chgData name="william a" userId="c66c7249b60d4ab2" providerId="LiveId" clId="{21780EC7-48F1-479C-B262-47D82C4FC68B}" dt="2019-07-07T02:45:13.867" v="2223" actId="6549"/>
         <pc:sldMkLst>
           <pc:docMk/>
           <pc:sldMk cId="2815070541" sldId="286"/>
         </pc:sldMkLst>
         <pc:spChg chg="mod">
-          <ac:chgData name="william a" userId="c66c7249b60d4ab2" providerId="LiveId" clId="{21780EC7-48F1-479C-B262-47D82C4FC68B}" dt="2019-07-01T22:47:04.120" v="89" actId="113"/>
+          <ac:chgData name="william a" userId="c66c7249b60d4ab2" providerId="LiveId" clId="{21780EC7-48F1-479C-B262-47D82C4FC68B}" dt="2019-07-07T02:44:45.001" v="2219" actId="20577"/>
+          <ac:spMkLst>
+            <pc:docMk/>
+            <pc:sldMk cId="2815070541" sldId="286"/>
+            <ac:spMk id="2" creationId="{D0CBD092-444D-485B-B077-AE37DB7967F1}"/>
+          </ac:spMkLst>
+        </pc:spChg>
+        <pc:spChg chg="mod">
+          <ac:chgData name="william a" userId="c66c7249b60d4ab2" providerId="LiveId" clId="{21780EC7-48F1-479C-B262-47D82C4FC68B}" dt="2019-07-07T02:45:13.867" v="2223" actId="6549"/>
           <ac:spMkLst>
             <pc:docMk/>
             <pc:sldMk cId="2815070541" sldId="286"/>
@@ -757,13 +938,13 @@
         </pc:spChg>
       </pc:sldChg>
       <pc:sldChg chg="modSp">
-        <pc:chgData name="william a" userId="c66c7249b60d4ab2" providerId="LiveId" clId="{21780EC7-48F1-479C-B262-47D82C4FC68B}" dt="2019-07-01T22:35:06.871" v="51" actId="20577"/>
+        <pc:chgData name="william a" userId="c66c7249b60d4ab2" providerId="LiveId" clId="{21780EC7-48F1-479C-B262-47D82C4FC68B}" dt="2019-07-07T02:36:23.301" v="1702" actId="5793"/>
         <pc:sldMkLst>
           <pc:docMk/>
           <pc:sldMk cId="3735776281" sldId="287"/>
         </pc:sldMkLst>
         <pc:spChg chg="mod">
-          <ac:chgData name="william a" userId="c66c7249b60d4ab2" providerId="LiveId" clId="{21780EC7-48F1-479C-B262-47D82C4FC68B}" dt="2019-07-01T22:35:06.871" v="51" actId="20577"/>
+          <ac:chgData name="william a" userId="c66c7249b60d4ab2" providerId="LiveId" clId="{21780EC7-48F1-479C-B262-47D82C4FC68B}" dt="2019-07-07T02:36:23.301" v="1702" actId="5793"/>
           <ac:spMkLst>
             <pc:docMk/>
             <pc:sldMk cId="3735776281" sldId="287"/>
@@ -772,13 +953,21 @@
         </pc:spChg>
       </pc:sldChg>
       <pc:sldChg chg="addSp delSp modSp add">
-        <pc:chgData name="william a" userId="c66c7249b60d4ab2" providerId="LiveId" clId="{21780EC7-48F1-479C-B262-47D82C4FC68B}" dt="2019-07-04T15:00:10.852" v="1143"/>
+        <pc:chgData name="william a" userId="c66c7249b60d4ab2" providerId="LiveId" clId="{21780EC7-48F1-479C-B262-47D82C4FC68B}" dt="2019-07-07T02:36:57.551" v="1733" actId="15"/>
         <pc:sldMkLst>
           <pc:docMk/>
           <pc:sldMk cId="2001328530" sldId="289"/>
         </pc:sldMkLst>
         <pc:spChg chg="mod">
-          <ac:chgData name="william a" userId="c66c7249b60d4ab2" providerId="LiveId" clId="{21780EC7-48F1-479C-B262-47D82C4FC68B}" dt="2019-07-04T15:00:06.378" v="1141" actId="20577"/>
+          <ac:chgData name="william a" userId="c66c7249b60d4ab2" providerId="LiveId" clId="{21780EC7-48F1-479C-B262-47D82C4FC68B}" dt="2019-07-07T02:36:45.587" v="1725" actId="20577"/>
+          <ac:spMkLst>
+            <pc:docMk/>
+            <pc:sldMk cId="2001328530" sldId="289"/>
+            <ac:spMk id="2" creationId="{D0CBD092-444D-485B-B077-AE37DB7967F1}"/>
+          </ac:spMkLst>
+        </pc:spChg>
+        <pc:spChg chg="mod">
+          <ac:chgData name="william a" userId="c66c7249b60d4ab2" providerId="LiveId" clId="{21780EC7-48F1-479C-B262-47D82C4FC68B}" dt="2019-07-07T02:36:57.551" v="1733" actId="15"/>
           <ac:spMkLst>
             <pc:docMk/>
             <pc:sldMk cId="2001328530" sldId="289"/>
@@ -791,6 +980,44 @@
             <pc:docMk/>
             <pc:sldMk cId="2001328530" sldId="289"/>
             <ac:spMk id="4" creationId="{86A7DC58-D5EB-4FDB-B179-C039DBBC4807}"/>
+          </ac:spMkLst>
+        </pc:spChg>
+      </pc:sldChg>
+      <pc:sldChg chg="modSp">
+        <pc:chgData name="william a" userId="c66c7249b60d4ab2" providerId="LiveId" clId="{21780EC7-48F1-479C-B262-47D82C4FC68B}" dt="2019-07-07T02:41:13.093" v="2032" actId="403"/>
+        <pc:sldMkLst>
+          <pc:docMk/>
+          <pc:sldMk cId="94736363" sldId="290"/>
+        </pc:sldMkLst>
+        <pc:spChg chg="mod">
+          <ac:chgData name="william a" userId="c66c7249b60d4ab2" providerId="LiveId" clId="{21780EC7-48F1-479C-B262-47D82C4FC68B}" dt="2019-07-07T02:40:40.593" v="1941" actId="20577"/>
+          <ac:spMkLst>
+            <pc:docMk/>
+            <pc:sldMk cId="94736363" sldId="290"/>
+            <ac:spMk id="2" creationId="{D0CBD092-444D-485B-B077-AE37DB7967F1}"/>
+          </ac:spMkLst>
+        </pc:spChg>
+        <pc:spChg chg="mod">
+          <ac:chgData name="william a" userId="c66c7249b60d4ab2" providerId="LiveId" clId="{21780EC7-48F1-479C-B262-47D82C4FC68B}" dt="2019-07-07T02:41:13.093" v="2032" actId="403"/>
+          <ac:spMkLst>
+            <pc:docMk/>
+            <pc:sldMk cId="94736363" sldId="290"/>
+            <ac:spMk id="3" creationId="{65B32B1F-E0DF-456C-B7E0-F6CB2CBEA651}"/>
+          </ac:spMkLst>
+        </pc:spChg>
+      </pc:sldChg>
+      <pc:sldChg chg="modSp">
+        <pc:chgData name="william a" userId="c66c7249b60d4ab2" providerId="LiveId" clId="{21780EC7-48F1-479C-B262-47D82C4FC68B}" dt="2019-07-07T02:43:44.443" v="2192" actId="6549"/>
+        <pc:sldMkLst>
+          <pc:docMk/>
+          <pc:sldMk cId="2578182766" sldId="291"/>
+        </pc:sldMkLst>
+        <pc:spChg chg="mod">
+          <ac:chgData name="william a" userId="c66c7249b60d4ab2" providerId="LiveId" clId="{21780EC7-48F1-479C-B262-47D82C4FC68B}" dt="2019-07-07T02:43:44.443" v="2192" actId="6549"/>
+          <ac:spMkLst>
+            <pc:docMk/>
+            <pc:sldMk cId="2578182766" sldId="291"/>
+            <ac:spMk id="3" creationId="{65B32B1F-E0DF-456C-B7E0-F6CB2CBEA651}"/>
           </ac:spMkLst>
         </pc:spChg>
       </pc:sldChg>
@@ -840,6 +1067,29 @@
             <ac:picMk id="6" creationId="{DFE2740E-9D18-4AA8-943F-C2AB5848FFE2}"/>
           </ac:picMkLst>
         </pc:picChg>
+      </pc:sldChg>
+      <pc:sldChg chg="modSp add">
+        <pc:chgData name="william a" userId="c66c7249b60d4ab2" providerId="LiveId" clId="{21780EC7-48F1-479C-B262-47D82C4FC68B}" dt="2019-07-07T02:35:27.761" v="1642" actId="12"/>
+        <pc:sldMkLst>
+          <pc:docMk/>
+          <pc:sldMk cId="2480341372" sldId="294"/>
+        </pc:sldMkLst>
+        <pc:spChg chg="mod">
+          <ac:chgData name="william a" userId="c66c7249b60d4ab2" providerId="LiveId" clId="{21780EC7-48F1-479C-B262-47D82C4FC68B}" dt="2019-07-07T02:33:14.435" v="1429" actId="20577"/>
+          <ac:spMkLst>
+            <pc:docMk/>
+            <pc:sldMk cId="2480341372" sldId="294"/>
+            <ac:spMk id="2" creationId="{D0CBD092-444D-485B-B077-AE37DB7967F1}"/>
+          </ac:spMkLst>
+        </pc:spChg>
+        <pc:spChg chg="mod">
+          <ac:chgData name="william a" userId="c66c7249b60d4ab2" providerId="LiveId" clId="{21780EC7-48F1-479C-B262-47D82C4FC68B}" dt="2019-07-07T02:35:27.761" v="1642" actId="12"/>
+          <ac:spMkLst>
+            <pc:docMk/>
+            <pc:sldMk cId="2480341372" sldId="294"/>
+            <ac:spMk id="3" creationId="{65B32B1F-E0DF-456C-B7E0-F6CB2CBEA651}"/>
+          </ac:spMkLst>
+        </pc:spChg>
       </pc:sldChg>
     </pc:docChg>
   </pc:docChgLst>
@@ -1336,7 +1586,7 @@
           <a:p>
             <a:fld id="{30D566E9-7533-4009-AB0E-92B8486EDC97}" type="datetimeFigureOut">
               <a:rPr lang="en-US" smtClean="0"/>
-              <a:t>7/4/2019</a:t>
+              <a:t>7/6/2019</a:t>
             </a:fld>
             <a:endParaRPr lang="en-US"/>
           </a:p>
@@ -1534,7 +1784,7 @@
           <a:p>
             <a:fld id="{30D566E9-7533-4009-AB0E-92B8486EDC97}" type="datetimeFigureOut">
               <a:rPr lang="en-US" smtClean="0"/>
-              <a:t>7/4/2019</a:t>
+              <a:t>7/6/2019</a:t>
             </a:fld>
             <a:endParaRPr lang="en-US"/>
           </a:p>
@@ -1742,7 +1992,7 @@
           <a:p>
             <a:fld id="{30D566E9-7533-4009-AB0E-92B8486EDC97}" type="datetimeFigureOut">
               <a:rPr lang="en-US" smtClean="0"/>
-              <a:t>7/4/2019</a:t>
+              <a:t>7/6/2019</a:t>
             </a:fld>
             <a:endParaRPr lang="en-US"/>
           </a:p>
@@ -1940,7 +2190,7 @@
           <a:p>
             <a:fld id="{30D566E9-7533-4009-AB0E-92B8486EDC97}" type="datetimeFigureOut">
               <a:rPr lang="en-US" smtClean="0"/>
-              <a:t>7/4/2019</a:t>
+              <a:t>7/6/2019</a:t>
             </a:fld>
             <a:endParaRPr lang="en-US"/>
           </a:p>
@@ -2215,7 +2465,7 @@
           <a:p>
             <a:fld id="{30D566E9-7533-4009-AB0E-92B8486EDC97}" type="datetimeFigureOut">
               <a:rPr lang="en-US" smtClean="0"/>
-              <a:t>7/4/2019</a:t>
+              <a:t>7/6/2019</a:t>
             </a:fld>
             <a:endParaRPr lang="en-US"/>
           </a:p>
@@ -2480,7 +2730,7 @@
           <a:p>
             <a:fld id="{30D566E9-7533-4009-AB0E-92B8486EDC97}" type="datetimeFigureOut">
               <a:rPr lang="en-US" smtClean="0"/>
-              <a:t>7/4/2019</a:t>
+              <a:t>7/6/2019</a:t>
             </a:fld>
             <a:endParaRPr lang="en-US"/>
           </a:p>
@@ -2892,7 +3142,7 @@
           <a:p>
             <a:fld id="{30D566E9-7533-4009-AB0E-92B8486EDC97}" type="datetimeFigureOut">
               <a:rPr lang="en-US" smtClean="0"/>
-              <a:t>7/4/2019</a:t>
+              <a:t>7/6/2019</a:t>
             </a:fld>
             <a:endParaRPr lang="en-US"/>
           </a:p>
@@ -3033,7 +3283,7 @@
           <a:p>
             <a:fld id="{30D566E9-7533-4009-AB0E-92B8486EDC97}" type="datetimeFigureOut">
               <a:rPr lang="en-US" smtClean="0"/>
-              <a:t>7/4/2019</a:t>
+              <a:t>7/6/2019</a:t>
             </a:fld>
             <a:endParaRPr lang="en-US"/>
           </a:p>
@@ -3146,7 +3396,7 @@
           <a:p>
             <a:fld id="{30D566E9-7533-4009-AB0E-92B8486EDC97}" type="datetimeFigureOut">
               <a:rPr lang="en-US" smtClean="0"/>
-              <a:t>7/4/2019</a:t>
+              <a:t>7/6/2019</a:t>
             </a:fld>
             <a:endParaRPr lang="en-US"/>
           </a:p>
@@ -3457,7 +3707,7 @@
           <a:p>
             <a:fld id="{30D566E9-7533-4009-AB0E-92B8486EDC97}" type="datetimeFigureOut">
               <a:rPr lang="en-US" smtClean="0"/>
-              <a:t>7/4/2019</a:t>
+              <a:t>7/6/2019</a:t>
             </a:fld>
             <a:endParaRPr lang="en-US"/>
           </a:p>
@@ -3745,7 +3995,7 @@
           <a:p>
             <a:fld id="{30D566E9-7533-4009-AB0E-92B8486EDC97}" type="datetimeFigureOut">
               <a:rPr lang="en-US" smtClean="0"/>
-              <a:t>7/4/2019</a:t>
+              <a:t>7/6/2019</a:t>
             </a:fld>
             <a:endParaRPr lang="en-US"/>
           </a:p>
@@ -3986,7 +4236,7 @@
           <a:p>
             <a:fld id="{30D566E9-7533-4009-AB0E-92B8486EDC97}" type="datetimeFigureOut">
               <a:rPr lang="en-US" smtClean="0"/>
-              <a:t>7/4/2019</a:t>
+              <a:t>7/6/2019</a:t>
             </a:fld>
             <a:endParaRPr lang="en-US"/>
           </a:p>
@@ -4493,6 +4743,157 @@
           <a:p>
             <a:r>
               <a:rPr lang="en-US" dirty="0"/>
+              <a:t>You Should Use a Password Manager</a:t>
+            </a:r>
+          </a:p>
+        </p:txBody>
+      </p:sp>
+      <p:sp>
+        <p:nvSpPr>
+          <p:cNvPr id="3" name="Content Placeholder 2">
+            <a:extLst>
+              <a:ext uri="{FF2B5EF4-FFF2-40B4-BE49-F238E27FC236}">
+                <a16:creationId xmlns:a16="http://schemas.microsoft.com/office/drawing/2014/main" id="{65B32B1F-E0DF-456C-B7E0-F6CB2CBEA651}"/>
+              </a:ext>
+            </a:extLst>
+          </p:cNvPr>
+          <p:cNvSpPr>
+            <a:spLocks noGrp="1"/>
+          </p:cNvSpPr>
+          <p:nvPr>
+            <p:ph idx="1"/>
+          </p:nvPr>
+        </p:nvSpPr>
+        <p:spPr/>
+        <p:txBody>
+          <a:bodyPr>
+            <a:normAutofit lnSpcReduction="10000"/>
+          </a:bodyPr>
+          <a:lstStyle/>
+          <a:p>
+            <a:r>
+              <a:rPr lang="en-US" sz="4000" u="sng" dirty="0"/>
+              <a:t>Basic idea</a:t>
+            </a:r>
+            <a:r>
+              <a:rPr lang="en-US" sz="4000" dirty="0"/>
+              <a:t>: You have </a:t>
+            </a:r>
+            <a:r>
+              <a:rPr lang="en-US" sz="4000" b="1" dirty="0"/>
+              <a:t>one unique super password</a:t>
+            </a:r>
+            <a:r>
+              <a:rPr lang="en-US" sz="4000" dirty="0"/>
+              <a:t> to unlock everything else. </a:t>
+            </a:r>
+          </a:p>
+          <a:p>
+            <a:pPr lvl="1"/>
+            <a:r>
+              <a:rPr lang="en-US" dirty="0"/>
+              <a:t>Obviously, don’t ever re-use it.</a:t>
+            </a:r>
+            <a:endParaRPr lang="en-US" sz="3600" dirty="0"/>
+          </a:p>
+          <a:p>
+            <a:r>
+              <a:rPr lang="en-US" sz="4000" u="sng" dirty="0"/>
+              <a:t>Pro</a:t>
+            </a:r>
+            <a:r>
+              <a:rPr lang="en-US" sz="4000" dirty="0"/>
+              <a:t>: All your passwords are super long, super strong, </a:t>
+            </a:r>
+            <a:r>
+              <a:rPr lang="en-US" sz="4000" b="1" dirty="0"/>
+              <a:t>unique</a:t>
+            </a:r>
+            <a:r>
+              <a:rPr lang="en-US" sz="4000" dirty="0"/>
+              <a:t>, and available to you anywhere</a:t>
+            </a:r>
+          </a:p>
+          <a:p>
+            <a:r>
+              <a:rPr lang="en-US" sz="4000" u="sng" dirty="0"/>
+              <a:t>Con</a:t>
+            </a:r>
+            <a:r>
+              <a:rPr lang="en-US" sz="4000" dirty="0"/>
+              <a:t>: forget the </a:t>
+            </a:r>
+            <a:r>
+              <a:rPr lang="en-US" sz="4000" b="1" dirty="0"/>
+              <a:t>one unique super password</a:t>
+            </a:r>
+            <a:r>
+              <a:rPr lang="en-US" sz="4000" dirty="0"/>
+              <a:t> despite typing it in all the time? </a:t>
+            </a:r>
+            <a:br>
+              <a:rPr lang="en-US" sz="4000" dirty="0"/>
+            </a:br>
+            <a:r>
+              <a:rPr lang="en-US" sz="4000" dirty="0"/>
+              <a:t>They cannot decrypt your passwords for you.</a:t>
+            </a:r>
+          </a:p>
+        </p:txBody>
+      </p:sp>
+    </p:spTree>
+    <p:extLst>
+      <p:ext uri="{BB962C8B-B14F-4D97-AF65-F5344CB8AC3E}">
+        <p14:creationId xmlns:p14="http://schemas.microsoft.com/office/powerpoint/2010/main" val="2001328530"/>
+      </p:ext>
+    </p:extLst>
+  </p:cSld>
+  <p:clrMapOvr>
+    <a:masterClrMapping/>
+  </p:clrMapOvr>
+</p:sld>
+</file>
+
+<file path=ppt/slides/slide11.xml><?xml version="1.0" encoding="utf-8"?>
+<p:sld xmlns:a="http://schemas.openxmlformats.org/drawingml/2006/main" xmlns:r="http://schemas.openxmlformats.org/officeDocument/2006/relationships" xmlns:p="http://schemas.openxmlformats.org/presentationml/2006/main">
+  <p:cSld>
+    <p:spTree>
+      <p:nvGrpSpPr>
+        <p:cNvPr id="1" name=""/>
+        <p:cNvGrpSpPr/>
+        <p:nvPr/>
+      </p:nvGrpSpPr>
+      <p:grpSpPr>
+        <a:xfrm>
+          <a:off x="0" y="0"/>
+          <a:ext cx="0" cy="0"/>
+          <a:chOff x="0" y="0"/>
+          <a:chExt cx="0" cy="0"/>
+        </a:xfrm>
+      </p:grpSpPr>
+      <p:sp>
+        <p:nvSpPr>
+          <p:cNvPr id="2" name="Title 1">
+            <a:extLst>
+              <a:ext uri="{FF2B5EF4-FFF2-40B4-BE49-F238E27FC236}">
+                <a16:creationId xmlns:a16="http://schemas.microsoft.com/office/drawing/2014/main" id="{D0CBD092-444D-485B-B077-AE37DB7967F1}"/>
+              </a:ext>
+            </a:extLst>
+          </p:cNvPr>
+          <p:cNvSpPr>
+            <a:spLocks noGrp="1"/>
+          </p:cNvSpPr>
+          <p:nvPr>
+            <p:ph type="title"/>
+          </p:nvPr>
+        </p:nvSpPr>
+        <p:spPr/>
+        <p:txBody>
+          <a:bodyPr/>
+          <a:lstStyle/>
+          <a:p>
+            <a:r>
+              <a:rPr lang="en-US" dirty="0"/>
               <a:t>Password Managers </a:t>
             </a:r>
           </a:p>
@@ -4589,7 +4990,7 @@
 </p:sld>
 </file>
 
-<file path=ppt/slides/slide11.xml><?xml version="1.0" encoding="utf-8"?>
+<file path=ppt/slides/slide12.xml><?xml version="1.0" encoding="utf-8"?>
 <p:sld xmlns:a="http://schemas.openxmlformats.org/drawingml/2006/main" xmlns:r="http://schemas.openxmlformats.org/officeDocument/2006/relationships" xmlns:p="http://schemas.openxmlformats.org/presentationml/2006/main">
   <p:cSld>
     <p:spTree>
@@ -4939,127 +5340,6 @@
 </p:sld>
 </file>
 
-<file path=ppt/slides/slide12.xml><?xml version="1.0" encoding="utf-8"?>
-<p:sld xmlns:a="http://schemas.openxmlformats.org/drawingml/2006/main" xmlns:r="http://schemas.openxmlformats.org/officeDocument/2006/relationships" xmlns:p="http://schemas.openxmlformats.org/presentationml/2006/main">
-  <p:cSld>
-    <p:spTree>
-      <p:nvGrpSpPr>
-        <p:cNvPr id="1" name=""/>
-        <p:cNvGrpSpPr/>
-        <p:nvPr/>
-      </p:nvGrpSpPr>
-      <p:grpSpPr>
-        <a:xfrm>
-          <a:off x="0" y="0"/>
-          <a:ext cx="0" cy="0"/>
-          <a:chOff x="0" y="0"/>
-          <a:chExt cx="0" cy="0"/>
-        </a:xfrm>
-      </p:grpSpPr>
-      <p:sp>
-        <p:nvSpPr>
-          <p:cNvPr id="2" name="Title 1">
-            <a:extLst>
-              <a:ext uri="{FF2B5EF4-FFF2-40B4-BE49-F238E27FC236}">
-                <a16:creationId xmlns:a16="http://schemas.microsoft.com/office/drawing/2014/main" id="{D0CBD092-444D-485B-B077-AE37DB7967F1}"/>
-              </a:ext>
-            </a:extLst>
-          </p:cNvPr>
-          <p:cNvSpPr>
-            <a:spLocks noGrp="1"/>
-          </p:cNvSpPr>
-          <p:nvPr>
-            <p:ph type="title"/>
-          </p:nvPr>
-        </p:nvSpPr>
-        <p:spPr/>
-        <p:txBody>
-          <a:bodyPr/>
-          <a:lstStyle/>
-          <a:p>
-            <a:r>
-              <a:rPr lang="en-US" dirty="0"/>
-              <a:t>Password Managers </a:t>
-            </a:r>
-          </a:p>
-        </p:txBody>
-      </p:sp>
-      <p:sp>
-        <p:nvSpPr>
-          <p:cNvPr id="3" name="Content Placeholder 2">
-            <a:extLst>
-              <a:ext uri="{FF2B5EF4-FFF2-40B4-BE49-F238E27FC236}">
-                <a16:creationId xmlns:a16="http://schemas.microsoft.com/office/drawing/2014/main" id="{65B32B1F-E0DF-456C-B7E0-F6CB2CBEA651}"/>
-              </a:ext>
-            </a:extLst>
-          </p:cNvPr>
-          <p:cNvSpPr>
-            <a:spLocks noGrp="1"/>
-          </p:cNvSpPr>
-          <p:nvPr>
-            <p:ph idx="1"/>
-          </p:nvPr>
-        </p:nvSpPr>
-        <p:spPr>
-          <a:xfrm>
-            <a:off x="476250" y="1539874"/>
-            <a:ext cx="11239500" cy="5032375"/>
-          </a:xfrm>
-        </p:spPr>
-        <p:txBody>
-          <a:bodyPr>
-            <a:normAutofit/>
-          </a:bodyPr>
-          <a:lstStyle/>
-          <a:p>
-            <a:r>
-              <a:rPr lang="en-US" sz="4800" dirty="0"/>
-              <a:t>The password manager you choose should have the following options:</a:t>
-            </a:r>
-          </a:p>
-          <a:p>
-            <a:pPr lvl="1"/>
-            <a:r>
-              <a:rPr lang="en-US" sz="4000" dirty="0"/>
-              <a:t>Can import from browser-stored passwords</a:t>
-            </a:r>
-          </a:p>
-          <a:p>
-            <a:pPr lvl="1"/>
-            <a:r>
-              <a:rPr lang="en-US" sz="4000" dirty="0"/>
-              <a:t>Allow to easily generate, retrieve, and paste into a website on desktop or mobile </a:t>
-            </a:r>
-          </a:p>
-          <a:p>
-            <a:pPr lvl="1"/>
-            <a:r>
-              <a:rPr lang="en-US" sz="4000" dirty="0"/>
-              <a:t>Warn you if you’re re-using the same password</a:t>
-            </a:r>
-          </a:p>
-          <a:p>
-            <a:pPr lvl="1"/>
-            <a:r>
-              <a:rPr lang="en-US" sz="4000" b="1" dirty="0"/>
-              <a:t>Use TFA/MFA to access your passwords</a:t>
-            </a:r>
-          </a:p>
-        </p:txBody>
-      </p:sp>
-    </p:spTree>
-    <p:extLst>
-      <p:ext uri="{BB962C8B-B14F-4D97-AF65-F5344CB8AC3E}">
-        <p14:creationId xmlns:p14="http://schemas.microsoft.com/office/powerpoint/2010/main" val="3846503020"/>
-      </p:ext>
-    </p:extLst>
-  </p:cSld>
-  <p:clrMapOvr>
-    <a:masterClrMapping/>
-  </p:clrMapOvr>
-</p:sld>
-</file>
-
 <file path=ppt/slides/slide13.xml><?xml version="1.0" encoding="utf-8"?>
 <p:sld xmlns:a="http://schemas.openxmlformats.org/drawingml/2006/main" xmlns:r="http://schemas.openxmlformats.org/officeDocument/2006/relationships" xmlns:p="http://schemas.openxmlformats.org/presentationml/2006/main">
   <p:cSld>
@@ -5100,7 +5380,7 @@
           <a:p>
             <a:r>
               <a:rPr lang="en-US" dirty="0"/>
-              <a:t>What is Two Factor Authentication (TFA)</a:t>
+              <a:t>Password Managers </a:t>
             </a:r>
           </a:p>
         </p:txBody>
@@ -5121,7 +5401,12 @@
             <p:ph idx="1"/>
           </p:nvPr>
         </p:nvSpPr>
-        <p:spPr/>
+        <p:spPr>
+          <a:xfrm>
+            <a:off x="476250" y="1539874"/>
+            <a:ext cx="11239500" cy="5032375"/>
+          </a:xfrm>
+        </p:spPr>
         <p:txBody>
           <a:bodyPr>
             <a:normAutofit/>
@@ -5129,37 +5414,36 @@
           <a:lstStyle/>
           <a:p>
             <a:r>
+              <a:rPr lang="en-US" sz="4800" dirty="0"/>
+              <a:t>The password manager you choose should have the following options:</a:t>
+            </a:r>
+          </a:p>
+          <a:p>
+            <a:pPr lvl="1"/>
+            <a:r>
               <a:rPr lang="en-US" sz="4000" dirty="0"/>
-              <a:t>Passwords </a:t>
-            </a:r>
-            <a:r>
-              <a:rPr lang="en-US" sz="4000" i="1" dirty="0"/>
-              <a:t>alone</a:t>
-            </a:r>
+              <a:t>Can import from browser-stored passwords</a:t>
+            </a:r>
+          </a:p>
+          <a:p>
+            <a:pPr lvl="1"/>
             <a:r>
               <a:rPr lang="en-US" sz="4000" dirty="0"/>
-              <a:t> are a terrible security method</a:t>
-            </a:r>
-          </a:p>
-          <a:p>
-            <a:endParaRPr lang="en-US" sz="3600" dirty="0"/>
-          </a:p>
-          <a:p>
-            <a:r>
-              <a:rPr lang="en-US" sz="4800" dirty="0"/>
-              <a:t>TFA or MFA (Two-factor or Multi-factor) authentication is </a:t>
-            </a:r>
-            <a:r>
-              <a:rPr lang="en-US" sz="4800" b="1" dirty="0"/>
-              <a:t>something</a:t>
-            </a:r>
-            <a:r>
-              <a:rPr lang="en-US" sz="4800" dirty="0"/>
-              <a:t> aside from a password that allows a website to </a:t>
-            </a:r>
-            <a:r>
-              <a:rPr lang="en-US" sz="4800" b="1" dirty="0"/>
-              <a:t>confirm you are you.</a:t>
+              <a:t>Allow to easily generate, retrieve, and paste into a website on desktop or mobile </a:t>
+            </a:r>
+          </a:p>
+          <a:p>
+            <a:pPr lvl="1"/>
+            <a:r>
+              <a:rPr lang="en-US" sz="4000" dirty="0"/>
+              <a:t>Warn you if you’re re-using the same password</a:t>
+            </a:r>
+          </a:p>
+          <a:p>
+            <a:pPr lvl="1"/>
+            <a:r>
+              <a:rPr lang="en-US" sz="4000" b="1" dirty="0"/>
+              <a:t>Use TFA/MFA to access your passwords</a:t>
             </a:r>
           </a:p>
         </p:txBody>
@@ -5167,7 +5451,7 @@
     </p:spTree>
     <p:extLst>
       <p:ext uri="{BB962C8B-B14F-4D97-AF65-F5344CB8AC3E}">
-        <p14:creationId xmlns:p14="http://schemas.microsoft.com/office/powerpoint/2010/main" val="1854012467"/>
+        <p14:creationId xmlns:p14="http://schemas.microsoft.com/office/powerpoint/2010/main" val="3846503020"/>
       </p:ext>
     </p:extLst>
   </p:cSld>
@@ -5217,7 +5501,7 @@
           <a:p>
             <a:r>
               <a:rPr lang="en-US" dirty="0"/>
-              <a:t>What is Two Factor Authentication</a:t>
+              <a:t>What is Two Factor Authentication (TFA)</a:t>
             </a:r>
           </a:p>
         </p:txBody>
@@ -5238,103 +5522,45 @@
             <p:ph idx="1"/>
           </p:nvPr>
         </p:nvSpPr>
-        <p:spPr>
-          <a:xfrm>
-            <a:off x="838200" y="1476376"/>
-            <a:ext cx="10515600" cy="5172074"/>
-          </a:xfrm>
-        </p:spPr>
+        <p:spPr/>
         <p:txBody>
           <a:bodyPr>
-            <a:normAutofit lnSpcReduction="10000"/>
+            <a:normAutofit/>
           </a:bodyPr>
           <a:lstStyle/>
           <a:p>
             <a:r>
-              <a:rPr lang="en-US" sz="3600" b="1" dirty="0"/>
-              <a:t>Use TFA for EVERY ACCOUNT YOU CAN:</a:t>
-            </a:r>
-          </a:p>
-          <a:p>
-            <a:pPr lvl="1"/>
-            <a:r>
-              <a:rPr lang="en-US" sz="3200" dirty="0"/>
-              <a:t>Email, Google/iCloud/Microsoft</a:t>
-            </a:r>
-          </a:p>
-          <a:p>
-            <a:pPr lvl="1"/>
-            <a:r>
-              <a:rPr lang="en-US" sz="3200" dirty="0"/>
-              <a:t>Modern Banking/Financial/Bill Payment</a:t>
-            </a:r>
-          </a:p>
-          <a:p>
-            <a:pPr lvl="1"/>
-            <a:r>
-              <a:rPr lang="en-US" sz="3200" dirty="0"/>
-              <a:t>Cloud storage/assets, </a:t>
-            </a:r>
-            <a:r>
-              <a:rPr lang="en-US" sz="3200" dirty="0" err="1"/>
-              <a:t>Github</a:t>
-            </a:r>
-            <a:r>
-              <a:rPr lang="en-US" sz="3200" dirty="0"/>
-              <a:t>, Bitbucket</a:t>
-            </a:r>
-          </a:p>
-          <a:p>
-            <a:pPr lvl="1"/>
-            <a:r>
-              <a:rPr lang="en-US" sz="3200" dirty="0"/>
-              <a:t>Employer on </a:t>
-            </a:r>
-            <a:r>
-              <a:rPr lang="en-US" sz="3200" b="1" dirty="0"/>
-              <a:t>Office365</a:t>
-            </a:r>
-            <a:r>
-              <a:rPr lang="en-US" sz="3200" dirty="0"/>
-              <a:t> or </a:t>
-            </a:r>
-            <a:r>
-              <a:rPr lang="en-US" sz="3200" dirty="0" err="1"/>
-              <a:t>GSuite</a:t>
-            </a:r>
-            <a:r>
-              <a:rPr lang="en-US" sz="3200" dirty="0"/>
-              <a:t>? They can enable TFA!</a:t>
-            </a:r>
-          </a:p>
-          <a:p>
-            <a:pPr lvl="1"/>
-            <a:r>
-              <a:rPr lang="en-US" sz="3200" dirty="0"/>
-              <a:t>Social media, e-commerce, Gaming and Streaming services</a:t>
-            </a:r>
-          </a:p>
-          <a:p>
-            <a:pPr lvl="1"/>
-            <a:r>
-              <a:rPr lang="en-US" sz="3200" dirty="0"/>
-              <a:t>Government, public service, utility providers</a:t>
-            </a:r>
-          </a:p>
-          <a:p>
-            <a:r>
-              <a:rPr lang="en-US" sz="3600" dirty="0"/>
-              <a:t>Want to know if a site supports TFA? </a:t>
-            </a:r>
-            <a:r>
-              <a:rPr lang="en-US" sz="3600" dirty="0">
-                <a:hlinkClick r:id="rId2"/>
-              </a:rPr>
-              <a:t>twofactorauth.org</a:t>
-            </a:r>
-            <a:r>
-              <a:rPr lang="en-US" sz="3600" dirty="0"/>
-              <a:t> or just got to the security settings/menu and see. Most do.</a:t>
+              <a:rPr lang="en-US" sz="4000" dirty="0"/>
+              <a:t>Passwords </a:t>
+            </a:r>
+            <a:r>
+              <a:rPr lang="en-US" sz="4000" i="1" dirty="0"/>
+              <a:t>alone</a:t>
+            </a:r>
+            <a:r>
+              <a:rPr lang="en-US" sz="4000" dirty="0"/>
+              <a:t> are a terrible security method</a:t>
+            </a:r>
+          </a:p>
+          <a:p>
+            <a:endParaRPr lang="en-US" sz="3600" dirty="0"/>
+          </a:p>
+          <a:p>
+            <a:r>
+              <a:rPr lang="en-US" sz="4800" dirty="0"/>
+              <a:t>TFA or MFA (Two-factor or Multi-factor) authentication is </a:t>
+            </a:r>
+            <a:r>
+              <a:rPr lang="en-US" sz="4800" b="1" dirty="0"/>
+              <a:t>something</a:t>
+            </a:r>
+            <a:r>
+              <a:rPr lang="en-US" sz="4800" dirty="0"/>
+              <a:t> aside from a password that allows a website to </a:t>
+            </a:r>
+            <a:r>
+              <a:rPr lang="en-US" sz="4800" b="1" dirty="0"/>
+              <a:t>confirm you are you.</a:t>
             </a:r>
           </a:p>
         </p:txBody>
@@ -5342,7 +5568,7 @@
     </p:spTree>
     <p:extLst>
       <p:ext uri="{BB962C8B-B14F-4D97-AF65-F5344CB8AC3E}">
-        <p14:creationId xmlns:p14="http://schemas.microsoft.com/office/powerpoint/2010/main" val="2949025550"/>
+        <p14:creationId xmlns:p14="http://schemas.microsoft.com/office/powerpoint/2010/main" val="1854012467"/>
       </p:ext>
     </p:extLst>
   </p:cSld>
@@ -5392,7 +5618,7 @@
           <a:p>
             <a:r>
               <a:rPr lang="en-US" dirty="0"/>
-              <a:t>What is Two Factor Authentication</a:t>
+              <a:t>Use TFA for Every Account You Can</a:t>
             </a:r>
           </a:p>
         </p:txBody>
@@ -5415,67 +5641,98 @@
         </p:nvSpPr>
         <p:spPr>
           <a:xfrm>
-            <a:off x="838200" y="1825625"/>
-            <a:ext cx="10515600" cy="4667250"/>
+            <a:off x="838200" y="1476376"/>
+            <a:ext cx="10515600" cy="5172074"/>
           </a:xfrm>
         </p:spPr>
         <p:txBody>
           <a:bodyPr>
-            <a:normAutofit fontScale="92500" lnSpcReduction="20000"/>
+            <a:normAutofit/>
           </a:bodyPr>
           <a:lstStyle/>
           <a:p>
-            <a:pPr marL="0" indent="0">
-              <a:buNone/>
-            </a:pPr>
-            <a:r>
-              <a:rPr lang="en-US" sz="4300" dirty="0"/>
-              <a:t>TFA is not new concept, </a:t>
-            </a:r>
-            <a:br>
-              <a:rPr lang="en-US" sz="4300" dirty="0"/>
-            </a:br>
-            <a:r>
-              <a:rPr lang="en-US" sz="4300" dirty="0"/>
-              <a:t>but implementation is still developing and the industry is still </a:t>
-            </a:r>
-            <a:r>
-              <a:rPr lang="en-US" sz="4300" b="1" dirty="0"/>
-              <a:t>trying to overcome consumers’ desire to be ignorant and stubborn</a:t>
-            </a:r>
-            <a:r>
-              <a:rPr lang="en-US" sz="4300" dirty="0"/>
-              <a:t>.</a:t>
-            </a:r>
-          </a:p>
-          <a:p>
-            <a:pPr marL="0" indent="0">
-              <a:buNone/>
-            </a:pPr>
-            <a:endParaRPr lang="en-US" sz="3200" dirty="0"/>
-          </a:p>
-          <a:p>
+            <a:pPr lvl="1"/>
             <a:r>
               <a:rPr lang="en-US" sz="3200" dirty="0"/>
-              <a:t>Asymmetric encrypted hardware key algorithms have been around since 1970s, some weren’t declassified until late 90s</a:t>
-            </a:r>
-          </a:p>
-          <a:p>
+              <a:t>Email, Google/iCloud/Microsoft</a:t>
+            </a:r>
+          </a:p>
+          <a:p>
+            <a:pPr lvl="2"/>
+            <a:r>
+              <a:rPr lang="en-US" sz="2800" b="1" dirty="0"/>
+              <a:t>Office365</a:t>
+            </a:r>
+            <a:r>
+              <a:rPr lang="en-US" sz="2800" dirty="0"/>
+              <a:t> and </a:t>
+            </a:r>
+            <a:r>
+              <a:rPr lang="en-US" sz="2800" dirty="0" err="1"/>
+              <a:t>GSuite</a:t>
+            </a:r>
+            <a:r>
+              <a:rPr lang="en-US" sz="2800" dirty="0"/>
+              <a:t> both have strong TFA options</a:t>
+            </a:r>
+          </a:p>
+          <a:p>
+            <a:pPr lvl="1"/>
             <a:r>
               <a:rPr lang="en-US" sz="3200" dirty="0"/>
-              <a:t>The RSA algorithm patent was made public domain in 2000</a:t>
-            </a:r>
-          </a:p>
-          <a:p>
+              <a:t>Modern Banking/Financial/Bill Payment</a:t>
+            </a:r>
+          </a:p>
+          <a:p>
+            <a:pPr lvl="2"/>
+            <a:r>
+              <a:rPr lang="en-US" sz="2800" dirty="0"/>
+              <a:t>Banks are still pretty bad about TFA, especially small ones.</a:t>
+            </a:r>
+          </a:p>
+          <a:p>
+            <a:pPr lvl="1"/>
             <a:r>
               <a:rPr lang="en-US" sz="3200" dirty="0"/>
-              <a:t>The first driverless, one-touch auth USB device in 2008</a:t>
-            </a:r>
-          </a:p>
-          <a:p>
+              <a:t>Cloud storage/assets, </a:t>
+            </a:r>
+            <a:r>
+              <a:rPr lang="en-US" sz="3200" dirty="0" err="1"/>
+              <a:t>Github</a:t>
+            </a:r>
             <a:r>
               <a:rPr lang="en-US" sz="3200" dirty="0"/>
-              <a:t>Google provided TFA to all accounts as early as 2010</a:t>
+              <a:t>, Bitbucket</a:t>
+            </a:r>
+          </a:p>
+          <a:p>
+            <a:pPr lvl="1"/>
+            <a:r>
+              <a:rPr lang="en-US" sz="3200" dirty="0"/>
+              <a:t>Social media, e-commerce, Gaming and Streaming</a:t>
+            </a:r>
+          </a:p>
+          <a:p>
+            <a:pPr lvl="1"/>
+            <a:r>
+              <a:rPr lang="en-US" sz="3200" dirty="0"/>
+              <a:t>Government, public service, utility providers</a:t>
+            </a:r>
+          </a:p>
+          <a:p>
+            <a:r>
+              <a:rPr lang="en-US" sz="3600" dirty="0"/>
+              <a:t>Want to know if a site supports TFA? </a:t>
+            </a:r>
+            <a:r>
+              <a:rPr lang="en-US" sz="3600" dirty="0">
+                <a:hlinkClick r:id="rId2"/>
+              </a:rPr>
+              <a:t>twofactorauth.org</a:t>
+            </a:r>
+            <a:r>
+              <a:rPr lang="en-US" sz="3600" dirty="0"/>
+              <a:t> or just got to the security settings/menu and see. Most do.</a:t>
             </a:r>
           </a:p>
         </p:txBody>
@@ -5483,7 +5740,7 @@
     </p:spTree>
     <p:extLst>
       <p:ext uri="{BB962C8B-B14F-4D97-AF65-F5344CB8AC3E}">
-        <p14:creationId xmlns:p14="http://schemas.microsoft.com/office/powerpoint/2010/main" val="24948884"/>
+        <p14:creationId xmlns:p14="http://schemas.microsoft.com/office/powerpoint/2010/main" val="2949025550"/>
       </p:ext>
     </p:extLst>
   </p:cSld>
@@ -5533,6 +5790,140 @@
           <a:p>
             <a:r>
               <a:rPr lang="en-US" dirty="0"/>
+              <a:t>TFA is not new concept</a:t>
+            </a:r>
+          </a:p>
+        </p:txBody>
+      </p:sp>
+      <p:sp>
+        <p:nvSpPr>
+          <p:cNvPr id="3" name="Content Placeholder 2">
+            <a:extLst>
+              <a:ext uri="{FF2B5EF4-FFF2-40B4-BE49-F238E27FC236}">
+                <a16:creationId xmlns:a16="http://schemas.microsoft.com/office/drawing/2014/main" id="{65B32B1F-E0DF-456C-B7E0-F6CB2CBEA651}"/>
+              </a:ext>
+            </a:extLst>
+          </p:cNvPr>
+          <p:cNvSpPr>
+            <a:spLocks noGrp="1"/>
+          </p:cNvSpPr>
+          <p:nvPr>
+            <p:ph idx="1"/>
+          </p:nvPr>
+        </p:nvSpPr>
+        <p:spPr>
+          <a:xfrm>
+            <a:off x="838200" y="1825625"/>
+            <a:ext cx="10515600" cy="4667250"/>
+          </a:xfrm>
+        </p:spPr>
+        <p:txBody>
+          <a:bodyPr>
+            <a:normAutofit fontScale="92500" lnSpcReduction="10000"/>
+          </a:bodyPr>
+          <a:lstStyle/>
+          <a:p>
+            <a:pPr marL="0" indent="0">
+              <a:buNone/>
+            </a:pPr>
+            <a:r>
+              <a:rPr lang="en-US" sz="4300" dirty="0"/>
+              <a:t>but implementation is still developing and the industry is still </a:t>
+            </a:r>
+            <a:r>
+              <a:rPr lang="en-US" sz="4300" b="1" dirty="0"/>
+              <a:t>trying to overcome consumers’ desire to be ignorant and stubborn</a:t>
+            </a:r>
+            <a:r>
+              <a:rPr lang="en-US" sz="4300" dirty="0"/>
+              <a:t>.</a:t>
+            </a:r>
+          </a:p>
+          <a:p>
+            <a:pPr marL="0" indent="0">
+              <a:buNone/>
+            </a:pPr>
+            <a:endParaRPr lang="en-US" sz="3200" dirty="0"/>
+          </a:p>
+          <a:p>
+            <a:r>
+              <a:rPr lang="en-US" sz="3200" dirty="0"/>
+              <a:t>Asymmetric encrypted hardware key algorithms have been around since 1970s, some weren’t declassified until late 90s</a:t>
+            </a:r>
+          </a:p>
+          <a:p>
+            <a:r>
+              <a:rPr lang="en-US" sz="3200" dirty="0"/>
+              <a:t>The RSA algorithm patent was made public domain in 2000</a:t>
+            </a:r>
+          </a:p>
+          <a:p>
+            <a:r>
+              <a:rPr lang="en-US" sz="3200" dirty="0"/>
+              <a:t>The first driverless, one-touch auth USB device in 2008</a:t>
+            </a:r>
+          </a:p>
+          <a:p>
+            <a:r>
+              <a:rPr lang="en-US" sz="3200" dirty="0"/>
+              <a:t>Google provided TFA to all accounts as early as 2010</a:t>
+            </a:r>
+          </a:p>
+        </p:txBody>
+      </p:sp>
+    </p:spTree>
+    <p:extLst>
+      <p:ext uri="{BB962C8B-B14F-4D97-AF65-F5344CB8AC3E}">
+        <p14:creationId xmlns:p14="http://schemas.microsoft.com/office/powerpoint/2010/main" val="24948884"/>
+      </p:ext>
+    </p:extLst>
+  </p:cSld>
+  <p:clrMapOvr>
+    <a:masterClrMapping/>
+  </p:clrMapOvr>
+</p:sld>
+</file>
+
+<file path=ppt/slides/slide17.xml><?xml version="1.0" encoding="utf-8"?>
+<p:sld xmlns:a="http://schemas.openxmlformats.org/drawingml/2006/main" xmlns:r="http://schemas.openxmlformats.org/officeDocument/2006/relationships" xmlns:p="http://schemas.openxmlformats.org/presentationml/2006/main">
+  <p:cSld>
+    <p:spTree>
+      <p:nvGrpSpPr>
+        <p:cNvPr id="1" name=""/>
+        <p:cNvGrpSpPr/>
+        <p:nvPr/>
+      </p:nvGrpSpPr>
+      <p:grpSpPr>
+        <a:xfrm>
+          <a:off x="0" y="0"/>
+          <a:ext cx="0" cy="0"/>
+          <a:chOff x="0" y="0"/>
+          <a:chExt cx="0" cy="0"/>
+        </a:xfrm>
+      </p:grpSpPr>
+      <p:sp>
+        <p:nvSpPr>
+          <p:cNvPr id="2" name="Title 1">
+            <a:extLst>
+              <a:ext uri="{FF2B5EF4-FFF2-40B4-BE49-F238E27FC236}">
+                <a16:creationId xmlns:a16="http://schemas.microsoft.com/office/drawing/2014/main" id="{D0CBD092-444D-485B-B077-AE37DB7967F1}"/>
+              </a:ext>
+            </a:extLst>
+          </p:cNvPr>
+          <p:cNvSpPr>
+            <a:spLocks noGrp="1"/>
+          </p:cNvSpPr>
+          <p:nvPr>
+            <p:ph type="title"/>
+          </p:nvPr>
+        </p:nvSpPr>
+        <p:spPr/>
+        <p:txBody>
+          <a:bodyPr/>
+          <a:lstStyle/>
+          <a:p>
+            <a:r>
+              <a:rPr lang="en-US" dirty="0"/>
               <a:t>Common TFA/MFA Types</a:t>
             </a:r>
           </a:p>
@@ -5605,7 +5996,7 @@
 </p:sld>
 </file>
 
-<file path=ppt/slides/slide17.xml><?xml version="1.0" encoding="utf-8"?>
+<file path=ppt/slides/slide18.xml><?xml version="1.0" encoding="utf-8"?>
 <p:sld xmlns:a="http://schemas.openxmlformats.org/drawingml/2006/main" xmlns:r="http://schemas.openxmlformats.org/officeDocument/2006/relationships" xmlns:p="http://schemas.openxmlformats.org/presentationml/2006/main">
   <p:cSld>
     <p:spTree>
@@ -5764,118 +6155,6 @@
 </p:sld>
 </file>
 
-<file path=ppt/slides/slide18.xml><?xml version="1.0" encoding="utf-8"?>
-<p:sld xmlns:a="http://schemas.openxmlformats.org/drawingml/2006/main" xmlns:r="http://schemas.openxmlformats.org/officeDocument/2006/relationships" xmlns:p="http://schemas.openxmlformats.org/presentationml/2006/main">
-  <p:cSld>
-    <p:spTree>
-      <p:nvGrpSpPr>
-        <p:cNvPr id="1" name=""/>
-        <p:cNvGrpSpPr/>
-        <p:nvPr/>
-      </p:nvGrpSpPr>
-      <p:grpSpPr>
-        <a:xfrm>
-          <a:off x="0" y="0"/>
-          <a:ext cx="0" cy="0"/>
-          <a:chOff x="0" y="0"/>
-          <a:chExt cx="0" cy="0"/>
-        </a:xfrm>
-      </p:grpSpPr>
-      <p:sp>
-        <p:nvSpPr>
-          <p:cNvPr id="2" name="Title 1">
-            <a:extLst>
-              <a:ext uri="{FF2B5EF4-FFF2-40B4-BE49-F238E27FC236}">
-                <a16:creationId xmlns:a16="http://schemas.microsoft.com/office/drawing/2014/main" id="{D0CBD092-444D-485B-B077-AE37DB7967F1}"/>
-              </a:ext>
-            </a:extLst>
-          </p:cNvPr>
-          <p:cNvSpPr>
-            <a:spLocks noGrp="1"/>
-          </p:cNvSpPr>
-          <p:nvPr>
-            <p:ph type="title"/>
-          </p:nvPr>
-        </p:nvSpPr>
-        <p:spPr/>
-        <p:txBody>
-          <a:bodyPr/>
-          <a:lstStyle/>
-          <a:p>
-            <a:r>
-              <a:rPr lang="en-US" dirty="0"/>
-              <a:t>Text-Message (SMS) Based Authentication</a:t>
-            </a:r>
-          </a:p>
-        </p:txBody>
-      </p:sp>
-      <p:sp>
-        <p:nvSpPr>
-          <p:cNvPr id="3" name="Content Placeholder 2">
-            <a:extLst>
-              <a:ext uri="{FF2B5EF4-FFF2-40B4-BE49-F238E27FC236}">
-                <a16:creationId xmlns:a16="http://schemas.microsoft.com/office/drawing/2014/main" id="{65B32B1F-E0DF-456C-B7E0-F6CB2CBEA651}"/>
-              </a:ext>
-            </a:extLst>
-          </p:cNvPr>
-          <p:cNvSpPr>
-            <a:spLocks noGrp="1"/>
-          </p:cNvSpPr>
-          <p:nvPr>
-            <p:ph idx="1"/>
-          </p:nvPr>
-        </p:nvSpPr>
-        <p:spPr>
-          <a:xfrm>
-            <a:off x="838199" y="1524000"/>
-            <a:ext cx="10896601" cy="5257800"/>
-          </a:xfrm>
-        </p:spPr>
-        <p:txBody>
-          <a:bodyPr>
-            <a:normAutofit/>
-          </a:bodyPr>
-          <a:lstStyle/>
-          <a:p>
-            <a:r>
-              <a:rPr lang="en-US" sz="4000" dirty="0"/>
-              <a:t>Vulnerabilities in cell carriers, including social engineering, man-in-the-middle SS7 telecom protocol attacks, or engage in SIM card swapping/cloning, have made this type of TFA obsolete and unsecure. </a:t>
-            </a:r>
-          </a:p>
-          <a:p>
-            <a:r>
-              <a:rPr lang="en-US" sz="3200" dirty="0"/>
-              <a:t>Almost every network around the world uses SS7. High profile banking hacks in the UK have raised awareness of this.</a:t>
-            </a:r>
-          </a:p>
-          <a:p>
-            <a:r>
-              <a:rPr lang="en-US" sz="3200" b="1" dirty="0"/>
-              <a:t>SS7 hack explained: what can you do about it? </a:t>
-            </a:r>
-            <a:r>
-              <a:rPr lang="en-US" sz="1600" dirty="0">
-                <a:hlinkClick r:id="rId2"/>
-              </a:rPr>
-              <a:t>https://www.theguardian.com/technology/2016/apr/19/ss7-hack-explained-mobile-phone-vulnerability-snooping-texts-calls</a:t>
-            </a:r>
-            <a:endParaRPr lang="en-US" sz="3200" dirty="0"/>
-          </a:p>
-        </p:txBody>
-      </p:sp>
-    </p:spTree>
-    <p:extLst>
-      <p:ext uri="{BB962C8B-B14F-4D97-AF65-F5344CB8AC3E}">
-        <p14:creationId xmlns:p14="http://schemas.microsoft.com/office/powerpoint/2010/main" val="94736363"/>
-      </p:ext>
-    </p:extLst>
-  </p:cSld>
-  <p:clrMapOvr>
-    <a:masterClrMapping/>
-  </p:clrMapOvr>
-</p:sld>
-</file>
-
 <file path=ppt/slides/slide19.xml><?xml version="1.0" encoding="utf-8"?>
 <p:sld xmlns:a="http://schemas.openxmlformats.org/drawingml/2006/main" xmlns:r="http://schemas.openxmlformats.org/officeDocument/2006/relationships" xmlns:p="http://schemas.openxmlformats.org/presentationml/2006/main">
   <p:cSld>
@@ -5916,7 +6195,7 @@
           <a:p>
             <a:r>
               <a:rPr lang="en-US" dirty="0"/>
-              <a:t>Text-Message (SMS) Based Authentication</a:t>
+              <a:t>Vulnerabilities in Cell Carriers</a:t>
             </a:r>
           </a:p>
         </p:txBody>
@@ -5939,176 +6218,46 @@
         </p:nvSpPr>
         <p:spPr>
           <a:xfrm>
-            <a:off x="838200" y="1533525"/>
-            <a:ext cx="10991850" cy="4959350"/>
+            <a:off x="838199" y="1524000"/>
+            <a:ext cx="10896601" cy="5257800"/>
           </a:xfrm>
         </p:spPr>
         <p:txBody>
           <a:bodyPr>
-            <a:normAutofit fontScale="92500" lnSpcReduction="20000"/>
+            <a:normAutofit/>
           </a:bodyPr>
           <a:lstStyle/>
           <a:p>
             <a:r>
-              <a:rPr lang="en-US" sz="3200" dirty="0"/>
-              <a:t>“I’m going to send you a secure code </a:t>
-            </a:r>
-            <a:br>
-              <a:rPr lang="en-US" sz="3200" dirty="0"/>
-            </a:br>
-            <a:r>
-              <a:rPr lang="en-US" sz="3200" dirty="0"/>
-              <a:t>to make sure you’re not a scammer” </a:t>
-            </a:r>
-          </a:p>
-          <a:p>
-            <a:r>
-              <a:rPr lang="en-US" sz="3200" dirty="0"/>
-              <a:t>A common tactic on listing sites like </a:t>
-            </a:r>
-            <a:br>
-              <a:rPr lang="en-US" sz="3200" dirty="0"/>
-            </a:br>
-            <a:r>
-              <a:rPr lang="en-US" sz="3200" dirty="0"/>
-              <a:t>Craigslist, </a:t>
-            </a:r>
-            <a:r>
-              <a:rPr lang="en-US" sz="3200" dirty="0" err="1"/>
-              <a:t>Ebay</a:t>
-            </a:r>
-            <a:r>
-              <a:rPr lang="en-US" sz="3200" dirty="0"/>
-              <a:t>, etc. </a:t>
-            </a:r>
+              <a:rPr lang="en-US" sz="4000" dirty="0"/>
+              <a:t>Man-in-the-middle SS7 telecom protocol attacks, SIM card swapping/cloning, and good old fashioned social engineering via customer support, have made this type of TFA obsolete and unsecure. </a:t>
+            </a:r>
+          </a:p>
+          <a:p>
+            <a:r>
+              <a:rPr lang="en-US" sz="4000" dirty="0"/>
+              <a:t>Almost every cell network around the world uses SS7. High profile banking hacks in the UK have raised awareness of this.</a:t>
+            </a:r>
+          </a:p>
+          <a:p>
             <a:r>
               <a:rPr lang="en-US" sz="3200" b="1" dirty="0"/>
-              <a:t>They’re trying act</a:t>
-            </a:r>
-            <a:br>
-              <a:rPr lang="en-US" sz="3200" b="1" dirty="0"/>
-            </a:br>
-            <a:r>
-              <a:rPr lang="en-US" sz="3200" b="1" dirty="0"/>
-              <a:t>as you to your cell carrier, tricking </a:t>
-            </a:r>
-            <a:br>
-              <a:rPr lang="en-US" sz="3200" b="1" dirty="0"/>
-            </a:br>
-            <a:r>
-              <a:rPr lang="en-US" sz="3200" dirty="0"/>
-              <a:t>you to give them a real code.</a:t>
-            </a:r>
-            <a:endParaRPr lang="en-US" sz="3200" b="1" dirty="0"/>
-          </a:p>
-          <a:p>
-            <a:r>
-              <a:rPr lang="en-US" sz="3200" dirty="0"/>
-              <a:t>If you are ever sent a code via text message, </a:t>
-            </a:r>
-            <a:br>
-              <a:rPr lang="en-US" sz="3200" dirty="0"/>
-            </a:br>
-            <a:r>
-              <a:rPr lang="en-US" sz="3200" dirty="0"/>
-              <a:t>NEVER PROVIDE IT TO ANYONE ELSE. </a:t>
-            </a:r>
-          </a:p>
-          <a:p>
-            <a:r>
-              <a:rPr lang="en-US" sz="3200" dirty="0"/>
-              <a:t>Received one you didn’t ask for? </a:t>
-            </a:r>
-            <a:br>
-              <a:rPr lang="en-US" sz="3200" dirty="0"/>
-            </a:br>
-            <a:r>
-              <a:rPr lang="en-US" sz="3200" dirty="0"/>
-              <a:t>Someone may be trying to steal your account.</a:t>
-            </a:r>
-          </a:p>
-          <a:p>
-            <a:r>
-              <a:rPr lang="en-US" sz="3200" dirty="0"/>
-              <a:t>Possibly they are abusing the confirmation system that allows you to keep your phone number when you transfer cell providers.</a:t>
-            </a:r>
-          </a:p>
-        </p:txBody>
-      </p:sp>
-      <p:pic>
-        <p:nvPicPr>
-          <p:cNvPr id="4" name="Picture 3">
-            <a:extLst>
-              <a:ext uri="{FF2B5EF4-FFF2-40B4-BE49-F238E27FC236}">
-                <a16:creationId xmlns:a16="http://schemas.microsoft.com/office/drawing/2014/main" id="{F7A298A8-4A8C-4C22-9E85-297C2BA6ACBD}"/>
-              </a:ext>
-            </a:extLst>
-          </p:cNvPr>
-          <p:cNvPicPr>
-            <a:picLocks noChangeAspect="1"/>
-          </p:cNvPicPr>
-          <p:nvPr/>
-        </p:nvPicPr>
-        <p:blipFill>
-          <a:blip r:embed="rId2"/>
-          <a:stretch>
-            <a:fillRect/>
-          </a:stretch>
-        </p:blipFill>
-        <p:spPr>
-          <a:xfrm>
-            <a:off x="7777122" y="1533525"/>
-            <a:ext cx="4313998" cy="2232025"/>
-          </a:xfrm>
-          <a:prstGeom prst="rect">
-            <a:avLst/>
-          </a:prstGeom>
-        </p:spPr>
-      </p:pic>
-      <p:sp>
-        <p:nvSpPr>
-          <p:cNvPr id="5" name="TextBox 4">
-            <a:extLst>
-              <a:ext uri="{FF2B5EF4-FFF2-40B4-BE49-F238E27FC236}">
-                <a16:creationId xmlns:a16="http://schemas.microsoft.com/office/drawing/2014/main" id="{FA2E4623-825E-45DB-AF79-765BC674D041}"/>
-              </a:ext>
-            </a:extLst>
-          </p:cNvPr>
-          <p:cNvSpPr txBox="1"/>
-          <p:nvPr/>
-        </p:nvSpPr>
-        <p:spPr>
-          <a:xfrm>
-            <a:off x="8196885" y="3765550"/>
-            <a:ext cx="3795623" cy="369332"/>
-          </a:xfrm>
-          <a:prstGeom prst="rect">
-            <a:avLst/>
-          </a:prstGeom>
-          <a:noFill/>
-        </p:spPr>
-        <p:txBody>
-          <a:bodyPr wrap="square" rtlCol="0">
-            <a:spAutoFit/>
-          </a:bodyPr>
-          <a:lstStyle/>
-          <a:p>
-            <a:pPr algn="r"/>
-            <a:r>
-              <a:rPr lang="en-US" dirty="0">
-                <a:solidFill>
-                  <a:srgbClr val="FF0000"/>
-                </a:solidFill>
+              <a:t>SS7 hack explained: what can you do about it? </a:t>
+            </a:r>
+            <a:r>
+              <a:rPr lang="en-US" sz="1600" dirty="0">
+                <a:hlinkClick r:id="rId2"/>
               </a:rPr>
-              <a:t>This is an actual scam!</a:t>
-            </a:r>
+              <a:t>https://www.theguardian.com/technology/2016/apr/19/ss7-hack-explained-mobile-phone-vulnerability-snooping-texts-calls</a:t>
+            </a:r>
+            <a:endParaRPr lang="en-US" sz="3200" dirty="0"/>
           </a:p>
         </p:txBody>
       </p:sp>
     </p:spTree>
     <p:extLst>
       <p:ext uri="{BB962C8B-B14F-4D97-AF65-F5344CB8AC3E}">
-        <p14:creationId xmlns:p14="http://schemas.microsoft.com/office/powerpoint/2010/main" val="556003552"/>
+        <p14:creationId xmlns:p14="http://schemas.microsoft.com/office/powerpoint/2010/main" val="94736363"/>
       </p:ext>
     </p:extLst>
   </p:cSld>
@@ -6303,7 +6452,7 @@
           <a:p>
             <a:r>
               <a:rPr lang="en-US" dirty="0"/>
-              <a:t>Text-Message (SMS) Based Authentication</a:t>
+              <a:t>SMS-Based Scam Tactics </a:t>
             </a:r>
           </a:p>
         </p:txBody>
@@ -6324,37 +6473,160 @@
             <p:ph idx="1"/>
           </p:nvPr>
         </p:nvSpPr>
-        <p:spPr/>
+        <p:spPr>
+          <a:xfrm>
+            <a:off x="838200" y="1533525"/>
+            <a:ext cx="10991850" cy="4959350"/>
+          </a:xfrm>
+        </p:spPr>
         <p:txBody>
           <a:bodyPr>
-            <a:normAutofit fontScale="92500"/>
+            <a:normAutofit fontScale="92500" lnSpcReduction="10000"/>
           </a:bodyPr>
           <a:lstStyle/>
           <a:p>
             <a:r>
-              <a:rPr lang="en-US" sz="3600" dirty="0"/>
-              <a:t>If a site offers another option besides SMS TFA, use it. </a:t>
-            </a:r>
-          </a:p>
-          <a:p>
-            <a:r>
-              <a:rPr lang="en-US" sz="3600" dirty="0"/>
-              <a:t>Unfortunately, many banks ONLY provide this option.</a:t>
-            </a:r>
-          </a:p>
-          <a:p>
-            <a:r>
-              <a:rPr lang="en-US" sz="3600" dirty="0"/>
-              <a:t>SMS-based authentication is much better than no TFA.</a:t>
-            </a:r>
-          </a:p>
-          <a:p>
-            <a:endParaRPr lang="en-US" sz="3600" dirty="0"/>
-          </a:p>
-          <a:p>
-            <a:r>
-              <a:rPr lang="en-US" sz="3600" dirty="0"/>
-              <a:t>Yahoo and Reddit have each been breached after they were targeted by SMS-based TFA. In each case, the hackers targeted specific admins and their phones, intercepted the text messages and/or changed their passwords.</a:t>
+              <a:rPr lang="en-US" sz="3200" dirty="0"/>
+              <a:t>“I’m going to send you a secure code </a:t>
+            </a:r>
+            <a:br>
+              <a:rPr lang="en-US" sz="3200" dirty="0"/>
+            </a:br>
+            <a:r>
+              <a:rPr lang="en-US" sz="3200" dirty="0"/>
+              <a:t>to make sure you’re not a scammer” </a:t>
+            </a:r>
+          </a:p>
+          <a:p>
+            <a:r>
+              <a:rPr lang="en-US" sz="3200" dirty="0"/>
+              <a:t>A common tactic on listing sites like </a:t>
+            </a:r>
+            <a:br>
+              <a:rPr lang="en-US" sz="3200" dirty="0"/>
+            </a:br>
+            <a:r>
+              <a:rPr lang="en-US" sz="3200" dirty="0"/>
+              <a:t>Craigslist, </a:t>
+            </a:r>
+            <a:r>
+              <a:rPr lang="en-US" sz="3200" dirty="0" err="1"/>
+              <a:t>Ebay</a:t>
+            </a:r>
+            <a:r>
+              <a:rPr lang="en-US" sz="3200" dirty="0"/>
+              <a:t>, etc. </a:t>
+            </a:r>
+            <a:r>
+              <a:rPr lang="en-US" sz="3200" b="1" dirty="0"/>
+              <a:t>They’re trying act</a:t>
+            </a:r>
+            <a:br>
+              <a:rPr lang="en-US" sz="3200" b="1" dirty="0"/>
+            </a:br>
+            <a:r>
+              <a:rPr lang="en-US" sz="3200" b="1" dirty="0"/>
+              <a:t>as you to your cell carrier, </a:t>
+            </a:r>
+            <a:r>
+              <a:rPr lang="en-US" sz="3200" dirty="0"/>
+              <a:t>tricking </a:t>
+            </a:r>
+            <a:br>
+              <a:rPr lang="en-US" sz="3200" b="1" dirty="0"/>
+            </a:br>
+            <a:r>
+              <a:rPr lang="en-US" sz="3200" dirty="0"/>
+              <a:t>you into giving them a real code. </a:t>
+            </a:r>
+            <a:endParaRPr lang="en-US" sz="3200" b="1" dirty="0"/>
+          </a:p>
+          <a:p>
+            <a:r>
+              <a:rPr lang="en-US" sz="3200" dirty="0"/>
+              <a:t>Received one you didn’t ask for? Someone may be trying to access an account of yours.</a:t>
+            </a:r>
+          </a:p>
+          <a:p>
+            <a:r>
+              <a:rPr lang="en-US" sz="3200" dirty="0"/>
+              <a:t>If you are ever sent a code via SMS, NEVER PROVIDE IT TO ANYONE.</a:t>
+            </a:r>
+          </a:p>
+          <a:p>
+            <a:r>
+              <a:rPr lang="en-US" sz="3200" dirty="0"/>
+              <a:t>They may be abusing the phone portability system that allows you to keep your phone number when you transfer cell providers.</a:t>
+            </a:r>
+          </a:p>
+        </p:txBody>
+      </p:sp>
+      <p:pic>
+        <p:nvPicPr>
+          <p:cNvPr id="4" name="Picture 3">
+            <a:extLst>
+              <a:ext uri="{FF2B5EF4-FFF2-40B4-BE49-F238E27FC236}">
+                <a16:creationId xmlns:a16="http://schemas.microsoft.com/office/drawing/2014/main" id="{F7A298A8-4A8C-4C22-9E85-297C2BA6ACBD}"/>
+              </a:ext>
+            </a:extLst>
+          </p:cNvPr>
+          <p:cNvPicPr>
+            <a:picLocks noChangeAspect="1"/>
+          </p:cNvPicPr>
+          <p:nvPr/>
+        </p:nvPicPr>
+        <p:blipFill>
+          <a:blip r:embed="rId2"/>
+          <a:stretch>
+            <a:fillRect/>
+          </a:stretch>
+        </p:blipFill>
+        <p:spPr>
+          <a:xfrm>
+            <a:off x="7725363" y="627063"/>
+            <a:ext cx="4313998" cy="2232025"/>
+          </a:xfrm>
+          <a:prstGeom prst="rect">
+            <a:avLst/>
+          </a:prstGeom>
+        </p:spPr>
+      </p:pic>
+      <p:sp>
+        <p:nvSpPr>
+          <p:cNvPr id="5" name="TextBox 4">
+            <a:extLst>
+              <a:ext uri="{FF2B5EF4-FFF2-40B4-BE49-F238E27FC236}">
+                <a16:creationId xmlns:a16="http://schemas.microsoft.com/office/drawing/2014/main" id="{FA2E4623-825E-45DB-AF79-765BC674D041}"/>
+              </a:ext>
+            </a:extLst>
+          </p:cNvPr>
+          <p:cNvSpPr txBox="1"/>
+          <p:nvPr/>
+        </p:nvSpPr>
+        <p:spPr>
+          <a:xfrm>
+            <a:off x="8145126" y="2859088"/>
+            <a:ext cx="3795623" cy="369332"/>
+          </a:xfrm>
+          <a:prstGeom prst="rect">
+            <a:avLst/>
+          </a:prstGeom>
+          <a:noFill/>
+        </p:spPr>
+        <p:txBody>
+          <a:bodyPr wrap="square" rtlCol="0">
+            <a:spAutoFit/>
+          </a:bodyPr>
+          <a:lstStyle/>
+          <a:p>
+            <a:pPr algn="r"/>
+            <a:r>
+              <a:rPr lang="en-US" dirty="0">
+                <a:solidFill>
+                  <a:srgbClr val="FF0000"/>
+                </a:solidFill>
+              </a:rPr>
+              <a:t>This is an actual scam!</a:t>
             </a:r>
           </a:p>
         </p:txBody>
@@ -6362,7 +6634,7 @@
     </p:spTree>
     <p:extLst>
       <p:ext uri="{BB962C8B-B14F-4D97-AF65-F5344CB8AC3E}">
-        <p14:creationId xmlns:p14="http://schemas.microsoft.com/office/powerpoint/2010/main" val="3852182217"/>
+        <p14:creationId xmlns:p14="http://schemas.microsoft.com/office/powerpoint/2010/main" val="556003552"/>
       </p:ext>
     </p:extLst>
   </p:cSld>
@@ -6412,7 +6684,7 @@
           <a:p>
             <a:r>
               <a:rPr lang="en-US" dirty="0"/>
-              <a:t>Email-Based Authentication</a:t>
+              <a:t>Text-Message (SMS) Based Authentication</a:t>
             </a:r>
           </a:p>
         </p:txBody>
@@ -6436,40 +6708,40 @@
         <p:spPr/>
         <p:txBody>
           <a:bodyPr>
-            <a:normAutofit fontScale="85000" lnSpcReduction="10000"/>
+            <a:normAutofit fontScale="92500" lnSpcReduction="20000"/>
           </a:bodyPr>
           <a:lstStyle/>
           <a:p>
             <a:r>
               <a:rPr lang="en-US" sz="3600" dirty="0"/>
-              <a:t>If the site uses Email authentication, the concept is the same as SMS-based authentication.</a:t>
-            </a:r>
-          </a:p>
-          <a:p>
-            <a:endParaRPr lang="en-US" sz="3600" dirty="0"/>
+              <a:t>If a site offers another option besides SMS TFA, use it. </a:t>
+            </a:r>
           </a:p>
           <a:p>
             <a:r>
               <a:rPr lang="en-US" sz="3600" dirty="0"/>
-              <a:t>But the vulnerabilities are largely the same – compromise the email account, and the “other factor” is compromised as well.</a:t>
-            </a:r>
-          </a:p>
-          <a:p>
-            <a:endParaRPr lang="en-US" sz="3600" dirty="0"/>
+              <a:t>Unfortunately, many banks ONLY provide this option.</a:t>
+            </a:r>
           </a:p>
           <a:p>
             <a:r>
               <a:rPr lang="en-US" sz="3600" dirty="0"/>
-              <a:t>Also, Google and Apple offer integrated text messages in email. </a:t>
-            </a:r>
-          </a:p>
-          <a:p>
-            <a:endParaRPr lang="en-US" sz="3600" dirty="0"/>
+              <a:t>SMS-based authentication is much better than no TFA.</a:t>
+            </a:r>
           </a:p>
           <a:p>
             <a:r>
               <a:rPr lang="en-US" sz="3600" dirty="0"/>
               <a:t>Better than nothing, but not better.</a:t>
+            </a:r>
+          </a:p>
+          <a:p>
+            <a:endParaRPr lang="en-US" sz="3600" dirty="0"/>
+          </a:p>
+          <a:p>
+            <a:r>
+              <a:rPr lang="en-US" sz="3600" dirty="0"/>
+              <a:t>Yahoo and Reddit have each been breached after they were targeted by SMS-based TFA. In each case, the hackers targeted specific admins and their phones, intercepted the text messages and/or changed their passwords.</a:t>
             </a:r>
           </a:p>
         </p:txBody>
@@ -6477,7 +6749,7 @@
     </p:spTree>
     <p:extLst>
       <p:ext uri="{BB962C8B-B14F-4D97-AF65-F5344CB8AC3E}">
-        <p14:creationId xmlns:p14="http://schemas.microsoft.com/office/powerpoint/2010/main" val="2578182766"/>
+        <p14:creationId xmlns:p14="http://schemas.microsoft.com/office/powerpoint/2010/main" val="3852182217"/>
       </p:ext>
     </p:extLst>
   </p:cSld>
@@ -6527,6 +6799,112 @@
           <a:p>
             <a:r>
               <a:rPr lang="en-US" dirty="0"/>
+              <a:t>Email-Based Authentication</a:t>
+            </a:r>
+          </a:p>
+        </p:txBody>
+      </p:sp>
+      <p:sp>
+        <p:nvSpPr>
+          <p:cNvPr id="3" name="Content Placeholder 2">
+            <a:extLst>
+              <a:ext uri="{FF2B5EF4-FFF2-40B4-BE49-F238E27FC236}">
+                <a16:creationId xmlns:a16="http://schemas.microsoft.com/office/drawing/2014/main" id="{65B32B1F-E0DF-456C-B7E0-F6CB2CBEA651}"/>
+              </a:ext>
+            </a:extLst>
+          </p:cNvPr>
+          <p:cNvSpPr>
+            <a:spLocks noGrp="1"/>
+          </p:cNvSpPr>
+          <p:nvPr>
+            <p:ph idx="1"/>
+          </p:nvPr>
+        </p:nvSpPr>
+        <p:spPr/>
+        <p:txBody>
+          <a:bodyPr>
+            <a:normAutofit/>
+          </a:bodyPr>
+          <a:lstStyle/>
+          <a:p>
+            <a:r>
+              <a:rPr lang="en-US" sz="3200" dirty="0"/>
+              <a:t>If the site uses Email authentication, the concept is the same as SMS-based authentication.</a:t>
+            </a:r>
+          </a:p>
+          <a:p>
+            <a:r>
+              <a:rPr lang="en-US" sz="3200" dirty="0"/>
+              <a:t>But the vulnerabilities are largely the same – compromise the email account, and the “other factor” is compromised as well.</a:t>
+            </a:r>
+          </a:p>
+          <a:p>
+            <a:r>
+              <a:rPr lang="en-US" sz="3200" dirty="0"/>
+              <a:t>Also, Google and Apple offer integrated SMS in email. </a:t>
+            </a:r>
+          </a:p>
+          <a:p>
+            <a:r>
+              <a:rPr lang="en-US" sz="3200" dirty="0"/>
+              <a:t>Better than nothing, but not better.</a:t>
+            </a:r>
+          </a:p>
+        </p:txBody>
+      </p:sp>
+    </p:spTree>
+    <p:extLst>
+      <p:ext uri="{BB962C8B-B14F-4D97-AF65-F5344CB8AC3E}">
+        <p14:creationId xmlns:p14="http://schemas.microsoft.com/office/powerpoint/2010/main" val="2578182766"/>
+      </p:ext>
+    </p:extLst>
+  </p:cSld>
+  <p:clrMapOvr>
+    <a:masterClrMapping/>
+  </p:clrMapOvr>
+</p:sld>
+</file>
+
+<file path=ppt/slides/slide23.xml><?xml version="1.0" encoding="utf-8"?>
+<p:sld xmlns:a="http://schemas.openxmlformats.org/drawingml/2006/main" xmlns:r="http://schemas.openxmlformats.org/officeDocument/2006/relationships" xmlns:p="http://schemas.openxmlformats.org/presentationml/2006/main">
+  <p:cSld>
+    <p:spTree>
+      <p:nvGrpSpPr>
+        <p:cNvPr id="1" name=""/>
+        <p:cNvGrpSpPr/>
+        <p:nvPr/>
+      </p:nvGrpSpPr>
+      <p:grpSpPr>
+        <a:xfrm>
+          <a:off x="0" y="0"/>
+          <a:ext cx="0" cy="0"/>
+          <a:chOff x="0" y="0"/>
+          <a:chExt cx="0" cy="0"/>
+        </a:xfrm>
+      </p:grpSpPr>
+      <p:sp>
+        <p:nvSpPr>
+          <p:cNvPr id="2" name="Title 1">
+            <a:extLst>
+              <a:ext uri="{FF2B5EF4-FFF2-40B4-BE49-F238E27FC236}">
+                <a16:creationId xmlns:a16="http://schemas.microsoft.com/office/drawing/2014/main" id="{D0CBD092-444D-485B-B077-AE37DB7967F1}"/>
+              </a:ext>
+            </a:extLst>
+          </p:cNvPr>
+          <p:cNvSpPr>
+            <a:spLocks noGrp="1"/>
+          </p:cNvSpPr>
+          <p:nvPr>
+            <p:ph type="title"/>
+          </p:nvPr>
+        </p:nvSpPr>
+        <p:spPr/>
+        <p:txBody>
+          <a:bodyPr/>
+          <a:lstStyle/>
+          <a:p>
+            <a:r>
+              <a:rPr lang="en-US" dirty="0"/>
               <a:t>Software-Based Authentication</a:t>
             </a:r>
           </a:p>
@@ -6562,7 +6940,7 @@
           <a:p>
             <a:r>
               <a:rPr lang="en-US" sz="3600" dirty="0"/>
-              <a:t>Time-based, One-Time Password Algorithm</a:t>
+              <a:t>One-Time, Time-based Password Algorithm</a:t>
             </a:r>
           </a:p>
           <a:p>
@@ -6730,8 +7108,8 @@
         </p:blipFill>
         <p:spPr bwMode="auto">
           <a:xfrm>
-            <a:off x="6110288" y="3581400"/>
-            <a:ext cx="2381250" cy="3276600"/>
+            <a:off x="6407551" y="3864635"/>
+            <a:ext cx="1786721" cy="2458528"/>
           </a:xfrm>
           <a:prstGeom prst="rect">
             <a:avLst/>
@@ -7049,195 +7427,6 @@
 </p:sld>
 </file>
 
-<file path=ppt/slides/slide23.xml><?xml version="1.0" encoding="utf-8"?>
-<p:sld xmlns:a="http://schemas.openxmlformats.org/drawingml/2006/main" xmlns:r="http://schemas.openxmlformats.org/officeDocument/2006/relationships" xmlns:p="http://schemas.openxmlformats.org/presentationml/2006/main">
-  <p:cSld>
-    <p:spTree>
-      <p:nvGrpSpPr>
-        <p:cNvPr id="1" name=""/>
-        <p:cNvGrpSpPr/>
-        <p:nvPr/>
-      </p:nvGrpSpPr>
-      <p:grpSpPr>
-        <a:xfrm>
-          <a:off x="0" y="0"/>
-          <a:ext cx="0" cy="0"/>
-          <a:chOff x="0" y="0"/>
-          <a:chExt cx="0" cy="0"/>
-        </a:xfrm>
-      </p:grpSpPr>
-      <p:sp>
-        <p:nvSpPr>
-          <p:cNvPr id="2" name="Title 1">
-            <a:extLst>
-              <a:ext uri="{FF2B5EF4-FFF2-40B4-BE49-F238E27FC236}">
-                <a16:creationId xmlns:a16="http://schemas.microsoft.com/office/drawing/2014/main" id="{D0CBD092-444D-485B-B077-AE37DB7967F1}"/>
-              </a:ext>
-            </a:extLst>
-          </p:cNvPr>
-          <p:cNvSpPr>
-            <a:spLocks noGrp="1"/>
-          </p:cNvSpPr>
-          <p:nvPr>
-            <p:ph type="title"/>
-          </p:nvPr>
-        </p:nvSpPr>
-        <p:spPr>
-          <a:xfrm>
-            <a:off x="838200" y="336550"/>
-            <a:ext cx="10515600" cy="1325563"/>
-          </a:xfrm>
-        </p:spPr>
-        <p:txBody>
-          <a:bodyPr/>
-          <a:lstStyle/>
-          <a:p>
-            <a:r>
-              <a:rPr lang="en-US" dirty="0"/>
-              <a:t>Software-Based Authentication</a:t>
-            </a:r>
-          </a:p>
-        </p:txBody>
-      </p:sp>
-      <p:sp>
-        <p:nvSpPr>
-          <p:cNvPr id="3" name="Content Placeholder 2">
-            <a:extLst>
-              <a:ext uri="{FF2B5EF4-FFF2-40B4-BE49-F238E27FC236}">
-                <a16:creationId xmlns:a16="http://schemas.microsoft.com/office/drawing/2014/main" id="{65B32B1F-E0DF-456C-B7E0-F6CB2CBEA651}"/>
-              </a:ext>
-            </a:extLst>
-          </p:cNvPr>
-          <p:cNvSpPr>
-            <a:spLocks noGrp="1"/>
-          </p:cNvSpPr>
-          <p:nvPr>
-            <p:ph idx="1"/>
-          </p:nvPr>
-        </p:nvSpPr>
-        <p:spPr>
-          <a:xfrm>
-            <a:off x="838200" y="1825624"/>
-            <a:ext cx="10515600" cy="4695825"/>
-          </a:xfrm>
-        </p:spPr>
-        <p:txBody>
-          <a:bodyPr>
-            <a:normAutofit fontScale="92500"/>
-          </a:bodyPr>
-          <a:lstStyle/>
-          <a:p>
-            <a:pPr marL="0" indent="0">
-              <a:buNone/>
-            </a:pPr>
-            <a:r>
-              <a:rPr lang="en-US" sz="4000" dirty="0"/>
-              <a:t>Mobile apps:</a:t>
-            </a:r>
-          </a:p>
-          <a:p>
-            <a:r>
-              <a:rPr lang="en-US" sz="4000" b="1" dirty="0"/>
-              <a:t>Google Authenticator</a:t>
-            </a:r>
-          </a:p>
-          <a:p>
-            <a:r>
-              <a:rPr lang="en-US" sz="4000" b="1" dirty="0"/>
-              <a:t>Microsoft Azure Authenticator</a:t>
-            </a:r>
-          </a:p>
-          <a:p>
-            <a:r>
-              <a:rPr lang="en-US" sz="4000" dirty="0"/>
-              <a:t>LastPass Authenticator</a:t>
-            </a:r>
-          </a:p>
-          <a:p>
-            <a:r>
-              <a:rPr lang="en-US" sz="4000" dirty="0" err="1"/>
-              <a:t>Authy</a:t>
-            </a:r>
-            <a:r>
-              <a:rPr lang="en-US" sz="4000" dirty="0"/>
-              <a:t>: multiplatform free service for software TFA</a:t>
-            </a:r>
-          </a:p>
-          <a:p>
-            <a:pPr marL="0" indent="0">
-              <a:buNone/>
-            </a:pPr>
-            <a:r>
-              <a:rPr lang="en-US" sz="4000" dirty="0"/>
-              <a:t>Enterprise mobile apps:</a:t>
-            </a:r>
-          </a:p>
-          <a:p>
-            <a:r>
-              <a:rPr lang="en-US" sz="4000" dirty="0"/>
-              <a:t>Symantec VIP,  RSA, Duo</a:t>
-            </a:r>
-          </a:p>
-        </p:txBody>
-      </p:sp>
-      <p:sp>
-        <p:nvSpPr>
-          <p:cNvPr id="8" name="AutoShape 10" descr="https://lh3.googleusercontent.com/SClWEmbk7QxxuKiWshok2T45vAwEQYCduisnnGORqrha7KfpQsvFZa0xac_jyj_tE9Mn=w1920-h947-rw">
-            <a:extLst>
-              <a:ext uri="{FF2B5EF4-FFF2-40B4-BE49-F238E27FC236}">
-                <a16:creationId xmlns:a16="http://schemas.microsoft.com/office/drawing/2014/main" id="{35F208E5-7037-43C1-A023-1454F9383ED2}"/>
-              </a:ext>
-            </a:extLst>
-          </p:cNvPr>
-          <p:cNvSpPr>
-            <a:spLocks noChangeAspect="1" noChangeArrowheads="1"/>
-          </p:cNvSpPr>
-          <p:nvPr/>
-        </p:nvSpPr>
-        <p:spPr bwMode="auto">
-          <a:xfrm>
-            <a:off x="5943600" y="3276600"/>
-            <a:ext cx="304800" cy="304800"/>
-          </a:xfrm>
-          <a:prstGeom prst="rect">
-            <a:avLst/>
-          </a:prstGeom>
-          <a:noFill/>
-          <a:extLst>
-            <a:ext uri="{909E8E84-426E-40DD-AFC4-6F175D3DCCD1}">
-              <a14:hiddenFill xmlns:a14="http://schemas.microsoft.com/office/drawing/2010/main">
-                <a:solidFill>
-                  <a:srgbClr val="FFFFFF"/>
-                </a:solidFill>
-              </a14:hiddenFill>
-            </a:ext>
-          </a:extLst>
-        </p:spPr>
-        <p:txBody>
-          <a:bodyPr vert="horz" wrap="square" lIns="91440" tIns="45720" rIns="91440" bIns="45720" numCol="1" anchor="t" anchorCtr="0" compatLnSpc="1">
-            <a:prstTxWarp prst="textNoShape">
-              <a:avLst/>
-            </a:prstTxWarp>
-          </a:bodyPr>
-          <a:lstStyle/>
-          <a:p>
-            <a:endParaRPr lang="en-US"/>
-          </a:p>
-        </p:txBody>
-      </p:sp>
-    </p:spTree>
-    <p:extLst>
-      <p:ext uri="{BB962C8B-B14F-4D97-AF65-F5344CB8AC3E}">
-        <p14:creationId xmlns:p14="http://schemas.microsoft.com/office/powerpoint/2010/main" val="2815070541"/>
-      </p:ext>
-    </p:extLst>
-  </p:cSld>
-  <p:clrMapOvr>
-    <a:masterClrMapping/>
-  </p:clrMapOvr>
-</p:sld>
-</file>
-
 <file path=ppt/slides/slide24.xml><?xml version="1.0" encoding="utf-8"?>
 <p:sld xmlns:a="http://schemas.openxmlformats.org/drawingml/2006/main" xmlns:r="http://schemas.openxmlformats.org/officeDocument/2006/relationships" xmlns:p="http://schemas.openxmlformats.org/presentationml/2006/main">
   <p:cSld>
@@ -7444,62 +7633,91 @@
             <p:ph type="title"/>
           </p:nvPr>
         </p:nvSpPr>
-        <p:spPr/>
-        <p:txBody>
-          <a:bodyPr/>
-          <a:lstStyle/>
-          <a:p>
-            <a:r>
-              <a:rPr lang="en-US" dirty="0"/>
-              <a:t>Software-Based Authentication</a:t>
-            </a:r>
-          </a:p>
-        </p:txBody>
-      </p:sp>
-      <p:sp>
-        <p:nvSpPr>
-          <p:cNvPr id="3" name="Content Placeholder 2">
-            <a:extLst>
-              <a:ext uri="{FF2B5EF4-FFF2-40B4-BE49-F238E27FC236}">
-                <a16:creationId xmlns:a16="http://schemas.microsoft.com/office/drawing/2014/main" id="{65B32B1F-E0DF-456C-B7E0-F6CB2CBEA651}"/>
-              </a:ext>
-            </a:extLst>
-          </p:cNvPr>
-          <p:cNvSpPr>
-            <a:spLocks noGrp="1"/>
-          </p:cNvSpPr>
-          <p:nvPr>
-            <p:ph idx="1"/>
-          </p:nvPr>
-        </p:nvSpPr>
         <p:spPr>
           <a:xfrm>
-            <a:off x="838200" y="1825625"/>
-            <a:ext cx="10668000" cy="4351338"/>
+            <a:off x="838200" y="336550"/>
+            <a:ext cx="10515600" cy="1325563"/>
           </a:xfrm>
         </p:spPr>
         <p:txBody>
+          <a:bodyPr/>
+          <a:lstStyle/>
+          <a:p>
+            <a:r>
+              <a:rPr lang="en-US" dirty="0"/>
+              <a:t>Software-Based Authentication Mobile Apps</a:t>
+            </a:r>
+          </a:p>
+        </p:txBody>
+      </p:sp>
+      <p:sp>
+        <p:nvSpPr>
+          <p:cNvPr id="3" name="Content Placeholder 2">
+            <a:extLst>
+              <a:ext uri="{FF2B5EF4-FFF2-40B4-BE49-F238E27FC236}">
+                <a16:creationId xmlns:a16="http://schemas.microsoft.com/office/drawing/2014/main" id="{65B32B1F-E0DF-456C-B7E0-F6CB2CBEA651}"/>
+              </a:ext>
+            </a:extLst>
+          </p:cNvPr>
+          <p:cNvSpPr>
+            <a:spLocks noGrp="1"/>
+          </p:cNvSpPr>
+          <p:nvPr>
+            <p:ph idx="1"/>
+          </p:nvPr>
+        </p:nvSpPr>
+        <p:spPr>
+          <a:xfrm>
+            <a:off x="838200" y="1825624"/>
+            <a:ext cx="10515600" cy="4695825"/>
+          </a:xfrm>
+        </p:spPr>
+        <p:txBody>
           <a:bodyPr>
-            <a:normAutofit fontScale="92500"/>
+            <a:normAutofit/>
           </a:bodyPr>
           <a:lstStyle/>
           <a:p>
             <a:r>
-              <a:rPr lang="en-US" sz="3600" dirty="0"/>
-              <a:t>When you set up a TFA App with a new website or account, you’ll be provided a QR code or long string you only see once, SAVE THESE SECURELY and SEPARATELY for future convenience.</a:t>
-            </a:r>
-          </a:p>
-          <a:p>
-            <a:pPr lvl="1"/>
-            <a:r>
-              <a:rPr lang="en-US" sz="3200" dirty="0"/>
-              <a:t>You can use the same QR Code or string to transfer phones or create backup devices with the same TFA code generation.</a:t>
-            </a:r>
-          </a:p>
-          <a:p>
-            <a:r>
-              <a:rPr lang="en-US" sz="3600" dirty="0"/>
-              <a:t>You’ll also be given a set of “backup” one-time use codes. STORE THESE SECURELY AND SEPERATELY. You may need to use one in a pinch to gain access if you’ve lost your phone.</a:t>
+              <a:rPr lang="en-US" sz="4000" b="1" dirty="0"/>
+              <a:t>Google Authenticator</a:t>
+            </a:r>
+          </a:p>
+          <a:p>
+            <a:r>
+              <a:rPr lang="en-US" sz="4000" b="1" dirty="0"/>
+              <a:t>Microsoft Azure Authenticator</a:t>
+            </a:r>
+          </a:p>
+          <a:p>
+            <a:r>
+              <a:rPr lang="en-US" sz="4000" dirty="0"/>
+              <a:t>LastPass Authenticator</a:t>
+            </a:r>
+          </a:p>
+          <a:p>
+            <a:r>
+              <a:rPr lang="en-US" sz="4000" dirty="0" err="1"/>
+              <a:t>Authy</a:t>
+            </a:r>
+            <a:r>
+              <a:rPr lang="en-US" sz="4000" dirty="0"/>
+              <a:t>: multiplatform free service for software TFA</a:t>
+            </a:r>
+          </a:p>
+          <a:p>
+            <a:pPr marL="0" indent="0">
+              <a:buNone/>
+            </a:pPr>
+            <a:r>
+              <a:rPr lang="en-US" sz="4000" dirty="0"/>
+              <a:t>Enterprise mobile apps:</a:t>
+            </a:r>
+          </a:p>
+          <a:p>
+            <a:r>
+              <a:rPr lang="en-US" sz="4000" dirty="0"/>
+              <a:t>Symantec VIP, RSA, Duo</a:t>
             </a:r>
           </a:p>
         </p:txBody>
@@ -7552,7 +7770,7 @@
     </p:spTree>
     <p:extLst>
       <p:ext uri="{BB962C8B-B14F-4D97-AF65-F5344CB8AC3E}">
-        <p14:creationId xmlns:p14="http://schemas.microsoft.com/office/powerpoint/2010/main" val="3916235985"/>
+        <p14:creationId xmlns:p14="http://schemas.microsoft.com/office/powerpoint/2010/main" val="2815070541"/>
       </p:ext>
     </p:extLst>
   </p:cSld>
@@ -7602,8 +7820,233 @@
           <a:p>
             <a:r>
               <a:rPr lang="en-US" dirty="0"/>
+              <a:t>Software-Based Authentication Setup</a:t>
+            </a:r>
+          </a:p>
+        </p:txBody>
+      </p:sp>
+      <p:sp>
+        <p:nvSpPr>
+          <p:cNvPr id="3" name="Content Placeholder 2">
+            <a:extLst>
+              <a:ext uri="{FF2B5EF4-FFF2-40B4-BE49-F238E27FC236}">
+                <a16:creationId xmlns:a16="http://schemas.microsoft.com/office/drawing/2014/main" id="{65B32B1F-E0DF-456C-B7E0-F6CB2CBEA651}"/>
+              </a:ext>
+            </a:extLst>
+          </p:cNvPr>
+          <p:cNvSpPr>
+            <a:spLocks noGrp="1"/>
+          </p:cNvSpPr>
+          <p:nvPr>
+            <p:ph idx="1"/>
+          </p:nvPr>
+        </p:nvSpPr>
+        <p:spPr>
+          <a:xfrm>
+            <a:off x="838200" y="1825625"/>
+            <a:ext cx="10668000" cy="4351338"/>
+          </a:xfrm>
+        </p:spPr>
+        <p:txBody>
+          <a:bodyPr>
+            <a:normAutofit fontScale="92500"/>
+          </a:bodyPr>
+          <a:lstStyle/>
+          <a:p>
+            <a:r>
+              <a:rPr lang="en-US" sz="3600" dirty="0"/>
+              <a:t>When you set up a TFA App with a new website </a:t>
+            </a:r>
+            <a:br>
+              <a:rPr lang="en-US" sz="3600" dirty="0"/>
+            </a:br>
+            <a:r>
+              <a:rPr lang="en-US" sz="3600" dirty="0"/>
+              <a:t>or account, you’ll be provided a QR code and/or </a:t>
+            </a:r>
+            <a:br>
+              <a:rPr lang="en-US" sz="3600" dirty="0"/>
+            </a:br>
+            <a:r>
+              <a:rPr lang="en-US" sz="3600" dirty="0"/>
+              <a:t>long string you only see once, SAVE IT SECURELY </a:t>
+            </a:r>
+            <a:br>
+              <a:rPr lang="en-US" sz="3600" dirty="0"/>
+            </a:br>
+            <a:r>
+              <a:rPr lang="en-US" sz="3600" dirty="0"/>
+              <a:t>for future convenience.</a:t>
+            </a:r>
+          </a:p>
+          <a:p>
+            <a:pPr lvl="1"/>
+            <a:r>
+              <a:rPr lang="en-US" sz="3200" dirty="0"/>
+              <a:t>You can use the same QR Code or string to transfer phones or create backup devices with the same TFA code generation.</a:t>
+            </a:r>
+          </a:p>
+          <a:p>
+            <a:r>
+              <a:rPr lang="en-US" sz="3600" dirty="0"/>
+              <a:t>You’ll also be given a set of “backup” one-time use codes. STORE THESE SECURELY AND SEPERATELY. You may need to use one in a pinch to gain access if you’ve lost your phone.</a:t>
+            </a:r>
+          </a:p>
+        </p:txBody>
+      </p:sp>
+      <p:sp>
+        <p:nvSpPr>
+          <p:cNvPr id="8" name="AutoShape 10" descr="https://lh3.googleusercontent.com/SClWEmbk7QxxuKiWshok2T45vAwEQYCduisnnGORqrha7KfpQsvFZa0xac_jyj_tE9Mn=w1920-h947-rw">
+            <a:extLst>
+              <a:ext uri="{FF2B5EF4-FFF2-40B4-BE49-F238E27FC236}">
+                <a16:creationId xmlns:a16="http://schemas.microsoft.com/office/drawing/2014/main" id="{35F208E5-7037-43C1-A023-1454F9383ED2}"/>
+              </a:ext>
+            </a:extLst>
+          </p:cNvPr>
+          <p:cNvSpPr>
+            <a:spLocks noChangeAspect="1" noChangeArrowheads="1"/>
+          </p:cNvSpPr>
+          <p:nvPr/>
+        </p:nvSpPr>
+        <p:spPr bwMode="auto">
+          <a:xfrm>
+            <a:off x="5943600" y="3276600"/>
+            <a:ext cx="304800" cy="304800"/>
+          </a:xfrm>
+          <a:prstGeom prst="rect">
+            <a:avLst/>
+          </a:prstGeom>
+          <a:noFill/>
+          <a:extLst>
+            <a:ext uri="{909E8E84-426E-40DD-AFC4-6F175D3DCCD1}">
+              <a14:hiddenFill xmlns:a14="http://schemas.microsoft.com/office/drawing/2010/main">
+                <a:solidFill>
+                  <a:srgbClr val="FFFFFF"/>
+                </a:solidFill>
+              </a14:hiddenFill>
+            </a:ext>
+          </a:extLst>
+        </p:spPr>
+        <p:txBody>
+          <a:bodyPr vert="horz" wrap="square" lIns="91440" tIns="45720" rIns="91440" bIns="45720" numCol="1" anchor="t" anchorCtr="0" compatLnSpc="1">
+            <a:prstTxWarp prst="textNoShape">
+              <a:avLst/>
+            </a:prstTxWarp>
+          </a:bodyPr>
+          <a:lstStyle/>
+          <a:p>
+            <a:endParaRPr lang="en-US"/>
+          </a:p>
+        </p:txBody>
+      </p:sp>
+      <p:pic>
+        <p:nvPicPr>
+          <p:cNvPr id="1026" name="Picture 2" descr="https://i.imgur.com/6AnLddq.png">
+            <a:extLst>
+              <a:ext uri="{FF2B5EF4-FFF2-40B4-BE49-F238E27FC236}">
+                <a16:creationId xmlns:a16="http://schemas.microsoft.com/office/drawing/2014/main" id="{84D46A2C-71E3-43AA-9632-535B9E06B62D}"/>
+              </a:ext>
+            </a:extLst>
+          </p:cNvPr>
+          <p:cNvPicPr>
+            <a:picLocks noChangeAspect="1" noChangeArrowheads="1"/>
+          </p:cNvPicPr>
+          <p:nvPr/>
+        </p:nvPicPr>
+        <p:blipFill>
+          <a:blip r:embed="rId2">
+            <a:extLst>
+              <a:ext uri="{28A0092B-C50C-407E-A947-70E740481C1C}">
+                <a14:useLocalDpi xmlns:a14="http://schemas.microsoft.com/office/drawing/2010/main" val="0"/>
+              </a:ext>
+            </a:extLst>
+          </a:blip>
+          <a:srcRect/>
+          <a:stretch>
+            <a:fillRect/>
+          </a:stretch>
+        </p:blipFill>
+        <p:spPr bwMode="auto">
+          <a:xfrm>
+            <a:off x="9805161" y="1230794"/>
+            <a:ext cx="1905000" cy="1905000"/>
+          </a:xfrm>
+          <a:prstGeom prst="rect">
+            <a:avLst/>
+          </a:prstGeom>
+          <a:noFill/>
+          <a:extLst>
+            <a:ext uri="{909E8E84-426E-40DD-AFC4-6F175D3DCCD1}">
+              <a14:hiddenFill xmlns:a14="http://schemas.microsoft.com/office/drawing/2010/main">
+                <a:solidFill>
+                  <a:srgbClr val="FFFFFF"/>
+                </a:solidFill>
+              </a14:hiddenFill>
+            </a:ext>
+          </a:extLst>
+        </p:spPr>
+      </p:pic>
+    </p:spTree>
+    <p:extLst>
+      <p:ext uri="{BB962C8B-B14F-4D97-AF65-F5344CB8AC3E}">
+        <p14:creationId xmlns:p14="http://schemas.microsoft.com/office/powerpoint/2010/main" val="3916235985"/>
+      </p:ext>
+    </p:extLst>
+  </p:cSld>
+  <p:clrMapOvr>
+    <a:masterClrMapping/>
+  </p:clrMapOvr>
+</p:sld>
+</file>
+
+<file path=ppt/slides/slide27.xml><?xml version="1.0" encoding="utf-8"?>
+<p:sld xmlns:a="http://schemas.openxmlformats.org/drawingml/2006/main" xmlns:r="http://schemas.openxmlformats.org/officeDocument/2006/relationships" xmlns:p="http://schemas.openxmlformats.org/presentationml/2006/main">
+  <p:cSld>
+    <p:spTree>
+      <p:nvGrpSpPr>
+        <p:cNvPr id="1" name=""/>
+        <p:cNvGrpSpPr/>
+        <p:nvPr/>
+      </p:nvGrpSpPr>
+      <p:grpSpPr>
+        <a:xfrm>
+          <a:off x="0" y="0"/>
+          <a:ext cx="0" cy="0"/>
+          <a:chOff x="0" y="0"/>
+          <a:chExt cx="0" cy="0"/>
+        </a:xfrm>
+      </p:grpSpPr>
+      <p:sp>
+        <p:nvSpPr>
+          <p:cNvPr id="2" name="Title 1">
+            <a:extLst>
+              <a:ext uri="{FF2B5EF4-FFF2-40B4-BE49-F238E27FC236}">
+                <a16:creationId xmlns:a16="http://schemas.microsoft.com/office/drawing/2014/main" id="{D0CBD092-444D-485B-B077-AE37DB7967F1}"/>
+              </a:ext>
+            </a:extLst>
+          </p:cNvPr>
+          <p:cNvSpPr>
+            <a:spLocks noGrp="1"/>
+          </p:cNvSpPr>
+          <p:nvPr>
+            <p:ph type="title"/>
+          </p:nvPr>
+        </p:nvSpPr>
+        <p:spPr>
+          <a:xfrm>
+            <a:off x="838200" y="365125"/>
+            <a:ext cx="10515600" cy="1325563"/>
+          </a:xfrm>
+        </p:spPr>
+        <p:txBody>
+          <a:bodyPr/>
+          <a:lstStyle/>
+          <a:p>
+            <a:r>
+              <a:rPr lang="en-US"/>
               <a:t>Hardware-Based Authentication</a:t>
             </a:r>
+            <a:endParaRPr lang="en-US" dirty="0"/>
           </a:p>
         </p:txBody>
       </p:sp>
@@ -7631,19 +8074,19 @@
         </p:spPr>
         <p:txBody>
           <a:bodyPr>
-            <a:normAutofit fontScale="92500" lnSpcReduction="10000"/>
+            <a:normAutofit fontScale="92500"/>
           </a:bodyPr>
           <a:lstStyle/>
           <a:p>
             <a:r>
               <a:rPr lang="en-US" sz="3600" dirty="0"/>
-              <a:t>Very similar to Software-based authentication, but not on a phone or app, rather, generated by a simple processor that generates number codes based on a pre-known secret. </a:t>
+              <a:t>Very similar to Software-based authentication, but not on a phone or app, rather, generated by a simple microprocessor that generates codes based on a pre-known secret. </a:t>
             </a:r>
           </a:p>
           <a:p>
             <a:r>
               <a:rPr lang="en-US" sz="3600" dirty="0"/>
-              <a:t>Or, a hardware key that integrates with software to provide a TFA presence only when plugged into a USB port on the accessing device, when a button is pressed.</a:t>
+              <a:t>Or, a hardware key that integrates with software to provide a TFA presence only when plugged into a USB port on your device.</a:t>
             </a:r>
           </a:p>
         </p:txBody>
@@ -7800,7 +8243,7 @@
 </p:sld>
 </file>
 
-<file path=ppt/slides/slide27.xml><?xml version="1.0" encoding="utf-8"?>
+<file path=ppt/slides/slide28.xml><?xml version="1.0" encoding="utf-8"?>
 <p:sld xmlns:a="http://schemas.openxmlformats.org/drawingml/2006/main" xmlns:r="http://schemas.openxmlformats.org/officeDocument/2006/relationships" xmlns:p="http://schemas.openxmlformats.org/presentationml/2006/main">
   <p:cSld>
     <p:spTree>
@@ -7839,7 +8282,7 @@
         </p:blipFill>
         <p:spPr>
           <a:xfrm>
-            <a:off x="7981949" y="3760062"/>
+            <a:off x="8353424" y="3716930"/>
             <a:ext cx="4210051" cy="2950299"/>
           </a:xfrm>
           <a:prstGeom prst="rect">
@@ -7899,34 +8342,33 @@
         </p:spPr>
         <p:txBody>
           <a:bodyPr>
-            <a:normAutofit lnSpcReduction="10000"/>
+            <a:normAutofit/>
           </a:bodyPr>
           <a:lstStyle/>
           <a:p>
             <a:r>
               <a:rPr lang="en-US" sz="3600" dirty="0"/>
-              <a:t>Some hardware based keys are easier because there’s no number, but ties physical security (your chain of keys) to digital security, not something you may be used to and will require you to change habits.</a:t>
+              <a:t>Ties physical security (your chain of keys) to digital security, not something you may be used to. Will require you to change habits.</a:t>
             </a:r>
           </a:p>
           <a:p>
             <a:r>
               <a:rPr lang="en-US" sz="3600" dirty="0"/>
-              <a:t>You can (and should!) create duplicate </a:t>
+              <a:t>You can (and should!) easy create duplicate </a:t>
             </a:r>
             <a:br>
               <a:rPr lang="en-US" sz="3600" dirty="0"/>
             </a:br>
             <a:r>
               <a:rPr lang="en-US" sz="3600" dirty="0"/>
-              <a:t>keys with the same secrets, store one </a:t>
-            </a:r>
-            <a:br>
-              <a:rPr lang="en-US" sz="3600" dirty="0"/>
-            </a:br>
-            <a:r>
-              <a:rPr lang="en-US" sz="3600" dirty="0"/>
-              <a:t>in a safe at home, for example.</a:t>
-            </a:r>
+              <a:t>keys for the same service with the same secrets, store one in a safe at home, for example.</a:t>
+            </a:r>
+          </a:p>
+          <a:p>
+            <a:pPr marL="0" indent="0">
+              <a:buNone/>
+            </a:pPr>
+            <a:endParaRPr lang="en-US" sz="2400" dirty="0"/>
           </a:p>
           <a:p>
             <a:pPr marL="0" indent="0">
@@ -7999,220 +8441,6 @@
     <p:extLst>
       <p:ext uri="{BB962C8B-B14F-4D97-AF65-F5344CB8AC3E}">
         <p14:creationId xmlns:p14="http://schemas.microsoft.com/office/powerpoint/2010/main" val="3698211945"/>
-      </p:ext>
-    </p:extLst>
-  </p:cSld>
-  <p:clrMapOvr>
-    <a:masterClrMapping/>
-  </p:clrMapOvr>
-</p:sld>
-</file>
-
-<file path=ppt/slides/slide28.xml><?xml version="1.0" encoding="utf-8"?>
-<p:sld xmlns:a="http://schemas.openxmlformats.org/drawingml/2006/main" xmlns:r="http://schemas.openxmlformats.org/officeDocument/2006/relationships" xmlns:p="http://schemas.openxmlformats.org/presentationml/2006/main">
-  <p:cSld>
-    <p:spTree>
-      <p:nvGrpSpPr>
-        <p:cNvPr id="1" name=""/>
-        <p:cNvGrpSpPr/>
-        <p:nvPr/>
-      </p:nvGrpSpPr>
-      <p:grpSpPr>
-        <a:xfrm>
-          <a:off x="0" y="0"/>
-          <a:ext cx="0" cy="0"/>
-          <a:chOff x="0" y="0"/>
-          <a:chExt cx="0" cy="0"/>
-        </a:xfrm>
-      </p:grpSpPr>
-      <p:sp>
-        <p:nvSpPr>
-          <p:cNvPr id="2" name="Title 1">
-            <a:extLst>
-              <a:ext uri="{FF2B5EF4-FFF2-40B4-BE49-F238E27FC236}">
-                <a16:creationId xmlns:a16="http://schemas.microsoft.com/office/drawing/2014/main" id="{D0CBD092-444D-485B-B077-AE37DB7967F1}"/>
-              </a:ext>
-            </a:extLst>
-          </p:cNvPr>
-          <p:cNvSpPr>
-            <a:spLocks noGrp="1"/>
-          </p:cNvSpPr>
-          <p:nvPr>
-            <p:ph type="title"/>
-          </p:nvPr>
-        </p:nvSpPr>
-        <p:spPr/>
-        <p:txBody>
-          <a:bodyPr/>
-          <a:lstStyle/>
-          <a:p>
-            <a:r>
-              <a:rPr lang="en-US" dirty="0"/>
-              <a:t>Hardware-Based Authentication</a:t>
-            </a:r>
-          </a:p>
-        </p:txBody>
-      </p:sp>
-      <p:sp>
-        <p:nvSpPr>
-          <p:cNvPr id="3" name="Content Placeholder 2">
-            <a:extLst>
-              <a:ext uri="{FF2B5EF4-FFF2-40B4-BE49-F238E27FC236}">
-                <a16:creationId xmlns:a16="http://schemas.microsoft.com/office/drawing/2014/main" id="{65B32B1F-E0DF-456C-B7E0-F6CB2CBEA651}"/>
-              </a:ext>
-            </a:extLst>
-          </p:cNvPr>
-          <p:cNvSpPr>
-            <a:spLocks noGrp="1"/>
-          </p:cNvSpPr>
-          <p:nvPr>
-            <p:ph idx="1"/>
-          </p:nvPr>
-        </p:nvSpPr>
-        <p:spPr>
-          <a:xfrm>
-            <a:off x="838199" y="1825625"/>
-            <a:ext cx="11258276" cy="4351338"/>
-          </a:xfrm>
-        </p:spPr>
-        <p:txBody>
-          <a:bodyPr>
-            <a:normAutofit fontScale="70000" lnSpcReduction="20000"/>
-          </a:bodyPr>
-          <a:lstStyle/>
-          <a:p>
-            <a:r>
-              <a:rPr lang="en-US" sz="5400" dirty="0"/>
-              <a:t>You need TFA for your phone, for email access, etc. </a:t>
-            </a:r>
-          </a:p>
-          <a:p>
-            <a:r>
-              <a:rPr lang="en-US" sz="5400" dirty="0"/>
-              <a:t>Some hardware-based keys support </a:t>
-            </a:r>
-            <a:br>
-              <a:rPr lang="en-US" sz="5400" dirty="0"/>
-            </a:br>
-            <a:r>
-              <a:rPr lang="en-US" sz="5400" dirty="0"/>
-              <a:t>Bluetooth or NFC, or, carry a USB-C</a:t>
-            </a:r>
-            <a:br>
-              <a:rPr lang="en-US" sz="5400" dirty="0"/>
-            </a:br>
-            <a:r>
-              <a:rPr lang="en-US" sz="5400" dirty="0"/>
-              <a:t>to USB adapter</a:t>
-            </a:r>
-          </a:p>
-          <a:p>
-            <a:r>
-              <a:rPr lang="en-US" sz="5400" dirty="0"/>
-              <a:t>Google’s Titan (right) is the only option </a:t>
-            </a:r>
-            <a:br>
-              <a:rPr lang="en-US" sz="5400" dirty="0"/>
-            </a:br>
-            <a:r>
-              <a:rPr lang="en-US" sz="5400" dirty="0"/>
-              <a:t>right now with Bluetooth and NFC</a:t>
-            </a:r>
-            <a:br>
-              <a:rPr lang="en-US" sz="5400" dirty="0"/>
-            </a:br>
-            <a:r>
-              <a:rPr lang="en-US" sz="5400" dirty="0"/>
-              <a:t>on the latest FIDO standard </a:t>
-            </a:r>
-          </a:p>
-          <a:p>
-            <a:r>
-              <a:rPr lang="en-US" sz="5400" dirty="0"/>
-              <a:t>Again, this is still an immature industry</a:t>
-            </a:r>
-          </a:p>
-        </p:txBody>
-      </p:sp>
-      <p:sp>
-        <p:nvSpPr>
-          <p:cNvPr id="8" name="AutoShape 10" descr="https://lh3.googleusercontent.com/SClWEmbk7QxxuKiWshok2T45vAwEQYCduisnnGORqrha7KfpQsvFZa0xac_jyj_tE9Mn=w1920-h947-rw">
-            <a:extLst>
-              <a:ext uri="{FF2B5EF4-FFF2-40B4-BE49-F238E27FC236}">
-                <a16:creationId xmlns:a16="http://schemas.microsoft.com/office/drawing/2014/main" id="{35F208E5-7037-43C1-A023-1454F9383ED2}"/>
-              </a:ext>
-            </a:extLst>
-          </p:cNvPr>
-          <p:cNvSpPr>
-            <a:spLocks noChangeAspect="1" noChangeArrowheads="1"/>
-          </p:cNvSpPr>
-          <p:nvPr/>
-        </p:nvSpPr>
-        <p:spPr bwMode="auto">
-          <a:xfrm>
-            <a:off x="5943600" y="3276600"/>
-            <a:ext cx="304800" cy="304800"/>
-          </a:xfrm>
-          <a:prstGeom prst="rect">
-            <a:avLst/>
-          </a:prstGeom>
-          <a:noFill/>
-          <a:extLst>
-            <a:ext uri="{909E8E84-426E-40DD-AFC4-6F175D3DCCD1}">
-              <a14:hiddenFill xmlns:a14="http://schemas.microsoft.com/office/drawing/2010/main">
-                <a:solidFill>
-                  <a:srgbClr val="FFFFFF"/>
-                </a:solidFill>
-              </a14:hiddenFill>
-            </a:ext>
-          </a:extLst>
-        </p:spPr>
-        <p:txBody>
-          <a:bodyPr vert="horz" wrap="square" lIns="91440" tIns="45720" rIns="91440" bIns="45720" numCol="1" anchor="t" anchorCtr="0" compatLnSpc="1">
-            <a:prstTxWarp prst="textNoShape">
-              <a:avLst/>
-            </a:prstTxWarp>
-          </a:bodyPr>
-          <a:lstStyle/>
-          <a:p>
-            <a:endParaRPr lang="en-US"/>
-          </a:p>
-        </p:txBody>
-      </p:sp>
-      <p:pic>
-        <p:nvPicPr>
-          <p:cNvPr id="4" name="Picture 3">
-            <a:extLst>
-              <a:ext uri="{FF2B5EF4-FFF2-40B4-BE49-F238E27FC236}">
-                <a16:creationId xmlns:a16="http://schemas.microsoft.com/office/drawing/2014/main" id="{BFB227FF-08F1-47EB-81AF-177D762D5024}"/>
-              </a:ext>
-            </a:extLst>
-          </p:cNvPr>
-          <p:cNvPicPr>
-            <a:picLocks noChangeAspect="1"/>
-          </p:cNvPicPr>
-          <p:nvPr/>
-        </p:nvPicPr>
-        <p:blipFill>
-          <a:blip r:embed="rId2"/>
-          <a:stretch>
-            <a:fillRect/>
-          </a:stretch>
-        </p:blipFill>
-        <p:spPr>
-          <a:xfrm>
-            <a:off x="8886102" y="2409248"/>
-            <a:ext cx="3210373" cy="3581900"/>
-          </a:xfrm>
-          <a:prstGeom prst="rect">
-            <a:avLst/>
-          </a:prstGeom>
-        </p:spPr>
-      </p:pic>
-    </p:spTree>
-    <p:extLst>
-      <p:ext uri="{BB962C8B-B14F-4D97-AF65-F5344CB8AC3E}">
-        <p14:creationId xmlns:p14="http://schemas.microsoft.com/office/powerpoint/2010/main" val="2552255179"/>
       </p:ext>
     </p:extLst>
   </p:cSld>
@@ -8262,7 +8490,7 @@
           <a:p>
             <a:r>
               <a:rPr lang="en-US" dirty="0"/>
-              <a:t>Can’t Trust Google Implicitly, But</a:t>
+              <a:t>Hardware-Based Authentication</a:t>
             </a:r>
           </a:p>
         </p:txBody>
@@ -8285,69 +8513,66 @@
         </p:nvSpPr>
         <p:spPr>
           <a:xfrm>
-            <a:off x="542926" y="1476375"/>
-            <a:ext cx="11087100" cy="5276850"/>
+            <a:off x="838199" y="1825625"/>
+            <a:ext cx="11258276" cy="4351338"/>
           </a:xfrm>
         </p:spPr>
         <p:txBody>
           <a:bodyPr>
-            <a:normAutofit/>
+            <a:normAutofit fontScale="77500" lnSpcReduction="20000"/>
           </a:bodyPr>
           <a:lstStyle/>
           <a:p>
             <a:r>
-              <a:rPr lang="en-US" sz="3600" dirty="0"/>
-              <a:t>Google offers a free platform utilizing hardware TFA for “</a:t>
-            </a:r>
-            <a:r>
-              <a:rPr lang="en-US" sz="3600" dirty="0">
-                <a:effectLst/>
-              </a:rPr>
-              <a:t>anyone at risk of targeted attacks – like journalists, activists, business leaders, and political campaign teams.</a:t>
-            </a:r>
-            <a:r>
-              <a:rPr lang="en-US" sz="3600" dirty="0"/>
-              <a:t>“ </a:t>
-            </a:r>
-            <a:r>
-              <a:rPr lang="en-US" sz="3600" dirty="0">
-                <a:hlinkClick r:id="rId2"/>
-              </a:rPr>
-              <a:t>https://landing.google.com/advancedprotection/</a:t>
-            </a:r>
-            <a:endParaRPr lang="en-US" sz="3600" dirty="0"/>
-          </a:p>
-          <a:p>
-            <a:r>
-              <a:rPr lang="en-US" sz="3600" dirty="0"/>
-              <a:t>“Google </a:t>
-            </a:r>
-            <a:r>
-              <a:rPr lang="en-US" sz="3600" b="1" dirty="0"/>
-              <a:t>has</a:t>
-            </a:r>
-            <a:r>
-              <a:rPr lang="en-US" sz="3600" dirty="0"/>
-              <a:t> </a:t>
-            </a:r>
-            <a:r>
-              <a:rPr lang="en-US" sz="3600" b="1" dirty="0"/>
-              <a:t>not had any of its 85,000+ employees successfully phished </a:t>
-            </a:r>
-            <a:r>
-              <a:rPr lang="en-US" sz="3600" dirty="0"/>
-              <a:t>on their work-related accounts since early 2017, when it began requiring all employees to use physical Security Keys in place of passwords and one-time codes.” </a:t>
-            </a:r>
-            <a:r>
-              <a:rPr lang="en-US" sz="1400" dirty="0">
-                <a:hlinkClick r:id="rId3"/>
-              </a:rPr>
-              <a:t>https://krebsonsecurity.com/2018/07/google-security-keys-neutralized-employee-phishing/</a:t>
-            </a:r>
-            <a:endParaRPr lang="en-US" sz="1400" dirty="0"/>
-          </a:p>
-          <a:p>
-            <a:endParaRPr lang="en-US" sz="3600" dirty="0"/>
+              <a:rPr lang="en-US" sz="5400" dirty="0"/>
+              <a:t>You need TFA for your phone too. </a:t>
+            </a:r>
+          </a:p>
+          <a:p>
+            <a:r>
+              <a:rPr lang="en-US" sz="5400" dirty="0"/>
+              <a:t>Some hardware-based keys support</a:t>
+            </a:r>
+            <a:br>
+              <a:rPr lang="en-US" sz="5400" dirty="0"/>
+            </a:br>
+            <a:r>
+              <a:rPr lang="en-US" sz="5400" dirty="0"/>
+              <a:t>Bluetooth or NFC, or, carry a USB-C</a:t>
+            </a:r>
+            <a:br>
+              <a:rPr lang="en-US" sz="5400" dirty="0"/>
+            </a:br>
+            <a:r>
+              <a:rPr lang="en-US" sz="5400" dirty="0"/>
+              <a:t>to USB adapter.</a:t>
+            </a:r>
+          </a:p>
+          <a:p>
+            <a:r>
+              <a:rPr lang="en-US" sz="5400" dirty="0"/>
+              <a:t>Google’s Titan (right) is the only </a:t>
+            </a:r>
+            <a:br>
+              <a:rPr lang="en-US" sz="5400" dirty="0"/>
+            </a:br>
+            <a:r>
+              <a:rPr lang="en-US" sz="5400" dirty="0"/>
+              <a:t>option right now with Bluetooth </a:t>
+            </a:r>
+            <a:br>
+              <a:rPr lang="en-US" sz="5400" dirty="0"/>
+            </a:br>
+            <a:r>
+              <a:rPr lang="en-US" sz="5400" dirty="0"/>
+              <a:t>and NFC on the latest standard.</a:t>
+            </a:r>
+          </a:p>
+          <a:p>
+            <a:r>
+              <a:rPr lang="en-US" sz="5400" dirty="0"/>
+              <a:t>Again, this is still an immature industry.</a:t>
+            </a:r>
           </a:p>
         </p:txBody>
       </p:sp>
@@ -8396,10 +8621,40 @@
           </a:p>
         </p:txBody>
       </p:sp>
+      <p:pic>
+        <p:nvPicPr>
+          <p:cNvPr id="4" name="Picture 3">
+            <a:extLst>
+              <a:ext uri="{FF2B5EF4-FFF2-40B4-BE49-F238E27FC236}">
+                <a16:creationId xmlns:a16="http://schemas.microsoft.com/office/drawing/2014/main" id="{BFB227FF-08F1-47EB-81AF-177D762D5024}"/>
+              </a:ext>
+            </a:extLst>
+          </p:cNvPr>
+          <p:cNvPicPr>
+            <a:picLocks noChangeAspect="1"/>
+          </p:cNvPicPr>
+          <p:nvPr/>
+        </p:nvPicPr>
+        <p:blipFill>
+          <a:blip r:embed="rId2"/>
+          <a:stretch>
+            <a:fillRect/>
+          </a:stretch>
+        </p:blipFill>
+        <p:spPr>
+          <a:xfrm>
+            <a:off x="8981627" y="1485650"/>
+            <a:ext cx="3210373" cy="3581900"/>
+          </a:xfrm>
+          <a:prstGeom prst="rect">
+            <a:avLst/>
+          </a:prstGeom>
+        </p:spPr>
+      </p:pic>
     </p:spTree>
     <p:extLst>
       <p:ext uri="{BB962C8B-B14F-4D97-AF65-F5344CB8AC3E}">
-        <p14:creationId xmlns:p14="http://schemas.microsoft.com/office/powerpoint/2010/main" val="2415589479"/>
+        <p14:creationId xmlns:p14="http://schemas.microsoft.com/office/powerpoint/2010/main" val="2552255179"/>
       </p:ext>
     </p:extLst>
   </p:cSld>
@@ -9129,7 +9384,7 @@
           <a:p>
             <a:r>
               <a:rPr lang="en-US" dirty="0"/>
-              <a:t>Google TFA FAQ</a:t>
+              <a:t>Can’t Trust Google Implicitly, But</a:t>
             </a:r>
           </a:p>
         </p:txBody>
@@ -9158,57 +9413,75 @@
         </p:spPr>
         <p:txBody>
           <a:bodyPr>
-            <a:normAutofit lnSpcReduction="10000"/>
+            <a:normAutofit/>
           </a:bodyPr>
           <a:lstStyle/>
           <a:p>
-            <a:pPr marL="0" indent="0">
-              <a:buNone/>
-            </a:pPr>
-            <a:r>
-              <a:rPr lang="en-US" sz="3200" b="1" dirty="0"/>
-              <a:t>Do I need to keep a Security Key with me at all times?</a:t>
-            </a:r>
-          </a:p>
-          <a:p>
-            <a:r>
-              <a:rPr lang="en-US" sz="3200" dirty="0"/>
-              <a:t>We recommend you </a:t>
-            </a:r>
-            <a:r>
-              <a:rPr lang="en-US" sz="3200" b="1" dirty="0"/>
-              <a:t>always keep a Security Key close</a:t>
-            </a:r>
-            <a:r>
-              <a:rPr lang="en-US" sz="3200" dirty="0"/>
-              <a:t> in case you log out of your account or need to sign in on a new device. In all likelihood, this will happen infrequently. Remember to take one with you when traveling.</a:t>
-            </a:r>
-          </a:p>
-          <a:p>
-            <a:pPr marL="0" indent="0">
-              <a:buNone/>
-            </a:pPr>
-            <a:r>
-              <a:rPr lang="en-US" sz="3200" b="1" dirty="0"/>
-              <a:t>What happens if I lose both of my Security Keys?</a:t>
-            </a:r>
-          </a:p>
-          <a:p>
-            <a:r>
-              <a:rPr lang="en-US" sz="3200" dirty="0"/>
-              <a:t>If you still have access to a logged-in session, you can visit </a:t>
-            </a:r>
-            <a:r>
-              <a:rPr lang="en-US" sz="3200" dirty="0">
+            <a:r>
+              <a:rPr lang="en-US" sz="3600" dirty="0"/>
+              <a:t>Google offers a free platform utilizing hardware TFA for “</a:t>
+            </a:r>
+            <a:r>
+              <a:rPr lang="en-US" sz="3600" dirty="0">
+                <a:effectLst/>
+              </a:rPr>
+              <a:t>anyone at risk of targeted attacks – like </a:t>
+            </a:r>
+            <a:r>
+              <a:rPr lang="en-US" sz="3600" b="1" dirty="0">
+                <a:effectLst/>
+              </a:rPr>
+              <a:t>journalists, activists, business leaders, and political teams</a:t>
+            </a:r>
+            <a:r>
+              <a:rPr lang="en-US" sz="3600" dirty="0">
+                <a:effectLst/>
+              </a:rPr>
+              <a:t>.</a:t>
+            </a:r>
+            <a:r>
+              <a:rPr lang="en-US" sz="3600" dirty="0"/>
+              <a:t>“ </a:t>
+            </a:r>
+            <a:r>
+              <a:rPr lang="en-US" sz="3600" dirty="0">
                 <a:hlinkClick r:id="rId2"/>
               </a:rPr>
-              <a:t>account.google.com</a:t>
-            </a:r>
-            <a:r>
-              <a:rPr lang="en-US" sz="3200" dirty="0"/>
-              <a:t> and register replacement keys in place of the lost keys. If you have lost both keys and do not have access to a logged-in session, you will need to submit a request to recover your account. It will take a few days for Google to verify it’s you and grant you access to your account.</a:t>
-            </a:r>
-            <a:endParaRPr lang="en-US" sz="2000" dirty="0"/>
+              <a:t>https://landing.google.com/advancedprotection/</a:t>
+            </a:r>
+            <a:endParaRPr lang="en-US" sz="3600" dirty="0"/>
+          </a:p>
+          <a:p>
+            <a:r>
+              <a:rPr lang="en-US" sz="3600" dirty="0"/>
+              <a:t>“Google </a:t>
+            </a:r>
+            <a:r>
+              <a:rPr lang="en-US" sz="3600" b="1" dirty="0"/>
+              <a:t>has</a:t>
+            </a:r>
+            <a:r>
+              <a:rPr lang="en-US" sz="3600" dirty="0"/>
+              <a:t> </a:t>
+            </a:r>
+            <a:r>
+              <a:rPr lang="en-US" sz="3600" b="1" dirty="0"/>
+              <a:t>not had any of its 85,000+ employees successfully phished </a:t>
+            </a:r>
+            <a:r>
+              <a:rPr lang="en-US" sz="3600" dirty="0"/>
+              <a:t>since early 2017, when it began requiring all employees to use physical Security Keys in place of passwords and one-time codes.” </a:t>
+            </a:r>
+            <a:r>
+              <a:rPr lang="en-US" sz="1400" dirty="0">
+                <a:hlinkClick r:id="rId3"/>
+              </a:rPr>
+              <a:t>https://krebsonsecurity.com/2018/07/google-security-keys-neutralized-employee-phishing/</a:t>
+            </a:r>
+            <a:endParaRPr lang="en-US" sz="1400" dirty="0"/>
+          </a:p>
+          <a:p>
+            <a:endParaRPr lang="en-US" sz="3600" dirty="0"/>
           </a:p>
         </p:txBody>
       </p:sp>
@@ -9260,7 +9533,7 @@
     </p:spTree>
     <p:extLst>
       <p:ext uri="{BB962C8B-B14F-4D97-AF65-F5344CB8AC3E}">
-        <p14:creationId xmlns:p14="http://schemas.microsoft.com/office/powerpoint/2010/main" val="3580237662"/>
+        <p14:creationId xmlns:p14="http://schemas.microsoft.com/office/powerpoint/2010/main" val="2415589479"/>
       </p:ext>
     </p:extLst>
   </p:cSld>
@@ -9310,7 +9583,7 @@
           <a:p>
             <a:r>
               <a:rPr lang="en-US" dirty="0"/>
-              <a:t>Hardware-Based Authentication</a:t>
+              <a:t>Personal Practical Cybersecurity</a:t>
             </a:r>
           </a:p>
         </p:txBody>
@@ -9344,8 +9617,28 @@
           <a:lstStyle/>
           <a:p>
             <a:r>
-              <a:rPr lang="en-US" sz="3600" dirty="0"/>
-              <a:t>This hardware-based TFA industry is still somewhat immature and is advancing, but this is not an excuse to not act. Take steps now!</a:t>
+              <a:rPr lang="en-US" sz="4000" dirty="0"/>
+              <a:t>The TFA industry and various sites’ implementations are still immature and is advancing quickly, hindered by the cost and sophistication but </a:t>
+            </a:r>
+            <a:r>
+              <a:rPr lang="en-US" sz="4000" b="1"/>
+              <a:t>mostly hindered by </a:t>
+            </a:r>
+            <a:r>
+              <a:rPr lang="en-US" sz="4000" b="1" dirty="0"/>
+              <a:t>user resistance to change. </a:t>
+            </a:r>
+          </a:p>
+          <a:p>
+            <a:r>
+              <a:rPr lang="en-US" sz="4000" dirty="0"/>
+              <a:t>This is not an excuse. </a:t>
+            </a:r>
+          </a:p>
+          <a:p>
+            <a:r>
+              <a:rPr lang="en-US" sz="4000" dirty="0"/>
+              <a:t>Take steps now!</a:t>
             </a:r>
           </a:p>
         </p:txBody>
@@ -10196,7 +10489,7 @@
           <a:p>
             <a:r>
               <a:rPr lang="en-US" dirty="0"/>
-              <a:t>Password Hygiene </a:t>
+              <a:t>Mobile Phones</a:t>
             </a:r>
           </a:p>
         </p:txBody>
@@ -10224,43 +10517,59 @@
           </a:bodyPr>
           <a:lstStyle/>
           <a:p>
+            <a:pPr marL="0" indent="0">
+              <a:buNone/>
+            </a:pPr>
             <a:r>
               <a:rPr lang="en-US" sz="4400" dirty="0"/>
-              <a:t>True now and always:</a:t>
-            </a:r>
+              <a:t>Lock your phones, set it to automatically lock</a:t>
+            </a:r>
+          </a:p>
+          <a:p>
+            <a:pPr marL="0" indent="0">
+              <a:buNone/>
+            </a:pPr>
+            <a:endParaRPr lang="en-US" sz="4400" dirty="0"/>
           </a:p>
           <a:p>
             <a:r>
               <a:rPr lang="en-US" sz="4400" dirty="0"/>
-              <a:t>Password length &gt; Password complexity</a:t>
-            </a:r>
-          </a:p>
-          <a:p>
-            <a:pPr lvl="1"/>
+              <a:t>Your phones = your email</a:t>
+            </a:r>
+          </a:p>
+          <a:p>
+            <a:r>
+              <a:rPr lang="en-US" sz="4400" dirty="0"/>
+              <a:t>Your email = reset of any of your passwords</a:t>
+            </a:r>
+          </a:p>
+          <a:p>
+            <a:pPr marL="0" indent="0">
+              <a:buNone/>
+            </a:pPr>
             <a:r>
               <a:rPr lang="en-US" sz="4000" dirty="0"/>
-              <a:t>Password complexity leads directly to bad security habits (post-it notes or easy to guess)</a:t>
+              <a:t>therefore</a:t>
             </a:r>
           </a:p>
           <a:p>
             <a:r>
               <a:rPr lang="en-US" sz="4400" dirty="0"/>
-              <a:t>Password uniqueness &gt; Password length</a:t>
-            </a:r>
-          </a:p>
-          <a:p>
-            <a:r>
-              <a:rPr lang="en-US" sz="4400" dirty="0"/>
-              <a:t>Passwords alone are terrible security</a:t>
-            </a:r>
-            <a:endParaRPr lang="en-US" sz="4000" dirty="0"/>
+              <a:t>Your phone = all of your accounts</a:t>
+            </a:r>
+          </a:p>
+          <a:p>
+            <a:pPr marL="0" indent="0">
+              <a:buNone/>
+            </a:pPr>
+            <a:endParaRPr lang="en-US" sz="4400" dirty="0"/>
           </a:p>
         </p:txBody>
       </p:sp>
     </p:spTree>
     <p:extLst>
       <p:ext uri="{BB962C8B-B14F-4D97-AF65-F5344CB8AC3E}">
-        <p14:creationId xmlns:p14="http://schemas.microsoft.com/office/powerpoint/2010/main" val="3735776281"/>
+        <p14:creationId xmlns:p14="http://schemas.microsoft.com/office/powerpoint/2010/main" val="2480341372"/>
       </p:ext>
     </p:extLst>
   </p:cSld>
@@ -10310,7 +10619,7 @@
           <a:p>
             <a:r>
               <a:rPr lang="en-US" dirty="0"/>
-              <a:t>Password Managers </a:t>
+              <a:t>Password Hygiene </a:t>
             </a:r>
           </a:p>
         </p:txBody>
@@ -10338,77 +10647,54 @@
           </a:bodyPr>
           <a:lstStyle/>
           <a:p>
-            <a:r>
-              <a:rPr lang="en-US" sz="4000" u="sng" dirty="0"/>
-              <a:t>Basic idea</a:t>
-            </a:r>
+            <a:pPr marL="0" indent="0">
+              <a:buNone/>
+            </a:pPr>
+            <a:r>
+              <a:rPr lang="en-US" sz="4400" dirty="0"/>
+              <a:t>True now and always:</a:t>
+            </a:r>
+          </a:p>
+          <a:p>
+            <a:r>
+              <a:rPr lang="en-US" sz="4400" dirty="0"/>
+              <a:t>Password length &gt; Password complexity</a:t>
+            </a:r>
+          </a:p>
+          <a:p>
+            <a:pPr lvl="1"/>
             <a:r>
               <a:rPr lang="en-US" sz="4000" dirty="0"/>
-              <a:t>: You have </a:t>
-            </a:r>
-            <a:r>
-              <a:rPr lang="en-US" sz="4000" b="1" dirty="0"/>
-              <a:t>one unique super password</a:t>
-            </a:r>
-            <a:r>
-              <a:rPr lang="en-US" sz="4000" dirty="0"/>
-              <a:t> to unlock everything else. </a:t>
-            </a:r>
-            <a:r>
-              <a:rPr lang="en-US" dirty="0"/>
-              <a:t>Obviously, don’t re-use it.</a:t>
+              <a:t>Policies of high password complexity and frequent changes lead directly to bad habits</a:t>
+            </a:r>
+          </a:p>
+          <a:p>
+            <a:r>
+              <a:rPr lang="en-US" sz="4400" dirty="0"/>
+              <a:t>Password uniqueness &gt; Password length</a:t>
+            </a:r>
+          </a:p>
+          <a:p>
+            <a:r>
+              <a:rPr lang="en-US" sz="4400" dirty="0"/>
+              <a:t>Passwords </a:t>
+            </a:r>
+            <a:r>
+              <a:rPr lang="en-US" sz="4400" i="1" dirty="0"/>
+              <a:t>alone</a:t>
+            </a:r>
+            <a:r>
+              <a:rPr lang="en-US" sz="4400" dirty="0"/>
+              <a:t> are terrible security</a:t>
             </a:r>
             <a:endParaRPr lang="en-US" sz="4000" dirty="0"/>
-          </a:p>
-          <a:p>
-            <a:r>
-              <a:rPr lang="en-US" sz="4000" u="sng" dirty="0"/>
-              <a:t>Pro</a:t>
-            </a:r>
-            <a:r>
-              <a:rPr lang="en-US" sz="4000" dirty="0"/>
-              <a:t>: All your passwords are super long, super strong, </a:t>
-            </a:r>
-            <a:r>
-              <a:rPr lang="en-US" sz="4000" b="1" dirty="0"/>
-              <a:t>unique</a:t>
-            </a:r>
-            <a:r>
-              <a:rPr lang="en-US" sz="4000" dirty="0"/>
-              <a:t>, and available to you anywhere</a:t>
-            </a:r>
-          </a:p>
-          <a:p>
-            <a:r>
-              <a:rPr lang="en-US" sz="4000" u="sng" dirty="0"/>
-              <a:t>Con</a:t>
-            </a:r>
-            <a:r>
-              <a:rPr lang="en-US" sz="4000" dirty="0"/>
-              <a:t>: forget the </a:t>
-            </a:r>
-            <a:r>
-              <a:rPr lang="en-US" sz="4000" b="1" dirty="0"/>
-              <a:t>one unique super password</a:t>
-            </a:r>
-            <a:r>
-              <a:rPr lang="en-US" sz="4000" dirty="0"/>
-              <a:t> despite typing it in all the time? </a:t>
-            </a:r>
-            <a:br>
-              <a:rPr lang="en-US" sz="4000" dirty="0"/>
-            </a:br>
-            <a:r>
-              <a:rPr lang="en-US" sz="4000" dirty="0"/>
-              <a:t>They cannot decrypt your passwords for you.</a:t>
-            </a:r>
           </a:p>
         </p:txBody>
       </p:sp>
     </p:spTree>
     <p:extLst>
       <p:ext uri="{BB962C8B-B14F-4D97-AF65-F5344CB8AC3E}">
-        <p14:creationId xmlns:p14="http://schemas.microsoft.com/office/powerpoint/2010/main" val="2001328530"/>
+        <p14:creationId xmlns:p14="http://schemas.microsoft.com/office/powerpoint/2010/main" val="3735776281"/>
       </p:ext>
     </p:extLst>
   </p:cSld>

--- a/Personal Practical Cybersecurity/Personal Practical Cybersecurity.pptx
+++ b/Personal Practical Cybersecurity/Personal Practical Cybersecurity.pptx
@@ -7,9 +7,9 @@
   <p:sldIdLst>
     <p:sldId id="256" r:id="rId2"/>
     <p:sldId id="260" r:id="rId3"/>
-    <p:sldId id="280" r:id="rId4"/>
-    <p:sldId id="282" r:id="rId5"/>
-    <p:sldId id="292" r:id="rId6"/>
+    <p:sldId id="292" r:id="rId4"/>
+    <p:sldId id="280" r:id="rId5"/>
+    <p:sldId id="282" r:id="rId6"/>
     <p:sldId id="261" r:id="rId7"/>
     <p:sldId id="268" r:id="rId8"/>
     <p:sldId id="294" r:id="rId9"/>
@@ -31,12 +31,13 @@
     <p:sldId id="271" r:id="rId25"/>
     <p:sldId id="286" r:id="rId26"/>
     <p:sldId id="274" r:id="rId27"/>
-    <p:sldId id="275" r:id="rId28"/>
-    <p:sldId id="277" r:id="rId29"/>
-    <p:sldId id="284" r:id="rId30"/>
-    <p:sldId id="276" r:id="rId31"/>
-    <p:sldId id="283" r:id="rId32"/>
-    <p:sldId id="273" r:id="rId33"/>
+    <p:sldId id="295" r:id="rId28"/>
+    <p:sldId id="275" r:id="rId29"/>
+    <p:sldId id="277" r:id="rId30"/>
+    <p:sldId id="284" r:id="rId31"/>
+    <p:sldId id="276" r:id="rId32"/>
+    <p:sldId id="283" r:id="rId33"/>
+    <p:sldId id="273" r:id="rId34"/>
   </p:sldIdLst>
   <p:sldSz cx="12192000" cy="6858000"/>
   <p:notesSz cx="6858000" cy="9144000"/>
@@ -146,7 +147,7 @@
 <file path=ppt/revisionInfo.xml><?xml version="1.0" encoding="utf-8"?>
 <p1510:revInfo xmlns:a="http://schemas.openxmlformats.org/drawingml/2006/main" xmlns:r="http://schemas.openxmlformats.org/officeDocument/2006/relationships" xmlns:p1510="http://schemas.microsoft.com/office/powerpoint/2015/10/main">
   <p1510:revLst>
-    <p1510:client id="{21780EC7-48F1-479C-B262-47D82C4FC68B}" v="68" dt="2019-07-07T02:46:42.651"/>
+    <p1510:client id="{661F648E-E2FA-44A4-A62C-A104C39D23A7}" v="20" dt="2019-07-16T19:50:09.460"/>
   </p1510:revLst>
 </p1510:revInfo>
 </file>
@@ -899,21 +900,6 @@
           </ac:picMkLst>
         </pc:picChg>
       </pc:sldChg>
-      <pc:sldChg chg="modSp del">
-        <pc:chgData name="william a" userId="c66c7249b60d4ab2" providerId="LiveId" clId="{21780EC7-48F1-479C-B262-47D82C4FC68B}" dt="2019-07-07T02:50:39.452" v="2381" actId="2696"/>
-        <pc:sldMkLst>
-          <pc:docMk/>
-          <pc:sldMk cId="3580237662" sldId="285"/>
-        </pc:sldMkLst>
-        <pc:spChg chg="mod">
-          <ac:chgData name="william a" userId="c66c7249b60d4ab2" providerId="LiveId" clId="{21780EC7-48F1-479C-B262-47D82C4FC68B}" dt="2019-07-01T23:12:10.803" v="1008" actId="27636"/>
-          <ac:spMkLst>
-            <pc:docMk/>
-            <pc:sldMk cId="3580237662" sldId="285"/>
-            <ac:spMk id="3" creationId="{65B32B1F-E0DF-456C-B7E0-F6CB2CBEA651}"/>
-          </ac:spMkLst>
-        </pc:spChg>
-      </pc:sldChg>
       <pc:sldChg chg="modSp">
         <pc:chgData name="william a" userId="c66c7249b60d4ab2" providerId="LiveId" clId="{21780EC7-48F1-479C-B262-47D82C4FC68B}" dt="2019-07-07T02:45:13.867" v="2223" actId="6549"/>
         <pc:sldMkLst>
@@ -1096,7 +1082,7 @@
   <pc:docChgLst>
     <pc:chgData name="william a" userId="c66c7249b60d4ab2" providerId="LiveId" clId="{661F648E-E2FA-44A4-A62C-A104C39D23A7}"/>
     <pc:docChg chg="undo custSel addSld modSld sldOrd">
-      <pc:chgData name="william a" userId="c66c7249b60d4ab2" providerId="LiveId" clId="{661F648E-E2FA-44A4-A62C-A104C39D23A7}" dt="2019-07-03T19:33:12.997" v="2011" actId="27636"/>
+      <pc:chgData name="william a" userId="c66c7249b60d4ab2" providerId="LiveId" clId="{661F648E-E2FA-44A4-A62C-A104C39D23A7}" dt="2019-07-16T19:52:40.931" v="3163" actId="20577"/>
       <pc:docMkLst>
         <pc:docMk/>
       </pc:docMkLst>
@@ -1268,19 +1254,42 @@
         </pc:picChg>
       </pc:sldChg>
       <pc:sldChg chg="modSp">
-        <pc:chgData name="william a" userId="c66c7249b60d4ab2" providerId="LiveId" clId="{661F648E-E2FA-44A4-A62C-A104C39D23A7}" dt="2019-07-03T17:15:29.010" v="799" actId="27636"/>
+        <pc:chgData name="william a" userId="c66c7249b60d4ab2" providerId="LiveId" clId="{661F648E-E2FA-44A4-A62C-A104C39D23A7}" dt="2019-07-16T19:50:11.606" v="2972" actId="6549"/>
         <pc:sldMkLst>
           <pc:docMk/>
           <pc:sldMk cId="2070803440" sldId="273"/>
         </pc:sldMkLst>
         <pc:spChg chg="mod">
-          <ac:chgData name="william a" userId="c66c7249b60d4ab2" providerId="LiveId" clId="{661F648E-E2FA-44A4-A62C-A104C39D23A7}" dt="2019-07-03T17:15:29.010" v="799" actId="27636"/>
+          <ac:chgData name="william a" userId="c66c7249b60d4ab2" providerId="LiveId" clId="{661F648E-E2FA-44A4-A62C-A104C39D23A7}" dt="2019-07-16T19:50:11.606" v="2972" actId="6549"/>
           <ac:spMkLst>
             <pc:docMk/>
             <pc:sldMk cId="2070803440" sldId="273"/>
             <ac:spMk id="3" creationId="{65B32B1F-E0DF-456C-B7E0-F6CB2CBEA651}"/>
           </ac:spMkLst>
         </pc:spChg>
+      </pc:sldChg>
+      <pc:sldChg chg="modSp">
+        <pc:chgData name="william a" userId="c66c7249b60d4ab2" providerId="LiveId" clId="{661F648E-E2FA-44A4-A62C-A104C39D23A7}" dt="2019-07-16T19:41:44.855" v="2041" actId="14100"/>
+        <pc:sldMkLst>
+          <pc:docMk/>
+          <pc:sldMk cId="3916235985" sldId="274"/>
+        </pc:sldMkLst>
+        <pc:spChg chg="mod">
+          <ac:chgData name="william a" userId="c66c7249b60d4ab2" providerId="LiveId" clId="{661F648E-E2FA-44A4-A62C-A104C39D23A7}" dt="2019-07-16T19:41:41.265" v="2040" actId="1076"/>
+          <ac:spMkLst>
+            <pc:docMk/>
+            <pc:sldMk cId="3916235985" sldId="274"/>
+            <ac:spMk id="3" creationId="{65B32B1F-E0DF-456C-B7E0-F6CB2CBEA651}"/>
+          </ac:spMkLst>
+        </pc:spChg>
+        <pc:picChg chg="mod">
+          <ac:chgData name="william a" userId="c66c7249b60d4ab2" providerId="LiveId" clId="{661F648E-E2FA-44A4-A62C-A104C39D23A7}" dt="2019-07-16T19:41:44.855" v="2041" actId="14100"/>
+          <ac:picMkLst>
+            <pc:docMk/>
+            <pc:sldMk cId="3916235985" sldId="274"/>
+            <ac:picMk id="1026" creationId="{84D46A2C-71E3-43AA-9632-535B9E06B62D}"/>
+          </ac:picMkLst>
+        </pc:picChg>
       </pc:sldChg>
       <pc:sldChg chg="modSp">
         <pc:chgData name="william a" userId="c66c7249b60d4ab2" providerId="LiveId" clId="{661F648E-E2FA-44A4-A62C-A104C39D23A7}" dt="2019-07-03T19:33:12.997" v="2011" actId="27636"/>
@@ -1298,19 +1307,50 @@
         </pc:spChg>
       </pc:sldChg>
       <pc:sldChg chg="modSp">
-        <pc:chgData name="william a" userId="c66c7249b60d4ab2" providerId="LiveId" clId="{661F648E-E2FA-44A4-A62C-A104C39D23A7}" dt="2019-07-03T19:23:17.094" v="1109" actId="313"/>
+        <pc:chgData name="william a" userId="c66c7249b60d4ab2" providerId="LiveId" clId="{661F648E-E2FA-44A4-A62C-A104C39D23A7}" dt="2019-07-16T19:51:08.906" v="2981" actId="5793"/>
         <pc:sldMkLst>
           <pc:docMk/>
           <pc:sldMk cId="24948884" sldId="279"/>
         </pc:sldMkLst>
         <pc:spChg chg="mod">
-          <ac:chgData name="william a" userId="c66c7249b60d4ab2" providerId="LiveId" clId="{661F648E-E2FA-44A4-A62C-A104C39D23A7}" dt="2019-07-03T19:23:17.094" v="1109" actId="313"/>
+          <ac:chgData name="william a" userId="c66c7249b60d4ab2" providerId="LiveId" clId="{661F648E-E2FA-44A4-A62C-A104C39D23A7}" dt="2019-07-16T19:51:08.906" v="2981" actId="5793"/>
+          <ac:spMkLst>
+            <pc:docMk/>
+            <pc:sldMk cId="24948884" sldId="279"/>
+            <ac:spMk id="2" creationId="{D0CBD092-444D-485B-B077-AE37DB7967F1}"/>
+          </ac:spMkLst>
+        </pc:spChg>
+        <pc:spChg chg="mod">
+          <ac:chgData name="william a" userId="c66c7249b60d4ab2" providerId="LiveId" clId="{661F648E-E2FA-44A4-A62C-A104C39D23A7}" dt="2019-07-16T19:51:06.337" v="2977" actId="20577"/>
           <ac:spMkLst>
             <pc:docMk/>
             <pc:sldMk cId="24948884" sldId="279"/>
             <ac:spMk id="3" creationId="{65B32B1F-E0DF-456C-B7E0-F6CB2CBEA651}"/>
           </ac:spMkLst>
         </pc:spChg>
+      </pc:sldChg>
+      <pc:sldChg chg="addSp modSp">
+        <pc:chgData name="william a" userId="c66c7249b60d4ab2" providerId="LiveId" clId="{661F648E-E2FA-44A4-A62C-A104C39D23A7}" dt="2019-07-16T19:40:30.426" v="2034" actId="14100"/>
+        <pc:sldMkLst>
+          <pc:docMk/>
+          <pc:sldMk cId="3648181566" sldId="282"/>
+        </pc:sldMkLst>
+        <pc:spChg chg="mod">
+          <ac:chgData name="william a" userId="c66c7249b60d4ab2" providerId="LiveId" clId="{661F648E-E2FA-44A4-A62C-A104C39D23A7}" dt="2019-07-16T19:40:30.426" v="2034" actId="14100"/>
+          <ac:spMkLst>
+            <pc:docMk/>
+            <pc:sldMk cId="3648181566" sldId="282"/>
+            <ac:spMk id="3" creationId="{65B32B1F-E0DF-456C-B7E0-F6CB2CBEA651}"/>
+          </ac:spMkLst>
+        </pc:spChg>
+        <pc:picChg chg="add mod">
+          <ac:chgData name="william a" userId="c66c7249b60d4ab2" providerId="LiveId" clId="{661F648E-E2FA-44A4-A62C-A104C39D23A7}" dt="2019-07-16T19:40:20.936" v="2031" actId="1076"/>
+          <ac:picMkLst>
+            <pc:docMk/>
+            <pc:sldMk cId="3648181566" sldId="282"/>
+            <ac:picMk id="1026" creationId="{348F497A-DFBF-4283-82F7-04D4C4CDD43A}"/>
+          </ac:picMkLst>
+        </pc:picChg>
       </pc:sldChg>
       <pc:sldChg chg="modSp">
         <pc:chgData name="william a" userId="c66c7249b60d4ab2" providerId="LiveId" clId="{661F648E-E2FA-44A4-A62C-A104C39D23A7}" dt="2019-07-03T19:17:32.924" v="848" actId="6549"/>
@@ -1389,7 +1429,7 @@
         </pc:picChg>
       </pc:sldChg>
       <pc:sldChg chg="modSp add">
-        <pc:chgData name="william a" userId="c66c7249b60d4ab2" providerId="LiveId" clId="{661F648E-E2FA-44A4-A62C-A104C39D23A7}" dt="2019-07-03T19:25:47.588" v="1538" actId="27636"/>
+        <pc:chgData name="william a" userId="c66c7249b60d4ab2" providerId="LiveId" clId="{661F648E-E2FA-44A4-A62C-A104C39D23A7}" dt="2019-07-16T19:52:40.931" v="3163" actId="20577"/>
         <pc:sldMkLst>
           <pc:docMk/>
           <pc:sldMk cId="2578182766" sldId="291"/>
@@ -1403,7 +1443,7 @@
           </ac:spMkLst>
         </pc:spChg>
         <pc:spChg chg="mod">
-          <ac:chgData name="william a" userId="c66c7249b60d4ab2" providerId="LiveId" clId="{661F648E-E2FA-44A4-A62C-A104C39D23A7}" dt="2019-07-03T19:25:47.588" v="1538" actId="27636"/>
+          <ac:chgData name="william a" userId="c66c7249b60d4ab2" providerId="LiveId" clId="{661F648E-E2FA-44A4-A62C-A104C39D23A7}" dt="2019-07-16T19:52:40.931" v="3163" actId="20577"/>
           <ac:spMkLst>
             <pc:docMk/>
             <pc:sldMk cId="2578182766" sldId="291"/>
@@ -1412,7 +1452,7 @@
         </pc:spChg>
       </pc:sldChg>
       <pc:sldChg chg="modSp add ord">
-        <pc:chgData name="william a" userId="c66c7249b60d4ab2" providerId="LiveId" clId="{661F648E-E2FA-44A4-A62C-A104C39D23A7}" dt="2019-07-03T19:31:11.165" v="1990"/>
+        <pc:chgData name="william a" userId="c66c7249b60d4ab2" providerId="LiveId" clId="{661F648E-E2FA-44A4-A62C-A104C39D23A7}" dt="2019-07-16T19:39:22.744" v="2012"/>
         <pc:sldMkLst>
           <pc:docMk/>
           <pc:sldMk cId="292957853" sldId="292"/>
@@ -1433,6 +1473,52 @@
             <ac:spMk id="3" creationId="{65B32B1F-E0DF-456C-B7E0-F6CB2CBEA651}"/>
           </ac:spMkLst>
         </pc:spChg>
+      </pc:sldChg>
+      <pc:sldChg chg="modSp">
+        <pc:chgData name="william a" userId="c66c7249b60d4ab2" providerId="LiveId" clId="{661F648E-E2FA-44A4-A62C-A104C39D23A7}" dt="2019-07-16T19:40:56.557" v="2038" actId="27636"/>
+        <pc:sldMkLst>
+          <pc:docMk/>
+          <pc:sldMk cId="2480341372" sldId="294"/>
+        </pc:sldMkLst>
+        <pc:spChg chg="mod">
+          <ac:chgData name="william a" userId="c66c7249b60d4ab2" providerId="LiveId" clId="{661F648E-E2FA-44A4-A62C-A104C39D23A7}" dt="2019-07-16T19:40:56.557" v="2038" actId="27636"/>
+          <ac:spMkLst>
+            <pc:docMk/>
+            <pc:sldMk cId="2480341372" sldId="294"/>
+            <ac:spMk id="3" creationId="{65B32B1F-E0DF-456C-B7E0-F6CB2CBEA651}"/>
+          </ac:spMkLst>
+        </pc:spChg>
+      </pc:sldChg>
+      <pc:sldChg chg="delSp modSp add">
+        <pc:chgData name="william a" userId="c66c7249b60d4ab2" providerId="LiveId" clId="{661F648E-E2FA-44A4-A62C-A104C39D23A7}" dt="2019-07-16T19:48:47.101" v="2954" actId="20577"/>
+        <pc:sldMkLst>
+          <pc:docMk/>
+          <pc:sldMk cId="4062060232" sldId="295"/>
+        </pc:sldMkLst>
+        <pc:spChg chg="mod">
+          <ac:chgData name="william a" userId="c66c7249b60d4ab2" providerId="LiveId" clId="{661F648E-E2FA-44A4-A62C-A104C39D23A7}" dt="2019-07-16T19:46:22.200" v="2739" actId="20577"/>
+          <ac:spMkLst>
+            <pc:docMk/>
+            <pc:sldMk cId="4062060232" sldId="295"/>
+            <ac:spMk id="2" creationId="{D0CBD092-444D-485B-B077-AE37DB7967F1}"/>
+          </ac:spMkLst>
+        </pc:spChg>
+        <pc:spChg chg="mod">
+          <ac:chgData name="william a" userId="c66c7249b60d4ab2" providerId="LiveId" clId="{661F648E-E2FA-44A4-A62C-A104C39D23A7}" dt="2019-07-16T19:48:47.101" v="2954" actId="20577"/>
+          <ac:spMkLst>
+            <pc:docMk/>
+            <pc:sldMk cId="4062060232" sldId="295"/>
+            <ac:spMk id="3" creationId="{65B32B1F-E0DF-456C-B7E0-F6CB2CBEA651}"/>
+          </ac:spMkLst>
+        </pc:spChg>
+        <pc:picChg chg="del">
+          <ac:chgData name="william a" userId="c66c7249b60d4ab2" providerId="LiveId" clId="{661F648E-E2FA-44A4-A62C-A104C39D23A7}" dt="2019-07-16T19:41:52.868" v="2043" actId="478"/>
+          <ac:picMkLst>
+            <pc:docMk/>
+            <pc:sldMk cId="4062060232" sldId="295"/>
+            <ac:picMk id="1026" creationId="{84D46A2C-71E3-43AA-9632-535B9E06B62D}"/>
+          </ac:picMkLst>
+        </pc:picChg>
       </pc:sldChg>
     </pc:docChg>
   </pc:docChgLst>
@@ -1586,7 +1672,7 @@
           <a:p>
             <a:fld id="{30D566E9-7533-4009-AB0E-92B8486EDC97}" type="datetimeFigureOut">
               <a:rPr lang="en-US" smtClean="0"/>
-              <a:t>7/6/2019</a:t>
+              <a:t>7/16/2019</a:t>
             </a:fld>
             <a:endParaRPr lang="en-US"/>
           </a:p>
@@ -1784,7 +1870,7 @@
           <a:p>
             <a:fld id="{30D566E9-7533-4009-AB0E-92B8486EDC97}" type="datetimeFigureOut">
               <a:rPr lang="en-US" smtClean="0"/>
-              <a:t>7/6/2019</a:t>
+              <a:t>7/16/2019</a:t>
             </a:fld>
             <a:endParaRPr lang="en-US"/>
           </a:p>
@@ -1992,7 +2078,7 @@
           <a:p>
             <a:fld id="{30D566E9-7533-4009-AB0E-92B8486EDC97}" type="datetimeFigureOut">
               <a:rPr lang="en-US" smtClean="0"/>
-              <a:t>7/6/2019</a:t>
+              <a:t>7/16/2019</a:t>
             </a:fld>
             <a:endParaRPr lang="en-US"/>
           </a:p>
@@ -2190,7 +2276,7 @@
           <a:p>
             <a:fld id="{30D566E9-7533-4009-AB0E-92B8486EDC97}" type="datetimeFigureOut">
               <a:rPr lang="en-US" smtClean="0"/>
-              <a:t>7/6/2019</a:t>
+              <a:t>7/16/2019</a:t>
             </a:fld>
             <a:endParaRPr lang="en-US"/>
           </a:p>
@@ -2465,7 +2551,7 @@
           <a:p>
             <a:fld id="{30D566E9-7533-4009-AB0E-92B8486EDC97}" type="datetimeFigureOut">
               <a:rPr lang="en-US" smtClean="0"/>
-              <a:t>7/6/2019</a:t>
+              <a:t>7/16/2019</a:t>
             </a:fld>
             <a:endParaRPr lang="en-US"/>
           </a:p>
@@ -2730,7 +2816,7 @@
           <a:p>
             <a:fld id="{30D566E9-7533-4009-AB0E-92B8486EDC97}" type="datetimeFigureOut">
               <a:rPr lang="en-US" smtClean="0"/>
-              <a:t>7/6/2019</a:t>
+              <a:t>7/16/2019</a:t>
             </a:fld>
             <a:endParaRPr lang="en-US"/>
           </a:p>
@@ -3142,7 +3228,7 @@
           <a:p>
             <a:fld id="{30D566E9-7533-4009-AB0E-92B8486EDC97}" type="datetimeFigureOut">
               <a:rPr lang="en-US" smtClean="0"/>
-              <a:t>7/6/2019</a:t>
+              <a:t>7/16/2019</a:t>
             </a:fld>
             <a:endParaRPr lang="en-US"/>
           </a:p>
@@ -3283,7 +3369,7 @@
           <a:p>
             <a:fld id="{30D566E9-7533-4009-AB0E-92B8486EDC97}" type="datetimeFigureOut">
               <a:rPr lang="en-US" smtClean="0"/>
-              <a:t>7/6/2019</a:t>
+              <a:t>7/16/2019</a:t>
             </a:fld>
             <a:endParaRPr lang="en-US"/>
           </a:p>
@@ -3396,7 +3482,7 @@
           <a:p>
             <a:fld id="{30D566E9-7533-4009-AB0E-92B8486EDC97}" type="datetimeFigureOut">
               <a:rPr lang="en-US" smtClean="0"/>
-              <a:t>7/6/2019</a:t>
+              <a:t>7/16/2019</a:t>
             </a:fld>
             <a:endParaRPr lang="en-US"/>
           </a:p>
@@ -3707,7 +3793,7 @@
           <a:p>
             <a:fld id="{30D566E9-7533-4009-AB0E-92B8486EDC97}" type="datetimeFigureOut">
               <a:rPr lang="en-US" smtClean="0"/>
-              <a:t>7/6/2019</a:t>
+              <a:t>7/16/2019</a:t>
             </a:fld>
             <a:endParaRPr lang="en-US"/>
           </a:p>
@@ -3995,7 +4081,7 @@
           <a:p>
             <a:fld id="{30D566E9-7533-4009-AB0E-92B8486EDC97}" type="datetimeFigureOut">
               <a:rPr lang="en-US" smtClean="0"/>
-              <a:t>7/6/2019</a:t>
+              <a:t>7/16/2019</a:t>
             </a:fld>
             <a:endParaRPr lang="en-US"/>
           </a:p>
@@ -4236,7 +4322,7 @@
           <a:p>
             <a:fld id="{30D566E9-7533-4009-AB0E-92B8486EDC97}" type="datetimeFigureOut">
               <a:rPr lang="en-US" smtClean="0"/>
-              <a:t>7/6/2019</a:t>
+              <a:t>7/16/2019</a:t>
             </a:fld>
             <a:endParaRPr lang="en-US"/>
           </a:p>
@@ -5790,7 +5876,7 @@
           <a:p>
             <a:r>
               <a:rPr lang="en-US" dirty="0"/>
-              <a:t>TFA is not new concept</a:t>
+              <a:t>TFA is not new concept…</a:t>
             </a:r>
           </a:p>
         </p:txBody>
@@ -5828,7 +5914,7 @@
             </a:pPr>
             <a:r>
               <a:rPr lang="en-US" sz="4300" dirty="0"/>
-              <a:t>but implementation is still developing and the industry is still </a:t>
+              <a:t>… but implementation is still developing and the industry is still </a:t>
             </a:r>
             <a:r>
               <a:rPr lang="en-US" sz="4300" b="1" dirty="0"/>
@@ -6829,20 +6915,28 @@
           <a:p>
             <a:r>
               <a:rPr lang="en-US" sz="3200" dirty="0"/>
-              <a:t>If the site uses Email authentication, the concept is the same as SMS-based authentication.</a:t>
+              <a:t>Email authentication’s vulnerability concept is similar to SMS-based authentication.</a:t>
             </a:r>
           </a:p>
           <a:p>
             <a:r>
               <a:rPr lang="en-US" sz="3200" dirty="0"/>
-              <a:t>But the vulnerabilities are largely the same – compromise the email account, and the “other factor” is compromised as well.</a:t>
-            </a:r>
+              <a:t>Compromise the email account, and the “other factor” is compromised as well </a:t>
+            </a:r>
+            <a:r>
+              <a:rPr lang="en-US" sz="3200"/>
+              <a:t>via password reset, etc.</a:t>
+            </a:r>
+            <a:endParaRPr lang="en-US" sz="3200" dirty="0"/>
           </a:p>
           <a:p>
             <a:r>
               <a:rPr lang="en-US" sz="3200" dirty="0"/>
-              <a:t>Also, Google and Apple offer integrated SMS in email. </a:t>
-            </a:r>
+              <a:t>Also, Google and Apple offer integrated SMS in email, so SMS sent to your phone is visible in email. Same problem. </a:t>
+            </a:r>
+          </a:p>
+          <a:p>
+            <a:endParaRPr lang="en-US" sz="3200" dirty="0"/>
           </a:p>
           <a:p>
             <a:r>
@@ -7843,7 +7937,7 @@
         </p:nvSpPr>
         <p:spPr>
           <a:xfrm>
-            <a:off x="838200" y="1825625"/>
+            <a:off x="461623" y="2000562"/>
             <a:ext cx="10668000" cy="4351338"/>
           </a:xfrm>
         </p:spPr>
@@ -7968,8 +8062,8 @@
         </p:blipFill>
         <p:spPr bwMode="auto">
           <a:xfrm>
-            <a:off x="9805161" y="1230794"/>
-            <a:ext cx="1905000" cy="1905000"/>
+            <a:off x="9088016" y="1230793"/>
+            <a:ext cx="2622145" cy="2622145"/>
           </a:xfrm>
           <a:prstGeom prst="rect">
             <a:avLst/>
@@ -8032,6 +8126,163 @@
             <p:ph type="title"/>
           </p:nvPr>
         </p:nvSpPr>
+        <p:spPr/>
+        <p:txBody>
+          <a:bodyPr/>
+          <a:lstStyle/>
+          <a:p>
+            <a:r>
+              <a:rPr lang="en-US" dirty="0"/>
+              <a:t>Multi-factor password alternatives</a:t>
+            </a:r>
+          </a:p>
+        </p:txBody>
+      </p:sp>
+      <p:sp>
+        <p:nvSpPr>
+          <p:cNvPr id="3" name="Content Placeholder 2">
+            <a:extLst>
+              <a:ext uri="{FF2B5EF4-FFF2-40B4-BE49-F238E27FC236}">
+                <a16:creationId xmlns:a16="http://schemas.microsoft.com/office/drawing/2014/main" id="{65B32B1F-E0DF-456C-B7E0-F6CB2CBEA651}"/>
+              </a:ext>
+            </a:extLst>
+          </p:cNvPr>
+          <p:cNvSpPr>
+            <a:spLocks noGrp="1"/>
+          </p:cNvSpPr>
+          <p:nvPr>
+            <p:ph idx="1"/>
+          </p:nvPr>
+        </p:nvSpPr>
+        <p:spPr>
+          <a:xfrm>
+            <a:off x="461623" y="1502229"/>
+            <a:ext cx="10668000" cy="4849671"/>
+          </a:xfrm>
+        </p:spPr>
+        <p:txBody>
+          <a:bodyPr>
+            <a:normAutofit lnSpcReduction="10000"/>
+          </a:bodyPr>
+          <a:lstStyle/>
+          <a:p>
+            <a:r>
+              <a:rPr lang="en-US" sz="3600" dirty="0"/>
+              <a:t>Complimentary alternatives to passwords have been pushed by Microsoft (and others) for using numeric PIN to access a cert on your device. </a:t>
+            </a:r>
+          </a:p>
+          <a:p>
+            <a:r>
+              <a:rPr lang="en-US" sz="3600" dirty="0"/>
+              <a:t>The PIN only works on that device with that cert. New device? No cert, PIN doesn’t work.</a:t>
+            </a:r>
+          </a:p>
+          <a:p>
+            <a:r>
+              <a:rPr lang="en-US" sz="3600" dirty="0"/>
+              <a:t>Microsoft Hello is a push to eliminate recurring access via passwords that work every where with PINs (or biometric data, or other hardware TFA) linked to a device cert. </a:t>
+            </a:r>
+          </a:p>
+          <a:p>
+            <a:pPr lvl="1"/>
+            <a:r>
+              <a:rPr lang="en-US" sz="3200" dirty="0"/>
+              <a:t>Initial sign-in with a username/password to set up?</a:t>
+            </a:r>
+          </a:p>
+        </p:txBody>
+      </p:sp>
+      <p:sp>
+        <p:nvSpPr>
+          <p:cNvPr id="8" name="AutoShape 10" descr="https://lh3.googleusercontent.com/SClWEmbk7QxxuKiWshok2T45vAwEQYCduisnnGORqrha7KfpQsvFZa0xac_jyj_tE9Mn=w1920-h947-rw">
+            <a:extLst>
+              <a:ext uri="{FF2B5EF4-FFF2-40B4-BE49-F238E27FC236}">
+                <a16:creationId xmlns:a16="http://schemas.microsoft.com/office/drawing/2014/main" id="{35F208E5-7037-43C1-A023-1454F9383ED2}"/>
+              </a:ext>
+            </a:extLst>
+          </p:cNvPr>
+          <p:cNvSpPr>
+            <a:spLocks noChangeAspect="1" noChangeArrowheads="1"/>
+          </p:cNvSpPr>
+          <p:nvPr/>
+        </p:nvSpPr>
+        <p:spPr bwMode="auto">
+          <a:xfrm>
+            <a:off x="5943600" y="3276600"/>
+            <a:ext cx="304800" cy="304800"/>
+          </a:xfrm>
+          <a:prstGeom prst="rect">
+            <a:avLst/>
+          </a:prstGeom>
+          <a:noFill/>
+          <a:extLst>
+            <a:ext uri="{909E8E84-426E-40DD-AFC4-6F175D3DCCD1}">
+              <a14:hiddenFill xmlns:a14="http://schemas.microsoft.com/office/drawing/2010/main">
+                <a:solidFill>
+                  <a:srgbClr val="FFFFFF"/>
+                </a:solidFill>
+              </a14:hiddenFill>
+            </a:ext>
+          </a:extLst>
+        </p:spPr>
+        <p:txBody>
+          <a:bodyPr vert="horz" wrap="square" lIns="91440" tIns="45720" rIns="91440" bIns="45720" numCol="1" anchor="t" anchorCtr="0" compatLnSpc="1">
+            <a:prstTxWarp prst="textNoShape">
+              <a:avLst/>
+            </a:prstTxWarp>
+          </a:bodyPr>
+          <a:lstStyle/>
+          <a:p>
+            <a:endParaRPr lang="en-US"/>
+          </a:p>
+        </p:txBody>
+      </p:sp>
+    </p:spTree>
+    <p:extLst>
+      <p:ext uri="{BB962C8B-B14F-4D97-AF65-F5344CB8AC3E}">
+        <p14:creationId xmlns:p14="http://schemas.microsoft.com/office/powerpoint/2010/main" val="4062060232"/>
+      </p:ext>
+    </p:extLst>
+  </p:cSld>
+  <p:clrMapOvr>
+    <a:masterClrMapping/>
+  </p:clrMapOvr>
+</p:sld>
+</file>
+
+<file path=ppt/slides/slide28.xml><?xml version="1.0" encoding="utf-8"?>
+<p:sld xmlns:a="http://schemas.openxmlformats.org/drawingml/2006/main" xmlns:r="http://schemas.openxmlformats.org/officeDocument/2006/relationships" xmlns:p="http://schemas.openxmlformats.org/presentationml/2006/main">
+  <p:cSld>
+    <p:spTree>
+      <p:nvGrpSpPr>
+        <p:cNvPr id="1" name=""/>
+        <p:cNvGrpSpPr/>
+        <p:nvPr/>
+      </p:nvGrpSpPr>
+      <p:grpSpPr>
+        <a:xfrm>
+          <a:off x="0" y="0"/>
+          <a:ext cx="0" cy="0"/>
+          <a:chOff x="0" y="0"/>
+          <a:chExt cx="0" cy="0"/>
+        </a:xfrm>
+      </p:grpSpPr>
+      <p:sp>
+        <p:nvSpPr>
+          <p:cNvPr id="2" name="Title 1">
+            <a:extLst>
+              <a:ext uri="{FF2B5EF4-FFF2-40B4-BE49-F238E27FC236}">
+                <a16:creationId xmlns:a16="http://schemas.microsoft.com/office/drawing/2014/main" id="{D0CBD092-444D-485B-B077-AE37DB7967F1}"/>
+              </a:ext>
+            </a:extLst>
+          </p:cNvPr>
+          <p:cNvSpPr>
+            <a:spLocks noGrp="1"/>
+          </p:cNvSpPr>
+          <p:nvPr>
+            <p:ph type="title"/>
+          </p:nvPr>
+        </p:nvSpPr>
         <p:spPr>
           <a:xfrm>
             <a:off x="838200" y="365125"/>
@@ -8243,7 +8494,7 @@
 </p:sld>
 </file>
 
-<file path=ppt/slides/slide28.xml><?xml version="1.0" encoding="utf-8"?>
+<file path=ppt/slides/slide29.xml><?xml version="1.0" encoding="utf-8"?>
 <p:sld xmlns:a="http://schemas.openxmlformats.org/drawingml/2006/main" xmlns:r="http://schemas.openxmlformats.org/officeDocument/2006/relationships" xmlns:p="http://schemas.openxmlformats.org/presentationml/2006/main">
   <p:cSld>
     <p:spTree>
@@ -8450,7 +8701,123 @@
 </p:sld>
 </file>
 
-<file path=ppt/slides/slide29.xml><?xml version="1.0" encoding="utf-8"?>
+<file path=ppt/slides/slide3.xml><?xml version="1.0" encoding="utf-8"?>
+<p:sld xmlns:a="http://schemas.openxmlformats.org/drawingml/2006/main" xmlns:r="http://schemas.openxmlformats.org/officeDocument/2006/relationships" xmlns:p="http://schemas.openxmlformats.org/presentationml/2006/main">
+  <p:cSld>
+    <p:spTree>
+      <p:nvGrpSpPr>
+        <p:cNvPr id="1" name=""/>
+        <p:cNvGrpSpPr/>
+        <p:nvPr/>
+      </p:nvGrpSpPr>
+      <p:grpSpPr>
+        <a:xfrm>
+          <a:off x="0" y="0"/>
+          <a:ext cx="0" cy="0"/>
+          <a:chOff x="0" y="0"/>
+          <a:chExt cx="0" cy="0"/>
+        </a:xfrm>
+      </p:grpSpPr>
+      <p:sp>
+        <p:nvSpPr>
+          <p:cNvPr id="2" name="Title 1">
+            <a:extLst>
+              <a:ext uri="{FF2B5EF4-FFF2-40B4-BE49-F238E27FC236}">
+                <a16:creationId xmlns:a16="http://schemas.microsoft.com/office/drawing/2014/main" id="{D0CBD092-444D-485B-B077-AE37DB7967F1}"/>
+              </a:ext>
+            </a:extLst>
+          </p:cNvPr>
+          <p:cNvSpPr>
+            <a:spLocks noGrp="1"/>
+          </p:cNvSpPr>
+          <p:nvPr>
+            <p:ph type="title"/>
+          </p:nvPr>
+        </p:nvSpPr>
+        <p:spPr/>
+        <p:txBody>
+          <a:bodyPr/>
+          <a:lstStyle/>
+          <a:p>
+            <a:r>
+              <a:rPr lang="en-US" dirty="0"/>
+              <a:t>Phishing</a:t>
+            </a:r>
+          </a:p>
+        </p:txBody>
+      </p:sp>
+      <p:sp>
+        <p:nvSpPr>
+          <p:cNvPr id="3" name="Content Placeholder 2">
+            <a:extLst>
+              <a:ext uri="{FF2B5EF4-FFF2-40B4-BE49-F238E27FC236}">
+                <a16:creationId xmlns:a16="http://schemas.microsoft.com/office/drawing/2014/main" id="{65B32B1F-E0DF-456C-B7E0-F6CB2CBEA651}"/>
+              </a:ext>
+            </a:extLst>
+          </p:cNvPr>
+          <p:cNvSpPr>
+            <a:spLocks noGrp="1"/>
+          </p:cNvSpPr>
+          <p:nvPr>
+            <p:ph idx="1"/>
+          </p:nvPr>
+        </p:nvSpPr>
+        <p:spPr>
+          <a:xfrm>
+            <a:off x="838200" y="1463675"/>
+            <a:ext cx="10515600" cy="5156200"/>
+          </a:xfrm>
+        </p:spPr>
+        <p:txBody>
+          <a:bodyPr>
+            <a:normAutofit fontScale="85000" lnSpcReduction="10000"/>
+          </a:bodyPr>
+          <a:lstStyle/>
+          <a:p>
+            <a:r>
+              <a:rPr lang="en-US" sz="4800" dirty="0"/>
+              <a:t>Of course you know about not clicking suspicious email links which are attempting to harvest your username/password via a </a:t>
+            </a:r>
+            <a:br>
+              <a:rPr lang="en-US" sz="4800" dirty="0"/>
+            </a:br>
+            <a:r>
+              <a:rPr lang="en-US" sz="4800" b="1" dirty="0"/>
+              <a:t>fake but realistic-looking login page.</a:t>
+            </a:r>
+          </a:p>
+          <a:p>
+            <a:r>
+              <a:rPr lang="en-US" sz="4800" dirty="0"/>
+              <a:t>This is called “phishing”, or if they’re going after you because of your role/title, “spear phishing”.</a:t>
+            </a:r>
+          </a:p>
+          <a:p>
+            <a:endParaRPr lang="en-US" sz="4800" dirty="0"/>
+          </a:p>
+          <a:p>
+            <a:r>
+              <a:rPr lang="en-US" sz="4800" dirty="0"/>
+              <a:t>But what if they already know your username and password?</a:t>
+            </a:r>
+            <a:endParaRPr lang="en-US" sz="4400" dirty="0"/>
+          </a:p>
+        </p:txBody>
+      </p:sp>
+    </p:spTree>
+    <p:extLst>
+      <p:ext uri="{BB962C8B-B14F-4D97-AF65-F5344CB8AC3E}">
+        <p14:creationId xmlns:p14="http://schemas.microsoft.com/office/powerpoint/2010/main" val="292957853"/>
+      </p:ext>
+    </p:extLst>
+  </p:cSld>
+  <p:clrMapOvr>
+    <a:masterClrMapping/>
+  </p:clrMapOvr>
+</p:sld>
+</file>
+
+<file path=ppt/slides/slide30.xml><?xml version="1.0" encoding="utf-8"?>
 <p:sld xmlns:a="http://schemas.openxmlformats.org/drawingml/2006/main" xmlns:r="http://schemas.openxmlformats.org/officeDocument/2006/relationships" xmlns:p="http://schemas.openxmlformats.org/presentationml/2006/main">
   <p:cSld>
     <p:spTree>
@@ -8664,7 +9031,665 @@
 </p:sld>
 </file>
 
-<file path=ppt/slides/slide3.xml><?xml version="1.0" encoding="utf-8"?>
+<file path=ppt/slides/slide31.xml><?xml version="1.0" encoding="utf-8"?>
+<p:sld xmlns:a="http://schemas.openxmlformats.org/drawingml/2006/main" xmlns:r="http://schemas.openxmlformats.org/officeDocument/2006/relationships" xmlns:p="http://schemas.openxmlformats.org/presentationml/2006/main">
+  <p:cSld>
+    <p:spTree>
+      <p:nvGrpSpPr>
+        <p:cNvPr id="1" name=""/>
+        <p:cNvGrpSpPr/>
+        <p:nvPr/>
+      </p:nvGrpSpPr>
+      <p:grpSpPr>
+        <a:xfrm>
+          <a:off x="0" y="0"/>
+          <a:ext cx="0" cy="0"/>
+          <a:chOff x="0" y="0"/>
+          <a:chExt cx="0" cy="0"/>
+        </a:xfrm>
+      </p:grpSpPr>
+      <p:sp>
+        <p:nvSpPr>
+          <p:cNvPr id="2" name="Title 1">
+            <a:extLst>
+              <a:ext uri="{FF2B5EF4-FFF2-40B4-BE49-F238E27FC236}">
+                <a16:creationId xmlns:a16="http://schemas.microsoft.com/office/drawing/2014/main" id="{D0CBD092-444D-485B-B077-AE37DB7967F1}"/>
+              </a:ext>
+            </a:extLst>
+          </p:cNvPr>
+          <p:cNvSpPr>
+            <a:spLocks noGrp="1"/>
+          </p:cNvSpPr>
+          <p:nvPr>
+            <p:ph type="title"/>
+          </p:nvPr>
+        </p:nvSpPr>
+        <p:spPr/>
+        <p:txBody>
+          <a:bodyPr/>
+          <a:lstStyle/>
+          <a:p>
+            <a:r>
+              <a:rPr lang="en-US" dirty="0"/>
+              <a:t>Can’t Trust Google Implicitly, But</a:t>
+            </a:r>
+          </a:p>
+        </p:txBody>
+      </p:sp>
+      <p:sp>
+        <p:nvSpPr>
+          <p:cNvPr id="3" name="Content Placeholder 2">
+            <a:extLst>
+              <a:ext uri="{FF2B5EF4-FFF2-40B4-BE49-F238E27FC236}">
+                <a16:creationId xmlns:a16="http://schemas.microsoft.com/office/drawing/2014/main" id="{65B32B1F-E0DF-456C-B7E0-F6CB2CBEA651}"/>
+              </a:ext>
+            </a:extLst>
+          </p:cNvPr>
+          <p:cNvSpPr>
+            <a:spLocks noGrp="1"/>
+          </p:cNvSpPr>
+          <p:nvPr>
+            <p:ph idx="1"/>
+          </p:nvPr>
+        </p:nvSpPr>
+        <p:spPr>
+          <a:xfrm>
+            <a:off x="542926" y="1476375"/>
+            <a:ext cx="11087100" cy="5276850"/>
+          </a:xfrm>
+        </p:spPr>
+        <p:txBody>
+          <a:bodyPr>
+            <a:normAutofit/>
+          </a:bodyPr>
+          <a:lstStyle/>
+          <a:p>
+            <a:r>
+              <a:rPr lang="en-US" sz="3600" dirty="0"/>
+              <a:t>Google offers a free platform utilizing hardware TFA for “</a:t>
+            </a:r>
+            <a:r>
+              <a:rPr lang="en-US" sz="3600" dirty="0">
+                <a:effectLst/>
+              </a:rPr>
+              <a:t>anyone at risk of targeted attacks – like </a:t>
+            </a:r>
+            <a:r>
+              <a:rPr lang="en-US" sz="3600" b="1" dirty="0">
+                <a:effectLst/>
+              </a:rPr>
+              <a:t>journalists, activists, business leaders, and political teams</a:t>
+            </a:r>
+            <a:r>
+              <a:rPr lang="en-US" sz="3600" dirty="0">
+                <a:effectLst/>
+              </a:rPr>
+              <a:t>.</a:t>
+            </a:r>
+            <a:r>
+              <a:rPr lang="en-US" sz="3600" dirty="0"/>
+              <a:t>“ </a:t>
+            </a:r>
+            <a:r>
+              <a:rPr lang="en-US" sz="3600" dirty="0">
+                <a:hlinkClick r:id="rId2"/>
+              </a:rPr>
+              <a:t>https://landing.google.com/advancedprotection/</a:t>
+            </a:r>
+            <a:endParaRPr lang="en-US" sz="3600" dirty="0"/>
+          </a:p>
+          <a:p>
+            <a:r>
+              <a:rPr lang="en-US" sz="3600" dirty="0"/>
+              <a:t>“Google </a:t>
+            </a:r>
+            <a:r>
+              <a:rPr lang="en-US" sz="3600" b="1" dirty="0"/>
+              <a:t>has</a:t>
+            </a:r>
+            <a:r>
+              <a:rPr lang="en-US" sz="3600" dirty="0"/>
+              <a:t> </a:t>
+            </a:r>
+            <a:r>
+              <a:rPr lang="en-US" sz="3600" b="1" dirty="0"/>
+              <a:t>not had any of its 85,000+ employees successfully phished </a:t>
+            </a:r>
+            <a:r>
+              <a:rPr lang="en-US" sz="3600" dirty="0"/>
+              <a:t>since early 2017, when it began requiring all employees to use physical Security Keys in place of passwords and one-time codes.” </a:t>
+            </a:r>
+            <a:r>
+              <a:rPr lang="en-US" sz="1400" dirty="0">
+                <a:hlinkClick r:id="rId3"/>
+              </a:rPr>
+              <a:t>https://krebsonsecurity.com/2018/07/google-security-keys-neutralized-employee-phishing/</a:t>
+            </a:r>
+            <a:endParaRPr lang="en-US" sz="1400" dirty="0"/>
+          </a:p>
+          <a:p>
+            <a:endParaRPr lang="en-US" sz="3600" dirty="0"/>
+          </a:p>
+        </p:txBody>
+      </p:sp>
+      <p:sp>
+        <p:nvSpPr>
+          <p:cNvPr id="8" name="AutoShape 10" descr="https://lh3.googleusercontent.com/SClWEmbk7QxxuKiWshok2T45vAwEQYCduisnnGORqrha7KfpQsvFZa0xac_jyj_tE9Mn=w1920-h947-rw">
+            <a:extLst>
+              <a:ext uri="{FF2B5EF4-FFF2-40B4-BE49-F238E27FC236}">
+                <a16:creationId xmlns:a16="http://schemas.microsoft.com/office/drawing/2014/main" id="{35F208E5-7037-43C1-A023-1454F9383ED2}"/>
+              </a:ext>
+            </a:extLst>
+          </p:cNvPr>
+          <p:cNvSpPr>
+            <a:spLocks noChangeAspect="1" noChangeArrowheads="1"/>
+          </p:cNvSpPr>
+          <p:nvPr/>
+        </p:nvSpPr>
+        <p:spPr bwMode="auto">
+          <a:xfrm>
+            <a:off x="5943600" y="3276600"/>
+            <a:ext cx="304800" cy="304800"/>
+          </a:xfrm>
+          <a:prstGeom prst="rect">
+            <a:avLst/>
+          </a:prstGeom>
+          <a:noFill/>
+          <a:extLst>
+            <a:ext uri="{909E8E84-426E-40DD-AFC4-6F175D3DCCD1}">
+              <a14:hiddenFill xmlns:a14="http://schemas.microsoft.com/office/drawing/2010/main">
+                <a:solidFill>
+                  <a:srgbClr val="FFFFFF"/>
+                </a:solidFill>
+              </a14:hiddenFill>
+            </a:ext>
+          </a:extLst>
+        </p:spPr>
+        <p:txBody>
+          <a:bodyPr vert="horz" wrap="square" lIns="91440" tIns="45720" rIns="91440" bIns="45720" numCol="1" anchor="t" anchorCtr="0" compatLnSpc="1">
+            <a:prstTxWarp prst="textNoShape">
+              <a:avLst/>
+            </a:prstTxWarp>
+          </a:bodyPr>
+          <a:lstStyle/>
+          <a:p>
+            <a:endParaRPr lang="en-US"/>
+          </a:p>
+        </p:txBody>
+      </p:sp>
+    </p:spTree>
+    <p:extLst>
+      <p:ext uri="{BB962C8B-B14F-4D97-AF65-F5344CB8AC3E}">
+        <p14:creationId xmlns:p14="http://schemas.microsoft.com/office/powerpoint/2010/main" val="2415589479"/>
+      </p:ext>
+    </p:extLst>
+  </p:cSld>
+  <p:clrMapOvr>
+    <a:masterClrMapping/>
+  </p:clrMapOvr>
+</p:sld>
+</file>
+
+<file path=ppt/slides/slide32.xml><?xml version="1.0" encoding="utf-8"?>
+<p:sld xmlns:a="http://schemas.openxmlformats.org/drawingml/2006/main" xmlns:r="http://schemas.openxmlformats.org/officeDocument/2006/relationships" xmlns:p="http://schemas.openxmlformats.org/presentationml/2006/main">
+  <p:cSld>
+    <p:spTree>
+      <p:nvGrpSpPr>
+        <p:cNvPr id="1" name=""/>
+        <p:cNvGrpSpPr/>
+        <p:nvPr/>
+      </p:nvGrpSpPr>
+      <p:grpSpPr>
+        <a:xfrm>
+          <a:off x="0" y="0"/>
+          <a:ext cx="0" cy="0"/>
+          <a:chOff x="0" y="0"/>
+          <a:chExt cx="0" cy="0"/>
+        </a:xfrm>
+      </p:grpSpPr>
+      <p:sp>
+        <p:nvSpPr>
+          <p:cNvPr id="2" name="Title 1">
+            <a:extLst>
+              <a:ext uri="{FF2B5EF4-FFF2-40B4-BE49-F238E27FC236}">
+                <a16:creationId xmlns:a16="http://schemas.microsoft.com/office/drawing/2014/main" id="{D0CBD092-444D-485B-B077-AE37DB7967F1}"/>
+              </a:ext>
+            </a:extLst>
+          </p:cNvPr>
+          <p:cNvSpPr>
+            <a:spLocks noGrp="1"/>
+          </p:cNvSpPr>
+          <p:nvPr>
+            <p:ph type="title"/>
+          </p:nvPr>
+        </p:nvSpPr>
+        <p:spPr/>
+        <p:txBody>
+          <a:bodyPr/>
+          <a:lstStyle/>
+          <a:p>
+            <a:r>
+              <a:rPr lang="en-US" dirty="0"/>
+              <a:t>Personal Practical Cybersecurity</a:t>
+            </a:r>
+          </a:p>
+        </p:txBody>
+      </p:sp>
+      <p:sp>
+        <p:nvSpPr>
+          <p:cNvPr id="3" name="Content Placeholder 2">
+            <a:extLst>
+              <a:ext uri="{FF2B5EF4-FFF2-40B4-BE49-F238E27FC236}">
+                <a16:creationId xmlns:a16="http://schemas.microsoft.com/office/drawing/2014/main" id="{65B32B1F-E0DF-456C-B7E0-F6CB2CBEA651}"/>
+              </a:ext>
+            </a:extLst>
+          </p:cNvPr>
+          <p:cNvSpPr>
+            <a:spLocks noGrp="1"/>
+          </p:cNvSpPr>
+          <p:nvPr>
+            <p:ph idx="1"/>
+          </p:nvPr>
+        </p:nvSpPr>
+        <p:spPr>
+          <a:xfrm>
+            <a:off x="838200" y="1825625"/>
+            <a:ext cx="10791825" cy="4351338"/>
+          </a:xfrm>
+        </p:spPr>
+        <p:txBody>
+          <a:bodyPr>
+            <a:normAutofit/>
+          </a:bodyPr>
+          <a:lstStyle/>
+          <a:p>
+            <a:r>
+              <a:rPr lang="en-US" sz="4000" dirty="0"/>
+              <a:t>The TFA industry and various sites’ implementations are still immature and is advancing quickly, hindered by the cost and sophistication but </a:t>
+            </a:r>
+            <a:r>
+              <a:rPr lang="en-US" sz="4000" b="1" dirty="0"/>
+              <a:t>mostly hindered by user resistance to change. </a:t>
+            </a:r>
+          </a:p>
+          <a:p>
+            <a:r>
+              <a:rPr lang="en-US" sz="4000" dirty="0"/>
+              <a:t>This is not an excuse. </a:t>
+            </a:r>
+          </a:p>
+          <a:p>
+            <a:r>
+              <a:rPr lang="en-US" sz="4000" dirty="0"/>
+              <a:t>Take steps now!</a:t>
+            </a:r>
+          </a:p>
+        </p:txBody>
+      </p:sp>
+      <p:sp>
+        <p:nvSpPr>
+          <p:cNvPr id="8" name="AutoShape 10" descr="https://lh3.googleusercontent.com/SClWEmbk7QxxuKiWshok2T45vAwEQYCduisnnGORqrha7KfpQsvFZa0xac_jyj_tE9Mn=w1920-h947-rw">
+            <a:extLst>
+              <a:ext uri="{FF2B5EF4-FFF2-40B4-BE49-F238E27FC236}">
+                <a16:creationId xmlns:a16="http://schemas.microsoft.com/office/drawing/2014/main" id="{35F208E5-7037-43C1-A023-1454F9383ED2}"/>
+              </a:ext>
+            </a:extLst>
+          </p:cNvPr>
+          <p:cNvSpPr>
+            <a:spLocks noChangeAspect="1" noChangeArrowheads="1"/>
+          </p:cNvSpPr>
+          <p:nvPr/>
+        </p:nvSpPr>
+        <p:spPr bwMode="auto">
+          <a:xfrm>
+            <a:off x="5943600" y="3276600"/>
+            <a:ext cx="304800" cy="304800"/>
+          </a:xfrm>
+          <a:prstGeom prst="rect">
+            <a:avLst/>
+          </a:prstGeom>
+          <a:noFill/>
+          <a:extLst>
+            <a:ext uri="{909E8E84-426E-40DD-AFC4-6F175D3DCCD1}">
+              <a14:hiddenFill xmlns:a14="http://schemas.microsoft.com/office/drawing/2010/main">
+                <a:solidFill>
+                  <a:srgbClr val="FFFFFF"/>
+                </a:solidFill>
+              </a14:hiddenFill>
+            </a:ext>
+          </a:extLst>
+        </p:spPr>
+        <p:txBody>
+          <a:bodyPr vert="horz" wrap="square" lIns="91440" tIns="45720" rIns="91440" bIns="45720" numCol="1" anchor="t" anchorCtr="0" compatLnSpc="1">
+            <a:prstTxWarp prst="textNoShape">
+              <a:avLst/>
+            </a:prstTxWarp>
+          </a:bodyPr>
+          <a:lstStyle/>
+          <a:p>
+            <a:endParaRPr lang="en-US"/>
+          </a:p>
+        </p:txBody>
+      </p:sp>
+    </p:spTree>
+    <p:extLst>
+      <p:ext uri="{BB962C8B-B14F-4D97-AF65-F5344CB8AC3E}">
+        <p14:creationId xmlns:p14="http://schemas.microsoft.com/office/powerpoint/2010/main" val="993667997"/>
+      </p:ext>
+    </p:extLst>
+  </p:cSld>
+  <p:clrMapOvr>
+    <a:masterClrMapping/>
+  </p:clrMapOvr>
+</p:sld>
+</file>
+
+<file path=ppt/slides/slide33.xml><?xml version="1.0" encoding="utf-8"?>
+<p:sld xmlns:a="http://schemas.openxmlformats.org/drawingml/2006/main" xmlns:r="http://schemas.openxmlformats.org/officeDocument/2006/relationships" xmlns:p="http://schemas.openxmlformats.org/presentationml/2006/main">
+  <p:cSld>
+    <p:spTree>
+      <p:nvGrpSpPr>
+        <p:cNvPr id="1" name=""/>
+        <p:cNvGrpSpPr/>
+        <p:nvPr/>
+      </p:nvGrpSpPr>
+      <p:grpSpPr>
+        <a:xfrm>
+          <a:off x="0" y="0"/>
+          <a:ext cx="0" cy="0"/>
+          <a:chOff x="0" y="0"/>
+          <a:chExt cx="0" cy="0"/>
+        </a:xfrm>
+      </p:grpSpPr>
+      <p:sp>
+        <p:nvSpPr>
+          <p:cNvPr id="2" name="Title 1">
+            <a:extLst>
+              <a:ext uri="{FF2B5EF4-FFF2-40B4-BE49-F238E27FC236}">
+                <a16:creationId xmlns:a16="http://schemas.microsoft.com/office/drawing/2014/main" id="{D0CBD092-444D-485B-B077-AE37DB7967F1}"/>
+              </a:ext>
+            </a:extLst>
+          </p:cNvPr>
+          <p:cNvSpPr>
+            <a:spLocks noGrp="1"/>
+          </p:cNvSpPr>
+          <p:nvPr>
+            <p:ph type="title"/>
+          </p:nvPr>
+        </p:nvSpPr>
+        <p:spPr>
+          <a:xfrm>
+            <a:off x="838200" y="365126"/>
+            <a:ext cx="10515600" cy="618286"/>
+          </a:xfrm>
+        </p:spPr>
+        <p:txBody>
+          <a:bodyPr>
+            <a:normAutofit fontScale="90000"/>
+          </a:bodyPr>
+          <a:lstStyle/>
+          <a:p>
+            <a:r>
+              <a:rPr lang="en-US" dirty="0"/>
+              <a:t>More Reading</a:t>
+            </a:r>
+          </a:p>
+        </p:txBody>
+      </p:sp>
+      <p:sp>
+        <p:nvSpPr>
+          <p:cNvPr id="3" name="Content Placeholder 2">
+            <a:extLst>
+              <a:ext uri="{FF2B5EF4-FFF2-40B4-BE49-F238E27FC236}">
+                <a16:creationId xmlns:a16="http://schemas.microsoft.com/office/drawing/2014/main" id="{65B32B1F-E0DF-456C-B7E0-F6CB2CBEA651}"/>
+              </a:ext>
+            </a:extLst>
+          </p:cNvPr>
+          <p:cNvSpPr>
+            <a:spLocks noGrp="1"/>
+          </p:cNvSpPr>
+          <p:nvPr>
+            <p:ph idx="1"/>
+          </p:nvPr>
+        </p:nvSpPr>
+        <p:spPr>
+          <a:xfrm>
+            <a:off x="414067" y="1057835"/>
+            <a:ext cx="11205713" cy="5584504"/>
+          </a:xfrm>
+        </p:spPr>
+        <p:txBody>
+          <a:bodyPr>
+            <a:normAutofit fontScale="92500" lnSpcReduction="20000"/>
+          </a:bodyPr>
+          <a:lstStyle/>
+          <a:p>
+            <a:r>
+              <a:rPr lang="en-US" sz="1600" b="1" dirty="0"/>
+              <a:t>How Russian </a:t>
+            </a:r>
+            <a:r>
+              <a:rPr lang="en-US" sz="1600" b="1" dirty="0" err="1"/>
+              <a:t>Cyberpower</a:t>
+            </a:r>
+            <a:r>
+              <a:rPr lang="en-US" sz="1600" b="1" dirty="0"/>
+              <a:t> Invaded the U.S.</a:t>
+            </a:r>
+            <a:r>
+              <a:rPr lang="en-US" sz="1600" b="1" i="1" dirty="0"/>
+              <a:t> </a:t>
+            </a:r>
+            <a:r>
+              <a:rPr lang="en-US" sz="1600" dirty="0">
+                <a:hlinkClick r:id="rId2"/>
+              </a:rPr>
+              <a:t>https://www.nytimes.com/2016/12/13/us/politics/russia-hack-election-dnc.html</a:t>
+            </a:r>
+            <a:endParaRPr lang="en-US" sz="1600" dirty="0"/>
+          </a:p>
+          <a:p>
+            <a:r>
+              <a:rPr lang="en-US" sz="1600" b="1" dirty="0"/>
+              <a:t>Your password has probably been stolen. Here’s what to do about it. </a:t>
+            </a:r>
+            <a:r>
+              <a:rPr lang="en-US" sz="1600" dirty="0">
+                <a:hlinkClick r:id="rId3"/>
+              </a:rPr>
+              <a:t>https://www.washingtonpost.com/technology/2018/07/12/your-password-has-likely-been-stolen-heres-what-do-about-it/</a:t>
+            </a:r>
+            <a:endParaRPr lang="en-US" sz="1600" dirty="0"/>
+          </a:p>
+          <a:p>
+            <a:r>
+              <a:rPr lang="en-US" sz="1600" b="1" dirty="0"/>
+              <a:t>How to protect yourself from 'spear phishing' hacking technique </a:t>
+            </a:r>
+            <a:r>
+              <a:rPr lang="en-US" sz="1600" dirty="0">
+                <a:hlinkClick r:id="rId4"/>
+              </a:rPr>
+              <a:t>https://phys.org/news/2018-07-spear-phishing-hacking-technique.html</a:t>
+            </a:r>
+            <a:endParaRPr lang="en-US" sz="1600" dirty="0"/>
+          </a:p>
+          <a:p>
+            <a:r>
+              <a:rPr lang="en-US" sz="1600" b="1" dirty="0"/>
+              <a:t>Reddit Breach Highlights Limits of SMS-Based Authentication </a:t>
+            </a:r>
+            <a:r>
+              <a:rPr lang="en-US" sz="1600" dirty="0">
+                <a:hlinkClick r:id="rId5"/>
+              </a:rPr>
+              <a:t>https://krebsonsecurity.com/2018/08/reddit-breach-highlights-limits-of-sms-based-authentication/</a:t>
+            </a:r>
+            <a:endParaRPr lang="en-US" sz="1600" dirty="0"/>
+          </a:p>
+          <a:p>
+            <a:r>
+              <a:rPr lang="en-US" sz="1600" b="1" dirty="0"/>
+              <a:t>This is why you shouldn’t use texts for two-factor authentication </a:t>
+            </a:r>
+            <a:r>
+              <a:rPr lang="en-US" sz="1600" dirty="0">
+                <a:hlinkClick r:id="rId6"/>
+              </a:rPr>
+              <a:t>https://www.theverge.com/2017/9/18/16328172/sms-two-factor-authentication-hack-password-bitcoin</a:t>
+            </a:r>
+            <a:endParaRPr lang="en-US" sz="1600" dirty="0"/>
+          </a:p>
+          <a:p>
+            <a:r>
+              <a:rPr lang="en-US" sz="1600" b="1" dirty="0"/>
+              <a:t>Two-Factor Authentication: Who Has It and How to Set It Up </a:t>
+            </a:r>
+            <a:r>
+              <a:rPr lang="en-US" sz="1600" dirty="0">
+                <a:hlinkClick r:id="rId7"/>
+              </a:rPr>
+              <a:t>https://www.pcmag.com/feature/358289/two-factor-authentication-who-has-it-and-how-to-set-it-up</a:t>
+            </a:r>
+            <a:endParaRPr lang="en-US" sz="1600" dirty="0"/>
+          </a:p>
+          <a:p>
+            <a:r>
+              <a:rPr lang="en-US" sz="1600" b="1" dirty="0"/>
+              <a:t>Hackers beat 2-factor protection with automated phishing attacks </a:t>
+            </a:r>
+            <a:r>
+              <a:rPr lang="en-US" sz="1600" dirty="0">
+                <a:hlinkClick r:id="rId8"/>
+              </a:rPr>
+              <a:t>https://mashable.com/article/hackers-beat-two-factor-authentication-2fa-phishing</a:t>
+            </a:r>
+            <a:r>
+              <a:rPr lang="en-US" sz="1600" dirty="0"/>
+              <a:t> </a:t>
+            </a:r>
+            <a:endParaRPr lang="en-US" sz="1600" b="1" dirty="0"/>
+          </a:p>
+          <a:p>
+            <a:r>
+              <a:rPr lang="en-US" sz="1600" b="1" dirty="0"/>
+              <a:t>Creating the </a:t>
+            </a:r>
+            <a:r>
+              <a:rPr lang="en-US" sz="1600" b="1" dirty="0" err="1"/>
+              <a:t>Unphishable</a:t>
+            </a:r>
+            <a:r>
+              <a:rPr lang="en-US" sz="1600" b="1" dirty="0"/>
+              <a:t> Security Key: How the FIDO U2F security key and </a:t>
+            </a:r>
+            <a:r>
+              <a:rPr lang="en-US" sz="1600" b="1" dirty="0" err="1"/>
+              <a:t>YubiKey</a:t>
+            </a:r>
+            <a:r>
+              <a:rPr lang="en-US" sz="1600" b="1" dirty="0"/>
+              <a:t> stop phishing and man-in-the-middle attacks </a:t>
+            </a:r>
+            <a:r>
+              <a:rPr lang="en-US" sz="1600" dirty="0">
+                <a:hlinkClick r:id="rId9"/>
+              </a:rPr>
+              <a:t>www.yubico.com/2017/10/creating-unphishable-security-key/</a:t>
+            </a:r>
+            <a:endParaRPr lang="en-US" sz="1600" dirty="0"/>
+          </a:p>
+          <a:p>
+            <a:r>
+              <a:rPr lang="en-US" sz="1600" b="1" dirty="0"/>
+              <a:t>What is two-factor authentication, and which 2FA solutions are </a:t>
+            </a:r>
+            <a:r>
+              <a:rPr lang="en-US" sz="1600" b="1" dirty="0" err="1"/>
+              <a:t>best?</a:t>
+            </a:r>
+            <a:r>
+              <a:rPr lang="en-US" sz="1600" dirty="0" err="1">
+                <a:hlinkClick r:id="rId10"/>
+              </a:rPr>
+              <a:t>https</a:t>
+            </a:r>
+            <a:r>
+              <a:rPr lang="en-US" sz="1600" dirty="0">
+                <a:hlinkClick r:id="rId10"/>
+              </a:rPr>
+              <a:t>://www.pcworld.com/article/3225913/what-is-two-factor-authentication-and-which-2fa-apps-are-best.html</a:t>
+            </a:r>
+            <a:endParaRPr lang="en-US" sz="1600" dirty="0"/>
+          </a:p>
+          <a:p>
+            <a:r>
+              <a:rPr lang="en-US" sz="1600" b="1" dirty="0"/>
+              <a:t>The Limits of SMS for 2-Factor Authentication </a:t>
+            </a:r>
+            <a:r>
+              <a:rPr lang="en-US" sz="1600" dirty="0">
+                <a:hlinkClick r:id="rId11"/>
+              </a:rPr>
+              <a:t>https://krebsonsecurity.com/2016/09/the-limits-of-sms-for-2-factor-authentication/</a:t>
+            </a:r>
+            <a:endParaRPr lang="en-US" sz="1600" dirty="0"/>
+          </a:p>
+          <a:p>
+            <a:r>
+              <a:rPr lang="en-US" sz="1600" b="1" dirty="0"/>
+              <a:t>Major SMS security lapse is a reminder to use authenticator apps instead </a:t>
+            </a:r>
+            <a:r>
+              <a:rPr lang="en-US" sz="1600" dirty="0">
+                <a:hlinkClick r:id="rId12"/>
+              </a:rPr>
+              <a:t>https://www.theverge.com/2018/11/16/18098286/vovox-security-breach-two-factor-authentication-2fa-codes-exposed</a:t>
+            </a:r>
+            <a:endParaRPr lang="en-US" sz="1600" dirty="0"/>
+          </a:p>
+          <a:p>
+            <a:r>
+              <a:rPr lang="en-US" sz="1600" b="1" dirty="0"/>
+              <a:t>Metro Bank targeted with 2FA-bypassing SS7 attacks </a:t>
+            </a:r>
+            <a:r>
+              <a:rPr lang="en-US" sz="1600" dirty="0">
+                <a:hlinkClick r:id="rId13"/>
+              </a:rPr>
+              <a:t>https://www.itpro.co.uk/security/32898/metro-bank-targeted-with-2fa-bypassing-ss7-attacks</a:t>
+            </a:r>
+            <a:endParaRPr lang="en-US" sz="1600" dirty="0"/>
+          </a:p>
+          <a:p>
+            <a:r>
+              <a:rPr lang="en-US" sz="1600" b="1" dirty="0"/>
+              <a:t>Secure password-less sign-in for your Microsoft account using a security key or Windows Hello </a:t>
+            </a:r>
+            <a:r>
+              <a:rPr lang="en-US" sz="1600" dirty="0">
+                <a:hlinkClick r:id="rId14"/>
+              </a:rPr>
+              <a:t>https://www.microsoft.com/en-us/microsoft-365/blog/2018/11/20/sign-in-to-your-microsoft-account-without-a-password-using-windows-hello-or-a-security-key/</a:t>
+            </a:r>
+            <a:endParaRPr lang="en-US" sz="1600" dirty="0"/>
+          </a:p>
+        </p:txBody>
+      </p:sp>
+    </p:spTree>
+    <p:extLst>
+      <p:ext uri="{BB962C8B-B14F-4D97-AF65-F5344CB8AC3E}">
+        <p14:creationId xmlns:p14="http://schemas.microsoft.com/office/powerpoint/2010/main" val="2070803440"/>
+      </p:ext>
+    </p:extLst>
+  </p:cSld>
+  <p:clrMapOvr>
+    <a:masterClrMapping/>
+  </p:clrMapOvr>
+</p:sld>
+</file>
+
+<file path=ppt/slides/slide4.xml><?xml version="1.0" encoding="utf-8"?>
 <p:sld xmlns:a="http://schemas.openxmlformats.org/drawingml/2006/main" xmlns:r="http://schemas.openxmlformats.org/officeDocument/2006/relationships" xmlns:p="http://schemas.openxmlformats.org/presentationml/2006/main">
   <p:cSld>
     <p:spTree>
@@ -9344,751 +10369,6 @@
 </p:sld>
 </file>
 
-<file path=ppt/slides/slide30.xml><?xml version="1.0" encoding="utf-8"?>
-<p:sld xmlns:a="http://schemas.openxmlformats.org/drawingml/2006/main" xmlns:r="http://schemas.openxmlformats.org/officeDocument/2006/relationships" xmlns:p="http://schemas.openxmlformats.org/presentationml/2006/main">
-  <p:cSld>
-    <p:spTree>
-      <p:nvGrpSpPr>
-        <p:cNvPr id="1" name=""/>
-        <p:cNvGrpSpPr/>
-        <p:nvPr/>
-      </p:nvGrpSpPr>
-      <p:grpSpPr>
-        <a:xfrm>
-          <a:off x="0" y="0"/>
-          <a:ext cx="0" cy="0"/>
-          <a:chOff x="0" y="0"/>
-          <a:chExt cx="0" cy="0"/>
-        </a:xfrm>
-      </p:grpSpPr>
-      <p:sp>
-        <p:nvSpPr>
-          <p:cNvPr id="2" name="Title 1">
-            <a:extLst>
-              <a:ext uri="{FF2B5EF4-FFF2-40B4-BE49-F238E27FC236}">
-                <a16:creationId xmlns:a16="http://schemas.microsoft.com/office/drawing/2014/main" id="{D0CBD092-444D-485B-B077-AE37DB7967F1}"/>
-              </a:ext>
-            </a:extLst>
-          </p:cNvPr>
-          <p:cNvSpPr>
-            <a:spLocks noGrp="1"/>
-          </p:cNvSpPr>
-          <p:nvPr>
-            <p:ph type="title"/>
-          </p:nvPr>
-        </p:nvSpPr>
-        <p:spPr/>
-        <p:txBody>
-          <a:bodyPr/>
-          <a:lstStyle/>
-          <a:p>
-            <a:r>
-              <a:rPr lang="en-US" dirty="0"/>
-              <a:t>Can’t Trust Google Implicitly, But</a:t>
-            </a:r>
-          </a:p>
-        </p:txBody>
-      </p:sp>
-      <p:sp>
-        <p:nvSpPr>
-          <p:cNvPr id="3" name="Content Placeholder 2">
-            <a:extLst>
-              <a:ext uri="{FF2B5EF4-FFF2-40B4-BE49-F238E27FC236}">
-                <a16:creationId xmlns:a16="http://schemas.microsoft.com/office/drawing/2014/main" id="{65B32B1F-E0DF-456C-B7E0-F6CB2CBEA651}"/>
-              </a:ext>
-            </a:extLst>
-          </p:cNvPr>
-          <p:cNvSpPr>
-            <a:spLocks noGrp="1"/>
-          </p:cNvSpPr>
-          <p:nvPr>
-            <p:ph idx="1"/>
-          </p:nvPr>
-        </p:nvSpPr>
-        <p:spPr>
-          <a:xfrm>
-            <a:off x="542926" y="1476375"/>
-            <a:ext cx="11087100" cy="5276850"/>
-          </a:xfrm>
-        </p:spPr>
-        <p:txBody>
-          <a:bodyPr>
-            <a:normAutofit/>
-          </a:bodyPr>
-          <a:lstStyle/>
-          <a:p>
-            <a:r>
-              <a:rPr lang="en-US" sz="3600" dirty="0"/>
-              <a:t>Google offers a free platform utilizing hardware TFA for “</a:t>
-            </a:r>
-            <a:r>
-              <a:rPr lang="en-US" sz="3600" dirty="0">
-                <a:effectLst/>
-              </a:rPr>
-              <a:t>anyone at risk of targeted attacks – like </a:t>
-            </a:r>
-            <a:r>
-              <a:rPr lang="en-US" sz="3600" b="1" dirty="0">
-                <a:effectLst/>
-              </a:rPr>
-              <a:t>journalists, activists, business leaders, and political teams</a:t>
-            </a:r>
-            <a:r>
-              <a:rPr lang="en-US" sz="3600" dirty="0">
-                <a:effectLst/>
-              </a:rPr>
-              <a:t>.</a:t>
-            </a:r>
-            <a:r>
-              <a:rPr lang="en-US" sz="3600" dirty="0"/>
-              <a:t>“ </a:t>
-            </a:r>
-            <a:r>
-              <a:rPr lang="en-US" sz="3600" dirty="0">
-                <a:hlinkClick r:id="rId2"/>
-              </a:rPr>
-              <a:t>https://landing.google.com/advancedprotection/</a:t>
-            </a:r>
-            <a:endParaRPr lang="en-US" sz="3600" dirty="0"/>
-          </a:p>
-          <a:p>
-            <a:r>
-              <a:rPr lang="en-US" sz="3600" dirty="0"/>
-              <a:t>“Google </a:t>
-            </a:r>
-            <a:r>
-              <a:rPr lang="en-US" sz="3600" b="1" dirty="0"/>
-              <a:t>has</a:t>
-            </a:r>
-            <a:r>
-              <a:rPr lang="en-US" sz="3600" dirty="0"/>
-              <a:t> </a:t>
-            </a:r>
-            <a:r>
-              <a:rPr lang="en-US" sz="3600" b="1" dirty="0"/>
-              <a:t>not had any of its 85,000+ employees successfully phished </a:t>
-            </a:r>
-            <a:r>
-              <a:rPr lang="en-US" sz="3600" dirty="0"/>
-              <a:t>since early 2017, when it began requiring all employees to use physical Security Keys in place of passwords and one-time codes.” </a:t>
-            </a:r>
-            <a:r>
-              <a:rPr lang="en-US" sz="1400" dirty="0">
-                <a:hlinkClick r:id="rId3"/>
-              </a:rPr>
-              <a:t>https://krebsonsecurity.com/2018/07/google-security-keys-neutralized-employee-phishing/</a:t>
-            </a:r>
-            <a:endParaRPr lang="en-US" sz="1400" dirty="0"/>
-          </a:p>
-          <a:p>
-            <a:endParaRPr lang="en-US" sz="3600" dirty="0"/>
-          </a:p>
-        </p:txBody>
-      </p:sp>
-      <p:sp>
-        <p:nvSpPr>
-          <p:cNvPr id="8" name="AutoShape 10" descr="https://lh3.googleusercontent.com/SClWEmbk7QxxuKiWshok2T45vAwEQYCduisnnGORqrha7KfpQsvFZa0xac_jyj_tE9Mn=w1920-h947-rw">
-            <a:extLst>
-              <a:ext uri="{FF2B5EF4-FFF2-40B4-BE49-F238E27FC236}">
-                <a16:creationId xmlns:a16="http://schemas.microsoft.com/office/drawing/2014/main" id="{35F208E5-7037-43C1-A023-1454F9383ED2}"/>
-              </a:ext>
-            </a:extLst>
-          </p:cNvPr>
-          <p:cNvSpPr>
-            <a:spLocks noChangeAspect="1" noChangeArrowheads="1"/>
-          </p:cNvSpPr>
-          <p:nvPr/>
-        </p:nvSpPr>
-        <p:spPr bwMode="auto">
-          <a:xfrm>
-            <a:off x="5943600" y="3276600"/>
-            <a:ext cx="304800" cy="304800"/>
-          </a:xfrm>
-          <a:prstGeom prst="rect">
-            <a:avLst/>
-          </a:prstGeom>
-          <a:noFill/>
-          <a:extLst>
-            <a:ext uri="{909E8E84-426E-40DD-AFC4-6F175D3DCCD1}">
-              <a14:hiddenFill xmlns:a14="http://schemas.microsoft.com/office/drawing/2010/main">
-                <a:solidFill>
-                  <a:srgbClr val="FFFFFF"/>
-                </a:solidFill>
-              </a14:hiddenFill>
-            </a:ext>
-          </a:extLst>
-        </p:spPr>
-        <p:txBody>
-          <a:bodyPr vert="horz" wrap="square" lIns="91440" tIns="45720" rIns="91440" bIns="45720" numCol="1" anchor="t" anchorCtr="0" compatLnSpc="1">
-            <a:prstTxWarp prst="textNoShape">
-              <a:avLst/>
-            </a:prstTxWarp>
-          </a:bodyPr>
-          <a:lstStyle/>
-          <a:p>
-            <a:endParaRPr lang="en-US"/>
-          </a:p>
-        </p:txBody>
-      </p:sp>
-    </p:spTree>
-    <p:extLst>
-      <p:ext uri="{BB962C8B-B14F-4D97-AF65-F5344CB8AC3E}">
-        <p14:creationId xmlns:p14="http://schemas.microsoft.com/office/powerpoint/2010/main" val="2415589479"/>
-      </p:ext>
-    </p:extLst>
-  </p:cSld>
-  <p:clrMapOvr>
-    <a:masterClrMapping/>
-  </p:clrMapOvr>
-</p:sld>
-</file>
-
-<file path=ppt/slides/slide31.xml><?xml version="1.0" encoding="utf-8"?>
-<p:sld xmlns:a="http://schemas.openxmlformats.org/drawingml/2006/main" xmlns:r="http://schemas.openxmlformats.org/officeDocument/2006/relationships" xmlns:p="http://schemas.openxmlformats.org/presentationml/2006/main">
-  <p:cSld>
-    <p:spTree>
-      <p:nvGrpSpPr>
-        <p:cNvPr id="1" name=""/>
-        <p:cNvGrpSpPr/>
-        <p:nvPr/>
-      </p:nvGrpSpPr>
-      <p:grpSpPr>
-        <a:xfrm>
-          <a:off x="0" y="0"/>
-          <a:ext cx="0" cy="0"/>
-          <a:chOff x="0" y="0"/>
-          <a:chExt cx="0" cy="0"/>
-        </a:xfrm>
-      </p:grpSpPr>
-      <p:sp>
-        <p:nvSpPr>
-          <p:cNvPr id="2" name="Title 1">
-            <a:extLst>
-              <a:ext uri="{FF2B5EF4-FFF2-40B4-BE49-F238E27FC236}">
-                <a16:creationId xmlns:a16="http://schemas.microsoft.com/office/drawing/2014/main" id="{D0CBD092-444D-485B-B077-AE37DB7967F1}"/>
-              </a:ext>
-            </a:extLst>
-          </p:cNvPr>
-          <p:cNvSpPr>
-            <a:spLocks noGrp="1"/>
-          </p:cNvSpPr>
-          <p:nvPr>
-            <p:ph type="title"/>
-          </p:nvPr>
-        </p:nvSpPr>
-        <p:spPr/>
-        <p:txBody>
-          <a:bodyPr/>
-          <a:lstStyle/>
-          <a:p>
-            <a:r>
-              <a:rPr lang="en-US" dirty="0"/>
-              <a:t>Personal Practical Cybersecurity</a:t>
-            </a:r>
-          </a:p>
-        </p:txBody>
-      </p:sp>
-      <p:sp>
-        <p:nvSpPr>
-          <p:cNvPr id="3" name="Content Placeholder 2">
-            <a:extLst>
-              <a:ext uri="{FF2B5EF4-FFF2-40B4-BE49-F238E27FC236}">
-                <a16:creationId xmlns:a16="http://schemas.microsoft.com/office/drawing/2014/main" id="{65B32B1F-E0DF-456C-B7E0-F6CB2CBEA651}"/>
-              </a:ext>
-            </a:extLst>
-          </p:cNvPr>
-          <p:cNvSpPr>
-            <a:spLocks noGrp="1"/>
-          </p:cNvSpPr>
-          <p:nvPr>
-            <p:ph idx="1"/>
-          </p:nvPr>
-        </p:nvSpPr>
-        <p:spPr>
-          <a:xfrm>
-            <a:off x="838200" y="1825625"/>
-            <a:ext cx="10791825" cy="4351338"/>
-          </a:xfrm>
-        </p:spPr>
-        <p:txBody>
-          <a:bodyPr>
-            <a:normAutofit/>
-          </a:bodyPr>
-          <a:lstStyle/>
-          <a:p>
-            <a:r>
-              <a:rPr lang="en-US" sz="4000" dirty="0"/>
-              <a:t>The TFA industry and various sites’ implementations are still immature and is advancing quickly, hindered by the cost and sophistication but </a:t>
-            </a:r>
-            <a:r>
-              <a:rPr lang="en-US" sz="4000" b="1"/>
-              <a:t>mostly hindered by </a:t>
-            </a:r>
-            <a:r>
-              <a:rPr lang="en-US" sz="4000" b="1" dirty="0"/>
-              <a:t>user resistance to change. </a:t>
-            </a:r>
-          </a:p>
-          <a:p>
-            <a:r>
-              <a:rPr lang="en-US" sz="4000" dirty="0"/>
-              <a:t>This is not an excuse. </a:t>
-            </a:r>
-          </a:p>
-          <a:p>
-            <a:r>
-              <a:rPr lang="en-US" sz="4000" dirty="0"/>
-              <a:t>Take steps now!</a:t>
-            </a:r>
-          </a:p>
-        </p:txBody>
-      </p:sp>
-      <p:sp>
-        <p:nvSpPr>
-          <p:cNvPr id="8" name="AutoShape 10" descr="https://lh3.googleusercontent.com/SClWEmbk7QxxuKiWshok2T45vAwEQYCduisnnGORqrha7KfpQsvFZa0xac_jyj_tE9Mn=w1920-h947-rw">
-            <a:extLst>
-              <a:ext uri="{FF2B5EF4-FFF2-40B4-BE49-F238E27FC236}">
-                <a16:creationId xmlns:a16="http://schemas.microsoft.com/office/drawing/2014/main" id="{35F208E5-7037-43C1-A023-1454F9383ED2}"/>
-              </a:ext>
-            </a:extLst>
-          </p:cNvPr>
-          <p:cNvSpPr>
-            <a:spLocks noChangeAspect="1" noChangeArrowheads="1"/>
-          </p:cNvSpPr>
-          <p:nvPr/>
-        </p:nvSpPr>
-        <p:spPr bwMode="auto">
-          <a:xfrm>
-            <a:off x="5943600" y="3276600"/>
-            <a:ext cx="304800" cy="304800"/>
-          </a:xfrm>
-          <a:prstGeom prst="rect">
-            <a:avLst/>
-          </a:prstGeom>
-          <a:noFill/>
-          <a:extLst>
-            <a:ext uri="{909E8E84-426E-40DD-AFC4-6F175D3DCCD1}">
-              <a14:hiddenFill xmlns:a14="http://schemas.microsoft.com/office/drawing/2010/main">
-                <a:solidFill>
-                  <a:srgbClr val="FFFFFF"/>
-                </a:solidFill>
-              </a14:hiddenFill>
-            </a:ext>
-          </a:extLst>
-        </p:spPr>
-        <p:txBody>
-          <a:bodyPr vert="horz" wrap="square" lIns="91440" tIns="45720" rIns="91440" bIns="45720" numCol="1" anchor="t" anchorCtr="0" compatLnSpc="1">
-            <a:prstTxWarp prst="textNoShape">
-              <a:avLst/>
-            </a:prstTxWarp>
-          </a:bodyPr>
-          <a:lstStyle/>
-          <a:p>
-            <a:endParaRPr lang="en-US"/>
-          </a:p>
-        </p:txBody>
-      </p:sp>
-    </p:spTree>
-    <p:extLst>
-      <p:ext uri="{BB962C8B-B14F-4D97-AF65-F5344CB8AC3E}">
-        <p14:creationId xmlns:p14="http://schemas.microsoft.com/office/powerpoint/2010/main" val="993667997"/>
-      </p:ext>
-    </p:extLst>
-  </p:cSld>
-  <p:clrMapOvr>
-    <a:masterClrMapping/>
-  </p:clrMapOvr>
-</p:sld>
-</file>
-
-<file path=ppt/slides/slide32.xml><?xml version="1.0" encoding="utf-8"?>
-<p:sld xmlns:a="http://schemas.openxmlformats.org/drawingml/2006/main" xmlns:r="http://schemas.openxmlformats.org/officeDocument/2006/relationships" xmlns:p="http://schemas.openxmlformats.org/presentationml/2006/main">
-  <p:cSld>
-    <p:spTree>
-      <p:nvGrpSpPr>
-        <p:cNvPr id="1" name=""/>
-        <p:cNvGrpSpPr/>
-        <p:nvPr/>
-      </p:nvGrpSpPr>
-      <p:grpSpPr>
-        <a:xfrm>
-          <a:off x="0" y="0"/>
-          <a:ext cx="0" cy="0"/>
-          <a:chOff x="0" y="0"/>
-          <a:chExt cx="0" cy="0"/>
-        </a:xfrm>
-      </p:grpSpPr>
-      <p:sp>
-        <p:nvSpPr>
-          <p:cNvPr id="2" name="Title 1">
-            <a:extLst>
-              <a:ext uri="{FF2B5EF4-FFF2-40B4-BE49-F238E27FC236}">
-                <a16:creationId xmlns:a16="http://schemas.microsoft.com/office/drawing/2014/main" id="{D0CBD092-444D-485B-B077-AE37DB7967F1}"/>
-              </a:ext>
-            </a:extLst>
-          </p:cNvPr>
-          <p:cNvSpPr>
-            <a:spLocks noGrp="1"/>
-          </p:cNvSpPr>
-          <p:nvPr>
-            <p:ph type="title"/>
-          </p:nvPr>
-        </p:nvSpPr>
-        <p:spPr>
-          <a:xfrm>
-            <a:off x="838200" y="365126"/>
-            <a:ext cx="10515600" cy="618286"/>
-          </a:xfrm>
-        </p:spPr>
-        <p:txBody>
-          <a:bodyPr>
-            <a:normAutofit fontScale="90000"/>
-          </a:bodyPr>
-          <a:lstStyle/>
-          <a:p>
-            <a:r>
-              <a:rPr lang="en-US" dirty="0"/>
-              <a:t>More Reading</a:t>
-            </a:r>
-          </a:p>
-        </p:txBody>
-      </p:sp>
-      <p:sp>
-        <p:nvSpPr>
-          <p:cNvPr id="3" name="Content Placeholder 2">
-            <a:extLst>
-              <a:ext uri="{FF2B5EF4-FFF2-40B4-BE49-F238E27FC236}">
-                <a16:creationId xmlns:a16="http://schemas.microsoft.com/office/drawing/2014/main" id="{65B32B1F-E0DF-456C-B7E0-F6CB2CBEA651}"/>
-              </a:ext>
-            </a:extLst>
-          </p:cNvPr>
-          <p:cNvSpPr>
-            <a:spLocks noGrp="1"/>
-          </p:cNvSpPr>
-          <p:nvPr>
-            <p:ph idx="1"/>
-          </p:nvPr>
-        </p:nvSpPr>
-        <p:spPr>
-          <a:xfrm>
-            <a:off x="414067" y="1057835"/>
-            <a:ext cx="11205713" cy="5584504"/>
-          </a:xfrm>
-        </p:spPr>
-        <p:txBody>
-          <a:bodyPr>
-            <a:normAutofit fontScale="92500" lnSpcReduction="10000"/>
-          </a:bodyPr>
-          <a:lstStyle/>
-          <a:p>
-            <a:r>
-              <a:rPr lang="en-US" sz="1600" b="1" dirty="0"/>
-              <a:t>How Russian </a:t>
-            </a:r>
-            <a:r>
-              <a:rPr lang="en-US" sz="1600" b="1" dirty="0" err="1"/>
-              <a:t>Cyberpower</a:t>
-            </a:r>
-            <a:r>
-              <a:rPr lang="en-US" sz="1600" b="1" dirty="0"/>
-              <a:t> Invaded the U.S.</a:t>
-            </a:r>
-            <a:r>
-              <a:rPr lang="en-US" sz="1600" b="1" i="1" dirty="0"/>
-              <a:t> </a:t>
-            </a:r>
-            <a:r>
-              <a:rPr lang="en-US" sz="1600" dirty="0">
-                <a:hlinkClick r:id="rId2"/>
-              </a:rPr>
-              <a:t>https://www.nytimes.com/2016/12/13/us/politics/russia-hack-election-dnc.html</a:t>
-            </a:r>
-            <a:endParaRPr lang="en-US" sz="1600" dirty="0"/>
-          </a:p>
-          <a:p>
-            <a:r>
-              <a:rPr lang="en-US" sz="1600" b="1" dirty="0"/>
-              <a:t>Your password has probably been stolen. Here’s what to do about it. </a:t>
-            </a:r>
-            <a:r>
-              <a:rPr lang="en-US" sz="1600" dirty="0">
-                <a:hlinkClick r:id="rId3"/>
-              </a:rPr>
-              <a:t>https://www.washingtonpost.com/technology/2018/07/12/your-password-has-likely-been-stolen-heres-what-do-about-it/</a:t>
-            </a:r>
-            <a:endParaRPr lang="en-US" sz="1600" dirty="0"/>
-          </a:p>
-          <a:p>
-            <a:r>
-              <a:rPr lang="en-US" sz="1600" b="1" dirty="0"/>
-              <a:t>How to protect yourself from 'spear phishing' hacking technique </a:t>
-            </a:r>
-            <a:r>
-              <a:rPr lang="en-US" sz="1600" dirty="0">
-                <a:hlinkClick r:id="rId4"/>
-              </a:rPr>
-              <a:t>https://phys.org/news/2018-07-spear-phishing-hacking-technique.html</a:t>
-            </a:r>
-            <a:endParaRPr lang="en-US" sz="1600" dirty="0"/>
-          </a:p>
-          <a:p>
-            <a:r>
-              <a:rPr lang="en-US" sz="1600" b="1" dirty="0"/>
-              <a:t>Reddit Breach Highlights Limits of SMS-Based Authentication </a:t>
-            </a:r>
-            <a:r>
-              <a:rPr lang="en-US" sz="1600" dirty="0">
-                <a:hlinkClick r:id="rId5"/>
-              </a:rPr>
-              <a:t>https://krebsonsecurity.com/2018/08/reddit-breach-highlights-limits-of-sms-based-authentication/</a:t>
-            </a:r>
-            <a:endParaRPr lang="en-US" sz="1600" dirty="0"/>
-          </a:p>
-          <a:p>
-            <a:r>
-              <a:rPr lang="en-US" sz="1600" b="1" dirty="0"/>
-              <a:t>This is why you shouldn’t use texts for two-factor authentication </a:t>
-            </a:r>
-            <a:r>
-              <a:rPr lang="en-US" sz="1600" dirty="0">
-                <a:hlinkClick r:id="rId6"/>
-              </a:rPr>
-              <a:t>https://www.theverge.com/2017/9/18/16328172/sms-two-factor-authentication-hack-password-bitcoin</a:t>
-            </a:r>
-            <a:endParaRPr lang="en-US" sz="1600" dirty="0"/>
-          </a:p>
-          <a:p>
-            <a:r>
-              <a:rPr lang="en-US" sz="1600" b="1" dirty="0"/>
-              <a:t>Two-Factor Authentication: Who Has It and How to Set It Up </a:t>
-            </a:r>
-            <a:r>
-              <a:rPr lang="en-US" sz="1600" dirty="0">
-                <a:hlinkClick r:id="rId7"/>
-              </a:rPr>
-              <a:t>https://www.pcmag.com/feature/358289/two-factor-authentication-who-has-it-and-how-to-set-it-up</a:t>
-            </a:r>
-            <a:endParaRPr lang="en-US" sz="1600" dirty="0"/>
-          </a:p>
-          <a:p>
-            <a:r>
-              <a:rPr lang="en-US" sz="1600" b="1" dirty="0"/>
-              <a:t>Hackers beat 2-factor protection with automated phishing attacks </a:t>
-            </a:r>
-            <a:r>
-              <a:rPr lang="en-US" sz="1600" dirty="0">
-                <a:hlinkClick r:id="rId8"/>
-              </a:rPr>
-              <a:t>https://mashable.com/article/hackers-beat-two-factor-authentication-2fa-phishing</a:t>
-            </a:r>
-            <a:r>
-              <a:rPr lang="en-US" sz="1600" dirty="0"/>
-              <a:t> </a:t>
-            </a:r>
-            <a:endParaRPr lang="en-US" sz="1600" b="1" dirty="0"/>
-          </a:p>
-          <a:p>
-            <a:r>
-              <a:rPr lang="en-US" sz="1600" b="1" dirty="0"/>
-              <a:t>Creating the </a:t>
-            </a:r>
-            <a:r>
-              <a:rPr lang="en-US" sz="1600" b="1" dirty="0" err="1"/>
-              <a:t>Unphishable</a:t>
-            </a:r>
-            <a:r>
-              <a:rPr lang="en-US" sz="1600" b="1" dirty="0"/>
-              <a:t> Security Key: How the FIDO U2F security key and </a:t>
-            </a:r>
-            <a:r>
-              <a:rPr lang="en-US" sz="1600" b="1" dirty="0" err="1"/>
-              <a:t>YubiKey</a:t>
-            </a:r>
-            <a:r>
-              <a:rPr lang="en-US" sz="1600" b="1" dirty="0"/>
-              <a:t> stop phishing and man-in-the-middle attacks </a:t>
-            </a:r>
-            <a:r>
-              <a:rPr lang="en-US" sz="1600" dirty="0">
-                <a:hlinkClick r:id="rId9"/>
-              </a:rPr>
-              <a:t>www.yubico.com/2017/10/creating-unphishable-security-key/</a:t>
-            </a:r>
-            <a:endParaRPr lang="en-US" sz="1600" dirty="0"/>
-          </a:p>
-          <a:p>
-            <a:r>
-              <a:rPr lang="en-US" sz="1600" b="1" dirty="0"/>
-              <a:t>What is two-factor authentication, and which 2FA solutions are </a:t>
-            </a:r>
-            <a:r>
-              <a:rPr lang="en-US" sz="1600" b="1" dirty="0" err="1"/>
-              <a:t>best?</a:t>
-            </a:r>
-            <a:r>
-              <a:rPr lang="en-US" sz="1600" dirty="0" err="1">
-                <a:hlinkClick r:id="rId10"/>
-              </a:rPr>
-              <a:t>https</a:t>
-            </a:r>
-            <a:r>
-              <a:rPr lang="en-US" sz="1600" dirty="0">
-                <a:hlinkClick r:id="rId10"/>
-              </a:rPr>
-              <a:t>://www.pcworld.com/article/3225913/what-is-two-factor-authentication-and-which-2fa-apps-are-best.html</a:t>
-            </a:r>
-            <a:endParaRPr lang="en-US" sz="1600" dirty="0"/>
-          </a:p>
-          <a:p>
-            <a:r>
-              <a:rPr lang="en-US" sz="1600" b="1" dirty="0"/>
-              <a:t>The Limits of SMS for 2-Factor Authentication </a:t>
-            </a:r>
-            <a:r>
-              <a:rPr lang="en-US" sz="1600" dirty="0">
-                <a:hlinkClick r:id="rId11"/>
-              </a:rPr>
-              <a:t>https://krebsonsecurity.com/2016/09/the-limits-of-sms-for-2-factor-authentication/</a:t>
-            </a:r>
-            <a:endParaRPr lang="en-US" sz="1600" dirty="0"/>
-          </a:p>
-          <a:p>
-            <a:r>
-              <a:rPr lang="en-US" sz="1600" b="1" dirty="0"/>
-              <a:t>Major SMS security lapse is a reminder to use authenticator apps instead </a:t>
-            </a:r>
-            <a:r>
-              <a:rPr lang="en-US" sz="1600" dirty="0">
-                <a:hlinkClick r:id="rId12"/>
-              </a:rPr>
-              <a:t>https://www.theverge.com/2018/11/16/18098286/vovox-security-breach-two-factor-authentication-2fa-codes-exposed</a:t>
-            </a:r>
-            <a:endParaRPr lang="en-US" sz="1600" dirty="0"/>
-          </a:p>
-          <a:p>
-            <a:r>
-              <a:rPr lang="en-US" sz="1600" b="1" dirty="0"/>
-              <a:t>Metro Bank targeted with 2FA-bypassing SS7 attacks </a:t>
-            </a:r>
-            <a:r>
-              <a:rPr lang="en-US" sz="1600" dirty="0">
-                <a:hlinkClick r:id="rId13"/>
-              </a:rPr>
-              <a:t>https://www.itpro.co.uk/security/32898/metro-bank-targeted-with-2fa-bypassing-ss7-attacks</a:t>
-            </a:r>
-            <a:endParaRPr lang="en-US" sz="1600" dirty="0"/>
-          </a:p>
-        </p:txBody>
-      </p:sp>
-    </p:spTree>
-    <p:extLst>
-      <p:ext uri="{BB962C8B-B14F-4D97-AF65-F5344CB8AC3E}">
-        <p14:creationId xmlns:p14="http://schemas.microsoft.com/office/powerpoint/2010/main" val="2070803440"/>
-      </p:ext>
-    </p:extLst>
-  </p:cSld>
-  <p:clrMapOvr>
-    <a:masterClrMapping/>
-  </p:clrMapOvr>
-</p:sld>
-</file>
-
-<file path=ppt/slides/slide4.xml><?xml version="1.0" encoding="utf-8"?>
-<p:sld xmlns:a="http://schemas.openxmlformats.org/drawingml/2006/main" xmlns:r="http://schemas.openxmlformats.org/officeDocument/2006/relationships" xmlns:p="http://schemas.openxmlformats.org/presentationml/2006/main">
-  <p:cSld>
-    <p:spTree>
-      <p:nvGrpSpPr>
-        <p:cNvPr id="1" name=""/>
-        <p:cNvGrpSpPr/>
-        <p:nvPr/>
-      </p:nvGrpSpPr>
-      <p:grpSpPr>
-        <a:xfrm>
-          <a:off x="0" y="0"/>
-          <a:ext cx="0" cy="0"/>
-          <a:chOff x="0" y="0"/>
-          <a:chExt cx="0" cy="0"/>
-        </a:xfrm>
-      </p:grpSpPr>
-      <p:sp>
-        <p:nvSpPr>
-          <p:cNvPr id="2" name="Title 1">
-            <a:extLst>
-              <a:ext uri="{FF2B5EF4-FFF2-40B4-BE49-F238E27FC236}">
-                <a16:creationId xmlns:a16="http://schemas.microsoft.com/office/drawing/2014/main" id="{D0CBD092-444D-485B-B077-AE37DB7967F1}"/>
-              </a:ext>
-            </a:extLst>
-          </p:cNvPr>
-          <p:cNvSpPr>
-            <a:spLocks noGrp="1"/>
-          </p:cNvSpPr>
-          <p:nvPr>
-            <p:ph type="title"/>
-          </p:nvPr>
-        </p:nvSpPr>
-        <p:spPr/>
-        <p:txBody>
-          <a:bodyPr/>
-          <a:lstStyle/>
-          <a:p>
-            <a:r>
-              <a:rPr lang="en-US" dirty="0"/>
-              <a:t> </a:t>
-            </a:r>
-          </a:p>
-        </p:txBody>
-      </p:sp>
-      <p:sp>
-        <p:nvSpPr>
-          <p:cNvPr id="3" name="Content Placeholder 2">
-            <a:extLst>
-              <a:ext uri="{FF2B5EF4-FFF2-40B4-BE49-F238E27FC236}">
-                <a16:creationId xmlns:a16="http://schemas.microsoft.com/office/drawing/2014/main" id="{65B32B1F-E0DF-456C-B7E0-F6CB2CBEA651}"/>
-              </a:ext>
-            </a:extLst>
-          </p:cNvPr>
-          <p:cNvSpPr>
-            <a:spLocks noGrp="1"/>
-          </p:cNvSpPr>
-          <p:nvPr>
-            <p:ph idx="1"/>
-          </p:nvPr>
-        </p:nvSpPr>
-        <p:spPr>
-          <a:xfrm>
-            <a:off x="838200" y="2914649"/>
-            <a:ext cx="10515600" cy="3262313"/>
-          </a:xfrm>
-        </p:spPr>
-        <p:txBody>
-          <a:bodyPr>
-            <a:normAutofit lnSpcReduction="10000"/>
-          </a:bodyPr>
-          <a:lstStyle/>
-          <a:p>
-            <a:pPr marL="0" indent="0">
-              <a:buNone/>
-            </a:pPr>
-            <a:r>
-              <a:rPr lang="en-US" sz="6000" dirty="0"/>
-              <a:t>Password length and complexity are useless once some website or service leaks your username/email and password.</a:t>
-            </a:r>
-          </a:p>
-        </p:txBody>
-      </p:sp>
-    </p:spTree>
-    <p:extLst>
-      <p:ext uri="{BB962C8B-B14F-4D97-AF65-F5344CB8AC3E}">
-        <p14:creationId xmlns:p14="http://schemas.microsoft.com/office/powerpoint/2010/main" val="3648181566"/>
-      </p:ext>
-    </p:extLst>
-  </p:cSld>
-  <p:clrMapOvr>
-    <a:masterClrMapping/>
-  </p:clrMapOvr>
-</p:sld>
-</file>
-
 <file path=ppt/slides/slide5.xml><?xml version="1.0" encoding="utf-8"?>
 <p:sld xmlns:a="http://schemas.openxmlformats.org/drawingml/2006/main" xmlns:r="http://schemas.openxmlformats.org/officeDocument/2006/relationships" xmlns:p="http://schemas.openxmlformats.org/presentationml/2006/main">
   <p:cSld>
@@ -10129,7 +10409,7 @@
           <a:p>
             <a:r>
               <a:rPr lang="en-US" dirty="0"/>
-              <a:t>Phishing</a:t>
+              <a:t> </a:t>
             </a:r>
           </a:p>
         </p:txBody>
@@ -10152,50 +10432,77 @@
         </p:nvSpPr>
         <p:spPr>
           <a:xfrm>
-            <a:off x="838200" y="1463675"/>
-            <a:ext cx="10515600" cy="5156200"/>
+            <a:off x="263952" y="560184"/>
+            <a:ext cx="4433868" cy="6134656"/>
           </a:xfrm>
         </p:spPr>
         <p:txBody>
           <a:bodyPr>
-            <a:normAutofit fontScale="85000" lnSpcReduction="10000"/>
+            <a:normAutofit fontScale="92500" lnSpcReduction="20000"/>
           </a:bodyPr>
           <a:lstStyle/>
           <a:p>
-            <a:r>
-              <a:rPr lang="en-US" sz="4800" dirty="0"/>
-              <a:t>Of course you know about not clicking suspicious email links which are attempting to harvest your username/password via a </a:t>
-            </a:r>
-            <a:br>
-              <a:rPr lang="en-US" sz="4800" dirty="0"/>
-            </a:br>
-            <a:r>
-              <a:rPr lang="en-US" sz="4800" b="1" dirty="0"/>
-              <a:t>fake but realistic-looking login page.</a:t>
-            </a:r>
-          </a:p>
-          <a:p>
-            <a:r>
-              <a:rPr lang="en-US" sz="4800" dirty="0"/>
-              <a:t>This is called “phishing”, or if they’re going after you because of your role/title, “spear phishing”.</a:t>
-            </a:r>
-          </a:p>
-          <a:p>
-            <a:endParaRPr lang="en-US" sz="4800" dirty="0"/>
-          </a:p>
-          <a:p>
-            <a:r>
-              <a:rPr lang="en-US" sz="4800" dirty="0"/>
-              <a:t>But what if they already know your username and password?</a:t>
-            </a:r>
-            <a:endParaRPr lang="en-US" sz="4400" dirty="0"/>
-          </a:p>
-        </p:txBody>
-      </p:sp>
+            <a:pPr marL="0" indent="0">
+              <a:buNone/>
+            </a:pPr>
+            <a:r>
+              <a:rPr lang="en-US" sz="6000" dirty="0"/>
+              <a:t>Password length and complexity are useless once some website or service leaks your email and password.</a:t>
+            </a:r>
+          </a:p>
+        </p:txBody>
+      </p:sp>
+      <p:pic>
+        <p:nvPicPr>
+          <p:cNvPr id="1026" name="Picture 2" descr="https://lh3.googleusercontent.com/-x3_E_M8xMK0/XS4iASJObPI/AAAAAAABcZc/bvuTNn816Ecmeb9-yc9IiIENSArNSAWXACK8BGAs/s0/2019-07-16.png">
+            <a:extLst>
+              <a:ext uri="{FF2B5EF4-FFF2-40B4-BE49-F238E27FC236}">
+                <a16:creationId xmlns:a16="http://schemas.microsoft.com/office/drawing/2014/main" id="{348F497A-DFBF-4283-82F7-04D4C4CDD43A}"/>
+              </a:ext>
+            </a:extLst>
+          </p:cNvPr>
+          <p:cNvPicPr>
+            <a:picLocks noChangeAspect="1" noChangeArrowheads="1"/>
+          </p:cNvPicPr>
+          <p:nvPr/>
+        </p:nvPicPr>
+        <p:blipFill>
+          <a:blip r:embed="rId2">
+            <a:extLst>
+              <a:ext uri="{28A0092B-C50C-407E-A947-70E740481C1C}">
+                <a14:useLocalDpi xmlns:a14="http://schemas.microsoft.com/office/drawing/2010/main" val="0"/>
+              </a:ext>
+            </a:extLst>
+          </a:blip>
+          <a:srcRect/>
+          <a:stretch>
+            <a:fillRect/>
+          </a:stretch>
+        </p:blipFill>
+        <p:spPr bwMode="auto">
+          <a:xfrm>
+            <a:off x="4697820" y="864198"/>
+            <a:ext cx="7388077" cy="5526628"/>
+          </a:xfrm>
+          <a:prstGeom prst="rect">
+            <a:avLst/>
+          </a:prstGeom>
+          <a:noFill/>
+          <a:extLst>
+            <a:ext uri="{909E8E84-426E-40DD-AFC4-6F175D3DCCD1}">
+              <a14:hiddenFill xmlns:a14="http://schemas.microsoft.com/office/drawing/2010/main">
+                <a:solidFill>
+                  <a:srgbClr val="FFFFFF"/>
+                </a:solidFill>
+              </a14:hiddenFill>
+            </a:ext>
+          </a:extLst>
+        </p:spPr>
+      </p:pic>
     </p:spTree>
     <p:extLst>
       <p:ext uri="{BB962C8B-B14F-4D97-AF65-F5344CB8AC3E}">
-        <p14:creationId xmlns:p14="http://schemas.microsoft.com/office/powerpoint/2010/main" val="292957853"/>
+        <p14:creationId xmlns:p14="http://schemas.microsoft.com/office/powerpoint/2010/main" val="3648181566"/>
       </p:ext>
     </p:extLst>
   </p:cSld>
